--- a/Mcap2020/PPT_files/Mcap_2020_figs.pptx
+++ b/Mcap2020/PPT_files/Mcap_2020_figs.pptx
@@ -107,6 +107,11 @@
       </a:defRPr>
     </a:lvl9pPr>
   </p:defaultTextStyle>
+  <p:extLst>
+    <p:ext uri="{EFAFB233-063F-42B5-8137-9DF3F51BA10A}">
+      <p15:sldGuideLst xmlns:p15="http://schemas.microsoft.com/office/powerpoint/2012/main"/>
+    </p:ext>
+  </p:extLst>
 </p:presentation>
 </file>
 
@@ -192,7 +197,7 @@
           <a:p>
             <a:fld id="{3A432A35-74DD-234F-BDFF-97E970113162}" type="datetimeFigureOut">
               <a:rPr lang="en-US" smtClean="0"/>
-              <a:t>1/3/22</a:t>
+              <a:t>1/6/22</a:t>
             </a:fld>
             <a:endParaRPr lang="en-US"/>
           </a:p>
@@ -690,7 +695,7 @@
           <a:p>
             <a:fld id="{BE0BD201-9EAE-174B-AC7F-E17FC5DCF497}" type="datetimeFigureOut">
               <a:rPr lang="en-US" smtClean="0"/>
-              <a:t>1/3/22</a:t>
+              <a:t>1/6/22</a:t>
             </a:fld>
             <a:endParaRPr lang="en-US"/>
           </a:p>
@@ -888,7 +893,7 @@
           <a:p>
             <a:fld id="{BE0BD201-9EAE-174B-AC7F-E17FC5DCF497}" type="datetimeFigureOut">
               <a:rPr lang="en-US" smtClean="0"/>
-              <a:t>1/3/22</a:t>
+              <a:t>1/6/22</a:t>
             </a:fld>
             <a:endParaRPr lang="en-US"/>
           </a:p>
@@ -1096,7 +1101,7 @@
           <a:p>
             <a:fld id="{BE0BD201-9EAE-174B-AC7F-E17FC5DCF497}" type="datetimeFigureOut">
               <a:rPr lang="en-US" smtClean="0"/>
-              <a:t>1/3/22</a:t>
+              <a:t>1/6/22</a:t>
             </a:fld>
             <a:endParaRPr lang="en-US"/>
           </a:p>
@@ -1294,7 +1299,7 @@
           <a:p>
             <a:fld id="{BE0BD201-9EAE-174B-AC7F-E17FC5DCF497}" type="datetimeFigureOut">
               <a:rPr lang="en-US" smtClean="0"/>
-              <a:t>1/3/22</a:t>
+              <a:t>1/6/22</a:t>
             </a:fld>
             <a:endParaRPr lang="en-US"/>
           </a:p>
@@ -1569,7 +1574,7 @@
           <a:p>
             <a:fld id="{BE0BD201-9EAE-174B-AC7F-E17FC5DCF497}" type="datetimeFigureOut">
               <a:rPr lang="en-US" smtClean="0"/>
-              <a:t>1/3/22</a:t>
+              <a:t>1/6/22</a:t>
             </a:fld>
             <a:endParaRPr lang="en-US"/>
           </a:p>
@@ -1834,7 +1839,7 @@
           <a:p>
             <a:fld id="{BE0BD201-9EAE-174B-AC7F-E17FC5DCF497}" type="datetimeFigureOut">
               <a:rPr lang="en-US" smtClean="0"/>
-              <a:t>1/3/22</a:t>
+              <a:t>1/6/22</a:t>
             </a:fld>
             <a:endParaRPr lang="en-US"/>
           </a:p>
@@ -2246,7 +2251,7 @@
           <a:p>
             <a:fld id="{BE0BD201-9EAE-174B-AC7F-E17FC5DCF497}" type="datetimeFigureOut">
               <a:rPr lang="en-US" smtClean="0"/>
-              <a:t>1/3/22</a:t>
+              <a:t>1/6/22</a:t>
             </a:fld>
             <a:endParaRPr lang="en-US"/>
           </a:p>
@@ -2387,7 +2392,7 @@
           <a:p>
             <a:fld id="{BE0BD201-9EAE-174B-AC7F-E17FC5DCF497}" type="datetimeFigureOut">
               <a:rPr lang="en-US" smtClean="0"/>
-              <a:t>1/3/22</a:t>
+              <a:t>1/6/22</a:t>
             </a:fld>
             <a:endParaRPr lang="en-US"/>
           </a:p>
@@ -2500,7 +2505,7 @@
           <a:p>
             <a:fld id="{BE0BD201-9EAE-174B-AC7F-E17FC5DCF497}" type="datetimeFigureOut">
               <a:rPr lang="en-US" smtClean="0"/>
-              <a:t>1/3/22</a:t>
+              <a:t>1/6/22</a:t>
             </a:fld>
             <a:endParaRPr lang="en-US"/>
           </a:p>
@@ -2811,7 +2816,7 @@
           <a:p>
             <a:fld id="{BE0BD201-9EAE-174B-AC7F-E17FC5DCF497}" type="datetimeFigureOut">
               <a:rPr lang="en-US" smtClean="0"/>
-              <a:t>1/3/22</a:t>
+              <a:t>1/6/22</a:t>
             </a:fld>
             <a:endParaRPr lang="en-US"/>
           </a:p>
@@ -3099,7 +3104,7 @@
           <a:p>
             <a:fld id="{BE0BD201-9EAE-174B-AC7F-E17FC5DCF497}" type="datetimeFigureOut">
               <a:rPr lang="en-US" smtClean="0"/>
-              <a:t>1/3/22</a:t>
+              <a:t>1/6/22</a:t>
             </a:fld>
             <a:endParaRPr lang="en-US"/>
           </a:p>
@@ -3340,7 +3345,7 @@
           <a:p>
             <a:fld id="{BE0BD201-9EAE-174B-AC7F-E17FC5DCF497}" type="datetimeFigureOut">
               <a:rPr lang="en-US" smtClean="0"/>
-              <a:t>1/3/22</a:t>
+              <a:t>1/6/22</a:t>
             </a:fld>
             <a:endParaRPr lang="en-US"/>
           </a:p>
@@ -4004,7 +4009,7 @@
           <p:nvPr>
             <p:extLst>
               <p:ext uri="{D42A27DB-BD31-4B8C-83A1-F6EECF244321}">
-                <p14:modId xmlns:p14="http://schemas.microsoft.com/office/powerpoint/2010/main" val="1152883520"/>
+                <p14:modId xmlns:p14="http://schemas.microsoft.com/office/powerpoint/2010/main" val="3380942212"/>
               </p:ext>
             </p:extLst>
           </p:nvPr>
@@ -5818,7 +5823,7 @@
                     <a:bodyPr/>
                     <a:lstStyle/>
                     <a:p>
-                      <a:endParaRPr lang="en-US"/>
+                      <a:endParaRPr lang="en-US" dirty="0"/>
                     </a:p>
                   </a:txBody>
                   <a:tcPr>
@@ -5858,9 +5863,7 @@
                       <a:headEnd type="none" w="med" len="med"/>
                       <a:tailEnd type="none" w="med" len="med"/>
                     </a:lnB>
-                    <a:solidFill>
-                      <a:srgbClr val="FF80A9"/>
-                    </a:solidFill>
+                    <a:noFill/>
                   </a:tcPr>
                 </a:tc>
                 <a:tc>
@@ -5968,7 +5971,7 @@
                     <a:bodyPr/>
                     <a:lstStyle/>
                     <a:p>
-                      <a:endParaRPr lang="en-US"/>
+                      <a:endParaRPr lang="en-US" dirty="0"/>
                     </a:p>
                   </a:txBody>
                   <a:tcPr>
@@ -6008,9 +6011,7 @@
                       <a:headEnd type="none" w="med" len="med"/>
                       <a:tailEnd type="none" w="med" len="med"/>
                     </a:lnB>
-                    <a:solidFill>
-                      <a:srgbClr val="FF80A9"/>
-                    </a:solidFill>
+                    <a:noFill/>
                   </a:tcPr>
                 </a:tc>
                 <a:tc>
@@ -6058,9 +6059,7 @@
                       <a:headEnd type="none" w="med" len="med"/>
                       <a:tailEnd type="none" w="med" len="med"/>
                     </a:lnB>
-                    <a:solidFill>
-                      <a:srgbClr val="FF80A9"/>
-                    </a:solidFill>
+                    <a:noFill/>
                   </a:tcPr>
                 </a:tc>
                 <a:extLst>

--- a/Mcap2020/PPT_files/Mcap_2020_figs.pptx
+++ b/Mcap2020/PPT_files/Mcap_2020_figs.pptx
@@ -197,7 +197,7 @@
           <a:p>
             <a:fld id="{3A432A35-74DD-234F-BDFF-97E970113162}" type="datetimeFigureOut">
               <a:rPr lang="en-US" smtClean="0"/>
-              <a:t>1/6/22</a:t>
+              <a:t>3/7/22</a:t>
             </a:fld>
             <a:endParaRPr lang="en-US"/>
           </a:p>
@@ -695,7 +695,7 @@
           <a:p>
             <a:fld id="{BE0BD201-9EAE-174B-AC7F-E17FC5DCF497}" type="datetimeFigureOut">
               <a:rPr lang="en-US" smtClean="0"/>
-              <a:t>1/6/22</a:t>
+              <a:t>3/7/22</a:t>
             </a:fld>
             <a:endParaRPr lang="en-US"/>
           </a:p>
@@ -893,7 +893,7 @@
           <a:p>
             <a:fld id="{BE0BD201-9EAE-174B-AC7F-E17FC5DCF497}" type="datetimeFigureOut">
               <a:rPr lang="en-US" smtClean="0"/>
-              <a:t>1/6/22</a:t>
+              <a:t>3/7/22</a:t>
             </a:fld>
             <a:endParaRPr lang="en-US"/>
           </a:p>
@@ -1101,7 +1101,7 @@
           <a:p>
             <a:fld id="{BE0BD201-9EAE-174B-AC7F-E17FC5DCF497}" type="datetimeFigureOut">
               <a:rPr lang="en-US" smtClean="0"/>
-              <a:t>1/6/22</a:t>
+              <a:t>3/7/22</a:t>
             </a:fld>
             <a:endParaRPr lang="en-US"/>
           </a:p>
@@ -1299,7 +1299,7 @@
           <a:p>
             <a:fld id="{BE0BD201-9EAE-174B-AC7F-E17FC5DCF497}" type="datetimeFigureOut">
               <a:rPr lang="en-US" smtClean="0"/>
-              <a:t>1/6/22</a:t>
+              <a:t>3/7/22</a:t>
             </a:fld>
             <a:endParaRPr lang="en-US"/>
           </a:p>
@@ -1574,7 +1574,7 @@
           <a:p>
             <a:fld id="{BE0BD201-9EAE-174B-AC7F-E17FC5DCF497}" type="datetimeFigureOut">
               <a:rPr lang="en-US" smtClean="0"/>
-              <a:t>1/6/22</a:t>
+              <a:t>3/7/22</a:t>
             </a:fld>
             <a:endParaRPr lang="en-US"/>
           </a:p>
@@ -1839,7 +1839,7 @@
           <a:p>
             <a:fld id="{BE0BD201-9EAE-174B-AC7F-E17FC5DCF497}" type="datetimeFigureOut">
               <a:rPr lang="en-US" smtClean="0"/>
-              <a:t>1/6/22</a:t>
+              <a:t>3/7/22</a:t>
             </a:fld>
             <a:endParaRPr lang="en-US"/>
           </a:p>
@@ -2251,7 +2251,7 @@
           <a:p>
             <a:fld id="{BE0BD201-9EAE-174B-AC7F-E17FC5DCF497}" type="datetimeFigureOut">
               <a:rPr lang="en-US" smtClean="0"/>
-              <a:t>1/6/22</a:t>
+              <a:t>3/7/22</a:t>
             </a:fld>
             <a:endParaRPr lang="en-US"/>
           </a:p>
@@ -2392,7 +2392,7 @@
           <a:p>
             <a:fld id="{BE0BD201-9EAE-174B-AC7F-E17FC5DCF497}" type="datetimeFigureOut">
               <a:rPr lang="en-US" smtClean="0"/>
-              <a:t>1/6/22</a:t>
+              <a:t>3/7/22</a:t>
             </a:fld>
             <a:endParaRPr lang="en-US"/>
           </a:p>
@@ -2505,7 +2505,7 @@
           <a:p>
             <a:fld id="{BE0BD201-9EAE-174B-AC7F-E17FC5DCF497}" type="datetimeFigureOut">
               <a:rPr lang="en-US" smtClean="0"/>
-              <a:t>1/6/22</a:t>
+              <a:t>3/7/22</a:t>
             </a:fld>
             <a:endParaRPr lang="en-US"/>
           </a:p>
@@ -2816,7 +2816,7 @@
           <a:p>
             <a:fld id="{BE0BD201-9EAE-174B-AC7F-E17FC5DCF497}" type="datetimeFigureOut">
               <a:rPr lang="en-US" smtClean="0"/>
-              <a:t>1/6/22</a:t>
+              <a:t>3/7/22</a:t>
             </a:fld>
             <a:endParaRPr lang="en-US"/>
           </a:p>
@@ -3104,7 +3104,7 @@
           <a:p>
             <a:fld id="{BE0BD201-9EAE-174B-AC7F-E17FC5DCF497}" type="datetimeFigureOut">
               <a:rPr lang="en-US" smtClean="0"/>
-              <a:t>1/6/22</a:t>
+              <a:t>3/7/22</a:t>
             </a:fld>
             <a:endParaRPr lang="en-US"/>
           </a:p>
@@ -3345,7 +3345,7 @@
           <a:p>
             <a:fld id="{BE0BD201-9EAE-174B-AC7F-E17FC5DCF497}" type="datetimeFigureOut">
               <a:rPr lang="en-US" smtClean="0"/>
-              <a:t>1/6/22</a:t>
+              <a:t>3/7/22</a:t>
             </a:fld>
             <a:endParaRPr lang="en-US"/>
           </a:p>
@@ -4009,7 +4009,7 @@
           <p:nvPr>
             <p:extLst>
               <p:ext uri="{D42A27DB-BD31-4B8C-83A1-F6EECF244321}">
-                <p14:modId xmlns:p14="http://schemas.microsoft.com/office/powerpoint/2010/main" val="3380942212"/>
+                <p14:modId xmlns:p14="http://schemas.microsoft.com/office/powerpoint/2010/main" val="292327740"/>
               </p:ext>
             </p:extLst>
           </p:nvPr>
@@ -7423,7 +7423,7 @@
                       <a:tailEnd type="none" w="med" len="med"/>
                     </a:lnB>
                     <a:solidFill>
-                      <a:srgbClr val="945200"/>
+                      <a:schemeClr val="bg1"/>
                     </a:solidFill>
                   </a:tcPr>
                 </a:tc>
@@ -7432,7 +7432,7 @@
                     <a:bodyPr/>
                     <a:lstStyle/>
                     <a:p>
-                      <a:endParaRPr lang="en-US"/>
+                      <a:endParaRPr lang="en-US" dirty="0"/>
                     </a:p>
                   </a:txBody>
                   <a:tcPr>
@@ -7473,7 +7473,7 @@
                       <a:tailEnd type="none" w="med" len="med"/>
                     </a:lnB>
                     <a:solidFill>
-                      <a:srgbClr val="FFD579"/>
+                      <a:schemeClr val="bg1"/>
                     </a:solidFill>
                   </a:tcPr>
                 </a:tc>
@@ -7482,7 +7482,7 @@
                     <a:bodyPr/>
                     <a:lstStyle/>
                     <a:p>
-                      <a:endParaRPr lang="en-US"/>
+                      <a:endParaRPr lang="en-US" dirty="0"/>
                     </a:p>
                   </a:txBody>
                   <a:tcPr>
@@ -7523,7 +7523,7 @@
                       <a:tailEnd type="none" w="med" len="med"/>
                     </a:lnB>
                     <a:solidFill>
-                      <a:srgbClr val="FFD579"/>
+                      <a:schemeClr val="bg1"/>
                     </a:solidFill>
                   </a:tcPr>
                 </a:tc>

--- a/Mcap2020/PPT_files/Mcap_2020_figs.pptx
+++ b/Mcap2020/PPT_files/Mcap_2020_figs.pptx
@@ -197,7 +197,7 @@
           <a:p>
             <a:fld id="{3A432A35-74DD-234F-BDFF-97E970113162}" type="datetimeFigureOut">
               <a:rPr lang="en-US" smtClean="0"/>
-              <a:t>3/7/22</a:t>
+              <a:t>3/10/22</a:t>
             </a:fld>
             <a:endParaRPr lang="en-US"/>
           </a:p>
@@ -508,6 +508,14 @@
           <a:bodyPr/>
           <a:lstStyle/>
           <a:p>
+            <a:r>
+              <a:rPr lang="en-US" dirty="0"/>
+              <a:t>Add example pictures </a:t>
+            </a:r>
+            <a:r>
+              <a:rPr lang="en-US"/>
+              <a:t>at each stage </a:t>
+            </a:r>
             <a:endParaRPr lang="en-US" dirty="0"/>
           </a:p>
         </p:txBody>
@@ -695,7 +703,7 @@
           <a:p>
             <a:fld id="{BE0BD201-9EAE-174B-AC7F-E17FC5DCF497}" type="datetimeFigureOut">
               <a:rPr lang="en-US" smtClean="0"/>
-              <a:t>3/7/22</a:t>
+              <a:t>3/10/22</a:t>
             </a:fld>
             <a:endParaRPr lang="en-US"/>
           </a:p>
@@ -893,7 +901,7 @@
           <a:p>
             <a:fld id="{BE0BD201-9EAE-174B-AC7F-E17FC5DCF497}" type="datetimeFigureOut">
               <a:rPr lang="en-US" smtClean="0"/>
-              <a:t>3/7/22</a:t>
+              <a:t>3/10/22</a:t>
             </a:fld>
             <a:endParaRPr lang="en-US"/>
           </a:p>
@@ -1101,7 +1109,7 @@
           <a:p>
             <a:fld id="{BE0BD201-9EAE-174B-AC7F-E17FC5DCF497}" type="datetimeFigureOut">
               <a:rPr lang="en-US" smtClean="0"/>
-              <a:t>3/7/22</a:t>
+              <a:t>3/10/22</a:t>
             </a:fld>
             <a:endParaRPr lang="en-US"/>
           </a:p>
@@ -1299,7 +1307,7 @@
           <a:p>
             <a:fld id="{BE0BD201-9EAE-174B-AC7F-E17FC5DCF497}" type="datetimeFigureOut">
               <a:rPr lang="en-US" smtClean="0"/>
-              <a:t>3/7/22</a:t>
+              <a:t>3/10/22</a:t>
             </a:fld>
             <a:endParaRPr lang="en-US"/>
           </a:p>
@@ -1574,7 +1582,7 @@
           <a:p>
             <a:fld id="{BE0BD201-9EAE-174B-AC7F-E17FC5DCF497}" type="datetimeFigureOut">
               <a:rPr lang="en-US" smtClean="0"/>
-              <a:t>3/7/22</a:t>
+              <a:t>3/10/22</a:t>
             </a:fld>
             <a:endParaRPr lang="en-US"/>
           </a:p>
@@ -1839,7 +1847,7 @@
           <a:p>
             <a:fld id="{BE0BD201-9EAE-174B-AC7F-E17FC5DCF497}" type="datetimeFigureOut">
               <a:rPr lang="en-US" smtClean="0"/>
-              <a:t>3/7/22</a:t>
+              <a:t>3/10/22</a:t>
             </a:fld>
             <a:endParaRPr lang="en-US"/>
           </a:p>
@@ -2251,7 +2259,7 @@
           <a:p>
             <a:fld id="{BE0BD201-9EAE-174B-AC7F-E17FC5DCF497}" type="datetimeFigureOut">
               <a:rPr lang="en-US" smtClean="0"/>
-              <a:t>3/7/22</a:t>
+              <a:t>3/10/22</a:t>
             </a:fld>
             <a:endParaRPr lang="en-US"/>
           </a:p>
@@ -2392,7 +2400,7 @@
           <a:p>
             <a:fld id="{BE0BD201-9EAE-174B-AC7F-E17FC5DCF497}" type="datetimeFigureOut">
               <a:rPr lang="en-US" smtClean="0"/>
-              <a:t>3/7/22</a:t>
+              <a:t>3/10/22</a:t>
             </a:fld>
             <a:endParaRPr lang="en-US"/>
           </a:p>
@@ -2505,7 +2513,7 @@
           <a:p>
             <a:fld id="{BE0BD201-9EAE-174B-AC7F-E17FC5DCF497}" type="datetimeFigureOut">
               <a:rPr lang="en-US" smtClean="0"/>
-              <a:t>3/7/22</a:t>
+              <a:t>3/10/22</a:t>
             </a:fld>
             <a:endParaRPr lang="en-US"/>
           </a:p>
@@ -2816,7 +2824,7 @@
           <a:p>
             <a:fld id="{BE0BD201-9EAE-174B-AC7F-E17FC5DCF497}" type="datetimeFigureOut">
               <a:rPr lang="en-US" smtClean="0"/>
-              <a:t>3/7/22</a:t>
+              <a:t>3/10/22</a:t>
             </a:fld>
             <a:endParaRPr lang="en-US"/>
           </a:p>
@@ -3104,7 +3112,7 @@
           <a:p>
             <a:fld id="{BE0BD201-9EAE-174B-AC7F-E17FC5DCF497}" type="datetimeFigureOut">
               <a:rPr lang="en-US" smtClean="0"/>
-              <a:t>3/7/22</a:t>
+              <a:t>3/10/22</a:t>
             </a:fld>
             <a:endParaRPr lang="en-US"/>
           </a:p>
@@ -3345,7 +3353,7 @@
           <a:p>
             <a:fld id="{BE0BD201-9EAE-174B-AC7F-E17FC5DCF497}" type="datetimeFigureOut">
               <a:rPr lang="en-US" smtClean="0"/>
-              <a:t>3/7/22</a:t>
+              <a:t>3/10/22</a:t>
             </a:fld>
             <a:endParaRPr lang="en-US"/>
           </a:p>
@@ -4009,7 +4017,7 @@
           <p:nvPr>
             <p:extLst>
               <p:ext uri="{D42A27DB-BD31-4B8C-83A1-F6EECF244321}">
-                <p14:modId xmlns:p14="http://schemas.microsoft.com/office/powerpoint/2010/main" val="292327740"/>
+                <p14:modId xmlns:p14="http://schemas.microsoft.com/office/powerpoint/2010/main" val="2513027247"/>
               </p:ext>
             </p:extLst>
           </p:nvPr>
@@ -6781,7 +6789,7 @@
                     <a:bodyPr/>
                     <a:lstStyle/>
                     <a:p>
-                      <a:endParaRPr lang="en-US"/>
+                      <a:endParaRPr lang="en-US" dirty="0"/>
                     </a:p>
                   </a:txBody>
                   <a:tcPr>
@@ -6831,7 +6839,7 @@
                     <a:bodyPr/>
                     <a:lstStyle/>
                     <a:p>
-                      <a:endParaRPr lang="en-US"/>
+                      <a:endParaRPr lang="en-US" dirty="0"/>
                     </a:p>
                   </a:txBody>
                   <a:tcPr>
@@ -7423,7 +7431,7 @@
                       <a:tailEnd type="none" w="med" len="med"/>
                     </a:lnB>
                     <a:solidFill>
-                      <a:schemeClr val="bg1"/>
+                      <a:srgbClr val="945200"/>
                     </a:solidFill>
                   </a:tcPr>
                 </a:tc>
@@ -7473,7 +7481,7 @@
                       <a:tailEnd type="none" w="med" len="med"/>
                     </a:lnB>
                     <a:solidFill>
-                      <a:schemeClr val="bg1"/>
+                      <a:srgbClr val="FFD579"/>
                     </a:solidFill>
                   </a:tcPr>
                 </a:tc>
@@ -7523,7 +7531,7 @@
                       <a:tailEnd type="none" w="med" len="med"/>
                     </a:lnB>
                     <a:solidFill>
-                      <a:schemeClr val="bg1"/>
+                      <a:srgbClr val="FFD579"/>
                     </a:solidFill>
                   </a:tcPr>
                 </a:tc>

--- a/Mcap2020/PPT_files/Mcap_2020_figs.pptx
+++ b/Mcap2020/PPT_files/Mcap_2020_figs.pptx
@@ -5,10 +5,11 @@
     <p:sldMasterId id="2147483648" r:id="rId1"/>
   </p:sldMasterIdLst>
   <p:notesMasterIdLst>
-    <p:notesMasterId r:id="rId3"/>
+    <p:notesMasterId r:id="rId4"/>
   </p:notesMasterIdLst>
   <p:sldIdLst>
     <p:sldId id="256" r:id="rId2"/>
+    <p:sldId id="257" r:id="rId3"/>
   </p:sldIdLst>
   <p:sldSz cx="12192000" cy="6858000"/>
   <p:notesSz cx="6858000" cy="9144000"/>
@@ -197,7 +198,7 @@
           <a:p>
             <a:fld id="{3A432A35-74DD-234F-BDFF-97E970113162}" type="datetimeFigureOut">
               <a:rPr lang="en-US" smtClean="0"/>
-              <a:t>3/10/22</a:t>
+              <a:t>6/23/22</a:t>
             </a:fld>
             <a:endParaRPr lang="en-US"/>
           </a:p>
@@ -556,6 +557,98 @@
 </p:notes>
 </file>
 
+<file path=ppt/notesSlides/notesSlide2.xml><?xml version="1.0" encoding="utf-8"?>
+<p:notes xmlns:a="http://schemas.openxmlformats.org/drawingml/2006/main" xmlns:r="http://schemas.openxmlformats.org/officeDocument/2006/relationships" xmlns:p="http://schemas.openxmlformats.org/presentationml/2006/main">
+  <p:cSld>
+    <p:spTree>
+      <p:nvGrpSpPr>
+        <p:cNvPr id="1" name=""/>
+        <p:cNvGrpSpPr/>
+        <p:nvPr/>
+      </p:nvGrpSpPr>
+      <p:grpSpPr>
+        <a:xfrm>
+          <a:off x="0" y="0"/>
+          <a:ext cx="0" cy="0"/>
+          <a:chOff x="0" y="0"/>
+          <a:chExt cx="0" cy="0"/>
+        </a:xfrm>
+      </p:grpSpPr>
+      <p:sp>
+        <p:nvSpPr>
+          <p:cNvPr id="2" name="Slide Image Placeholder 1"/>
+          <p:cNvSpPr>
+            <a:spLocks noGrp="1" noRot="1" noChangeAspect="1"/>
+          </p:cNvSpPr>
+          <p:nvPr>
+            <p:ph type="sldImg"/>
+          </p:nvPr>
+        </p:nvSpPr>
+        <p:spPr/>
+      </p:sp>
+      <p:sp>
+        <p:nvSpPr>
+          <p:cNvPr id="3" name="Notes Placeholder 2"/>
+          <p:cNvSpPr>
+            <a:spLocks noGrp="1"/>
+          </p:cNvSpPr>
+          <p:nvPr>
+            <p:ph type="body" idx="1"/>
+          </p:nvPr>
+        </p:nvSpPr>
+        <p:spPr/>
+        <p:txBody>
+          <a:bodyPr/>
+          <a:lstStyle/>
+          <a:p>
+            <a:r>
+              <a:rPr lang="en-US" dirty="0"/>
+              <a:t>Add example pictures </a:t>
+            </a:r>
+            <a:r>
+              <a:rPr lang="en-US"/>
+              <a:t>at each stage </a:t>
+            </a:r>
+            <a:endParaRPr lang="en-US" dirty="0"/>
+          </a:p>
+        </p:txBody>
+      </p:sp>
+      <p:sp>
+        <p:nvSpPr>
+          <p:cNvPr id="4" name="Slide Number Placeholder 3"/>
+          <p:cNvSpPr>
+            <a:spLocks noGrp="1"/>
+          </p:cNvSpPr>
+          <p:nvPr>
+            <p:ph type="sldNum" sz="quarter" idx="5"/>
+          </p:nvPr>
+        </p:nvSpPr>
+        <p:spPr/>
+        <p:txBody>
+          <a:bodyPr/>
+          <a:lstStyle/>
+          <a:p>
+            <a:fld id="{C9E26D38-D5A5-9840-BA8B-34CE3CC9B371}" type="slidenum">
+              <a:rPr lang="en-US" smtClean="0"/>
+              <a:t>2</a:t>
+            </a:fld>
+            <a:endParaRPr lang="en-US"/>
+          </a:p>
+        </p:txBody>
+      </p:sp>
+    </p:spTree>
+    <p:extLst>
+      <p:ext uri="{BB962C8B-B14F-4D97-AF65-F5344CB8AC3E}">
+        <p14:creationId xmlns:p14="http://schemas.microsoft.com/office/powerpoint/2010/main" val="332888723"/>
+      </p:ext>
+    </p:extLst>
+  </p:cSld>
+  <p:clrMapOvr>
+    <a:masterClrMapping/>
+  </p:clrMapOvr>
+</p:notes>
+</file>
+
 <file path=ppt/slideLayouts/slideLayout1.xml><?xml version="1.0" encoding="utf-8"?>
 <p:sldLayout xmlns:a="http://schemas.openxmlformats.org/drawingml/2006/main" xmlns:r="http://schemas.openxmlformats.org/officeDocument/2006/relationships" xmlns:p="http://schemas.openxmlformats.org/presentationml/2006/main" type="title" preserve="1">
   <p:cSld name="Title Slide">
@@ -703,7 +796,7 @@
           <a:p>
             <a:fld id="{BE0BD201-9EAE-174B-AC7F-E17FC5DCF497}" type="datetimeFigureOut">
               <a:rPr lang="en-US" smtClean="0"/>
-              <a:t>3/10/22</a:t>
+              <a:t>6/23/22</a:t>
             </a:fld>
             <a:endParaRPr lang="en-US"/>
           </a:p>
@@ -901,7 +994,7 @@
           <a:p>
             <a:fld id="{BE0BD201-9EAE-174B-AC7F-E17FC5DCF497}" type="datetimeFigureOut">
               <a:rPr lang="en-US" smtClean="0"/>
-              <a:t>3/10/22</a:t>
+              <a:t>6/23/22</a:t>
             </a:fld>
             <a:endParaRPr lang="en-US"/>
           </a:p>
@@ -1109,7 +1202,7 @@
           <a:p>
             <a:fld id="{BE0BD201-9EAE-174B-AC7F-E17FC5DCF497}" type="datetimeFigureOut">
               <a:rPr lang="en-US" smtClean="0"/>
-              <a:t>3/10/22</a:t>
+              <a:t>6/23/22</a:t>
             </a:fld>
             <a:endParaRPr lang="en-US"/>
           </a:p>
@@ -1307,7 +1400,7 @@
           <a:p>
             <a:fld id="{BE0BD201-9EAE-174B-AC7F-E17FC5DCF497}" type="datetimeFigureOut">
               <a:rPr lang="en-US" smtClean="0"/>
-              <a:t>3/10/22</a:t>
+              <a:t>6/23/22</a:t>
             </a:fld>
             <a:endParaRPr lang="en-US"/>
           </a:p>
@@ -1582,7 +1675,7 @@
           <a:p>
             <a:fld id="{BE0BD201-9EAE-174B-AC7F-E17FC5DCF497}" type="datetimeFigureOut">
               <a:rPr lang="en-US" smtClean="0"/>
-              <a:t>3/10/22</a:t>
+              <a:t>6/23/22</a:t>
             </a:fld>
             <a:endParaRPr lang="en-US"/>
           </a:p>
@@ -1847,7 +1940,7 @@
           <a:p>
             <a:fld id="{BE0BD201-9EAE-174B-AC7F-E17FC5DCF497}" type="datetimeFigureOut">
               <a:rPr lang="en-US" smtClean="0"/>
-              <a:t>3/10/22</a:t>
+              <a:t>6/23/22</a:t>
             </a:fld>
             <a:endParaRPr lang="en-US"/>
           </a:p>
@@ -2259,7 +2352,7 @@
           <a:p>
             <a:fld id="{BE0BD201-9EAE-174B-AC7F-E17FC5DCF497}" type="datetimeFigureOut">
               <a:rPr lang="en-US" smtClean="0"/>
-              <a:t>3/10/22</a:t>
+              <a:t>6/23/22</a:t>
             </a:fld>
             <a:endParaRPr lang="en-US"/>
           </a:p>
@@ -2400,7 +2493,7 @@
           <a:p>
             <a:fld id="{BE0BD201-9EAE-174B-AC7F-E17FC5DCF497}" type="datetimeFigureOut">
               <a:rPr lang="en-US" smtClean="0"/>
-              <a:t>3/10/22</a:t>
+              <a:t>6/23/22</a:t>
             </a:fld>
             <a:endParaRPr lang="en-US"/>
           </a:p>
@@ -2513,7 +2606,7 @@
           <a:p>
             <a:fld id="{BE0BD201-9EAE-174B-AC7F-E17FC5DCF497}" type="datetimeFigureOut">
               <a:rPr lang="en-US" smtClean="0"/>
-              <a:t>3/10/22</a:t>
+              <a:t>6/23/22</a:t>
             </a:fld>
             <a:endParaRPr lang="en-US"/>
           </a:p>
@@ -2824,7 +2917,7 @@
           <a:p>
             <a:fld id="{BE0BD201-9EAE-174B-AC7F-E17FC5DCF497}" type="datetimeFigureOut">
               <a:rPr lang="en-US" smtClean="0"/>
-              <a:t>3/10/22</a:t>
+              <a:t>6/23/22</a:t>
             </a:fld>
             <a:endParaRPr lang="en-US"/>
           </a:p>
@@ -3112,7 +3205,7 @@
           <a:p>
             <a:fld id="{BE0BD201-9EAE-174B-AC7F-E17FC5DCF497}" type="datetimeFigureOut">
               <a:rPr lang="en-US" smtClean="0"/>
-              <a:t>3/10/22</a:t>
+              <a:t>6/23/22</a:t>
             </a:fld>
             <a:endParaRPr lang="en-US"/>
           </a:p>
@@ -3353,7 +3446,7 @@
           <a:p>
             <a:fld id="{BE0BD201-9EAE-174B-AC7F-E17FC5DCF497}" type="datetimeFigureOut">
               <a:rPr lang="en-US" smtClean="0"/>
-              <a:t>3/10/22</a:t>
+              <a:t>6/23/22</a:t>
             </a:fld>
             <a:endParaRPr lang="en-US"/>
           </a:p>
@@ -3830,10 +3923,10 @@
       </p:pic>
       <p:pic>
         <p:nvPicPr>
-          <p:cNvPr id="7" name="Picture 6">
+          <p:cNvPr id="8" name="Picture 7">
             <a:extLst>
               <a:ext uri="{FF2B5EF4-FFF2-40B4-BE49-F238E27FC236}">
-                <a16:creationId xmlns:a16="http://schemas.microsoft.com/office/drawing/2014/main" id="{EEB9CFE4-4AF9-1441-941F-E6E69F349F74}"/>
+                <a16:creationId xmlns:a16="http://schemas.microsoft.com/office/drawing/2014/main" id="{18A67AB8-67D7-1842-8B83-B10C579A0C43}"/>
               </a:ext>
             </a:extLst>
           </p:cNvPr>
@@ -3844,13 +3937,5335 @@
         </p:nvPicPr>
         <p:blipFill rotWithShape="1">
           <a:blip r:embed="rId3"/>
-          <a:srcRect l="21411" t="31171" r="71210" b="59820"/>
+          <a:srcRect l="32410" t="30090" r="60350" b="58739"/>
           <a:stretch/>
         </p:blipFill>
         <p:spPr>
           <a:xfrm>
-            <a:off x="3674747" y="2422359"/>
-            <a:ext cx="484681" cy="457246"/>
+            <a:off x="4395413" y="2101714"/>
+            <a:ext cx="487655" cy="581435"/>
+          </a:xfrm>
+          <a:prstGeom prst="rect">
+            <a:avLst/>
+          </a:prstGeom>
+        </p:spPr>
+      </p:pic>
+      <p:pic>
+        <p:nvPicPr>
+          <p:cNvPr id="9" name="Picture 8">
+            <a:extLst>
+              <a:ext uri="{FF2B5EF4-FFF2-40B4-BE49-F238E27FC236}">
+                <a16:creationId xmlns:a16="http://schemas.microsoft.com/office/drawing/2014/main" id="{40D3310E-D55E-054C-9165-ACF3A9170762}"/>
+              </a:ext>
+            </a:extLst>
+          </p:cNvPr>
+          <p:cNvPicPr>
+            <a:picLocks noChangeAspect="1"/>
+          </p:cNvPicPr>
+          <p:nvPr/>
+        </p:nvPicPr>
+        <p:blipFill rotWithShape="1">
+          <a:blip r:embed="rId3"/>
+          <a:srcRect l="43688" t="30811" r="48097" b="57478"/>
+          <a:stretch/>
+        </p:blipFill>
+        <p:spPr>
+          <a:xfrm rot="1385185">
+            <a:off x="5177264" y="1789684"/>
+            <a:ext cx="583237" cy="642550"/>
+          </a:xfrm>
+          <a:prstGeom prst="rect">
+            <a:avLst/>
+          </a:prstGeom>
+        </p:spPr>
+      </p:pic>
+      <p:pic>
+        <p:nvPicPr>
+          <p:cNvPr id="10" name="Picture 9">
+            <a:extLst>
+              <a:ext uri="{FF2B5EF4-FFF2-40B4-BE49-F238E27FC236}">
+                <a16:creationId xmlns:a16="http://schemas.microsoft.com/office/drawing/2014/main" id="{C881069F-5751-434F-8408-B84563123084}"/>
+              </a:ext>
+            </a:extLst>
+          </p:cNvPr>
+          <p:cNvPicPr>
+            <a:picLocks noChangeAspect="1"/>
+          </p:cNvPicPr>
+          <p:nvPr/>
+        </p:nvPicPr>
+        <p:blipFill rotWithShape="1">
+          <a:blip r:embed="rId3"/>
+          <a:srcRect l="58307" t="29369" r="33339" b="56397"/>
+          <a:stretch/>
+        </p:blipFill>
+        <p:spPr>
+          <a:xfrm rot="5725008">
+            <a:off x="6750694" y="2651301"/>
+            <a:ext cx="465770" cy="613264"/>
+          </a:xfrm>
+          <a:prstGeom prst="rect">
+            <a:avLst/>
+          </a:prstGeom>
+        </p:spPr>
+      </p:pic>
+      <p:pic>
+        <p:nvPicPr>
+          <p:cNvPr id="11" name="Picture 10">
+            <a:extLst>
+              <a:ext uri="{FF2B5EF4-FFF2-40B4-BE49-F238E27FC236}">
+                <a16:creationId xmlns:a16="http://schemas.microsoft.com/office/drawing/2014/main" id="{515F5E61-25BC-8249-91BF-75DB297E95C5}"/>
+              </a:ext>
+            </a:extLst>
+          </p:cNvPr>
+          <p:cNvPicPr>
+            <a:picLocks noChangeAspect="1"/>
+          </p:cNvPicPr>
+          <p:nvPr/>
+        </p:nvPicPr>
+        <p:blipFill rotWithShape="1">
+          <a:blip r:embed="rId3"/>
+          <a:srcRect l="70699" t="30991" r="18719" b="59279"/>
+          <a:stretch/>
+        </p:blipFill>
+        <p:spPr>
+          <a:xfrm>
+            <a:off x="7364707" y="3122787"/>
+            <a:ext cx="690458" cy="490589"/>
+          </a:xfrm>
+          <a:prstGeom prst="rect">
+            <a:avLst/>
+          </a:prstGeom>
+        </p:spPr>
+      </p:pic>
+      <p:pic>
+        <p:nvPicPr>
+          <p:cNvPr id="12" name="Picture 11">
+            <a:extLst>
+              <a:ext uri="{FF2B5EF4-FFF2-40B4-BE49-F238E27FC236}">
+                <a16:creationId xmlns:a16="http://schemas.microsoft.com/office/drawing/2014/main" id="{E5E22478-8684-BA45-8748-30CE49913B60}"/>
+              </a:ext>
+            </a:extLst>
+          </p:cNvPr>
+          <p:cNvPicPr>
+            <a:picLocks noChangeAspect="1"/>
+          </p:cNvPicPr>
+          <p:nvPr/>
+        </p:nvPicPr>
+        <p:blipFill rotWithShape="1">
+          <a:blip r:embed="rId3"/>
+          <a:srcRect l="86710" t="30270" r="1733" b="58378"/>
+          <a:stretch/>
+        </p:blipFill>
+        <p:spPr>
+          <a:xfrm>
+            <a:off x="8087234" y="3143534"/>
+            <a:ext cx="618998" cy="469842"/>
+          </a:xfrm>
+          <a:prstGeom prst="rect">
+            <a:avLst/>
+          </a:prstGeom>
+        </p:spPr>
+      </p:pic>
+      <p:graphicFrame>
+        <p:nvGraphicFramePr>
+          <p:cNvPr id="13" name="Table 13">
+            <a:extLst>
+              <a:ext uri="{FF2B5EF4-FFF2-40B4-BE49-F238E27FC236}">
+                <a16:creationId xmlns:a16="http://schemas.microsoft.com/office/drawing/2014/main" id="{2CAF6BB9-4B91-214D-B02F-625FA82F345F}"/>
+              </a:ext>
+            </a:extLst>
+          </p:cNvPr>
+          <p:cNvGraphicFramePr>
+            <a:graphicFrameLocks noGrp="1"/>
+          </p:cNvGraphicFramePr>
+          <p:nvPr>
+            <p:extLst>
+              <p:ext uri="{D42A27DB-BD31-4B8C-83A1-F6EECF244321}">
+                <p14:modId xmlns:p14="http://schemas.microsoft.com/office/powerpoint/2010/main" val="1178784075"/>
+              </p:ext>
+            </p:extLst>
+          </p:nvPr>
+        </p:nvGraphicFramePr>
+        <p:xfrm>
+          <a:off x="2177548" y="4032010"/>
+          <a:ext cx="9549020" cy="2194560"/>
+        </p:xfrm>
+        <a:graphic>
+          <a:graphicData uri="http://schemas.openxmlformats.org/drawingml/2006/table">
+            <a:tbl>
+              <a:tblPr firstRow="1" bandRow="1">
+                <a:tableStyleId>{5C22544A-7EE6-4342-B048-85BDC9FD1C3A}</a:tableStyleId>
+              </a:tblPr>
+              <a:tblGrid>
+                <a:gridCol w="734540">
+                  <a:extLst>
+                    <a:ext uri="{9D8B030D-6E8A-4147-A177-3AD203B41FA5}">
+                      <a16:colId xmlns:a16="http://schemas.microsoft.com/office/drawing/2014/main" val="1357248057"/>
+                    </a:ext>
+                  </a:extLst>
+                </a:gridCol>
+                <a:gridCol w="734540">
+                  <a:extLst>
+                    <a:ext uri="{9D8B030D-6E8A-4147-A177-3AD203B41FA5}">
+                      <a16:colId xmlns:a16="http://schemas.microsoft.com/office/drawing/2014/main" val="679851699"/>
+                    </a:ext>
+                  </a:extLst>
+                </a:gridCol>
+                <a:gridCol w="734540">
+                  <a:extLst>
+                    <a:ext uri="{9D8B030D-6E8A-4147-A177-3AD203B41FA5}">
+                      <a16:colId xmlns:a16="http://schemas.microsoft.com/office/drawing/2014/main" val="3055611878"/>
+                    </a:ext>
+                  </a:extLst>
+                </a:gridCol>
+                <a:gridCol w="734540">
+                  <a:extLst>
+                    <a:ext uri="{9D8B030D-6E8A-4147-A177-3AD203B41FA5}">
+                      <a16:colId xmlns:a16="http://schemas.microsoft.com/office/drawing/2014/main" val="459001914"/>
+                    </a:ext>
+                  </a:extLst>
+                </a:gridCol>
+                <a:gridCol w="734540">
+                  <a:extLst>
+                    <a:ext uri="{9D8B030D-6E8A-4147-A177-3AD203B41FA5}">
+                      <a16:colId xmlns:a16="http://schemas.microsoft.com/office/drawing/2014/main" val="3104203870"/>
+                    </a:ext>
+                  </a:extLst>
+                </a:gridCol>
+                <a:gridCol w="734540">
+                  <a:extLst>
+                    <a:ext uri="{9D8B030D-6E8A-4147-A177-3AD203B41FA5}">
+                      <a16:colId xmlns:a16="http://schemas.microsoft.com/office/drawing/2014/main" val="1774336176"/>
+                    </a:ext>
+                  </a:extLst>
+                </a:gridCol>
+                <a:gridCol w="734540">
+                  <a:extLst>
+                    <a:ext uri="{9D8B030D-6E8A-4147-A177-3AD203B41FA5}">
+                      <a16:colId xmlns:a16="http://schemas.microsoft.com/office/drawing/2014/main" val="1260970139"/>
+                    </a:ext>
+                  </a:extLst>
+                </a:gridCol>
+                <a:gridCol w="734540">
+                  <a:extLst>
+                    <a:ext uri="{9D8B030D-6E8A-4147-A177-3AD203B41FA5}">
+                      <a16:colId xmlns:a16="http://schemas.microsoft.com/office/drawing/2014/main" val="4126217058"/>
+                    </a:ext>
+                  </a:extLst>
+                </a:gridCol>
+                <a:gridCol w="734540">
+                  <a:extLst>
+                    <a:ext uri="{9D8B030D-6E8A-4147-A177-3AD203B41FA5}">
+                      <a16:colId xmlns:a16="http://schemas.microsoft.com/office/drawing/2014/main" val="3465304367"/>
+                    </a:ext>
+                  </a:extLst>
+                </a:gridCol>
+                <a:gridCol w="734540">
+                  <a:extLst>
+                    <a:ext uri="{9D8B030D-6E8A-4147-A177-3AD203B41FA5}">
+                      <a16:colId xmlns:a16="http://schemas.microsoft.com/office/drawing/2014/main" val="2847075958"/>
+                    </a:ext>
+                  </a:extLst>
+                </a:gridCol>
+                <a:gridCol w="734540">
+                  <a:extLst>
+                    <a:ext uri="{9D8B030D-6E8A-4147-A177-3AD203B41FA5}">
+                      <a16:colId xmlns:a16="http://schemas.microsoft.com/office/drawing/2014/main" val="2884320136"/>
+                    </a:ext>
+                  </a:extLst>
+                </a:gridCol>
+                <a:gridCol w="734540">
+                  <a:extLst>
+                    <a:ext uri="{9D8B030D-6E8A-4147-A177-3AD203B41FA5}">
+                      <a16:colId xmlns:a16="http://schemas.microsoft.com/office/drawing/2014/main" val="1274461681"/>
+                    </a:ext>
+                  </a:extLst>
+                </a:gridCol>
+                <a:gridCol w="734540">
+                  <a:extLst>
+                    <a:ext uri="{9D8B030D-6E8A-4147-A177-3AD203B41FA5}">
+                      <a16:colId xmlns:a16="http://schemas.microsoft.com/office/drawing/2014/main" val="1442854498"/>
+                    </a:ext>
+                  </a:extLst>
+                </a:gridCol>
+              </a:tblGrid>
+              <a:tr h="330985">
+                <a:tc>
+                  <a:txBody>
+                    <a:bodyPr/>
+                    <a:lstStyle/>
+                    <a:p>
+                      <a:endParaRPr lang="en-US" dirty="0"/>
+                    </a:p>
+                  </a:txBody>
+                  <a:tcPr>
+                    <a:lnL w="12700" cap="flat" cmpd="sng" algn="ctr">
+                      <a:solidFill>
+                        <a:schemeClr val="tx1"/>
+                      </a:solidFill>
+                      <a:prstDash val="solid"/>
+                      <a:round/>
+                      <a:headEnd type="none" w="med" len="med"/>
+                      <a:tailEnd type="none" w="med" len="med"/>
+                    </a:lnL>
+                    <a:lnR w="12700" cap="flat" cmpd="sng" algn="ctr">
+                      <a:solidFill>
+                        <a:schemeClr val="tx1"/>
+                      </a:solidFill>
+                      <a:prstDash val="solid"/>
+                      <a:round/>
+                      <a:headEnd type="none" w="med" len="med"/>
+                      <a:tailEnd type="none" w="med" len="med"/>
+                    </a:lnR>
+                    <a:lnT w="12700" cap="flat" cmpd="sng" algn="ctr">
+                      <a:solidFill>
+                        <a:schemeClr val="tx1"/>
+                      </a:solidFill>
+                      <a:prstDash val="solid"/>
+                      <a:round/>
+                      <a:headEnd type="none" w="med" len="med"/>
+                      <a:tailEnd type="none" w="med" len="med"/>
+                    </a:lnT>
+                    <a:lnB w="12700" cap="flat" cmpd="sng" algn="ctr">
+                      <a:solidFill>
+                        <a:schemeClr val="tx1"/>
+                      </a:solidFill>
+                      <a:prstDash val="solid"/>
+                      <a:round/>
+                      <a:headEnd type="none" w="med" len="med"/>
+                      <a:tailEnd type="none" w="med" len="med"/>
+                    </a:lnB>
+                    <a:noFill/>
+                  </a:tcPr>
+                </a:tc>
+                <a:tc>
+                  <a:txBody>
+                    <a:bodyPr/>
+                    <a:lstStyle/>
+                    <a:p>
+                      <a:endParaRPr lang="en-US"/>
+                    </a:p>
+                  </a:txBody>
+                  <a:tcPr>
+                    <a:lnL w="12700" cap="flat" cmpd="sng" algn="ctr">
+                      <a:solidFill>
+                        <a:schemeClr val="tx1"/>
+                      </a:solidFill>
+                      <a:prstDash val="solid"/>
+                      <a:round/>
+                      <a:headEnd type="none" w="med" len="med"/>
+                      <a:tailEnd type="none" w="med" len="med"/>
+                    </a:lnL>
+                    <a:lnR w="12700" cap="flat" cmpd="sng" algn="ctr">
+                      <a:solidFill>
+                        <a:schemeClr val="tx1"/>
+                      </a:solidFill>
+                      <a:prstDash val="solid"/>
+                      <a:round/>
+                      <a:headEnd type="none" w="med" len="med"/>
+                      <a:tailEnd type="none" w="med" len="med"/>
+                    </a:lnR>
+                    <a:lnT w="12700" cap="flat" cmpd="sng" algn="ctr">
+                      <a:solidFill>
+                        <a:schemeClr val="tx1"/>
+                      </a:solidFill>
+                      <a:prstDash val="solid"/>
+                      <a:round/>
+                      <a:headEnd type="none" w="med" len="med"/>
+                      <a:tailEnd type="none" w="med" len="med"/>
+                    </a:lnT>
+                    <a:lnB w="12700" cap="flat" cmpd="sng" algn="ctr">
+                      <a:solidFill>
+                        <a:schemeClr val="tx1"/>
+                      </a:solidFill>
+                      <a:prstDash val="solid"/>
+                      <a:round/>
+                      <a:headEnd type="none" w="med" len="med"/>
+                      <a:tailEnd type="none" w="med" len="med"/>
+                    </a:lnB>
+                    <a:noFill/>
+                  </a:tcPr>
+                </a:tc>
+                <a:tc>
+                  <a:txBody>
+                    <a:bodyPr/>
+                    <a:lstStyle/>
+                    <a:p>
+                      <a:endParaRPr lang="en-US"/>
+                    </a:p>
+                  </a:txBody>
+                  <a:tcPr>
+                    <a:lnL w="12700" cap="flat" cmpd="sng" algn="ctr">
+                      <a:solidFill>
+                        <a:schemeClr val="tx1"/>
+                      </a:solidFill>
+                      <a:prstDash val="solid"/>
+                      <a:round/>
+                      <a:headEnd type="none" w="med" len="med"/>
+                      <a:tailEnd type="none" w="med" len="med"/>
+                    </a:lnL>
+                    <a:lnR w="12700" cap="flat" cmpd="sng" algn="ctr">
+                      <a:solidFill>
+                        <a:schemeClr val="tx1"/>
+                      </a:solidFill>
+                      <a:prstDash val="solid"/>
+                      <a:round/>
+                      <a:headEnd type="none" w="med" len="med"/>
+                      <a:tailEnd type="none" w="med" len="med"/>
+                    </a:lnR>
+                    <a:lnT w="12700" cap="flat" cmpd="sng" algn="ctr">
+                      <a:solidFill>
+                        <a:schemeClr val="tx1"/>
+                      </a:solidFill>
+                      <a:prstDash val="solid"/>
+                      <a:round/>
+                      <a:headEnd type="none" w="med" len="med"/>
+                      <a:tailEnd type="none" w="med" len="med"/>
+                    </a:lnT>
+                    <a:lnB w="12700" cap="flat" cmpd="sng" algn="ctr">
+                      <a:solidFill>
+                        <a:schemeClr val="tx1"/>
+                      </a:solidFill>
+                      <a:prstDash val="solid"/>
+                      <a:round/>
+                      <a:headEnd type="none" w="med" len="med"/>
+                      <a:tailEnd type="none" w="med" len="med"/>
+                    </a:lnB>
+                    <a:noFill/>
+                  </a:tcPr>
+                </a:tc>
+                <a:tc>
+                  <a:txBody>
+                    <a:bodyPr/>
+                    <a:lstStyle/>
+                    <a:p>
+                      <a:endParaRPr lang="en-US" dirty="0"/>
+                    </a:p>
+                  </a:txBody>
+                  <a:tcPr>
+                    <a:lnL w="12700" cap="flat" cmpd="sng" algn="ctr">
+                      <a:solidFill>
+                        <a:schemeClr val="tx1"/>
+                      </a:solidFill>
+                      <a:prstDash val="solid"/>
+                      <a:round/>
+                      <a:headEnd type="none" w="med" len="med"/>
+                      <a:tailEnd type="none" w="med" len="med"/>
+                    </a:lnL>
+                    <a:lnR w="12700" cap="flat" cmpd="sng" algn="ctr">
+                      <a:solidFill>
+                        <a:schemeClr val="tx1"/>
+                      </a:solidFill>
+                      <a:prstDash val="solid"/>
+                      <a:round/>
+                      <a:headEnd type="none" w="med" len="med"/>
+                      <a:tailEnd type="none" w="med" len="med"/>
+                    </a:lnR>
+                    <a:lnT w="12700" cap="flat" cmpd="sng" algn="ctr">
+                      <a:solidFill>
+                        <a:schemeClr val="tx1"/>
+                      </a:solidFill>
+                      <a:prstDash val="solid"/>
+                      <a:round/>
+                      <a:headEnd type="none" w="med" len="med"/>
+                      <a:tailEnd type="none" w="med" len="med"/>
+                    </a:lnT>
+                    <a:lnB w="12700" cap="flat" cmpd="sng" algn="ctr">
+                      <a:solidFill>
+                        <a:schemeClr val="tx1"/>
+                      </a:solidFill>
+                      <a:prstDash val="solid"/>
+                      <a:round/>
+                      <a:headEnd type="none" w="med" len="med"/>
+                      <a:tailEnd type="none" w="med" len="med"/>
+                    </a:lnB>
+                    <a:solidFill>
+                      <a:srgbClr val="FFD579"/>
+                    </a:solidFill>
+                  </a:tcPr>
+                </a:tc>
+                <a:tc>
+                  <a:txBody>
+                    <a:bodyPr/>
+                    <a:lstStyle/>
+                    <a:p>
+                      <a:endParaRPr lang="en-US" dirty="0"/>
+                    </a:p>
+                  </a:txBody>
+                  <a:tcPr>
+                    <a:lnL w="12700" cap="flat" cmpd="sng" algn="ctr">
+                      <a:solidFill>
+                        <a:schemeClr val="tx1"/>
+                      </a:solidFill>
+                      <a:prstDash val="solid"/>
+                      <a:round/>
+                      <a:headEnd type="none" w="med" len="med"/>
+                      <a:tailEnd type="none" w="med" len="med"/>
+                    </a:lnL>
+                    <a:lnR w="12700" cap="flat" cmpd="sng" algn="ctr">
+                      <a:solidFill>
+                        <a:schemeClr val="tx1"/>
+                      </a:solidFill>
+                      <a:prstDash val="solid"/>
+                      <a:round/>
+                      <a:headEnd type="none" w="med" len="med"/>
+                      <a:tailEnd type="none" w="med" len="med"/>
+                    </a:lnR>
+                    <a:lnT w="12700" cap="flat" cmpd="sng" algn="ctr">
+                      <a:solidFill>
+                        <a:schemeClr val="tx1"/>
+                      </a:solidFill>
+                      <a:prstDash val="solid"/>
+                      <a:round/>
+                      <a:headEnd type="none" w="med" len="med"/>
+                      <a:tailEnd type="none" w="med" len="med"/>
+                    </a:lnT>
+                    <a:lnB w="12700" cap="flat" cmpd="sng" algn="ctr">
+                      <a:solidFill>
+                        <a:schemeClr val="tx1"/>
+                      </a:solidFill>
+                      <a:prstDash val="solid"/>
+                      <a:round/>
+                      <a:headEnd type="none" w="med" len="med"/>
+                      <a:tailEnd type="none" w="med" len="med"/>
+                    </a:lnB>
+                    <a:solidFill>
+                      <a:srgbClr val="00D3AA"/>
+                    </a:solidFill>
+                  </a:tcPr>
+                </a:tc>
+                <a:tc>
+                  <a:txBody>
+                    <a:bodyPr/>
+                    <a:lstStyle/>
+                    <a:p>
+                      <a:endParaRPr lang="en-US" dirty="0"/>
+                    </a:p>
+                  </a:txBody>
+                  <a:tcPr>
+                    <a:lnL w="12700" cap="flat" cmpd="sng" algn="ctr">
+                      <a:solidFill>
+                        <a:schemeClr val="tx1"/>
+                      </a:solidFill>
+                      <a:prstDash val="solid"/>
+                      <a:round/>
+                      <a:headEnd type="none" w="med" len="med"/>
+                      <a:tailEnd type="none" w="med" len="med"/>
+                    </a:lnL>
+                    <a:lnR w="12700" cap="flat" cmpd="sng" algn="ctr">
+                      <a:solidFill>
+                        <a:schemeClr val="tx1"/>
+                      </a:solidFill>
+                      <a:prstDash val="solid"/>
+                      <a:round/>
+                      <a:headEnd type="none" w="med" len="med"/>
+                      <a:tailEnd type="none" w="med" len="med"/>
+                    </a:lnR>
+                    <a:lnT w="12700" cap="flat" cmpd="sng" algn="ctr">
+                      <a:solidFill>
+                        <a:schemeClr val="tx1"/>
+                      </a:solidFill>
+                      <a:prstDash val="solid"/>
+                      <a:round/>
+                      <a:headEnd type="none" w="med" len="med"/>
+                      <a:tailEnd type="none" w="med" len="med"/>
+                    </a:lnT>
+                    <a:lnB w="12700" cap="flat" cmpd="sng" algn="ctr">
+                      <a:solidFill>
+                        <a:schemeClr val="tx1"/>
+                      </a:solidFill>
+                      <a:prstDash val="solid"/>
+                      <a:round/>
+                      <a:headEnd type="none" w="med" len="med"/>
+                      <a:tailEnd type="none" w="med" len="med"/>
+                    </a:lnB>
+                    <a:noFill/>
+                  </a:tcPr>
+                </a:tc>
+                <a:tc>
+                  <a:txBody>
+                    <a:bodyPr/>
+                    <a:lstStyle/>
+                    <a:p>
+                      <a:endParaRPr lang="en-US" dirty="0"/>
+                    </a:p>
+                  </a:txBody>
+                  <a:tcPr>
+                    <a:lnL w="12700" cap="flat" cmpd="sng" algn="ctr">
+                      <a:solidFill>
+                        <a:schemeClr val="tx1"/>
+                      </a:solidFill>
+                      <a:prstDash val="solid"/>
+                      <a:round/>
+                      <a:headEnd type="none" w="med" len="med"/>
+                      <a:tailEnd type="none" w="med" len="med"/>
+                    </a:lnL>
+                    <a:lnR w="12700" cap="flat" cmpd="sng" algn="ctr">
+                      <a:solidFill>
+                        <a:schemeClr val="tx1"/>
+                      </a:solidFill>
+                      <a:prstDash val="solid"/>
+                      <a:round/>
+                      <a:headEnd type="none" w="med" len="med"/>
+                      <a:tailEnd type="none" w="med" len="med"/>
+                    </a:lnR>
+                    <a:lnT w="12700" cap="flat" cmpd="sng" algn="ctr">
+                      <a:solidFill>
+                        <a:schemeClr val="tx1"/>
+                      </a:solidFill>
+                      <a:prstDash val="solid"/>
+                      <a:round/>
+                      <a:headEnd type="none" w="med" len="med"/>
+                      <a:tailEnd type="none" w="med" len="med"/>
+                    </a:lnT>
+                    <a:lnB w="12700" cap="flat" cmpd="sng" algn="ctr">
+                      <a:solidFill>
+                        <a:schemeClr val="tx1"/>
+                      </a:solidFill>
+                      <a:prstDash val="solid"/>
+                      <a:round/>
+                      <a:headEnd type="none" w="med" len="med"/>
+                      <a:tailEnd type="none" w="med" len="med"/>
+                    </a:lnB>
+                    <a:solidFill>
+                      <a:srgbClr val="00D3AA"/>
+                    </a:solidFill>
+                  </a:tcPr>
+                </a:tc>
+                <a:tc>
+                  <a:txBody>
+                    <a:bodyPr/>
+                    <a:lstStyle/>
+                    <a:p>
+                      <a:endParaRPr lang="en-US" dirty="0"/>
+                    </a:p>
+                  </a:txBody>
+                  <a:tcPr>
+                    <a:lnL w="12700" cap="flat" cmpd="sng" algn="ctr">
+                      <a:solidFill>
+                        <a:schemeClr val="tx1"/>
+                      </a:solidFill>
+                      <a:prstDash val="solid"/>
+                      <a:round/>
+                      <a:headEnd type="none" w="med" len="med"/>
+                      <a:tailEnd type="none" w="med" len="med"/>
+                    </a:lnL>
+                    <a:lnR w="12700" cap="flat" cmpd="sng" algn="ctr">
+                      <a:solidFill>
+                        <a:schemeClr val="tx1"/>
+                      </a:solidFill>
+                      <a:prstDash val="solid"/>
+                      <a:round/>
+                      <a:headEnd type="none" w="med" len="med"/>
+                      <a:tailEnd type="none" w="med" len="med"/>
+                    </a:lnR>
+                    <a:lnT w="12700" cap="flat" cmpd="sng" algn="ctr">
+                      <a:solidFill>
+                        <a:schemeClr val="tx1"/>
+                      </a:solidFill>
+                      <a:prstDash val="solid"/>
+                      <a:round/>
+                      <a:headEnd type="none" w="med" len="med"/>
+                      <a:tailEnd type="none" w="med" len="med"/>
+                    </a:lnT>
+                    <a:lnB w="12700" cap="flat" cmpd="sng" algn="ctr">
+                      <a:solidFill>
+                        <a:schemeClr val="tx1"/>
+                      </a:solidFill>
+                      <a:prstDash val="solid"/>
+                      <a:round/>
+                      <a:headEnd type="none" w="med" len="med"/>
+                      <a:tailEnd type="none" w="med" len="med"/>
+                    </a:lnB>
+                    <a:solidFill>
+                      <a:srgbClr val="007742"/>
+                    </a:solidFill>
+                  </a:tcPr>
+                </a:tc>
+                <a:tc>
+                  <a:txBody>
+                    <a:bodyPr/>
+                    <a:lstStyle/>
+                    <a:p>
+                      <a:endParaRPr lang="en-US"/>
+                    </a:p>
+                  </a:txBody>
+                  <a:tcPr>
+                    <a:lnL w="12700" cap="flat" cmpd="sng" algn="ctr">
+                      <a:solidFill>
+                        <a:schemeClr val="tx1"/>
+                      </a:solidFill>
+                      <a:prstDash val="solid"/>
+                      <a:round/>
+                      <a:headEnd type="none" w="med" len="med"/>
+                      <a:tailEnd type="none" w="med" len="med"/>
+                    </a:lnL>
+                    <a:lnR w="12700" cap="flat" cmpd="sng" algn="ctr">
+                      <a:solidFill>
+                        <a:schemeClr val="tx1"/>
+                      </a:solidFill>
+                      <a:prstDash val="solid"/>
+                      <a:round/>
+                      <a:headEnd type="none" w="med" len="med"/>
+                      <a:tailEnd type="none" w="med" len="med"/>
+                    </a:lnR>
+                    <a:lnT w="12700" cap="flat" cmpd="sng" algn="ctr">
+                      <a:solidFill>
+                        <a:schemeClr val="tx1"/>
+                      </a:solidFill>
+                      <a:prstDash val="solid"/>
+                      <a:round/>
+                      <a:headEnd type="none" w="med" len="med"/>
+                      <a:tailEnd type="none" w="med" len="med"/>
+                    </a:lnT>
+                    <a:lnB w="12700" cap="flat" cmpd="sng" algn="ctr">
+                      <a:solidFill>
+                        <a:schemeClr val="tx1"/>
+                      </a:solidFill>
+                      <a:prstDash val="solid"/>
+                      <a:round/>
+                      <a:headEnd type="none" w="med" len="med"/>
+                      <a:tailEnd type="none" w="med" len="med"/>
+                    </a:lnB>
+                    <a:noFill/>
+                  </a:tcPr>
+                </a:tc>
+                <a:tc>
+                  <a:txBody>
+                    <a:bodyPr/>
+                    <a:lstStyle/>
+                    <a:p>
+                      <a:endParaRPr lang="en-US" dirty="0"/>
+                    </a:p>
+                  </a:txBody>
+                  <a:tcPr>
+                    <a:lnL w="12700" cap="flat" cmpd="sng" algn="ctr">
+                      <a:solidFill>
+                        <a:schemeClr val="tx1"/>
+                      </a:solidFill>
+                      <a:prstDash val="solid"/>
+                      <a:round/>
+                      <a:headEnd type="none" w="med" len="med"/>
+                      <a:tailEnd type="none" w="med" len="med"/>
+                    </a:lnL>
+                    <a:lnR w="12700" cap="flat" cmpd="sng" algn="ctr">
+                      <a:solidFill>
+                        <a:schemeClr val="tx1"/>
+                      </a:solidFill>
+                      <a:prstDash val="solid"/>
+                      <a:round/>
+                      <a:headEnd type="none" w="med" len="med"/>
+                      <a:tailEnd type="none" w="med" len="med"/>
+                    </a:lnR>
+                    <a:lnT w="12700" cap="flat" cmpd="sng" algn="ctr">
+                      <a:solidFill>
+                        <a:schemeClr val="tx1"/>
+                      </a:solidFill>
+                      <a:prstDash val="solid"/>
+                      <a:round/>
+                      <a:headEnd type="none" w="med" len="med"/>
+                      <a:tailEnd type="none" w="med" len="med"/>
+                    </a:lnT>
+                    <a:lnB w="12700" cap="flat" cmpd="sng" algn="ctr">
+                      <a:solidFill>
+                        <a:schemeClr val="tx1"/>
+                      </a:solidFill>
+                      <a:prstDash val="solid"/>
+                      <a:round/>
+                      <a:headEnd type="none" w="med" len="med"/>
+                      <a:tailEnd type="none" w="med" len="med"/>
+                    </a:lnB>
+                    <a:solidFill>
+                      <a:srgbClr val="00D3AA"/>
+                    </a:solidFill>
+                  </a:tcPr>
+                </a:tc>
+                <a:tc>
+                  <a:txBody>
+                    <a:bodyPr/>
+                    <a:lstStyle/>
+                    <a:p>
+                      <a:endParaRPr lang="en-US" dirty="0"/>
+                    </a:p>
+                  </a:txBody>
+                  <a:tcPr>
+                    <a:lnL w="12700" cap="flat" cmpd="sng" algn="ctr">
+                      <a:solidFill>
+                        <a:schemeClr val="tx1"/>
+                      </a:solidFill>
+                      <a:prstDash val="solid"/>
+                      <a:round/>
+                      <a:headEnd type="none" w="med" len="med"/>
+                      <a:tailEnd type="none" w="med" len="med"/>
+                    </a:lnL>
+                    <a:lnR w="12700" cap="flat" cmpd="sng" algn="ctr">
+                      <a:solidFill>
+                        <a:schemeClr val="tx1"/>
+                      </a:solidFill>
+                      <a:prstDash val="solid"/>
+                      <a:round/>
+                      <a:headEnd type="none" w="med" len="med"/>
+                      <a:tailEnd type="none" w="med" len="med"/>
+                    </a:lnR>
+                    <a:lnT w="12700" cap="flat" cmpd="sng" algn="ctr">
+                      <a:solidFill>
+                        <a:schemeClr val="tx1"/>
+                      </a:solidFill>
+                      <a:prstDash val="solid"/>
+                      <a:round/>
+                      <a:headEnd type="none" w="med" len="med"/>
+                      <a:tailEnd type="none" w="med" len="med"/>
+                    </a:lnT>
+                    <a:lnB w="12700" cap="flat" cmpd="sng" algn="ctr">
+                      <a:solidFill>
+                        <a:schemeClr val="tx1"/>
+                      </a:solidFill>
+                      <a:prstDash val="solid"/>
+                      <a:round/>
+                      <a:headEnd type="none" w="med" len="med"/>
+                      <a:tailEnd type="none" w="med" len="med"/>
+                    </a:lnB>
+                    <a:solidFill>
+                      <a:srgbClr val="007742"/>
+                    </a:solidFill>
+                  </a:tcPr>
+                </a:tc>
+                <a:tc>
+                  <a:txBody>
+                    <a:bodyPr/>
+                    <a:lstStyle/>
+                    <a:p>
+                      <a:endParaRPr lang="en-US"/>
+                    </a:p>
+                  </a:txBody>
+                  <a:tcPr>
+                    <a:lnL w="12700" cap="flat" cmpd="sng" algn="ctr">
+                      <a:solidFill>
+                        <a:schemeClr val="tx1"/>
+                      </a:solidFill>
+                      <a:prstDash val="solid"/>
+                      <a:round/>
+                      <a:headEnd type="none" w="med" len="med"/>
+                      <a:tailEnd type="none" w="med" len="med"/>
+                    </a:lnL>
+                    <a:lnR w="12700" cap="flat" cmpd="sng" algn="ctr">
+                      <a:solidFill>
+                        <a:schemeClr val="tx1"/>
+                      </a:solidFill>
+                      <a:prstDash val="solid"/>
+                      <a:round/>
+                      <a:headEnd type="none" w="med" len="med"/>
+                      <a:tailEnd type="none" w="med" len="med"/>
+                    </a:lnR>
+                    <a:lnT w="12700" cap="flat" cmpd="sng" algn="ctr">
+                      <a:solidFill>
+                        <a:schemeClr val="tx1"/>
+                      </a:solidFill>
+                      <a:prstDash val="solid"/>
+                      <a:round/>
+                      <a:headEnd type="none" w="med" len="med"/>
+                      <a:tailEnd type="none" w="med" len="med"/>
+                    </a:lnT>
+                    <a:lnB w="12700" cap="flat" cmpd="sng" algn="ctr">
+                      <a:solidFill>
+                        <a:schemeClr val="tx1"/>
+                      </a:solidFill>
+                      <a:prstDash val="solid"/>
+                      <a:round/>
+                      <a:headEnd type="none" w="med" len="med"/>
+                      <a:tailEnd type="none" w="med" len="med"/>
+                    </a:lnB>
+                    <a:noFill/>
+                  </a:tcPr>
+                </a:tc>
+                <a:tc>
+                  <a:txBody>
+                    <a:bodyPr/>
+                    <a:lstStyle/>
+                    <a:p>
+                      <a:endParaRPr lang="en-US" dirty="0"/>
+                    </a:p>
+                  </a:txBody>
+                  <a:tcPr>
+                    <a:lnL w="12700" cap="flat" cmpd="sng" algn="ctr">
+                      <a:solidFill>
+                        <a:schemeClr val="tx1"/>
+                      </a:solidFill>
+                      <a:prstDash val="solid"/>
+                      <a:round/>
+                      <a:headEnd type="none" w="med" len="med"/>
+                      <a:tailEnd type="none" w="med" len="med"/>
+                    </a:lnL>
+                    <a:lnR w="12700" cap="flat" cmpd="sng" algn="ctr">
+                      <a:solidFill>
+                        <a:schemeClr val="tx1"/>
+                      </a:solidFill>
+                      <a:prstDash val="solid"/>
+                      <a:round/>
+                      <a:headEnd type="none" w="med" len="med"/>
+                      <a:tailEnd type="none" w="med" len="med"/>
+                    </a:lnR>
+                    <a:lnT w="12700" cap="flat" cmpd="sng" algn="ctr">
+                      <a:solidFill>
+                        <a:schemeClr val="tx1"/>
+                      </a:solidFill>
+                      <a:prstDash val="solid"/>
+                      <a:round/>
+                      <a:headEnd type="none" w="med" len="med"/>
+                      <a:tailEnd type="none" w="med" len="med"/>
+                    </a:lnT>
+                    <a:lnB w="12700" cap="flat" cmpd="sng" algn="ctr">
+                      <a:solidFill>
+                        <a:schemeClr val="tx1"/>
+                      </a:solidFill>
+                      <a:prstDash val="solid"/>
+                      <a:round/>
+                      <a:headEnd type="none" w="med" len="med"/>
+                      <a:tailEnd type="none" w="med" len="med"/>
+                    </a:lnB>
+                    <a:noFill/>
+                  </a:tcPr>
+                </a:tc>
+                <a:extLst>
+                  <a:ext uri="{0D108BD9-81ED-4DB2-BD59-A6C34878D82A}">
+                    <a16:rowId xmlns:a16="http://schemas.microsoft.com/office/drawing/2014/main" val="3058924476"/>
+                  </a:ext>
+                </a:extLst>
+              </a:tr>
+              <a:tr h="330985">
+                <a:tc>
+                  <a:txBody>
+                    <a:bodyPr/>
+                    <a:lstStyle/>
+                    <a:p>
+                      <a:endParaRPr lang="en-US" dirty="0"/>
+                    </a:p>
+                  </a:txBody>
+                  <a:tcPr>
+                    <a:lnL w="12700" cap="flat" cmpd="sng" algn="ctr">
+                      <a:solidFill>
+                        <a:schemeClr val="tx1"/>
+                      </a:solidFill>
+                      <a:prstDash val="solid"/>
+                      <a:round/>
+                      <a:headEnd type="none" w="med" len="med"/>
+                      <a:tailEnd type="none" w="med" len="med"/>
+                    </a:lnL>
+                    <a:lnR w="12700" cap="flat" cmpd="sng" algn="ctr">
+                      <a:solidFill>
+                        <a:schemeClr val="tx1"/>
+                      </a:solidFill>
+                      <a:prstDash val="solid"/>
+                      <a:round/>
+                      <a:headEnd type="none" w="med" len="med"/>
+                      <a:tailEnd type="none" w="med" len="med"/>
+                    </a:lnR>
+                    <a:lnT w="12700" cap="flat" cmpd="sng" algn="ctr">
+                      <a:solidFill>
+                        <a:schemeClr val="tx1"/>
+                      </a:solidFill>
+                      <a:prstDash val="solid"/>
+                      <a:round/>
+                      <a:headEnd type="none" w="med" len="med"/>
+                      <a:tailEnd type="none" w="med" len="med"/>
+                    </a:lnT>
+                    <a:lnB w="12700" cap="flat" cmpd="sng" algn="ctr">
+                      <a:solidFill>
+                        <a:schemeClr val="tx1"/>
+                      </a:solidFill>
+                      <a:prstDash val="solid"/>
+                      <a:round/>
+                      <a:headEnd type="none" w="med" len="med"/>
+                      <a:tailEnd type="none" w="med" len="med"/>
+                    </a:lnB>
+                    <a:solidFill>
+                      <a:srgbClr val="945200"/>
+                    </a:solidFill>
+                  </a:tcPr>
+                </a:tc>
+                <a:tc>
+                  <a:txBody>
+                    <a:bodyPr/>
+                    <a:lstStyle/>
+                    <a:p>
+                      <a:endParaRPr lang="en-US" dirty="0"/>
+                    </a:p>
+                  </a:txBody>
+                  <a:tcPr>
+                    <a:lnL w="12700" cap="flat" cmpd="sng" algn="ctr">
+                      <a:solidFill>
+                        <a:schemeClr val="tx1"/>
+                      </a:solidFill>
+                      <a:prstDash val="solid"/>
+                      <a:round/>
+                      <a:headEnd type="none" w="med" len="med"/>
+                      <a:tailEnd type="none" w="med" len="med"/>
+                    </a:lnL>
+                    <a:lnR w="12700" cap="flat" cmpd="sng" algn="ctr">
+                      <a:solidFill>
+                        <a:schemeClr val="tx1"/>
+                      </a:solidFill>
+                      <a:prstDash val="solid"/>
+                      <a:round/>
+                      <a:headEnd type="none" w="med" len="med"/>
+                      <a:tailEnd type="none" w="med" len="med"/>
+                    </a:lnR>
+                    <a:lnT w="12700" cap="flat" cmpd="sng" algn="ctr">
+                      <a:solidFill>
+                        <a:schemeClr val="tx1"/>
+                      </a:solidFill>
+                      <a:prstDash val="solid"/>
+                      <a:round/>
+                      <a:headEnd type="none" w="med" len="med"/>
+                      <a:tailEnd type="none" w="med" len="med"/>
+                    </a:lnT>
+                    <a:lnB w="12700" cap="flat" cmpd="sng" algn="ctr">
+                      <a:solidFill>
+                        <a:schemeClr val="tx1"/>
+                      </a:solidFill>
+                      <a:prstDash val="solid"/>
+                      <a:round/>
+                      <a:headEnd type="none" w="med" len="med"/>
+                      <a:tailEnd type="none" w="med" len="med"/>
+                    </a:lnB>
+                    <a:solidFill>
+                      <a:srgbClr val="FFD579"/>
+                    </a:solidFill>
+                  </a:tcPr>
+                </a:tc>
+                <a:tc>
+                  <a:txBody>
+                    <a:bodyPr/>
+                    <a:lstStyle/>
+                    <a:p>
+                      <a:endParaRPr lang="en-US"/>
+                    </a:p>
+                  </a:txBody>
+                  <a:tcPr>
+                    <a:lnL w="12700" cap="flat" cmpd="sng" algn="ctr">
+                      <a:solidFill>
+                        <a:schemeClr val="tx1"/>
+                      </a:solidFill>
+                      <a:prstDash val="solid"/>
+                      <a:round/>
+                      <a:headEnd type="none" w="med" len="med"/>
+                      <a:tailEnd type="none" w="med" len="med"/>
+                    </a:lnL>
+                    <a:lnR w="12700" cap="flat" cmpd="sng" algn="ctr">
+                      <a:solidFill>
+                        <a:schemeClr val="tx1"/>
+                      </a:solidFill>
+                      <a:prstDash val="solid"/>
+                      <a:round/>
+                      <a:headEnd type="none" w="med" len="med"/>
+                      <a:tailEnd type="none" w="med" len="med"/>
+                    </a:lnR>
+                    <a:lnT w="12700" cap="flat" cmpd="sng" algn="ctr">
+                      <a:solidFill>
+                        <a:schemeClr val="tx1"/>
+                      </a:solidFill>
+                      <a:prstDash val="solid"/>
+                      <a:round/>
+                      <a:headEnd type="none" w="med" len="med"/>
+                      <a:tailEnd type="none" w="med" len="med"/>
+                    </a:lnT>
+                    <a:lnB w="12700" cap="flat" cmpd="sng" algn="ctr">
+                      <a:solidFill>
+                        <a:schemeClr val="tx1"/>
+                      </a:solidFill>
+                      <a:prstDash val="solid"/>
+                      <a:round/>
+                      <a:headEnd type="none" w="med" len="med"/>
+                      <a:tailEnd type="none" w="med" len="med"/>
+                    </a:lnB>
+                    <a:solidFill>
+                      <a:srgbClr val="FFD579"/>
+                    </a:solidFill>
+                  </a:tcPr>
+                </a:tc>
+                <a:tc>
+                  <a:txBody>
+                    <a:bodyPr/>
+                    <a:lstStyle/>
+                    <a:p>
+                      <a:endParaRPr lang="en-US"/>
+                    </a:p>
+                  </a:txBody>
+                  <a:tcPr>
+                    <a:lnL w="12700" cap="flat" cmpd="sng" algn="ctr">
+                      <a:solidFill>
+                        <a:schemeClr val="tx1"/>
+                      </a:solidFill>
+                      <a:prstDash val="solid"/>
+                      <a:round/>
+                      <a:headEnd type="none" w="med" len="med"/>
+                      <a:tailEnd type="none" w="med" len="med"/>
+                    </a:lnL>
+                    <a:lnR w="12700" cap="flat" cmpd="sng" algn="ctr">
+                      <a:solidFill>
+                        <a:schemeClr val="tx1"/>
+                      </a:solidFill>
+                      <a:prstDash val="solid"/>
+                      <a:round/>
+                      <a:headEnd type="none" w="med" len="med"/>
+                      <a:tailEnd type="none" w="med" len="med"/>
+                    </a:lnR>
+                    <a:lnT w="12700" cap="flat" cmpd="sng" algn="ctr">
+                      <a:solidFill>
+                        <a:schemeClr val="tx1"/>
+                      </a:solidFill>
+                      <a:prstDash val="solid"/>
+                      <a:round/>
+                      <a:headEnd type="none" w="med" len="med"/>
+                      <a:tailEnd type="none" w="med" len="med"/>
+                    </a:lnT>
+                    <a:lnB w="12700" cap="flat" cmpd="sng" algn="ctr">
+                      <a:solidFill>
+                        <a:schemeClr val="tx1"/>
+                      </a:solidFill>
+                      <a:prstDash val="solid"/>
+                      <a:round/>
+                      <a:headEnd type="none" w="med" len="med"/>
+                      <a:tailEnd type="none" w="med" len="med"/>
+                    </a:lnB>
+                    <a:solidFill>
+                      <a:srgbClr val="FFD579"/>
+                    </a:solidFill>
+                  </a:tcPr>
+                </a:tc>
+                <a:tc>
+                  <a:txBody>
+                    <a:bodyPr/>
+                    <a:lstStyle/>
+                    <a:p>
+                      <a:endParaRPr lang="en-US" dirty="0"/>
+                    </a:p>
+                  </a:txBody>
+                  <a:tcPr>
+                    <a:lnL w="12700" cap="flat" cmpd="sng" algn="ctr">
+                      <a:solidFill>
+                        <a:schemeClr val="tx1"/>
+                      </a:solidFill>
+                      <a:prstDash val="solid"/>
+                      <a:round/>
+                      <a:headEnd type="none" w="med" len="med"/>
+                      <a:tailEnd type="none" w="med" len="med"/>
+                    </a:lnL>
+                    <a:lnR w="12700" cap="flat" cmpd="sng" algn="ctr">
+                      <a:solidFill>
+                        <a:schemeClr val="tx1"/>
+                      </a:solidFill>
+                      <a:prstDash val="solid"/>
+                      <a:round/>
+                      <a:headEnd type="none" w="med" len="med"/>
+                      <a:tailEnd type="none" w="med" len="med"/>
+                    </a:lnR>
+                    <a:lnT w="12700" cap="flat" cmpd="sng" algn="ctr">
+                      <a:solidFill>
+                        <a:schemeClr val="tx1"/>
+                      </a:solidFill>
+                      <a:prstDash val="solid"/>
+                      <a:round/>
+                      <a:headEnd type="none" w="med" len="med"/>
+                      <a:tailEnd type="none" w="med" len="med"/>
+                    </a:lnT>
+                    <a:lnB w="12700" cap="flat" cmpd="sng" algn="ctr">
+                      <a:solidFill>
+                        <a:schemeClr val="tx1"/>
+                      </a:solidFill>
+                      <a:prstDash val="solid"/>
+                      <a:round/>
+                      <a:headEnd type="none" w="med" len="med"/>
+                      <a:tailEnd type="none" w="med" len="med"/>
+                    </a:lnB>
+                    <a:solidFill>
+                      <a:srgbClr val="00D3AA"/>
+                    </a:solidFill>
+                  </a:tcPr>
+                </a:tc>
+                <a:tc>
+                  <a:txBody>
+                    <a:bodyPr/>
+                    <a:lstStyle/>
+                    <a:p>
+                      <a:endParaRPr lang="en-US" dirty="0"/>
+                    </a:p>
+                  </a:txBody>
+                  <a:tcPr>
+                    <a:lnL w="12700" cap="flat" cmpd="sng" algn="ctr">
+                      <a:solidFill>
+                        <a:schemeClr val="tx1"/>
+                      </a:solidFill>
+                      <a:prstDash val="solid"/>
+                      <a:round/>
+                      <a:headEnd type="none" w="med" len="med"/>
+                      <a:tailEnd type="none" w="med" len="med"/>
+                    </a:lnL>
+                    <a:lnR w="12700" cap="flat" cmpd="sng" algn="ctr">
+                      <a:solidFill>
+                        <a:schemeClr val="tx1"/>
+                      </a:solidFill>
+                      <a:prstDash val="solid"/>
+                      <a:round/>
+                      <a:headEnd type="none" w="med" len="med"/>
+                      <a:tailEnd type="none" w="med" len="med"/>
+                    </a:lnR>
+                    <a:lnT w="12700" cap="flat" cmpd="sng" algn="ctr">
+                      <a:solidFill>
+                        <a:schemeClr val="tx1"/>
+                      </a:solidFill>
+                      <a:prstDash val="solid"/>
+                      <a:round/>
+                      <a:headEnd type="none" w="med" len="med"/>
+                      <a:tailEnd type="none" w="med" len="med"/>
+                    </a:lnT>
+                    <a:lnB w="12700" cap="flat" cmpd="sng" algn="ctr">
+                      <a:solidFill>
+                        <a:schemeClr val="tx1"/>
+                      </a:solidFill>
+                      <a:prstDash val="solid"/>
+                      <a:round/>
+                      <a:headEnd type="none" w="med" len="med"/>
+                      <a:tailEnd type="none" w="med" len="med"/>
+                    </a:lnB>
+                    <a:solidFill>
+                      <a:srgbClr val="00D3AA"/>
+                    </a:solidFill>
+                  </a:tcPr>
+                </a:tc>
+                <a:tc>
+                  <a:txBody>
+                    <a:bodyPr/>
+                    <a:lstStyle/>
+                    <a:p>
+                      <a:endParaRPr lang="en-US" dirty="0"/>
+                    </a:p>
+                  </a:txBody>
+                  <a:tcPr>
+                    <a:lnL w="12700" cap="flat" cmpd="sng" algn="ctr">
+                      <a:solidFill>
+                        <a:schemeClr val="tx1"/>
+                      </a:solidFill>
+                      <a:prstDash val="solid"/>
+                      <a:round/>
+                      <a:headEnd type="none" w="med" len="med"/>
+                      <a:tailEnd type="none" w="med" len="med"/>
+                    </a:lnL>
+                    <a:lnR w="12700" cap="flat" cmpd="sng" algn="ctr">
+                      <a:solidFill>
+                        <a:schemeClr val="tx1"/>
+                      </a:solidFill>
+                      <a:prstDash val="solid"/>
+                      <a:round/>
+                      <a:headEnd type="none" w="med" len="med"/>
+                      <a:tailEnd type="none" w="med" len="med"/>
+                    </a:lnR>
+                    <a:lnT w="12700" cap="flat" cmpd="sng" algn="ctr">
+                      <a:solidFill>
+                        <a:schemeClr val="tx1"/>
+                      </a:solidFill>
+                      <a:prstDash val="solid"/>
+                      <a:round/>
+                      <a:headEnd type="none" w="med" len="med"/>
+                      <a:tailEnd type="none" w="med" len="med"/>
+                    </a:lnT>
+                    <a:lnB w="12700" cap="flat" cmpd="sng" algn="ctr">
+                      <a:solidFill>
+                        <a:schemeClr val="tx1"/>
+                      </a:solidFill>
+                      <a:prstDash val="solid"/>
+                      <a:round/>
+                      <a:headEnd type="none" w="med" len="med"/>
+                      <a:tailEnd type="none" w="med" len="med"/>
+                    </a:lnB>
+                    <a:solidFill>
+                      <a:srgbClr val="00D3AA"/>
+                    </a:solidFill>
+                  </a:tcPr>
+                </a:tc>
+                <a:tc>
+                  <a:txBody>
+                    <a:bodyPr/>
+                    <a:lstStyle/>
+                    <a:p>
+                      <a:endParaRPr lang="en-US" dirty="0"/>
+                    </a:p>
+                  </a:txBody>
+                  <a:tcPr>
+                    <a:lnL w="12700" cap="flat" cmpd="sng" algn="ctr">
+                      <a:solidFill>
+                        <a:schemeClr val="tx1"/>
+                      </a:solidFill>
+                      <a:prstDash val="solid"/>
+                      <a:round/>
+                      <a:headEnd type="none" w="med" len="med"/>
+                      <a:tailEnd type="none" w="med" len="med"/>
+                    </a:lnL>
+                    <a:lnR w="12700" cap="flat" cmpd="sng" algn="ctr">
+                      <a:solidFill>
+                        <a:schemeClr val="tx1"/>
+                      </a:solidFill>
+                      <a:prstDash val="solid"/>
+                      <a:round/>
+                      <a:headEnd type="none" w="med" len="med"/>
+                      <a:tailEnd type="none" w="med" len="med"/>
+                    </a:lnR>
+                    <a:lnT w="12700" cap="flat" cmpd="sng" algn="ctr">
+                      <a:solidFill>
+                        <a:schemeClr val="tx1"/>
+                      </a:solidFill>
+                      <a:prstDash val="solid"/>
+                      <a:round/>
+                      <a:headEnd type="none" w="med" len="med"/>
+                      <a:tailEnd type="none" w="med" len="med"/>
+                    </a:lnT>
+                    <a:lnB w="12700" cap="flat" cmpd="sng" algn="ctr">
+                      <a:solidFill>
+                        <a:schemeClr val="tx1"/>
+                      </a:solidFill>
+                      <a:prstDash val="solid"/>
+                      <a:round/>
+                      <a:headEnd type="none" w="med" len="med"/>
+                      <a:tailEnd type="none" w="med" len="med"/>
+                    </a:lnB>
+                    <a:solidFill>
+                      <a:srgbClr val="007742"/>
+                    </a:solidFill>
+                  </a:tcPr>
+                </a:tc>
+                <a:tc>
+                  <a:txBody>
+                    <a:bodyPr/>
+                    <a:lstStyle/>
+                    <a:p>
+                      <a:endParaRPr lang="en-US" dirty="0"/>
+                    </a:p>
+                  </a:txBody>
+                  <a:tcPr>
+                    <a:lnL w="12700" cap="flat" cmpd="sng" algn="ctr">
+                      <a:solidFill>
+                        <a:schemeClr val="tx1"/>
+                      </a:solidFill>
+                      <a:prstDash val="solid"/>
+                      <a:round/>
+                      <a:headEnd type="none" w="med" len="med"/>
+                      <a:tailEnd type="none" w="med" len="med"/>
+                    </a:lnL>
+                    <a:lnR w="12700" cap="flat" cmpd="sng" algn="ctr">
+                      <a:solidFill>
+                        <a:schemeClr val="tx1"/>
+                      </a:solidFill>
+                      <a:prstDash val="solid"/>
+                      <a:round/>
+                      <a:headEnd type="none" w="med" len="med"/>
+                      <a:tailEnd type="none" w="med" len="med"/>
+                    </a:lnR>
+                    <a:lnT w="12700" cap="flat" cmpd="sng" algn="ctr">
+                      <a:solidFill>
+                        <a:schemeClr val="tx1"/>
+                      </a:solidFill>
+                      <a:prstDash val="solid"/>
+                      <a:round/>
+                      <a:headEnd type="none" w="med" len="med"/>
+                      <a:tailEnd type="none" w="med" len="med"/>
+                    </a:lnT>
+                    <a:lnB w="12700" cap="flat" cmpd="sng" algn="ctr">
+                      <a:solidFill>
+                        <a:schemeClr val="tx1"/>
+                      </a:solidFill>
+                      <a:prstDash val="solid"/>
+                      <a:round/>
+                      <a:headEnd type="none" w="med" len="med"/>
+                      <a:tailEnd type="none" w="med" len="med"/>
+                    </a:lnB>
+                    <a:solidFill>
+                      <a:srgbClr val="FF80A9"/>
+                    </a:solidFill>
+                  </a:tcPr>
+                </a:tc>
+                <a:tc>
+                  <a:txBody>
+                    <a:bodyPr/>
+                    <a:lstStyle/>
+                    <a:p>
+                      <a:endParaRPr lang="en-US" dirty="0"/>
+                    </a:p>
+                  </a:txBody>
+                  <a:tcPr>
+                    <a:lnL w="12700" cap="flat" cmpd="sng" algn="ctr">
+                      <a:solidFill>
+                        <a:schemeClr val="tx1"/>
+                      </a:solidFill>
+                      <a:prstDash val="solid"/>
+                      <a:round/>
+                      <a:headEnd type="none" w="med" len="med"/>
+                      <a:tailEnd type="none" w="med" len="med"/>
+                    </a:lnL>
+                    <a:lnR w="12700" cap="flat" cmpd="sng" algn="ctr">
+                      <a:solidFill>
+                        <a:schemeClr val="tx1"/>
+                      </a:solidFill>
+                      <a:prstDash val="solid"/>
+                      <a:round/>
+                      <a:headEnd type="none" w="med" len="med"/>
+                      <a:tailEnd type="none" w="med" len="med"/>
+                    </a:lnR>
+                    <a:lnT w="12700" cap="flat" cmpd="sng" algn="ctr">
+                      <a:solidFill>
+                        <a:schemeClr val="tx1"/>
+                      </a:solidFill>
+                      <a:prstDash val="solid"/>
+                      <a:round/>
+                      <a:headEnd type="none" w="med" len="med"/>
+                      <a:tailEnd type="none" w="med" len="med"/>
+                    </a:lnT>
+                    <a:lnB w="12700" cap="flat" cmpd="sng" algn="ctr">
+                      <a:solidFill>
+                        <a:schemeClr val="tx1"/>
+                      </a:solidFill>
+                      <a:prstDash val="solid"/>
+                      <a:round/>
+                      <a:headEnd type="none" w="med" len="med"/>
+                      <a:tailEnd type="none" w="med" len="med"/>
+                    </a:lnB>
+                    <a:solidFill>
+                      <a:srgbClr val="00D3AA"/>
+                    </a:solidFill>
+                  </a:tcPr>
+                </a:tc>
+                <a:tc>
+                  <a:txBody>
+                    <a:bodyPr/>
+                    <a:lstStyle/>
+                    <a:p>
+                      <a:endParaRPr lang="en-US" dirty="0"/>
+                    </a:p>
+                  </a:txBody>
+                  <a:tcPr>
+                    <a:lnL w="12700" cap="flat" cmpd="sng" algn="ctr">
+                      <a:solidFill>
+                        <a:schemeClr val="tx1"/>
+                      </a:solidFill>
+                      <a:prstDash val="solid"/>
+                      <a:round/>
+                      <a:headEnd type="none" w="med" len="med"/>
+                      <a:tailEnd type="none" w="med" len="med"/>
+                    </a:lnL>
+                    <a:lnR w="12700" cap="flat" cmpd="sng" algn="ctr">
+                      <a:solidFill>
+                        <a:schemeClr val="tx1"/>
+                      </a:solidFill>
+                      <a:prstDash val="solid"/>
+                      <a:round/>
+                      <a:headEnd type="none" w="med" len="med"/>
+                      <a:tailEnd type="none" w="med" len="med"/>
+                    </a:lnR>
+                    <a:lnT w="12700" cap="flat" cmpd="sng" algn="ctr">
+                      <a:solidFill>
+                        <a:schemeClr val="tx1"/>
+                      </a:solidFill>
+                      <a:prstDash val="solid"/>
+                      <a:round/>
+                      <a:headEnd type="none" w="med" len="med"/>
+                      <a:tailEnd type="none" w="med" len="med"/>
+                    </a:lnT>
+                    <a:lnB w="12700" cap="flat" cmpd="sng" algn="ctr">
+                      <a:solidFill>
+                        <a:schemeClr val="tx1"/>
+                      </a:solidFill>
+                      <a:prstDash val="solid"/>
+                      <a:round/>
+                      <a:headEnd type="none" w="med" len="med"/>
+                      <a:tailEnd type="none" w="med" len="med"/>
+                    </a:lnB>
+                    <a:solidFill>
+                      <a:srgbClr val="007742"/>
+                    </a:solidFill>
+                  </a:tcPr>
+                </a:tc>
+                <a:tc>
+                  <a:txBody>
+                    <a:bodyPr/>
+                    <a:lstStyle/>
+                    <a:p>
+                      <a:endParaRPr lang="en-US" dirty="0"/>
+                    </a:p>
+                  </a:txBody>
+                  <a:tcPr>
+                    <a:lnL w="12700" cap="flat" cmpd="sng" algn="ctr">
+                      <a:solidFill>
+                        <a:schemeClr val="tx1"/>
+                      </a:solidFill>
+                      <a:prstDash val="solid"/>
+                      <a:round/>
+                      <a:headEnd type="none" w="med" len="med"/>
+                      <a:tailEnd type="none" w="med" len="med"/>
+                    </a:lnL>
+                    <a:lnR w="12700" cap="flat" cmpd="sng" algn="ctr">
+                      <a:solidFill>
+                        <a:schemeClr val="tx1"/>
+                      </a:solidFill>
+                      <a:prstDash val="solid"/>
+                      <a:round/>
+                      <a:headEnd type="none" w="med" len="med"/>
+                      <a:tailEnd type="none" w="med" len="med"/>
+                    </a:lnR>
+                    <a:lnT w="12700" cap="flat" cmpd="sng" algn="ctr">
+                      <a:solidFill>
+                        <a:schemeClr val="tx1"/>
+                      </a:solidFill>
+                      <a:prstDash val="solid"/>
+                      <a:round/>
+                      <a:headEnd type="none" w="med" len="med"/>
+                      <a:tailEnd type="none" w="med" len="med"/>
+                    </a:lnT>
+                    <a:lnB w="12700" cap="flat" cmpd="sng" algn="ctr">
+                      <a:solidFill>
+                        <a:schemeClr val="tx1"/>
+                      </a:solidFill>
+                      <a:prstDash val="solid"/>
+                      <a:round/>
+                      <a:headEnd type="none" w="med" len="med"/>
+                      <a:tailEnd type="none" w="med" len="med"/>
+                    </a:lnB>
+                    <a:solidFill>
+                      <a:srgbClr val="FF80A9"/>
+                    </a:solidFill>
+                  </a:tcPr>
+                </a:tc>
+                <a:tc>
+                  <a:txBody>
+                    <a:bodyPr/>
+                    <a:lstStyle/>
+                    <a:p>
+                      <a:endParaRPr lang="en-US" dirty="0"/>
+                    </a:p>
+                  </a:txBody>
+                  <a:tcPr>
+                    <a:lnL w="12700" cap="flat" cmpd="sng" algn="ctr">
+                      <a:solidFill>
+                        <a:schemeClr val="tx1"/>
+                      </a:solidFill>
+                      <a:prstDash val="solid"/>
+                      <a:round/>
+                      <a:headEnd type="none" w="med" len="med"/>
+                      <a:tailEnd type="none" w="med" len="med"/>
+                    </a:lnL>
+                    <a:lnR w="12700" cap="flat" cmpd="sng" algn="ctr">
+                      <a:solidFill>
+                        <a:schemeClr val="tx1"/>
+                      </a:solidFill>
+                      <a:prstDash val="solid"/>
+                      <a:round/>
+                      <a:headEnd type="none" w="med" len="med"/>
+                      <a:tailEnd type="none" w="med" len="med"/>
+                    </a:lnR>
+                    <a:lnT w="12700" cap="flat" cmpd="sng" algn="ctr">
+                      <a:solidFill>
+                        <a:schemeClr val="tx1"/>
+                      </a:solidFill>
+                      <a:prstDash val="solid"/>
+                      <a:round/>
+                      <a:headEnd type="none" w="med" len="med"/>
+                      <a:tailEnd type="none" w="med" len="med"/>
+                    </a:lnT>
+                    <a:lnB w="12700" cap="flat" cmpd="sng" algn="ctr">
+                      <a:solidFill>
+                        <a:schemeClr val="tx1"/>
+                      </a:solidFill>
+                      <a:prstDash val="solid"/>
+                      <a:round/>
+                      <a:headEnd type="none" w="med" len="med"/>
+                      <a:tailEnd type="none" w="med" len="med"/>
+                    </a:lnB>
+                    <a:solidFill>
+                      <a:srgbClr val="FF80A9"/>
+                    </a:solidFill>
+                  </a:tcPr>
+                </a:tc>
+                <a:extLst>
+                  <a:ext uri="{0D108BD9-81ED-4DB2-BD59-A6C34878D82A}">
+                    <a16:rowId xmlns:a16="http://schemas.microsoft.com/office/drawing/2014/main" val="2144202223"/>
+                  </a:ext>
+                </a:extLst>
+              </a:tr>
+              <a:tr h="330985">
+                <a:tc>
+                  <a:txBody>
+                    <a:bodyPr/>
+                    <a:lstStyle/>
+                    <a:p>
+                      <a:endParaRPr lang="en-US" dirty="0"/>
+                    </a:p>
+                  </a:txBody>
+                  <a:tcPr>
+                    <a:lnL w="12700" cap="flat" cmpd="sng" algn="ctr">
+                      <a:solidFill>
+                        <a:schemeClr val="tx1"/>
+                      </a:solidFill>
+                      <a:prstDash val="solid"/>
+                      <a:round/>
+                      <a:headEnd type="none" w="med" len="med"/>
+                      <a:tailEnd type="none" w="med" len="med"/>
+                    </a:lnL>
+                    <a:lnR w="12700" cap="flat" cmpd="sng" algn="ctr">
+                      <a:solidFill>
+                        <a:schemeClr val="tx1"/>
+                      </a:solidFill>
+                      <a:prstDash val="solid"/>
+                      <a:round/>
+                      <a:headEnd type="none" w="med" len="med"/>
+                      <a:tailEnd type="none" w="med" len="med"/>
+                    </a:lnR>
+                    <a:lnT w="12700" cap="flat" cmpd="sng" algn="ctr">
+                      <a:solidFill>
+                        <a:schemeClr val="tx1"/>
+                      </a:solidFill>
+                      <a:prstDash val="solid"/>
+                      <a:round/>
+                      <a:headEnd type="none" w="med" len="med"/>
+                      <a:tailEnd type="none" w="med" len="med"/>
+                    </a:lnT>
+                    <a:lnB w="12700" cap="flat" cmpd="sng" algn="ctr">
+                      <a:solidFill>
+                        <a:schemeClr val="tx1"/>
+                      </a:solidFill>
+                      <a:prstDash val="solid"/>
+                      <a:round/>
+                      <a:headEnd type="none" w="med" len="med"/>
+                      <a:tailEnd type="none" w="med" len="med"/>
+                    </a:lnB>
+                    <a:solidFill>
+                      <a:srgbClr val="945200"/>
+                    </a:solidFill>
+                  </a:tcPr>
+                </a:tc>
+                <a:tc>
+                  <a:txBody>
+                    <a:bodyPr/>
+                    <a:lstStyle/>
+                    <a:p>
+                      <a:endParaRPr lang="en-US"/>
+                    </a:p>
+                  </a:txBody>
+                  <a:tcPr>
+                    <a:lnL w="12700" cap="flat" cmpd="sng" algn="ctr">
+                      <a:solidFill>
+                        <a:schemeClr val="tx1"/>
+                      </a:solidFill>
+                      <a:prstDash val="solid"/>
+                      <a:round/>
+                      <a:headEnd type="none" w="med" len="med"/>
+                      <a:tailEnd type="none" w="med" len="med"/>
+                    </a:lnL>
+                    <a:lnR w="12700" cap="flat" cmpd="sng" algn="ctr">
+                      <a:solidFill>
+                        <a:schemeClr val="tx1"/>
+                      </a:solidFill>
+                      <a:prstDash val="solid"/>
+                      <a:round/>
+                      <a:headEnd type="none" w="med" len="med"/>
+                      <a:tailEnd type="none" w="med" len="med"/>
+                    </a:lnR>
+                    <a:lnT w="12700" cap="flat" cmpd="sng" algn="ctr">
+                      <a:solidFill>
+                        <a:schemeClr val="tx1"/>
+                      </a:solidFill>
+                      <a:prstDash val="solid"/>
+                      <a:round/>
+                      <a:headEnd type="none" w="med" len="med"/>
+                      <a:tailEnd type="none" w="med" len="med"/>
+                    </a:lnT>
+                    <a:lnB w="12700" cap="flat" cmpd="sng" algn="ctr">
+                      <a:solidFill>
+                        <a:schemeClr val="tx1"/>
+                      </a:solidFill>
+                      <a:prstDash val="solid"/>
+                      <a:round/>
+                      <a:headEnd type="none" w="med" len="med"/>
+                      <a:tailEnd type="none" w="med" len="med"/>
+                    </a:lnB>
+                    <a:solidFill>
+                      <a:srgbClr val="FFD579"/>
+                    </a:solidFill>
+                  </a:tcPr>
+                </a:tc>
+                <a:tc>
+                  <a:txBody>
+                    <a:bodyPr/>
+                    <a:lstStyle/>
+                    <a:p>
+                      <a:endParaRPr lang="en-US" dirty="0"/>
+                    </a:p>
+                  </a:txBody>
+                  <a:tcPr>
+                    <a:lnL w="12700" cap="flat" cmpd="sng" algn="ctr">
+                      <a:solidFill>
+                        <a:schemeClr val="tx1"/>
+                      </a:solidFill>
+                      <a:prstDash val="solid"/>
+                      <a:round/>
+                      <a:headEnd type="none" w="med" len="med"/>
+                      <a:tailEnd type="none" w="med" len="med"/>
+                    </a:lnL>
+                    <a:lnR w="12700" cap="flat" cmpd="sng" algn="ctr">
+                      <a:solidFill>
+                        <a:schemeClr val="tx1"/>
+                      </a:solidFill>
+                      <a:prstDash val="solid"/>
+                      <a:round/>
+                      <a:headEnd type="none" w="med" len="med"/>
+                      <a:tailEnd type="none" w="med" len="med"/>
+                    </a:lnR>
+                    <a:lnT w="12700" cap="flat" cmpd="sng" algn="ctr">
+                      <a:solidFill>
+                        <a:schemeClr val="tx1"/>
+                      </a:solidFill>
+                      <a:prstDash val="solid"/>
+                      <a:round/>
+                      <a:headEnd type="none" w="med" len="med"/>
+                      <a:tailEnd type="none" w="med" len="med"/>
+                    </a:lnT>
+                    <a:lnB w="12700" cap="flat" cmpd="sng" algn="ctr">
+                      <a:solidFill>
+                        <a:schemeClr val="tx1"/>
+                      </a:solidFill>
+                      <a:prstDash val="solid"/>
+                      <a:round/>
+                      <a:headEnd type="none" w="med" len="med"/>
+                      <a:tailEnd type="none" w="med" len="med"/>
+                    </a:lnB>
+                    <a:solidFill>
+                      <a:srgbClr val="FFD579"/>
+                    </a:solidFill>
+                  </a:tcPr>
+                </a:tc>
+                <a:tc>
+                  <a:txBody>
+                    <a:bodyPr/>
+                    <a:lstStyle/>
+                    <a:p>
+                      <a:endParaRPr lang="en-US"/>
+                    </a:p>
+                  </a:txBody>
+                  <a:tcPr>
+                    <a:lnL w="12700" cap="flat" cmpd="sng" algn="ctr">
+                      <a:solidFill>
+                        <a:schemeClr val="tx1"/>
+                      </a:solidFill>
+                      <a:prstDash val="solid"/>
+                      <a:round/>
+                      <a:headEnd type="none" w="med" len="med"/>
+                      <a:tailEnd type="none" w="med" len="med"/>
+                    </a:lnL>
+                    <a:lnR w="12700" cap="flat" cmpd="sng" algn="ctr">
+                      <a:solidFill>
+                        <a:schemeClr val="tx1"/>
+                      </a:solidFill>
+                      <a:prstDash val="solid"/>
+                      <a:round/>
+                      <a:headEnd type="none" w="med" len="med"/>
+                      <a:tailEnd type="none" w="med" len="med"/>
+                    </a:lnR>
+                    <a:lnT w="12700" cap="flat" cmpd="sng" algn="ctr">
+                      <a:solidFill>
+                        <a:schemeClr val="tx1"/>
+                      </a:solidFill>
+                      <a:prstDash val="solid"/>
+                      <a:round/>
+                      <a:headEnd type="none" w="med" len="med"/>
+                      <a:tailEnd type="none" w="med" len="med"/>
+                    </a:lnT>
+                    <a:lnB w="12700" cap="flat" cmpd="sng" algn="ctr">
+                      <a:solidFill>
+                        <a:schemeClr val="tx1"/>
+                      </a:solidFill>
+                      <a:prstDash val="solid"/>
+                      <a:round/>
+                      <a:headEnd type="none" w="med" len="med"/>
+                      <a:tailEnd type="none" w="med" len="med"/>
+                    </a:lnB>
+                    <a:solidFill>
+                      <a:srgbClr val="FFD579"/>
+                    </a:solidFill>
+                  </a:tcPr>
+                </a:tc>
+                <a:tc>
+                  <a:txBody>
+                    <a:bodyPr/>
+                    <a:lstStyle/>
+                    <a:p>
+                      <a:endParaRPr lang="en-US" dirty="0"/>
+                    </a:p>
+                  </a:txBody>
+                  <a:tcPr>
+                    <a:lnL w="12700" cap="flat" cmpd="sng" algn="ctr">
+                      <a:solidFill>
+                        <a:schemeClr val="tx1"/>
+                      </a:solidFill>
+                      <a:prstDash val="solid"/>
+                      <a:round/>
+                      <a:headEnd type="none" w="med" len="med"/>
+                      <a:tailEnd type="none" w="med" len="med"/>
+                    </a:lnL>
+                    <a:lnR w="12700" cap="flat" cmpd="sng" algn="ctr">
+                      <a:solidFill>
+                        <a:schemeClr val="tx1"/>
+                      </a:solidFill>
+                      <a:prstDash val="solid"/>
+                      <a:round/>
+                      <a:headEnd type="none" w="med" len="med"/>
+                      <a:tailEnd type="none" w="med" len="med"/>
+                    </a:lnR>
+                    <a:lnT w="12700" cap="flat" cmpd="sng" algn="ctr">
+                      <a:solidFill>
+                        <a:schemeClr val="tx1"/>
+                      </a:solidFill>
+                      <a:prstDash val="solid"/>
+                      <a:round/>
+                      <a:headEnd type="none" w="med" len="med"/>
+                      <a:tailEnd type="none" w="med" len="med"/>
+                    </a:lnT>
+                    <a:lnB w="12700" cap="flat" cmpd="sng" algn="ctr">
+                      <a:solidFill>
+                        <a:schemeClr val="tx1"/>
+                      </a:solidFill>
+                      <a:prstDash val="solid"/>
+                      <a:round/>
+                      <a:headEnd type="none" w="med" len="med"/>
+                      <a:tailEnd type="none" w="med" len="med"/>
+                    </a:lnB>
+                    <a:solidFill>
+                      <a:srgbClr val="00D3AA"/>
+                    </a:solidFill>
+                  </a:tcPr>
+                </a:tc>
+                <a:tc>
+                  <a:txBody>
+                    <a:bodyPr/>
+                    <a:lstStyle/>
+                    <a:p>
+                      <a:endParaRPr lang="en-US"/>
+                    </a:p>
+                  </a:txBody>
+                  <a:tcPr>
+                    <a:lnL w="12700" cap="flat" cmpd="sng" algn="ctr">
+                      <a:solidFill>
+                        <a:schemeClr val="tx1"/>
+                      </a:solidFill>
+                      <a:prstDash val="solid"/>
+                      <a:round/>
+                      <a:headEnd type="none" w="med" len="med"/>
+                      <a:tailEnd type="none" w="med" len="med"/>
+                    </a:lnL>
+                    <a:lnR w="12700" cap="flat" cmpd="sng" algn="ctr">
+                      <a:solidFill>
+                        <a:schemeClr val="tx1"/>
+                      </a:solidFill>
+                      <a:prstDash val="solid"/>
+                      <a:round/>
+                      <a:headEnd type="none" w="med" len="med"/>
+                      <a:tailEnd type="none" w="med" len="med"/>
+                    </a:lnR>
+                    <a:lnT w="12700" cap="flat" cmpd="sng" algn="ctr">
+                      <a:solidFill>
+                        <a:schemeClr val="tx1"/>
+                      </a:solidFill>
+                      <a:prstDash val="solid"/>
+                      <a:round/>
+                      <a:headEnd type="none" w="med" len="med"/>
+                      <a:tailEnd type="none" w="med" len="med"/>
+                    </a:lnT>
+                    <a:lnB w="12700" cap="flat" cmpd="sng" algn="ctr">
+                      <a:solidFill>
+                        <a:schemeClr val="tx1"/>
+                      </a:solidFill>
+                      <a:prstDash val="solid"/>
+                      <a:round/>
+                      <a:headEnd type="none" w="med" len="med"/>
+                      <a:tailEnd type="none" w="med" len="med"/>
+                    </a:lnB>
+                    <a:solidFill>
+                      <a:srgbClr val="00D3AA"/>
+                    </a:solidFill>
+                  </a:tcPr>
+                </a:tc>
+                <a:tc>
+                  <a:txBody>
+                    <a:bodyPr/>
+                    <a:lstStyle/>
+                    <a:p>
+                      <a:endParaRPr lang="en-US" dirty="0"/>
+                    </a:p>
+                  </a:txBody>
+                  <a:tcPr>
+                    <a:lnL w="12700" cap="flat" cmpd="sng" algn="ctr">
+                      <a:solidFill>
+                        <a:schemeClr val="tx1"/>
+                      </a:solidFill>
+                      <a:prstDash val="solid"/>
+                      <a:round/>
+                      <a:headEnd type="none" w="med" len="med"/>
+                      <a:tailEnd type="none" w="med" len="med"/>
+                    </a:lnL>
+                    <a:lnR w="12700" cap="flat" cmpd="sng" algn="ctr">
+                      <a:solidFill>
+                        <a:schemeClr val="tx1"/>
+                      </a:solidFill>
+                      <a:prstDash val="solid"/>
+                      <a:round/>
+                      <a:headEnd type="none" w="med" len="med"/>
+                      <a:tailEnd type="none" w="med" len="med"/>
+                    </a:lnR>
+                    <a:lnT w="12700" cap="flat" cmpd="sng" algn="ctr">
+                      <a:solidFill>
+                        <a:schemeClr val="tx1"/>
+                      </a:solidFill>
+                      <a:prstDash val="solid"/>
+                      <a:round/>
+                      <a:headEnd type="none" w="med" len="med"/>
+                      <a:tailEnd type="none" w="med" len="med"/>
+                    </a:lnT>
+                    <a:lnB w="12700" cap="flat" cmpd="sng" algn="ctr">
+                      <a:solidFill>
+                        <a:schemeClr val="tx1"/>
+                      </a:solidFill>
+                      <a:prstDash val="solid"/>
+                      <a:round/>
+                      <a:headEnd type="none" w="med" len="med"/>
+                      <a:tailEnd type="none" w="med" len="med"/>
+                    </a:lnB>
+                    <a:solidFill>
+                      <a:srgbClr val="00D3AA"/>
+                    </a:solidFill>
+                  </a:tcPr>
+                </a:tc>
+                <a:tc>
+                  <a:txBody>
+                    <a:bodyPr/>
+                    <a:lstStyle/>
+                    <a:p>
+                      <a:endParaRPr lang="en-US" dirty="0"/>
+                    </a:p>
+                  </a:txBody>
+                  <a:tcPr>
+                    <a:lnL w="12700" cap="flat" cmpd="sng" algn="ctr">
+                      <a:solidFill>
+                        <a:schemeClr val="tx1"/>
+                      </a:solidFill>
+                      <a:prstDash val="solid"/>
+                      <a:round/>
+                      <a:headEnd type="none" w="med" len="med"/>
+                      <a:tailEnd type="none" w="med" len="med"/>
+                    </a:lnL>
+                    <a:lnR w="12700" cap="flat" cmpd="sng" algn="ctr">
+                      <a:solidFill>
+                        <a:schemeClr val="tx1"/>
+                      </a:solidFill>
+                      <a:prstDash val="solid"/>
+                      <a:round/>
+                      <a:headEnd type="none" w="med" len="med"/>
+                      <a:tailEnd type="none" w="med" len="med"/>
+                    </a:lnR>
+                    <a:lnT w="12700" cap="flat" cmpd="sng" algn="ctr">
+                      <a:solidFill>
+                        <a:schemeClr val="tx1"/>
+                      </a:solidFill>
+                      <a:prstDash val="solid"/>
+                      <a:round/>
+                      <a:headEnd type="none" w="med" len="med"/>
+                      <a:tailEnd type="none" w="med" len="med"/>
+                    </a:lnT>
+                    <a:lnB w="12700" cap="flat" cmpd="sng" algn="ctr">
+                      <a:solidFill>
+                        <a:schemeClr val="tx1"/>
+                      </a:solidFill>
+                      <a:prstDash val="solid"/>
+                      <a:round/>
+                      <a:headEnd type="none" w="med" len="med"/>
+                      <a:tailEnd type="none" w="med" len="med"/>
+                    </a:lnB>
+                    <a:solidFill>
+                      <a:srgbClr val="007742"/>
+                    </a:solidFill>
+                  </a:tcPr>
+                </a:tc>
+                <a:tc>
+                  <a:txBody>
+                    <a:bodyPr/>
+                    <a:lstStyle/>
+                    <a:p>
+                      <a:endParaRPr lang="en-US" dirty="0"/>
+                    </a:p>
+                  </a:txBody>
+                  <a:tcPr>
+                    <a:lnL w="12700" cap="flat" cmpd="sng" algn="ctr">
+                      <a:solidFill>
+                        <a:schemeClr val="tx1"/>
+                      </a:solidFill>
+                      <a:prstDash val="solid"/>
+                      <a:round/>
+                      <a:headEnd type="none" w="med" len="med"/>
+                      <a:tailEnd type="none" w="med" len="med"/>
+                    </a:lnL>
+                    <a:lnR w="12700" cap="flat" cmpd="sng" algn="ctr">
+                      <a:solidFill>
+                        <a:schemeClr val="tx1"/>
+                      </a:solidFill>
+                      <a:prstDash val="solid"/>
+                      <a:round/>
+                      <a:headEnd type="none" w="med" len="med"/>
+                      <a:tailEnd type="none" w="med" len="med"/>
+                    </a:lnR>
+                    <a:lnT w="12700" cap="flat" cmpd="sng" algn="ctr">
+                      <a:solidFill>
+                        <a:schemeClr val="tx1"/>
+                      </a:solidFill>
+                      <a:prstDash val="solid"/>
+                      <a:round/>
+                      <a:headEnd type="none" w="med" len="med"/>
+                      <a:tailEnd type="none" w="med" len="med"/>
+                    </a:lnT>
+                    <a:lnB w="12700" cap="flat" cmpd="sng" algn="ctr">
+                      <a:solidFill>
+                        <a:schemeClr val="tx1"/>
+                      </a:solidFill>
+                      <a:prstDash val="solid"/>
+                      <a:round/>
+                      <a:headEnd type="none" w="med" len="med"/>
+                      <a:tailEnd type="none" w="med" len="med"/>
+                    </a:lnB>
+                    <a:noFill/>
+                  </a:tcPr>
+                </a:tc>
+                <a:tc>
+                  <a:txBody>
+                    <a:bodyPr/>
+                    <a:lstStyle/>
+                    <a:p>
+                      <a:endParaRPr lang="en-US" dirty="0"/>
+                    </a:p>
+                  </a:txBody>
+                  <a:tcPr>
+                    <a:lnL w="12700" cap="flat" cmpd="sng" algn="ctr">
+                      <a:solidFill>
+                        <a:schemeClr val="tx1"/>
+                      </a:solidFill>
+                      <a:prstDash val="solid"/>
+                      <a:round/>
+                      <a:headEnd type="none" w="med" len="med"/>
+                      <a:tailEnd type="none" w="med" len="med"/>
+                    </a:lnL>
+                    <a:lnR w="12700" cap="flat" cmpd="sng" algn="ctr">
+                      <a:solidFill>
+                        <a:schemeClr val="tx1"/>
+                      </a:solidFill>
+                      <a:prstDash val="solid"/>
+                      <a:round/>
+                      <a:headEnd type="none" w="med" len="med"/>
+                      <a:tailEnd type="none" w="med" len="med"/>
+                    </a:lnR>
+                    <a:lnT w="12700" cap="flat" cmpd="sng" algn="ctr">
+                      <a:solidFill>
+                        <a:schemeClr val="tx1"/>
+                      </a:solidFill>
+                      <a:prstDash val="solid"/>
+                      <a:round/>
+                      <a:headEnd type="none" w="med" len="med"/>
+                      <a:tailEnd type="none" w="med" len="med"/>
+                    </a:lnT>
+                    <a:lnB w="12700" cap="flat" cmpd="sng" algn="ctr">
+                      <a:solidFill>
+                        <a:schemeClr val="tx1"/>
+                      </a:solidFill>
+                      <a:prstDash val="solid"/>
+                      <a:round/>
+                      <a:headEnd type="none" w="med" len="med"/>
+                      <a:tailEnd type="none" w="med" len="med"/>
+                    </a:lnB>
+                    <a:solidFill>
+                      <a:srgbClr val="00D3AA"/>
+                    </a:solidFill>
+                  </a:tcPr>
+                </a:tc>
+                <a:tc>
+                  <a:txBody>
+                    <a:bodyPr/>
+                    <a:lstStyle/>
+                    <a:p>
+                      <a:endParaRPr lang="en-US" dirty="0"/>
+                    </a:p>
+                  </a:txBody>
+                  <a:tcPr>
+                    <a:lnL w="12700" cap="flat" cmpd="sng" algn="ctr">
+                      <a:solidFill>
+                        <a:schemeClr val="tx1"/>
+                      </a:solidFill>
+                      <a:prstDash val="solid"/>
+                      <a:round/>
+                      <a:headEnd type="none" w="med" len="med"/>
+                      <a:tailEnd type="none" w="med" len="med"/>
+                    </a:lnL>
+                    <a:lnR w="12700" cap="flat" cmpd="sng" algn="ctr">
+                      <a:solidFill>
+                        <a:schemeClr val="tx1"/>
+                      </a:solidFill>
+                      <a:prstDash val="solid"/>
+                      <a:round/>
+                      <a:headEnd type="none" w="med" len="med"/>
+                      <a:tailEnd type="none" w="med" len="med"/>
+                    </a:lnR>
+                    <a:lnT w="12700" cap="flat" cmpd="sng" algn="ctr">
+                      <a:solidFill>
+                        <a:schemeClr val="tx1"/>
+                      </a:solidFill>
+                      <a:prstDash val="solid"/>
+                      <a:round/>
+                      <a:headEnd type="none" w="med" len="med"/>
+                      <a:tailEnd type="none" w="med" len="med"/>
+                    </a:lnT>
+                    <a:lnB w="12700" cap="flat" cmpd="sng" algn="ctr">
+                      <a:solidFill>
+                        <a:schemeClr val="tx1"/>
+                      </a:solidFill>
+                      <a:prstDash val="solid"/>
+                      <a:round/>
+                      <a:headEnd type="none" w="med" len="med"/>
+                      <a:tailEnd type="none" w="med" len="med"/>
+                    </a:lnB>
+                    <a:solidFill>
+                      <a:srgbClr val="007742"/>
+                    </a:solidFill>
+                  </a:tcPr>
+                </a:tc>
+                <a:tc>
+                  <a:txBody>
+                    <a:bodyPr/>
+                    <a:lstStyle/>
+                    <a:p>
+                      <a:endParaRPr lang="en-US" dirty="0"/>
+                    </a:p>
+                  </a:txBody>
+                  <a:tcPr>
+                    <a:lnL w="12700" cap="flat" cmpd="sng" algn="ctr">
+                      <a:solidFill>
+                        <a:schemeClr val="tx1"/>
+                      </a:solidFill>
+                      <a:prstDash val="solid"/>
+                      <a:round/>
+                      <a:headEnd type="none" w="med" len="med"/>
+                      <a:tailEnd type="none" w="med" len="med"/>
+                    </a:lnL>
+                    <a:lnR w="12700" cap="flat" cmpd="sng" algn="ctr">
+                      <a:solidFill>
+                        <a:schemeClr val="tx1"/>
+                      </a:solidFill>
+                      <a:prstDash val="solid"/>
+                      <a:round/>
+                      <a:headEnd type="none" w="med" len="med"/>
+                      <a:tailEnd type="none" w="med" len="med"/>
+                    </a:lnR>
+                    <a:lnT w="12700" cap="flat" cmpd="sng" algn="ctr">
+                      <a:solidFill>
+                        <a:schemeClr val="tx1"/>
+                      </a:solidFill>
+                      <a:prstDash val="solid"/>
+                      <a:round/>
+                      <a:headEnd type="none" w="med" len="med"/>
+                      <a:tailEnd type="none" w="med" len="med"/>
+                    </a:lnT>
+                    <a:lnB w="12700" cap="flat" cmpd="sng" algn="ctr">
+                      <a:solidFill>
+                        <a:schemeClr val="tx1"/>
+                      </a:solidFill>
+                      <a:prstDash val="solid"/>
+                      <a:round/>
+                      <a:headEnd type="none" w="med" len="med"/>
+                      <a:tailEnd type="none" w="med" len="med"/>
+                    </a:lnB>
+                    <a:noFill/>
+                  </a:tcPr>
+                </a:tc>
+                <a:tc>
+                  <a:txBody>
+                    <a:bodyPr/>
+                    <a:lstStyle/>
+                    <a:p>
+                      <a:endParaRPr lang="en-US" dirty="0"/>
+                    </a:p>
+                  </a:txBody>
+                  <a:tcPr>
+                    <a:lnL w="12700" cap="flat" cmpd="sng" algn="ctr">
+                      <a:solidFill>
+                        <a:schemeClr val="tx1"/>
+                      </a:solidFill>
+                      <a:prstDash val="solid"/>
+                      <a:round/>
+                      <a:headEnd type="none" w="med" len="med"/>
+                      <a:tailEnd type="none" w="med" len="med"/>
+                    </a:lnL>
+                    <a:lnR w="12700" cap="flat" cmpd="sng" algn="ctr">
+                      <a:solidFill>
+                        <a:schemeClr val="tx1"/>
+                      </a:solidFill>
+                      <a:prstDash val="solid"/>
+                      <a:round/>
+                      <a:headEnd type="none" w="med" len="med"/>
+                      <a:tailEnd type="none" w="med" len="med"/>
+                    </a:lnR>
+                    <a:lnT w="12700" cap="flat" cmpd="sng" algn="ctr">
+                      <a:solidFill>
+                        <a:schemeClr val="tx1"/>
+                      </a:solidFill>
+                      <a:prstDash val="solid"/>
+                      <a:round/>
+                      <a:headEnd type="none" w="med" len="med"/>
+                      <a:tailEnd type="none" w="med" len="med"/>
+                    </a:lnT>
+                    <a:lnB w="12700" cap="flat" cmpd="sng" algn="ctr">
+                      <a:solidFill>
+                        <a:schemeClr val="tx1"/>
+                      </a:solidFill>
+                      <a:prstDash val="solid"/>
+                      <a:round/>
+                      <a:headEnd type="none" w="med" len="med"/>
+                      <a:tailEnd type="none" w="med" len="med"/>
+                    </a:lnB>
+                    <a:noFill/>
+                  </a:tcPr>
+                </a:tc>
+                <a:extLst>
+                  <a:ext uri="{0D108BD9-81ED-4DB2-BD59-A6C34878D82A}">
+                    <a16:rowId xmlns:a16="http://schemas.microsoft.com/office/drawing/2014/main" val="1471903900"/>
+                  </a:ext>
+                </a:extLst>
+              </a:tr>
+              <a:tr h="330985">
+                <a:tc>
+                  <a:txBody>
+                    <a:bodyPr/>
+                    <a:lstStyle/>
+                    <a:p>
+                      <a:endParaRPr lang="en-US" dirty="0"/>
+                    </a:p>
+                  </a:txBody>
+                  <a:tcPr>
+                    <a:lnL w="12700" cap="flat" cmpd="sng" algn="ctr">
+                      <a:solidFill>
+                        <a:schemeClr val="tx1"/>
+                      </a:solidFill>
+                      <a:prstDash val="solid"/>
+                      <a:round/>
+                      <a:headEnd type="none" w="med" len="med"/>
+                      <a:tailEnd type="none" w="med" len="med"/>
+                    </a:lnL>
+                    <a:lnR w="12700" cap="flat" cmpd="sng" algn="ctr">
+                      <a:solidFill>
+                        <a:schemeClr val="tx1"/>
+                      </a:solidFill>
+                      <a:prstDash val="solid"/>
+                      <a:round/>
+                      <a:headEnd type="none" w="med" len="med"/>
+                      <a:tailEnd type="none" w="med" len="med"/>
+                    </a:lnR>
+                    <a:lnT w="12700" cap="flat" cmpd="sng" algn="ctr">
+                      <a:solidFill>
+                        <a:schemeClr val="tx1"/>
+                      </a:solidFill>
+                      <a:prstDash val="solid"/>
+                      <a:round/>
+                      <a:headEnd type="none" w="med" len="med"/>
+                      <a:tailEnd type="none" w="med" len="med"/>
+                    </a:lnT>
+                    <a:lnB w="12700" cap="flat" cmpd="sng" algn="ctr">
+                      <a:solidFill>
+                        <a:schemeClr val="tx1"/>
+                      </a:solidFill>
+                      <a:prstDash val="solid"/>
+                      <a:round/>
+                      <a:headEnd type="none" w="med" len="med"/>
+                      <a:tailEnd type="none" w="med" len="med"/>
+                    </a:lnB>
+                    <a:solidFill>
+                      <a:srgbClr val="945200"/>
+                    </a:solidFill>
+                  </a:tcPr>
+                </a:tc>
+                <a:tc>
+                  <a:txBody>
+                    <a:bodyPr/>
+                    <a:lstStyle/>
+                    <a:p>
+                      <a:endParaRPr lang="en-US"/>
+                    </a:p>
+                  </a:txBody>
+                  <a:tcPr>
+                    <a:lnL w="12700" cap="flat" cmpd="sng" algn="ctr">
+                      <a:solidFill>
+                        <a:schemeClr val="tx1"/>
+                      </a:solidFill>
+                      <a:prstDash val="solid"/>
+                      <a:round/>
+                      <a:headEnd type="none" w="med" len="med"/>
+                      <a:tailEnd type="none" w="med" len="med"/>
+                    </a:lnL>
+                    <a:lnR w="12700" cap="flat" cmpd="sng" algn="ctr">
+                      <a:solidFill>
+                        <a:schemeClr val="tx1"/>
+                      </a:solidFill>
+                      <a:prstDash val="solid"/>
+                      <a:round/>
+                      <a:headEnd type="none" w="med" len="med"/>
+                      <a:tailEnd type="none" w="med" len="med"/>
+                    </a:lnR>
+                    <a:lnT w="12700" cap="flat" cmpd="sng" algn="ctr">
+                      <a:solidFill>
+                        <a:schemeClr val="tx1"/>
+                      </a:solidFill>
+                      <a:prstDash val="solid"/>
+                      <a:round/>
+                      <a:headEnd type="none" w="med" len="med"/>
+                      <a:tailEnd type="none" w="med" len="med"/>
+                    </a:lnT>
+                    <a:lnB w="12700" cap="flat" cmpd="sng" algn="ctr">
+                      <a:solidFill>
+                        <a:schemeClr val="tx1"/>
+                      </a:solidFill>
+                      <a:prstDash val="solid"/>
+                      <a:round/>
+                      <a:headEnd type="none" w="med" len="med"/>
+                      <a:tailEnd type="none" w="med" len="med"/>
+                    </a:lnB>
+                    <a:solidFill>
+                      <a:srgbClr val="FFD579"/>
+                    </a:solidFill>
+                  </a:tcPr>
+                </a:tc>
+                <a:tc>
+                  <a:txBody>
+                    <a:bodyPr/>
+                    <a:lstStyle/>
+                    <a:p>
+                      <a:endParaRPr lang="en-US"/>
+                    </a:p>
+                  </a:txBody>
+                  <a:tcPr>
+                    <a:lnL w="12700" cap="flat" cmpd="sng" algn="ctr">
+                      <a:solidFill>
+                        <a:schemeClr val="tx1"/>
+                      </a:solidFill>
+                      <a:prstDash val="solid"/>
+                      <a:round/>
+                      <a:headEnd type="none" w="med" len="med"/>
+                      <a:tailEnd type="none" w="med" len="med"/>
+                    </a:lnL>
+                    <a:lnR w="12700" cap="flat" cmpd="sng" algn="ctr">
+                      <a:solidFill>
+                        <a:schemeClr val="tx1"/>
+                      </a:solidFill>
+                      <a:prstDash val="solid"/>
+                      <a:round/>
+                      <a:headEnd type="none" w="med" len="med"/>
+                      <a:tailEnd type="none" w="med" len="med"/>
+                    </a:lnR>
+                    <a:lnT w="12700" cap="flat" cmpd="sng" algn="ctr">
+                      <a:solidFill>
+                        <a:schemeClr val="tx1"/>
+                      </a:solidFill>
+                      <a:prstDash val="solid"/>
+                      <a:round/>
+                      <a:headEnd type="none" w="med" len="med"/>
+                      <a:tailEnd type="none" w="med" len="med"/>
+                    </a:lnT>
+                    <a:lnB w="12700" cap="flat" cmpd="sng" algn="ctr">
+                      <a:solidFill>
+                        <a:schemeClr val="tx1"/>
+                      </a:solidFill>
+                      <a:prstDash val="solid"/>
+                      <a:round/>
+                      <a:headEnd type="none" w="med" len="med"/>
+                      <a:tailEnd type="none" w="med" len="med"/>
+                    </a:lnB>
+                    <a:solidFill>
+                      <a:srgbClr val="FFD579"/>
+                    </a:solidFill>
+                  </a:tcPr>
+                </a:tc>
+                <a:tc>
+                  <a:txBody>
+                    <a:bodyPr/>
+                    <a:lstStyle/>
+                    <a:p>
+                      <a:endParaRPr lang="en-US" dirty="0"/>
+                    </a:p>
+                  </a:txBody>
+                  <a:tcPr>
+                    <a:lnL w="12700" cap="flat" cmpd="sng" algn="ctr">
+                      <a:solidFill>
+                        <a:schemeClr val="tx1"/>
+                      </a:solidFill>
+                      <a:prstDash val="solid"/>
+                      <a:round/>
+                      <a:headEnd type="none" w="med" len="med"/>
+                      <a:tailEnd type="none" w="med" len="med"/>
+                    </a:lnL>
+                    <a:lnR w="12700" cap="flat" cmpd="sng" algn="ctr">
+                      <a:solidFill>
+                        <a:schemeClr val="tx1"/>
+                      </a:solidFill>
+                      <a:prstDash val="solid"/>
+                      <a:round/>
+                      <a:headEnd type="none" w="med" len="med"/>
+                      <a:tailEnd type="none" w="med" len="med"/>
+                    </a:lnR>
+                    <a:lnT w="12700" cap="flat" cmpd="sng" algn="ctr">
+                      <a:solidFill>
+                        <a:schemeClr val="tx1"/>
+                      </a:solidFill>
+                      <a:prstDash val="solid"/>
+                      <a:round/>
+                      <a:headEnd type="none" w="med" len="med"/>
+                      <a:tailEnd type="none" w="med" len="med"/>
+                    </a:lnT>
+                    <a:lnB w="12700" cap="flat" cmpd="sng" algn="ctr">
+                      <a:solidFill>
+                        <a:schemeClr val="tx1"/>
+                      </a:solidFill>
+                      <a:prstDash val="solid"/>
+                      <a:round/>
+                      <a:headEnd type="none" w="med" len="med"/>
+                      <a:tailEnd type="none" w="med" len="med"/>
+                    </a:lnB>
+                    <a:solidFill>
+                      <a:srgbClr val="FFD579"/>
+                    </a:solidFill>
+                  </a:tcPr>
+                </a:tc>
+                <a:tc>
+                  <a:txBody>
+                    <a:bodyPr/>
+                    <a:lstStyle/>
+                    <a:p>
+                      <a:endParaRPr lang="en-US" dirty="0"/>
+                    </a:p>
+                  </a:txBody>
+                  <a:tcPr>
+                    <a:lnL w="12700" cap="flat" cmpd="sng" algn="ctr">
+                      <a:solidFill>
+                        <a:schemeClr val="tx1"/>
+                      </a:solidFill>
+                      <a:prstDash val="solid"/>
+                      <a:round/>
+                      <a:headEnd type="none" w="med" len="med"/>
+                      <a:tailEnd type="none" w="med" len="med"/>
+                    </a:lnL>
+                    <a:lnR w="12700" cap="flat" cmpd="sng" algn="ctr">
+                      <a:solidFill>
+                        <a:schemeClr val="tx1"/>
+                      </a:solidFill>
+                      <a:prstDash val="solid"/>
+                      <a:round/>
+                      <a:headEnd type="none" w="med" len="med"/>
+                      <a:tailEnd type="none" w="med" len="med"/>
+                    </a:lnR>
+                    <a:lnT w="12700" cap="flat" cmpd="sng" algn="ctr">
+                      <a:solidFill>
+                        <a:schemeClr val="tx1"/>
+                      </a:solidFill>
+                      <a:prstDash val="solid"/>
+                      <a:round/>
+                      <a:headEnd type="none" w="med" len="med"/>
+                      <a:tailEnd type="none" w="med" len="med"/>
+                    </a:lnT>
+                    <a:lnB w="12700" cap="flat" cmpd="sng" algn="ctr">
+                      <a:solidFill>
+                        <a:schemeClr val="tx1"/>
+                      </a:solidFill>
+                      <a:prstDash val="solid"/>
+                      <a:round/>
+                      <a:headEnd type="none" w="med" len="med"/>
+                      <a:tailEnd type="none" w="med" len="med"/>
+                    </a:lnB>
+                    <a:solidFill>
+                      <a:srgbClr val="00D3AA"/>
+                    </a:solidFill>
+                  </a:tcPr>
+                </a:tc>
+                <a:tc>
+                  <a:txBody>
+                    <a:bodyPr/>
+                    <a:lstStyle/>
+                    <a:p>
+                      <a:endParaRPr lang="en-US" dirty="0"/>
+                    </a:p>
+                  </a:txBody>
+                  <a:tcPr>
+                    <a:lnL w="12700" cap="flat" cmpd="sng" algn="ctr">
+                      <a:solidFill>
+                        <a:schemeClr val="tx1"/>
+                      </a:solidFill>
+                      <a:prstDash val="solid"/>
+                      <a:round/>
+                      <a:headEnd type="none" w="med" len="med"/>
+                      <a:tailEnd type="none" w="med" len="med"/>
+                    </a:lnL>
+                    <a:lnR w="12700" cap="flat" cmpd="sng" algn="ctr">
+                      <a:solidFill>
+                        <a:schemeClr val="tx1"/>
+                      </a:solidFill>
+                      <a:prstDash val="solid"/>
+                      <a:round/>
+                      <a:headEnd type="none" w="med" len="med"/>
+                      <a:tailEnd type="none" w="med" len="med"/>
+                    </a:lnR>
+                    <a:lnT w="12700" cap="flat" cmpd="sng" algn="ctr">
+                      <a:solidFill>
+                        <a:schemeClr val="tx1"/>
+                      </a:solidFill>
+                      <a:prstDash val="solid"/>
+                      <a:round/>
+                      <a:headEnd type="none" w="med" len="med"/>
+                      <a:tailEnd type="none" w="med" len="med"/>
+                    </a:lnT>
+                    <a:lnB w="12700" cap="flat" cmpd="sng" algn="ctr">
+                      <a:solidFill>
+                        <a:schemeClr val="tx1"/>
+                      </a:solidFill>
+                      <a:prstDash val="solid"/>
+                      <a:round/>
+                      <a:headEnd type="none" w="med" len="med"/>
+                      <a:tailEnd type="none" w="med" len="med"/>
+                    </a:lnB>
+                    <a:solidFill>
+                      <a:srgbClr val="00D3AA"/>
+                    </a:solidFill>
+                  </a:tcPr>
+                </a:tc>
+                <a:tc>
+                  <a:txBody>
+                    <a:bodyPr/>
+                    <a:lstStyle/>
+                    <a:p>
+                      <a:endParaRPr lang="en-US"/>
+                    </a:p>
+                  </a:txBody>
+                  <a:tcPr>
+                    <a:lnL w="12700" cap="flat" cmpd="sng" algn="ctr">
+                      <a:solidFill>
+                        <a:schemeClr val="tx1"/>
+                      </a:solidFill>
+                      <a:prstDash val="solid"/>
+                      <a:round/>
+                      <a:headEnd type="none" w="med" len="med"/>
+                      <a:tailEnd type="none" w="med" len="med"/>
+                    </a:lnL>
+                    <a:lnR w="12700" cap="flat" cmpd="sng" algn="ctr">
+                      <a:solidFill>
+                        <a:schemeClr val="tx1"/>
+                      </a:solidFill>
+                      <a:prstDash val="solid"/>
+                      <a:round/>
+                      <a:headEnd type="none" w="med" len="med"/>
+                      <a:tailEnd type="none" w="med" len="med"/>
+                    </a:lnR>
+                    <a:lnT w="12700" cap="flat" cmpd="sng" algn="ctr">
+                      <a:solidFill>
+                        <a:schemeClr val="tx1"/>
+                      </a:solidFill>
+                      <a:prstDash val="solid"/>
+                      <a:round/>
+                      <a:headEnd type="none" w="med" len="med"/>
+                      <a:tailEnd type="none" w="med" len="med"/>
+                    </a:lnT>
+                    <a:lnB w="12700" cap="flat" cmpd="sng" algn="ctr">
+                      <a:solidFill>
+                        <a:schemeClr val="tx1"/>
+                      </a:solidFill>
+                      <a:prstDash val="solid"/>
+                      <a:round/>
+                      <a:headEnd type="none" w="med" len="med"/>
+                      <a:tailEnd type="none" w="med" len="med"/>
+                    </a:lnB>
+                    <a:solidFill>
+                      <a:srgbClr val="00D3AA"/>
+                    </a:solidFill>
+                  </a:tcPr>
+                </a:tc>
+                <a:tc>
+                  <a:txBody>
+                    <a:bodyPr/>
+                    <a:lstStyle/>
+                    <a:p>
+                      <a:endParaRPr lang="en-US" dirty="0"/>
+                    </a:p>
+                  </a:txBody>
+                  <a:tcPr>
+                    <a:lnL w="12700" cap="flat" cmpd="sng" algn="ctr">
+                      <a:solidFill>
+                        <a:schemeClr val="tx1"/>
+                      </a:solidFill>
+                      <a:prstDash val="solid"/>
+                      <a:round/>
+                      <a:headEnd type="none" w="med" len="med"/>
+                      <a:tailEnd type="none" w="med" len="med"/>
+                    </a:lnL>
+                    <a:lnR w="12700" cap="flat" cmpd="sng" algn="ctr">
+                      <a:solidFill>
+                        <a:schemeClr val="tx1"/>
+                      </a:solidFill>
+                      <a:prstDash val="solid"/>
+                      <a:round/>
+                      <a:headEnd type="none" w="med" len="med"/>
+                      <a:tailEnd type="none" w="med" len="med"/>
+                    </a:lnR>
+                    <a:lnT w="12700" cap="flat" cmpd="sng" algn="ctr">
+                      <a:solidFill>
+                        <a:schemeClr val="tx1"/>
+                      </a:solidFill>
+                      <a:prstDash val="solid"/>
+                      <a:round/>
+                      <a:headEnd type="none" w="med" len="med"/>
+                      <a:tailEnd type="none" w="med" len="med"/>
+                    </a:lnT>
+                    <a:lnB w="12700" cap="flat" cmpd="sng" algn="ctr">
+                      <a:solidFill>
+                        <a:schemeClr val="tx1"/>
+                      </a:solidFill>
+                      <a:prstDash val="solid"/>
+                      <a:round/>
+                      <a:headEnd type="none" w="med" len="med"/>
+                      <a:tailEnd type="none" w="med" len="med"/>
+                    </a:lnB>
+                    <a:solidFill>
+                      <a:srgbClr val="007742"/>
+                    </a:solidFill>
+                  </a:tcPr>
+                </a:tc>
+                <a:tc>
+                  <a:txBody>
+                    <a:bodyPr/>
+                    <a:lstStyle/>
+                    <a:p>
+                      <a:endParaRPr lang="en-US" dirty="0"/>
+                    </a:p>
+                  </a:txBody>
+                  <a:tcPr>
+                    <a:lnL w="12700" cap="flat" cmpd="sng" algn="ctr">
+                      <a:solidFill>
+                        <a:schemeClr val="tx1"/>
+                      </a:solidFill>
+                      <a:prstDash val="solid"/>
+                      <a:round/>
+                      <a:headEnd type="none" w="med" len="med"/>
+                      <a:tailEnd type="none" w="med" len="med"/>
+                    </a:lnL>
+                    <a:lnR w="12700" cap="flat" cmpd="sng" algn="ctr">
+                      <a:solidFill>
+                        <a:schemeClr val="tx1"/>
+                      </a:solidFill>
+                      <a:prstDash val="solid"/>
+                      <a:round/>
+                      <a:headEnd type="none" w="med" len="med"/>
+                      <a:tailEnd type="none" w="med" len="med"/>
+                    </a:lnR>
+                    <a:lnT w="12700" cap="flat" cmpd="sng" algn="ctr">
+                      <a:solidFill>
+                        <a:schemeClr val="tx1"/>
+                      </a:solidFill>
+                      <a:prstDash val="solid"/>
+                      <a:round/>
+                      <a:headEnd type="none" w="med" len="med"/>
+                      <a:tailEnd type="none" w="med" len="med"/>
+                    </a:lnT>
+                    <a:lnB w="12700" cap="flat" cmpd="sng" algn="ctr">
+                      <a:solidFill>
+                        <a:schemeClr val="tx1"/>
+                      </a:solidFill>
+                      <a:prstDash val="solid"/>
+                      <a:round/>
+                      <a:headEnd type="none" w="med" len="med"/>
+                      <a:tailEnd type="none" w="med" len="med"/>
+                    </a:lnB>
+                    <a:solidFill>
+                      <a:srgbClr val="FF80A9"/>
+                    </a:solidFill>
+                  </a:tcPr>
+                </a:tc>
+                <a:tc>
+                  <a:txBody>
+                    <a:bodyPr/>
+                    <a:lstStyle/>
+                    <a:p>
+                      <a:endParaRPr lang="en-US"/>
+                    </a:p>
+                  </a:txBody>
+                  <a:tcPr>
+                    <a:lnL w="12700" cap="flat" cmpd="sng" algn="ctr">
+                      <a:solidFill>
+                        <a:schemeClr val="tx1"/>
+                      </a:solidFill>
+                      <a:prstDash val="solid"/>
+                      <a:round/>
+                      <a:headEnd type="none" w="med" len="med"/>
+                      <a:tailEnd type="none" w="med" len="med"/>
+                    </a:lnL>
+                    <a:lnR w="12700" cap="flat" cmpd="sng" algn="ctr">
+                      <a:solidFill>
+                        <a:schemeClr val="tx1"/>
+                      </a:solidFill>
+                      <a:prstDash val="solid"/>
+                      <a:round/>
+                      <a:headEnd type="none" w="med" len="med"/>
+                      <a:tailEnd type="none" w="med" len="med"/>
+                    </a:lnR>
+                    <a:lnT w="12700" cap="flat" cmpd="sng" algn="ctr">
+                      <a:solidFill>
+                        <a:schemeClr val="tx1"/>
+                      </a:solidFill>
+                      <a:prstDash val="solid"/>
+                      <a:round/>
+                      <a:headEnd type="none" w="med" len="med"/>
+                      <a:tailEnd type="none" w="med" len="med"/>
+                    </a:lnT>
+                    <a:lnB w="12700" cap="flat" cmpd="sng" algn="ctr">
+                      <a:solidFill>
+                        <a:schemeClr val="tx1"/>
+                      </a:solidFill>
+                      <a:prstDash val="solid"/>
+                      <a:round/>
+                      <a:headEnd type="none" w="med" len="med"/>
+                      <a:tailEnd type="none" w="med" len="med"/>
+                    </a:lnB>
+                    <a:solidFill>
+                      <a:srgbClr val="00D3AA"/>
+                    </a:solidFill>
+                  </a:tcPr>
+                </a:tc>
+                <a:tc>
+                  <a:txBody>
+                    <a:bodyPr/>
+                    <a:lstStyle/>
+                    <a:p>
+                      <a:endParaRPr lang="en-US" dirty="0"/>
+                    </a:p>
+                  </a:txBody>
+                  <a:tcPr>
+                    <a:lnL w="12700" cap="flat" cmpd="sng" algn="ctr">
+                      <a:solidFill>
+                        <a:schemeClr val="tx1"/>
+                      </a:solidFill>
+                      <a:prstDash val="solid"/>
+                      <a:round/>
+                      <a:headEnd type="none" w="med" len="med"/>
+                      <a:tailEnd type="none" w="med" len="med"/>
+                    </a:lnL>
+                    <a:lnR w="12700" cap="flat" cmpd="sng" algn="ctr">
+                      <a:solidFill>
+                        <a:schemeClr val="tx1"/>
+                      </a:solidFill>
+                      <a:prstDash val="solid"/>
+                      <a:round/>
+                      <a:headEnd type="none" w="med" len="med"/>
+                      <a:tailEnd type="none" w="med" len="med"/>
+                    </a:lnR>
+                    <a:lnT w="12700" cap="flat" cmpd="sng" algn="ctr">
+                      <a:solidFill>
+                        <a:schemeClr val="tx1"/>
+                      </a:solidFill>
+                      <a:prstDash val="solid"/>
+                      <a:round/>
+                      <a:headEnd type="none" w="med" len="med"/>
+                      <a:tailEnd type="none" w="med" len="med"/>
+                    </a:lnT>
+                    <a:lnB w="12700" cap="flat" cmpd="sng" algn="ctr">
+                      <a:solidFill>
+                        <a:schemeClr val="tx1"/>
+                      </a:solidFill>
+                      <a:prstDash val="solid"/>
+                      <a:round/>
+                      <a:headEnd type="none" w="med" len="med"/>
+                      <a:tailEnd type="none" w="med" len="med"/>
+                    </a:lnB>
+                    <a:solidFill>
+                      <a:srgbClr val="007742"/>
+                    </a:solidFill>
+                  </a:tcPr>
+                </a:tc>
+                <a:tc>
+                  <a:txBody>
+                    <a:bodyPr/>
+                    <a:lstStyle/>
+                    <a:p>
+                      <a:endParaRPr lang="en-US" dirty="0"/>
+                    </a:p>
+                  </a:txBody>
+                  <a:tcPr>
+                    <a:lnL w="12700" cap="flat" cmpd="sng" algn="ctr">
+                      <a:solidFill>
+                        <a:schemeClr val="tx1"/>
+                      </a:solidFill>
+                      <a:prstDash val="solid"/>
+                      <a:round/>
+                      <a:headEnd type="none" w="med" len="med"/>
+                      <a:tailEnd type="none" w="med" len="med"/>
+                    </a:lnL>
+                    <a:lnR w="12700" cap="flat" cmpd="sng" algn="ctr">
+                      <a:solidFill>
+                        <a:schemeClr val="tx1"/>
+                      </a:solidFill>
+                      <a:prstDash val="solid"/>
+                      <a:round/>
+                      <a:headEnd type="none" w="med" len="med"/>
+                      <a:tailEnd type="none" w="med" len="med"/>
+                    </a:lnR>
+                    <a:lnT w="12700" cap="flat" cmpd="sng" algn="ctr">
+                      <a:solidFill>
+                        <a:schemeClr val="tx1"/>
+                      </a:solidFill>
+                      <a:prstDash val="solid"/>
+                      <a:round/>
+                      <a:headEnd type="none" w="med" len="med"/>
+                      <a:tailEnd type="none" w="med" len="med"/>
+                    </a:lnT>
+                    <a:lnB w="12700" cap="flat" cmpd="sng" algn="ctr">
+                      <a:solidFill>
+                        <a:schemeClr val="tx1"/>
+                      </a:solidFill>
+                      <a:prstDash val="solid"/>
+                      <a:round/>
+                      <a:headEnd type="none" w="med" len="med"/>
+                      <a:tailEnd type="none" w="med" len="med"/>
+                    </a:lnB>
+                    <a:solidFill>
+                      <a:srgbClr val="FF80A9"/>
+                    </a:solidFill>
+                  </a:tcPr>
+                </a:tc>
+                <a:tc>
+                  <a:txBody>
+                    <a:bodyPr/>
+                    <a:lstStyle/>
+                    <a:p>
+                      <a:endParaRPr lang="en-US" dirty="0"/>
+                    </a:p>
+                  </a:txBody>
+                  <a:tcPr>
+                    <a:lnL w="12700" cap="flat" cmpd="sng" algn="ctr">
+                      <a:solidFill>
+                        <a:schemeClr val="tx1"/>
+                      </a:solidFill>
+                      <a:prstDash val="solid"/>
+                      <a:round/>
+                      <a:headEnd type="none" w="med" len="med"/>
+                      <a:tailEnd type="none" w="med" len="med"/>
+                    </a:lnL>
+                    <a:lnR w="12700" cap="flat" cmpd="sng" algn="ctr">
+                      <a:solidFill>
+                        <a:schemeClr val="tx1"/>
+                      </a:solidFill>
+                      <a:prstDash val="solid"/>
+                      <a:round/>
+                      <a:headEnd type="none" w="med" len="med"/>
+                      <a:tailEnd type="none" w="med" len="med"/>
+                    </a:lnR>
+                    <a:lnT w="12700" cap="flat" cmpd="sng" algn="ctr">
+                      <a:solidFill>
+                        <a:schemeClr val="tx1"/>
+                      </a:solidFill>
+                      <a:prstDash val="solid"/>
+                      <a:round/>
+                      <a:headEnd type="none" w="med" len="med"/>
+                      <a:tailEnd type="none" w="med" len="med"/>
+                    </a:lnT>
+                    <a:lnB w="12700" cap="flat" cmpd="sng" algn="ctr">
+                      <a:solidFill>
+                        <a:schemeClr val="tx1"/>
+                      </a:solidFill>
+                      <a:prstDash val="solid"/>
+                      <a:round/>
+                      <a:headEnd type="none" w="med" len="med"/>
+                      <a:tailEnd type="none" w="med" len="med"/>
+                    </a:lnB>
+                    <a:solidFill>
+                      <a:srgbClr val="FF80A9"/>
+                    </a:solidFill>
+                  </a:tcPr>
+                </a:tc>
+                <a:extLst>
+                  <a:ext uri="{0D108BD9-81ED-4DB2-BD59-A6C34878D82A}">
+                    <a16:rowId xmlns:a16="http://schemas.microsoft.com/office/drawing/2014/main" val="514778521"/>
+                  </a:ext>
+                </a:extLst>
+              </a:tr>
+              <a:tr h="330985">
+                <a:tc>
+                  <a:txBody>
+                    <a:bodyPr/>
+                    <a:lstStyle/>
+                    <a:p>
+                      <a:endParaRPr lang="en-US" dirty="0"/>
+                    </a:p>
+                  </a:txBody>
+                  <a:tcPr>
+                    <a:lnL w="12700" cap="flat" cmpd="sng" algn="ctr">
+                      <a:solidFill>
+                        <a:schemeClr val="tx1"/>
+                      </a:solidFill>
+                      <a:prstDash val="solid"/>
+                      <a:round/>
+                      <a:headEnd type="none" w="med" len="med"/>
+                      <a:tailEnd type="none" w="med" len="med"/>
+                    </a:lnL>
+                    <a:lnR w="12700" cap="flat" cmpd="sng" algn="ctr">
+                      <a:solidFill>
+                        <a:schemeClr val="tx1"/>
+                      </a:solidFill>
+                      <a:prstDash val="solid"/>
+                      <a:round/>
+                      <a:headEnd type="none" w="med" len="med"/>
+                      <a:tailEnd type="none" w="med" len="med"/>
+                    </a:lnR>
+                    <a:lnT w="12700" cap="flat" cmpd="sng" algn="ctr">
+                      <a:solidFill>
+                        <a:schemeClr val="tx1"/>
+                      </a:solidFill>
+                      <a:prstDash val="solid"/>
+                      <a:round/>
+                      <a:headEnd type="none" w="med" len="med"/>
+                      <a:tailEnd type="none" w="med" len="med"/>
+                    </a:lnT>
+                    <a:lnB w="12700" cap="flat" cmpd="sng" algn="ctr">
+                      <a:solidFill>
+                        <a:schemeClr val="tx1"/>
+                      </a:solidFill>
+                      <a:prstDash val="solid"/>
+                      <a:round/>
+                      <a:headEnd type="none" w="med" len="med"/>
+                      <a:tailEnd type="none" w="med" len="med"/>
+                    </a:lnB>
+                    <a:solidFill>
+                      <a:srgbClr val="945200"/>
+                    </a:solidFill>
+                  </a:tcPr>
+                </a:tc>
+                <a:tc>
+                  <a:txBody>
+                    <a:bodyPr/>
+                    <a:lstStyle/>
+                    <a:p>
+                      <a:endParaRPr lang="en-US" dirty="0"/>
+                    </a:p>
+                  </a:txBody>
+                  <a:tcPr>
+                    <a:lnL w="12700" cap="flat" cmpd="sng" algn="ctr">
+                      <a:solidFill>
+                        <a:schemeClr val="tx1"/>
+                      </a:solidFill>
+                      <a:prstDash val="solid"/>
+                      <a:round/>
+                      <a:headEnd type="none" w="med" len="med"/>
+                      <a:tailEnd type="none" w="med" len="med"/>
+                    </a:lnL>
+                    <a:lnR w="12700" cap="flat" cmpd="sng" algn="ctr">
+                      <a:solidFill>
+                        <a:schemeClr val="tx1"/>
+                      </a:solidFill>
+                      <a:prstDash val="solid"/>
+                      <a:round/>
+                      <a:headEnd type="none" w="med" len="med"/>
+                      <a:tailEnd type="none" w="med" len="med"/>
+                    </a:lnR>
+                    <a:lnT w="12700" cap="flat" cmpd="sng" algn="ctr">
+                      <a:solidFill>
+                        <a:schemeClr val="tx1"/>
+                      </a:solidFill>
+                      <a:prstDash val="solid"/>
+                      <a:round/>
+                      <a:headEnd type="none" w="med" len="med"/>
+                      <a:tailEnd type="none" w="med" len="med"/>
+                    </a:lnT>
+                    <a:lnB w="12700" cap="flat" cmpd="sng" algn="ctr">
+                      <a:solidFill>
+                        <a:schemeClr val="tx1"/>
+                      </a:solidFill>
+                      <a:prstDash val="solid"/>
+                      <a:round/>
+                      <a:headEnd type="none" w="med" len="med"/>
+                      <a:tailEnd type="none" w="med" len="med"/>
+                    </a:lnB>
+                    <a:solidFill>
+                      <a:srgbClr val="FFD579"/>
+                    </a:solidFill>
+                  </a:tcPr>
+                </a:tc>
+                <a:tc>
+                  <a:txBody>
+                    <a:bodyPr/>
+                    <a:lstStyle/>
+                    <a:p>
+                      <a:endParaRPr lang="en-US" dirty="0"/>
+                    </a:p>
+                  </a:txBody>
+                  <a:tcPr>
+                    <a:lnL w="12700" cap="flat" cmpd="sng" algn="ctr">
+                      <a:solidFill>
+                        <a:schemeClr val="tx1"/>
+                      </a:solidFill>
+                      <a:prstDash val="solid"/>
+                      <a:round/>
+                      <a:headEnd type="none" w="med" len="med"/>
+                      <a:tailEnd type="none" w="med" len="med"/>
+                    </a:lnL>
+                    <a:lnR w="12700" cap="flat" cmpd="sng" algn="ctr">
+                      <a:solidFill>
+                        <a:schemeClr val="tx1"/>
+                      </a:solidFill>
+                      <a:prstDash val="solid"/>
+                      <a:round/>
+                      <a:headEnd type="none" w="med" len="med"/>
+                      <a:tailEnd type="none" w="med" len="med"/>
+                    </a:lnR>
+                    <a:lnT w="12700" cap="flat" cmpd="sng" algn="ctr">
+                      <a:solidFill>
+                        <a:schemeClr val="tx1"/>
+                      </a:solidFill>
+                      <a:prstDash val="solid"/>
+                      <a:round/>
+                      <a:headEnd type="none" w="med" len="med"/>
+                      <a:tailEnd type="none" w="med" len="med"/>
+                    </a:lnT>
+                    <a:lnB w="12700" cap="flat" cmpd="sng" algn="ctr">
+                      <a:solidFill>
+                        <a:schemeClr val="tx1"/>
+                      </a:solidFill>
+                      <a:prstDash val="solid"/>
+                      <a:round/>
+                      <a:headEnd type="none" w="med" len="med"/>
+                      <a:tailEnd type="none" w="med" len="med"/>
+                    </a:lnB>
+                    <a:solidFill>
+                      <a:srgbClr val="FFD579"/>
+                    </a:solidFill>
+                  </a:tcPr>
+                </a:tc>
+                <a:tc>
+                  <a:txBody>
+                    <a:bodyPr/>
+                    <a:lstStyle/>
+                    <a:p>
+                      <a:endParaRPr lang="en-US" dirty="0"/>
+                    </a:p>
+                  </a:txBody>
+                  <a:tcPr>
+                    <a:lnL w="12700" cap="flat" cmpd="sng" algn="ctr">
+                      <a:solidFill>
+                        <a:schemeClr val="tx1"/>
+                      </a:solidFill>
+                      <a:prstDash val="solid"/>
+                      <a:round/>
+                      <a:headEnd type="none" w="med" len="med"/>
+                      <a:tailEnd type="none" w="med" len="med"/>
+                    </a:lnL>
+                    <a:lnR w="12700" cap="flat" cmpd="sng" algn="ctr">
+                      <a:solidFill>
+                        <a:schemeClr val="tx1"/>
+                      </a:solidFill>
+                      <a:prstDash val="solid"/>
+                      <a:round/>
+                      <a:headEnd type="none" w="med" len="med"/>
+                      <a:tailEnd type="none" w="med" len="med"/>
+                    </a:lnR>
+                    <a:lnT w="12700" cap="flat" cmpd="sng" algn="ctr">
+                      <a:solidFill>
+                        <a:schemeClr val="tx1"/>
+                      </a:solidFill>
+                      <a:prstDash val="solid"/>
+                      <a:round/>
+                      <a:headEnd type="none" w="med" len="med"/>
+                      <a:tailEnd type="none" w="med" len="med"/>
+                    </a:lnT>
+                    <a:lnB w="12700" cap="flat" cmpd="sng" algn="ctr">
+                      <a:solidFill>
+                        <a:schemeClr val="tx1"/>
+                      </a:solidFill>
+                      <a:prstDash val="solid"/>
+                      <a:round/>
+                      <a:headEnd type="none" w="med" len="med"/>
+                      <a:tailEnd type="none" w="med" len="med"/>
+                    </a:lnB>
+                    <a:solidFill>
+                      <a:srgbClr val="FFD579"/>
+                    </a:solidFill>
+                  </a:tcPr>
+                </a:tc>
+                <a:tc>
+                  <a:txBody>
+                    <a:bodyPr/>
+                    <a:lstStyle/>
+                    <a:p>
+                      <a:endParaRPr lang="en-US" dirty="0"/>
+                    </a:p>
+                  </a:txBody>
+                  <a:tcPr>
+                    <a:lnL w="12700" cap="flat" cmpd="sng" algn="ctr">
+                      <a:solidFill>
+                        <a:schemeClr val="tx1"/>
+                      </a:solidFill>
+                      <a:prstDash val="solid"/>
+                      <a:round/>
+                      <a:headEnd type="none" w="med" len="med"/>
+                      <a:tailEnd type="none" w="med" len="med"/>
+                    </a:lnL>
+                    <a:lnR w="12700" cap="flat" cmpd="sng" algn="ctr">
+                      <a:solidFill>
+                        <a:schemeClr val="tx1"/>
+                      </a:solidFill>
+                      <a:prstDash val="solid"/>
+                      <a:round/>
+                      <a:headEnd type="none" w="med" len="med"/>
+                      <a:tailEnd type="none" w="med" len="med"/>
+                    </a:lnR>
+                    <a:lnT w="12700" cap="flat" cmpd="sng" algn="ctr">
+                      <a:solidFill>
+                        <a:schemeClr val="tx1"/>
+                      </a:solidFill>
+                      <a:prstDash val="solid"/>
+                      <a:round/>
+                      <a:headEnd type="none" w="med" len="med"/>
+                      <a:tailEnd type="none" w="med" len="med"/>
+                    </a:lnT>
+                    <a:lnB w="12700" cap="flat" cmpd="sng" algn="ctr">
+                      <a:solidFill>
+                        <a:schemeClr val="tx1"/>
+                      </a:solidFill>
+                      <a:prstDash val="solid"/>
+                      <a:round/>
+                      <a:headEnd type="none" w="med" len="med"/>
+                      <a:tailEnd type="none" w="med" len="med"/>
+                    </a:lnB>
+                    <a:solidFill>
+                      <a:srgbClr val="00D3AA"/>
+                    </a:solidFill>
+                  </a:tcPr>
+                </a:tc>
+                <a:tc>
+                  <a:txBody>
+                    <a:bodyPr/>
+                    <a:lstStyle/>
+                    <a:p>
+                      <a:endParaRPr lang="en-US" dirty="0"/>
+                    </a:p>
+                  </a:txBody>
+                  <a:tcPr>
+                    <a:lnL w="12700" cap="flat" cmpd="sng" algn="ctr">
+                      <a:solidFill>
+                        <a:schemeClr val="tx1"/>
+                      </a:solidFill>
+                      <a:prstDash val="solid"/>
+                      <a:round/>
+                      <a:headEnd type="none" w="med" len="med"/>
+                      <a:tailEnd type="none" w="med" len="med"/>
+                    </a:lnL>
+                    <a:lnR w="12700" cap="flat" cmpd="sng" algn="ctr">
+                      <a:solidFill>
+                        <a:schemeClr val="tx1"/>
+                      </a:solidFill>
+                      <a:prstDash val="solid"/>
+                      <a:round/>
+                      <a:headEnd type="none" w="med" len="med"/>
+                      <a:tailEnd type="none" w="med" len="med"/>
+                    </a:lnR>
+                    <a:lnT w="12700" cap="flat" cmpd="sng" algn="ctr">
+                      <a:solidFill>
+                        <a:schemeClr val="tx1"/>
+                      </a:solidFill>
+                      <a:prstDash val="solid"/>
+                      <a:round/>
+                      <a:headEnd type="none" w="med" len="med"/>
+                      <a:tailEnd type="none" w="med" len="med"/>
+                    </a:lnT>
+                    <a:lnB w="12700" cap="flat" cmpd="sng" algn="ctr">
+                      <a:solidFill>
+                        <a:schemeClr val="tx1"/>
+                      </a:solidFill>
+                      <a:prstDash val="solid"/>
+                      <a:round/>
+                      <a:headEnd type="none" w="med" len="med"/>
+                      <a:tailEnd type="none" w="med" len="med"/>
+                    </a:lnB>
+                    <a:solidFill>
+                      <a:srgbClr val="00D3AA"/>
+                    </a:solidFill>
+                  </a:tcPr>
+                </a:tc>
+                <a:tc>
+                  <a:txBody>
+                    <a:bodyPr/>
+                    <a:lstStyle/>
+                    <a:p>
+                      <a:endParaRPr lang="en-US" dirty="0"/>
+                    </a:p>
+                  </a:txBody>
+                  <a:tcPr>
+                    <a:lnL w="12700" cap="flat" cmpd="sng" algn="ctr">
+                      <a:solidFill>
+                        <a:schemeClr val="tx1"/>
+                      </a:solidFill>
+                      <a:prstDash val="solid"/>
+                      <a:round/>
+                      <a:headEnd type="none" w="med" len="med"/>
+                      <a:tailEnd type="none" w="med" len="med"/>
+                    </a:lnL>
+                    <a:lnR w="12700" cap="flat" cmpd="sng" algn="ctr">
+                      <a:solidFill>
+                        <a:schemeClr val="tx1"/>
+                      </a:solidFill>
+                      <a:prstDash val="solid"/>
+                      <a:round/>
+                      <a:headEnd type="none" w="med" len="med"/>
+                      <a:tailEnd type="none" w="med" len="med"/>
+                    </a:lnR>
+                    <a:lnT w="12700" cap="flat" cmpd="sng" algn="ctr">
+                      <a:solidFill>
+                        <a:schemeClr val="tx1"/>
+                      </a:solidFill>
+                      <a:prstDash val="solid"/>
+                      <a:round/>
+                      <a:headEnd type="none" w="med" len="med"/>
+                      <a:tailEnd type="none" w="med" len="med"/>
+                    </a:lnT>
+                    <a:lnB w="12700" cap="flat" cmpd="sng" algn="ctr">
+                      <a:solidFill>
+                        <a:schemeClr val="tx1"/>
+                      </a:solidFill>
+                      <a:prstDash val="solid"/>
+                      <a:round/>
+                      <a:headEnd type="none" w="med" len="med"/>
+                      <a:tailEnd type="none" w="med" len="med"/>
+                    </a:lnB>
+                    <a:noFill/>
+                  </a:tcPr>
+                </a:tc>
+                <a:tc>
+                  <a:txBody>
+                    <a:bodyPr/>
+                    <a:lstStyle/>
+                    <a:p>
+                      <a:endParaRPr lang="en-US" dirty="0"/>
+                    </a:p>
+                  </a:txBody>
+                  <a:tcPr>
+                    <a:lnL w="12700" cap="flat" cmpd="sng" algn="ctr">
+                      <a:solidFill>
+                        <a:schemeClr val="tx1"/>
+                      </a:solidFill>
+                      <a:prstDash val="solid"/>
+                      <a:round/>
+                      <a:headEnd type="none" w="med" len="med"/>
+                      <a:tailEnd type="none" w="med" len="med"/>
+                    </a:lnL>
+                    <a:lnR w="12700" cap="flat" cmpd="sng" algn="ctr">
+                      <a:solidFill>
+                        <a:schemeClr val="tx1"/>
+                      </a:solidFill>
+                      <a:prstDash val="solid"/>
+                      <a:round/>
+                      <a:headEnd type="none" w="med" len="med"/>
+                      <a:tailEnd type="none" w="med" len="med"/>
+                    </a:lnR>
+                    <a:lnT w="12700" cap="flat" cmpd="sng" algn="ctr">
+                      <a:solidFill>
+                        <a:schemeClr val="tx1"/>
+                      </a:solidFill>
+                      <a:prstDash val="solid"/>
+                      <a:round/>
+                      <a:headEnd type="none" w="med" len="med"/>
+                      <a:tailEnd type="none" w="med" len="med"/>
+                    </a:lnT>
+                    <a:lnB w="12700" cap="flat" cmpd="sng" algn="ctr">
+                      <a:solidFill>
+                        <a:schemeClr val="tx1"/>
+                      </a:solidFill>
+                      <a:prstDash val="solid"/>
+                      <a:round/>
+                      <a:headEnd type="none" w="med" len="med"/>
+                      <a:tailEnd type="none" w="med" len="med"/>
+                    </a:lnB>
+                    <a:noFill/>
+                  </a:tcPr>
+                </a:tc>
+                <a:tc>
+                  <a:txBody>
+                    <a:bodyPr/>
+                    <a:lstStyle/>
+                    <a:p>
+                      <a:endParaRPr lang="en-US" dirty="0"/>
+                    </a:p>
+                  </a:txBody>
+                  <a:tcPr>
+                    <a:lnL w="12700" cap="flat" cmpd="sng" algn="ctr">
+                      <a:solidFill>
+                        <a:schemeClr val="tx1"/>
+                      </a:solidFill>
+                      <a:prstDash val="solid"/>
+                      <a:round/>
+                      <a:headEnd type="none" w="med" len="med"/>
+                      <a:tailEnd type="none" w="med" len="med"/>
+                    </a:lnL>
+                    <a:lnR w="12700" cap="flat" cmpd="sng" algn="ctr">
+                      <a:solidFill>
+                        <a:schemeClr val="tx1"/>
+                      </a:solidFill>
+                      <a:prstDash val="solid"/>
+                      <a:round/>
+                      <a:headEnd type="none" w="med" len="med"/>
+                      <a:tailEnd type="none" w="med" len="med"/>
+                    </a:lnR>
+                    <a:lnT w="12700" cap="flat" cmpd="sng" algn="ctr">
+                      <a:solidFill>
+                        <a:schemeClr val="tx1"/>
+                      </a:solidFill>
+                      <a:prstDash val="solid"/>
+                      <a:round/>
+                      <a:headEnd type="none" w="med" len="med"/>
+                      <a:tailEnd type="none" w="med" len="med"/>
+                    </a:lnT>
+                    <a:lnB w="12700" cap="flat" cmpd="sng" algn="ctr">
+                      <a:solidFill>
+                        <a:schemeClr val="tx1"/>
+                      </a:solidFill>
+                      <a:prstDash val="solid"/>
+                      <a:round/>
+                      <a:headEnd type="none" w="med" len="med"/>
+                      <a:tailEnd type="none" w="med" len="med"/>
+                    </a:lnB>
+                    <a:solidFill>
+                      <a:srgbClr val="FF80A9"/>
+                    </a:solidFill>
+                  </a:tcPr>
+                </a:tc>
+                <a:tc>
+                  <a:txBody>
+                    <a:bodyPr/>
+                    <a:lstStyle/>
+                    <a:p>
+                      <a:endParaRPr lang="en-US"/>
+                    </a:p>
+                  </a:txBody>
+                  <a:tcPr>
+                    <a:lnL w="12700" cap="flat" cmpd="sng" algn="ctr">
+                      <a:solidFill>
+                        <a:schemeClr val="tx1"/>
+                      </a:solidFill>
+                      <a:prstDash val="solid"/>
+                      <a:round/>
+                      <a:headEnd type="none" w="med" len="med"/>
+                      <a:tailEnd type="none" w="med" len="med"/>
+                    </a:lnL>
+                    <a:lnR w="12700" cap="flat" cmpd="sng" algn="ctr">
+                      <a:solidFill>
+                        <a:schemeClr val="tx1"/>
+                      </a:solidFill>
+                      <a:prstDash val="solid"/>
+                      <a:round/>
+                      <a:headEnd type="none" w="med" len="med"/>
+                      <a:tailEnd type="none" w="med" len="med"/>
+                    </a:lnR>
+                    <a:lnT w="12700" cap="flat" cmpd="sng" algn="ctr">
+                      <a:solidFill>
+                        <a:schemeClr val="tx1"/>
+                      </a:solidFill>
+                      <a:prstDash val="solid"/>
+                      <a:round/>
+                      <a:headEnd type="none" w="med" len="med"/>
+                      <a:tailEnd type="none" w="med" len="med"/>
+                    </a:lnT>
+                    <a:lnB w="12700" cap="flat" cmpd="sng" algn="ctr">
+                      <a:solidFill>
+                        <a:schemeClr val="tx1"/>
+                      </a:solidFill>
+                      <a:prstDash val="solid"/>
+                      <a:round/>
+                      <a:headEnd type="none" w="med" len="med"/>
+                      <a:tailEnd type="none" w="med" len="med"/>
+                    </a:lnB>
+                    <a:solidFill>
+                      <a:srgbClr val="00D3AA"/>
+                    </a:solidFill>
+                  </a:tcPr>
+                </a:tc>
+                <a:tc>
+                  <a:txBody>
+                    <a:bodyPr/>
+                    <a:lstStyle/>
+                    <a:p>
+                      <a:endParaRPr lang="en-US"/>
+                    </a:p>
+                  </a:txBody>
+                  <a:tcPr>
+                    <a:lnL w="12700" cap="flat" cmpd="sng" algn="ctr">
+                      <a:solidFill>
+                        <a:schemeClr val="tx1"/>
+                      </a:solidFill>
+                      <a:prstDash val="solid"/>
+                      <a:round/>
+                      <a:headEnd type="none" w="med" len="med"/>
+                      <a:tailEnd type="none" w="med" len="med"/>
+                    </a:lnL>
+                    <a:lnR w="12700" cap="flat" cmpd="sng" algn="ctr">
+                      <a:solidFill>
+                        <a:schemeClr val="tx1"/>
+                      </a:solidFill>
+                      <a:prstDash val="solid"/>
+                      <a:round/>
+                      <a:headEnd type="none" w="med" len="med"/>
+                      <a:tailEnd type="none" w="med" len="med"/>
+                    </a:lnR>
+                    <a:lnT w="12700" cap="flat" cmpd="sng" algn="ctr">
+                      <a:solidFill>
+                        <a:schemeClr val="tx1"/>
+                      </a:solidFill>
+                      <a:prstDash val="solid"/>
+                      <a:round/>
+                      <a:headEnd type="none" w="med" len="med"/>
+                      <a:tailEnd type="none" w="med" len="med"/>
+                    </a:lnT>
+                    <a:lnB w="12700" cap="flat" cmpd="sng" algn="ctr">
+                      <a:solidFill>
+                        <a:schemeClr val="tx1"/>
+                      </a:solidFill>
+                      <a:prstDash val="solid"/>
+                      <a:round/>
+                      <a:headEnd type="none" w="med" len="med"/>
+                      <a:tailEnd type="none" w="med" len="med"/>
+                    </a:lnB>
+                    <a:solidFill>
+                      <a:srgbClr val="007742"/>
+                    </a:solidFill>
+                  </a:tcPr>
+                </a:tc>
+                <a:tc>
+                  <a:txBody>
+                    <a:bodyPr/>
+                    <a:lstStyle/>
+                    <a:p>
+                      <a:endParaRPr lang="en-US"/>
+                    </a:p>
+                  </a:txBody>
+                  <a:tcPr>
+                    <a:lnL w="12700" cap="flat" cmpd="sng" algn="ctr">
+                      <a:solidFill>
+                        <a:schemeClr val="tx1"/>
+                      </a:solidFill>
+                      <a:prstDash val="solid"/>
+                      <a:round/>
+                      <a:headEnd type="none" w="med" len="med"/>
+                      <a:tailEnd type="none" w="med" len="med"/>
+                    </a:lnL>
+                    <a:lnR w="12700" cap="flat" cmpd="sng" algn="ctr">
+                      <a:solidFill>
+                        <a:schemeClr val="tx1"/>
+                      </a:solidFill>
+                      <a:prstDash val="solid"/>
+                      <a:round/>
+                      <a:headEnd type="none" w="med" len="med"/>
+                      <a:tailEnd type="none" w="med" len="med"/>
+                    </a:lnR>
+                    <a:lnT w="12700" cap="flat" cmpd="sng" algn="ctr">
+                      <a:solidFill>
+                        <a:schemeClr val="tx1"/>
+                      </a:solidFill>
+                      <a:prstDash val="solid"/>
+                      <a:round/>
+                      <a:headEnd type="none" w="med" len="med"/>
+                      <a:tailEnd type="none" w="med" len="med"/>
+                    </a:lnT>
+                    <a:lnB w="12700" cap="flat" cmpd="sng" algn="ctr">
+                      <a:solidFill>
+                        <a:schemeClr val="tx1"/>
+                      </a:solidFill>
+                      <a:prstDash val="solid"/>
+                      <a:round/>
+                      <a:headEnd type="none" w="med" len="med"/>
+                      <a:tailEnd type="none" w="med" len="med"/>
+                    </a:lnB>
+                    <a:solidFill>
+                      <a:srgbClr val="FF80A9"/>
+                    </a:solidFill>
+                  </a:tcPr>
+                </a:tc>
+                <a:tc>
+                  <a:txBody>
+                    <a:bodyPr/>
+                    <a:lstStyle/>
+                    <a:p>
+                      <a:endParaRPr lang="en-US"/>
+                    </a:p>
+                  </a:txBody>
+                  <a:tcPr>
+                    <a:lnL w="12700" cap="flat" cmpd="sng" algn="ctr">
+                      <a:solidFill>
+                        <a:schemeClr val="tx1"/>
+                      </a:solidFill>
+                      <a:prstDash val="solid"/>
+                      <a:round/>
+                      <a:headEnd type="none" w="med" len="med"/>
+                      <a:tailEnd type="none" w="med" len="med"/>
+                    </a:lnL>
+                    <a:lnR w="12700" cap="flat" cmpd="sng" algn="ctr">
+                      <a:solidFill>
+                        <a:schemeClr val="tx1"/>
+                      </a:solidFill>
+                      <a:prstDash val="solid"/>
+                      <a:round/>
+                      <a:headEnd type="none" w="med" len="med"/>
+                      <a:tailEnd type="none" w="med" len="med"/>
+                    </a:lnR>
+                    <a:lnT w="12700" cap="flat" cmpd="sng" algn="ctr">
+                      <a:solidFill>
+                        <a:schemeClr val="tx1"/>
+                      </a:solidFill>
+                      <a:prstDash val="solid"/>
+                      <a:round/>
+                      <a:headEnd type="none" w="med" len="med"/>
+                      <a:tailEnd type="none" w="med" len="med"/>
+                    </a:lnT>
+                    <a:lnB w="12700" cap="flat" cmpd="sng" algn="ctr">
+                      <a:solidFill>
+                        <a:schemeClr val="tx1"/>
+                      </a:solidFill>
+                      <a:prstDash val="solid"/>
+                      <a:round/>
+                      <a:headEnd type="none" w="med" len="med"/>
+                      <a:tailEnd type="none" w="med" len="med"/>
+                    </a:lnB>
+                    <a:noFill/>
+                  </a:tcPr>
+                </a:tc>
+                <a:extLst>
+                  <a:ext uri="{0D108BD9-81ED-4DB2-BD59-A6C34878D82A}">
+                    <a16:rowId xmlns:a16="http://schemas.microsoft.com/office/drawing/2014/main" val="3364268856"/>
+                  </a:ext>
+                </a:extLst>
+              </a:tr>
+              <a:tr h="330985">
+                <a:tc>
+                  <a:txBody>
+                    <a:bodyPr/>
+                    <a:lstStyle/>
+                    <a:p>
+                      <a:endParaRPr lang="en-US" dirty="0"/>
+                    </a:p>
+                  </a:txBody>
+                  <a:tcPr>
+                    <a:lnL w="12700" cap="flat" cmpd="sng" algn="ctr">
+                      <a:solidFill>
+                        <a:schemeClr val="tx1"/>
+                      </a:solidFill>
+                      <a:prstDash val="solid"/>
+                      <a:round/>
+                      <a:headEnd type="none" w="med" len="med"/>
+                      <a:tailEnd type="none" w="med" len="med"/>
+                    </a:lnL>
+                    <a:lnR w="12700" cap="flat" cmpd="sng" algn="ctr">
+                      <a:solidFill>
+                        <a:schemeClr val="tx1"/>
+                      </a:solidFill>
+                      <a:prstDash val="solid"/>
+                      <a:round/>
+                      <a:headEnd type="none" w="med" len="med"/>
+                      <a:tailEnd type="none" w="med" len="med"/>
+                    </a:lnR>
+                    <a:lnT w="12700" cap="flat" cmpd="sng" algn="ctr">
+                      <a:solidFill>
+                        <a:schemeClr val="tx1"/>
+                      </a:solidFill>
+                      <a:prstDash val="solid"/>
+                      <a:round/>
+                      <a:headEnd type="none" w="med" len="med"/>
+                      <a:tailEnd type="none" w="med" len="med"/>
+                    </a:lnT>
+                    <a:lnB w="12700" cap="flat" cmpd="sng" algn="ctr">
+                      <a:solidFill>
+                        <a:schemeClr val="tx1"/>
+                      </a:solidFill>
+                      <a:prstDash val="solid"/>
+                      <a:round/>
+                      <a:headEnd type="none" w="med" len="med"/>
+                      <a:tailEnd type="none" w="med" len="med"/>
+                    </a:lnB>
+                    <a:solidFill>
+                      <a:srgbClr val="945200"/>
+                    </a:solidFill>
+                  </a:tcPr>
+                </a:tc>
+                <a:tc>
+                  <a:txBody>
+                    <a:bodyPr/>
+                    <a:lstStyle/>
+                    <a:p>
+                      <a:endParaRPr lang="en-US"/>
+                    </a:p>
+                  </a:txBody>
+                  <a:tcPr>
+                    <a:lnL w="12700" cap="flat" cmpd="sng" algn="ctr">
+                      <a:solidFill>
+                        <a:schemeClr val="tx1"/>
+                      </a:solidFill>
+                      <a:prstDash val="solid"/>
+                      <a:round/>
+                      <a:headEnd type="none" w="med" len="med"/>
+                      <a:tailEnd type="none" w="med" len="med"/>
+                    </a:lnL>
+                    <a:lnR w="12700" cap="flat" cmpd="sng" algn="ctr">
+                      <a:solidFill>
+                        <a:schemeClr val="tx1"/>
+                      </a:solidFill>
+                      <a:prstDash val="solid"/>
+                      <a:round/>
+                      <a:headEnd type="none" w="med" len="med"/>
+                      <a:tailEnd type="none" w="med" len="med"/>
+                    </a:lnR>
+                    <a:lnT w="12700" cap="flat" cmpd="sng" algn="ctr">
+                      <a:solidFill>
+                        <a:schemeClr val="tx1"/>
+                      </a:solidFill>
+                      <a:prstDash val="solid"/>
+                      <a:round/>
+                      <a:headEnd type="none" w="med" len="med"/>
+                      <a:tailEnd type="none" w="med" len="med"/>
+                    </a:lnT>
+                    <a:lnB w="12700" cap="flat" cmpd="sng" algn="ctr">
+                      <a:solidFill>
+                        <a:schemeClr val="tx1"/>
+                      </a:solidFill>
+                      <a:prstDash val="solid"/>
+                      <a:round/>
+                      <a:headEnd type="none" w="med" len="med"/>
+                      <a:tailEnd type="none" w="med" len="med"/>
+                    </a:lnB>
+                    <a:solidFill>
+                      <a:srgbClr val="FFD579"/>
+                    </a:solidFill>
+                  </a:tcPr>
+                </a:tc>
+                <a:tc>
+                  <a:txBody>
+                    <a:bodyPr/>
+                    <a:lstStyle/>
+                    <a:p>
+                      <a:endParaRPr lang="en-US"/>
+                    </a:p>
+                  </a:txBody>
+                  <a:tcPr>
+                    <a:lnL w="12700" cap="flat" cmpd="sng" algn="ctr">
+                      <a:solidFill>
+                        <a:schemeClr val="tx1"/>
+                      </a:solidFill>
+                      <a:prstDash val="solid"/>
+                      <a:round/>
+                      <a:headEnd type="none" w="med" len="med"/>
+                      <a:tailEnd type="none" w="med" len="med"/>
+                    </a:lnL>
+                    <a:lnR w="12700" cap="flat" cmpd="sng" algn="ctr">
+                      <a:solidFill>
+                        <a:schemeClr val="tx1"/>
+                      </a:solidFill>
+                      <a:prstDash val="solid"/>
+                      <a:round/>
+                      <a:headEnd type="none" w="med" len="med"/>
+                      <a:tailEnd type="none" w="med" len="med"/>
+                    </a:lnR>
+                    <a:lnT w="12700" cap="flat" cmpd="sng" algn="ctr">
+                      <a:solidFill>
+                        <a:schemeClr val="tx1"/>
+                      </a:solidFill>
+                      <a:prstDash val="solid"/>
+                      <a:round/>
+                      <a:headEnd type="none" w="med" len="med"/>
+                      <a:tailEnd type="none" w="med" len="med"/>
+                    </a:lnT>
+                    <a:lnB w="12700" cap="flat" cmpd="sng" algn="ctr">
+                      <a:solidFill>
+                        <a:schemeClr val="tx1"/>
+                      </a:solidFill>
+                      <a:prstDash val="solid"/>
+                      <a:round/>
+                      <a:headEnd type="none" w="med" len="med"/>
+                      <a:tailEnd type="none" w="med" len="med"/>
+                    </a:lnB>
+                    <a:solidFill>
+                      <a:srgbClr val="FFD579"/>
+                    </a:solidFill>
+                  </a:tcPr>
+                </a:tc>
+                <a:tc>
+                  <a:txBody>
+                    <a:bodyPr/>
+                    <a:lstStyle/>
+                    <a:p>
+                      <a:endParaRPr lang="en-US" dirty="0"/>
+                    </a:p>
+                  </a:txBody>
+                  <a:tcPr>
+                    <a:lnL w="12700" cap="flat" cmpd="sng" algn="ctr">
+                      <a:solidFill>
+                        <a:schemeClr val="tx1"/>
+                      </a:solidFill>
+                      <a:prstDash val="solid"/>
+                      <a:round/>
+                      <a:headEnd type="none" w="med" len="med"/>
+                      <a:tailEnd type="none" w="med" len="med"/>
+                    </a:lnL>
+                    <a:lnR w="12700" cap="flat" cmpd="sng" algn="ctr">
+                      <a:solidFill>
+                        <a:schemeClr val="tx1"/>
+                      </a:solidFill>
+                      <a:prstDash val="solid"/>
+                      <a:round/>
+                      <a:headEnd type="none" w="med" len="med"/>
+                      <a:tailEnd type="none" w="med" len="med"/>
+                    </a:lnR>
+                    <a:lnT w="12700" cap="flat" cmpd="sng" algn="ctr">
+                      <a:solidFill>
+                        <a:schemeClr val="tx1"/>
+                      </a:solidFill>
+                      <a:prstDash val="solid"/>
+                      <a:round/>
+                      <a:headEnd type="none" w="med" len="med"/>
+                      <a:tailEnd type="none" w="med" len="med"/>
+                    </a:lnT>
+                    <a:lnB w="12700" cap="flat" cmpd="sng" algn="ctr">
+                      <a:solidFill>
+                        <a:schemeClr val="tx1"/>
+                      </a:solidFill>
+                      <a:prstDash val="solid"/>
+                      <a:round/>
+                      <a:headEnd type="none" w="med" len="med"/>
+                      <a:tailEnd type="none" w="med" len="med"/>
+                    </a:lnB>
+                    <a:solidFill>
+                      <a:srgbClr val="FFD579"/>
+                    </a:solidFill>
+                  </a:tcPr>
+                </a:tc>
+                <a:tc>
+                  <a:txBody>
+                    <a:bodyPr/>
+                    <a:lstStyle/>
+                    <a:p>
+                      <a:endParaRPr lang="en-US" dirty="0"/>
+                    </a:p>
+                  </a:txBody>
+                  <a:tcPr>
+                    <a:lnL w="12700" cap="flat" cmpd="sng" algn="ctr">
+                      <a:solidFill>
+                        <a:schemeClr val="tx1"/>
+                      </a:solidFill>
+                      <a:prstDash val="solid"/>
+                      <a:round/>
+                      <a:headEnd type="none" w="med" len="med"/>
+                      <a:tailEnd type="none" w="med" len="med"/>
+                    </a:lnL>
+                    <a:lnR w="12700" cap="flat" cmpd="sng" algn="ctr">
+                      <a:solidFill>
+                        <a:schemeClr val="tx1"/>
+                      </a:solidFill>
+                      <a:prstDash val="solid"/>
+                      <a:round/>
+                      <a:headEnd type="none" w="med" len="med"/>
+                      <a:tailEnd type="none" w="med" len="med"/>
+                    </a:lnR>
+                    <a:lnT w="12700" cap="flat" cmpd="sng" algn="ctr">
+                      <a:solidFill>
+                        <a:schemeClr val="tx1"/>
+                      </a:solidFill>
+                      <a:prstDash val="solid"/>
+                      <a:round/>
+                      <a:headEnd type="none" w="med" len="med"/>
+                      <a:tailEnd type="none" w="med" len="med"/>
+                    </a:lnT>
+                    <a:lnB w="12700" cap="flat" cmpd="sng" algn="ctr">
+                      <a:solidFill>
+                        <a:schemeClr val="tx1"/>
+                      </a:solidFill>
+                      <a:prstDash val="solid"/>
+                      <a:round/>
+                      <a:headEnd type="none" w="med" len="med"/>
+                      <a:tailEnd type="none" w="med" len="med"/>
+                    </a:lnB>
+                    <a:solidFill>
+                      <a:srgbClr val="00D3AA"/>
+                    </a:solidFill>
+                  </a:tcPr>
+                </a:tc>
+                <a:tc>
+                  <a:txBody>
+                    <a:bodyPr/>
+                    <a:lstStyle/>
+                    <a:p>
+                      <a:endParaRPr lang="en-US" dirty="0"/>
+                    </a:p>
+                  </a:txBody>
+                  <a:tcPr>
+                    <a:lnL w="12700" cap="flat" cmpd="sng" algn="ctr">
+                      <a:solidFill>
+                        <a:schemeClr val="tx1"/>
+                      </a:solidFill>
+                      <a:prstDash val="solid"/>
+                      <a:round/>
+                      <a:headEnd type="none" w="med" len="med"/>
+                      <a:tailEnd type="none" w="med" len="med"/>
+                    </a:lnL>
+                    <a:lnR w="12700" cap="flat" cmpd="sng" algn="ctr">
+                      <a:solidFill>
+                        <a:schemeClr val="tx1"/>
+                      </a:solidFill>
+                      <a:prstDash val="solid"/>
+                      <a:round/>
+                      <a:headEnd type="none" w="med" len="med"/>
+                      <a:tailEnd type="none" w="med" len="med"/>
+                    </a:lnR>
+                    <a:lnT w="12700" cap="flat" cmpd="sng" algn="ctr">
+                      <a:solidFill>
+                        <a:schemeClr val="tx1"/>
+                      </a:solidFill>
+                      <a:prstDash val="solid"/>
+                      <a:round/>
+                      <a:headEnd type="none" w="med" len="med"/>
+                      <a:tailEnd type="none" w="med" len="med"/>
+                    </a:lnT>
+                    <a:lnB w="12700" cap="flat" cmpd="sng" algn="ctr">
+                      <a:solidFill>
+                        <a:schemeClr val="tx1"/>
+                      </a:solidFill>
+                      <a:prstDash val="solid"/>
+                      <a:round/>
+                      <a:headEnd type="none" w="med" len="med"/>
+                      <a:tailEnd type="none" w="med" len="med"/>
+                    </a:lnB>
+                    <a:solidFill>
+                      <a:srgbClr val="00D3AA"/>
+                    </a:solidFill>
+                  </a:tcPr>
+                </a:tc>
+                <a:tc>
+                  <a:txBody>
+                    <a:bodyPr/>
+                    <a:lstStyle/>
+                    <a:p>
+                      <a:endParaRPr lang="en-US"/>
+                    </a:p>
+                  </a:txBody>
+                  <a:tcPr>
+                    <a:lnL w="12700" cap="flat" cmpd="sng" algn="ctr">
+                      <a:solidFill>
+                        <a:schemeClr val="tx1"/>
+                      </a:solidFill>
+                      <a:prstDash val="solid"/>
+                      <a:round/>
+                      <a:headEnd type="none" w="med" len="med"/>
+                      <a:tailEnd type="none" w="med" len="med"/>
+                    </a:lnL>
+                    <a:lnR w="12700" cap="flat" cmpd="sng" algn="ctr">
+                      <a:solidFill>
+                        <a:schemeClr val="tx1"/>
+                      </a:solidFill>
+                      <a:prstDash val="solid"/>
+                      <a:round/>
+                      <a:headEnd type="none" w="med" len="med"/>
+                      <a:tailEnd type="none" w="med" len="med"/>
+                    </a:lnR>
+                    <a:lnT w="12700" cap="flat" cmpd="sng" algn="ctr">
+                      <a:solidFill>
+                        <a:schemeClr val="tx1"/>
+                      </a:solidFill>
+                      <a:prstDash val="solid"/>
+                      <a:round/>
+                      <a:headEnd type="none" w="med" len="med"/>
+                      <a:tailEnd type="none" w="med" len="med"/>
+                    </a:lnT>
+                    <a:lnB w="12700" cap="flat" cmpd="sng" algn="ctr">
+                      <a:solidFill>
+                        <a:schemeClr val="tx1"/>
+                      </a:solidFill>
+                      <a:prstDash val="solid"/>
+                      <a:round/>
+                      <a:headEnd type="none" w="med" len="med"/>
+                      <a:tailEnd type="none" w="med" len="med"/>
+                    </a:lnB>
+                    <a:noFill/>
+                  </a:tcPr>
+                </a:tc>
+                <a:tc>
+                  <a:txBody>
+                    <a:bodyPr/>
+                    <a:lstStyle/>
+                    <a:p>
+                      <a:endParaRPr lang="en-US"/>
+                    </a:p>
+                  </a:txBody>
+                  <a:tcPr>
+                    <a:lnL w="12700" cap="flat" cmpd="sng" algn="ctr">
+                      <a:solidFill>
+                        <a:schemeClr val="tx1"/>
+                      </a:solidFill>
+                      <a:prstDash val="solid"/>
+                      <a:round/>
+                      <a:headEnd type="none" w="med" len="med"/>
+                      <a:tailEnd type="none" w="med" len="med"/>
+                    </a:lnL>
+                    <a:lnR w="12700" cap="flat" cmpd="sng" algn="ctr">
+                      <a:solidFill>
+                        <a:schemeClr val="tx1"/>
+                      </a:solidFill>
+                      <a:prstDash val="solid"/>
+                      <a:round/>
+                      <a:headEnd type="none" w="med" len="med"/>
+                      <a:tailEnd type="none" w="med" len="med"/>
+                    </a:lnR>
+                    <a:lnT w="12700" cap="flat" cmpd="sng" algn="ctr">
+                      <a:solidFill>
+                        <a:schemeClr val="tx1"/>
+                      </a:solidFill>
+                      <a:prstDash val="solid"/>
+                      <a:round/>
+                      <a:headEnd type="none" w="med" len="med"/>
+                      <a:tailEnd type="none" w="med" len="med"/>
+                    </a:lnT>
+                    <a:lnB w="12700" cap="flat" cmpd="sng" algn="ctr">
+                      <a:solidFill>
+                        <a:schemeClr val="tx1"/>
+                      </a:solidFill>
+                      <a:prstDash val="solid"/>
+                      <a:round/>
+                      <a:headEnd type="none" w="med" len="med"/>
+                      <a:tailEnd type="none" w="med" len="med"/>
+                    </a:lnB>
+                    <a:noFill/>
+                  </a:tcPr>
+                </a:tc>
+                <a:tc>
+                  <a:txBody>
+                    <a:bodyPr/>
+                    <a:lstStyle/>
+                    <a:p>
+                      <a:endParaRPr lang="en-US" dirty="0"/>
+                    </a:p>
+                  </a:txBody>
+                  <a:tcPr>
+                    <a:lnL w="12700" cap="flat" cmpd="sng" algn="ctr">
+                      <a:solidFill>
+                        <a:schemeClr val="tx1"/>
+                      </a:solidFill>
+                      <a:prstDash val="solid"/>
+                      <a:round/>
+                      <a:headEnd type="none" w="med" len="med"/>
+                      <a:tailEnd type="none" w="med" len="med"/>
+                    </a:lnL>
+                    <a:lnR w="12700" cap="flat" cmpd="sng" algn="ctr">
+                      <a:solidFill>
+                        <a:schemeClr val="tx1"/>
+                      </a:solidFill>
+                      <a:prstDash val="solid"/>
+                      <a:round/>
+                      <a:headEnd type="none" w="med" len="med"/>
+                      <a:tailEnd type="none" w="med" len="med"/>
+                    </a:lnR>
+                    <a:lnT w="12700" cap="flat" cmpd="sng" algn="ctr">
+                      <a:solidFill>
+                        <a:schemeClr val="tx1"/>
+                      </a:solidFill>
+                      <a:prstDash val="solid"/>
+                      <a:round/>
+                      <a:headEnd type="none" w="med" len="med"/>
+                      <a:tailEnd type="none" w="med" len="med"/>
+                    </a:lnT>
+                    <a:lnB w="12700" cap="flat" cmpd="sng" algn="ctr">
+                      <a:solidFill>
+                        <a:schemeClr val="tx1"/>
+                      </a:solidFill>
+                      <a:prstDash val="solid"/>
+                      <a:round/>
+                      <a:headEnd type="none" w="med" len="med"/>
+                      <a:tailEnd type="none" w="med" len="med"/>
+                    </a:lnB>
+                    <a:solidFill>
+                      <a:srgbClr val="FF80A9"/>
+                    </a:solidFill>
+                  </a:tcPr>
+                </a:tc>
+                <a:tc>
+                  <a:txBody>
+                    <a:bodyPr/>
+                    <a:lstStyle/>
+                    <a:p>
+                      <a:endParaRPr lang="en-US" dirty="0"/>
+                    </a:p>
+                  </a:txBody>
+                  <a:tcPr>
+                    <a:lnL w="12700" cap="flat" cmpd="sng" algn="ctr">
+                      <a:solidFill>
+                        <a:schemeClr val="tx1"/>
+                      </a:solidFill>
+                      <a:prstDash val="solid"/>
+                      <a:round/>
+                      <a:headEnd type="none" w="med" len="med"/>
+                      <a:tailEnd type="none" w="med" len="med"/>
+                    </a:lnL>
+                    <a:lnR w="12700" cap="flat" cmpd="sng" algn="ctr">
+                      <a:solidFill>
+                        <a:schemeClr val="tx1"/>
+                      </a:solidFill>
+                      <a:prstDash val="solid"/>
+                      <a:round/>
+                      <a:headEnd type="none" w="med" len="med"/>
+                      <a:tailEnd type="none" w="med" len="med"/>
+                    </a:lnR>
+                    <a:lnT w="12700" cap="flat" cmpd="sng" algn="ctr">
+                      <a:solidFill>
+                        <a:schemeClr val="tx1"/>
+                      </a:solidFill>
+                      <a:prstDash val="solid"/>
+                      <a:round/>
+                      <a:headEnd type="none" w="med" len="med"/>
+                      <a:tailEnd type="none" w="med" len="med"/>
+                    </a:lnT>
+                    <a:lnB w="12700" cap="flat" cmpd="sng" algn="ctr">
+                      <a:solidFill>
+                        <a:schemeClr val="tx1"/>
+                      </a:solidFill>
+                      <a:prstDash val="solid"/>
+                      <a:round/>
+                      <a:headEnd type="none" w="med" len="med"/>
+                      <a:tailEnd type="none" w="med" len="med"/>
+                    </a:lnB>
+                    <a:solidFill>
+                      <a:srgbClr val="00D3AA"/>
+                    </a:solidFill>
+                  </a:tcPr>
+                </a:tc>
+                <a:tc>
+                  <a:txBody>
+                    <a:bodyPr/>
+                    <a:lstStyle/>
+                    <a:p>
+                      <a:endParaRPr lang="en-US" dirty="0"/>
+                    </a:p>
+                  </a:txBody>
+                  <a:tcPr>
+                    <a:lnL w="12700" cap="flat" cmpd="sng" algn="ctr">
+                      <a:solidFill>
+                        <a:schemeClr val="tx1"/>
+                      </a:solidFill>
+                      <a:prstDash val="solid"/>
+                      <a:round/>
+                      <a:headEnd type="none" w="med" len="med"/>
+                      <a:tailEnd type="none" w="med" len="med"/>
+                    </a:lnL>
+                    <a:lnR w="12700" cap="flat" cmpd="sng" algn="ctr">
+                      <a:solidFill>
+                        <a:schemeClr val="tx1"/>
+                      </a:solidFill>
+                      <a:prstDash val="solid"/>
+                      <a:round/>
+                      <a:headEnd type="none" w="med" len="med"/>
+                      <a:tailEnd type="none" w="med" len="med"/>
+                    </a:lnR>
+                    <a:lnT w="12700" cap="flat" cmpd="sng" algn="ctr">
+                      <a:solidFill>
+                        <a:schemeClr val="tx1"/>
+                      </a:solidFill>
+                      <a:prstDash val="solid"/>
+                      <a:round/>
+                      <a:headEnd type="none" w="med" len="med"/>
+                      <a:tailEnd type="none" w="med" len="med"/>
+                    </a:lnT>
+                    <a:lnB w="12700" cap="flat" cmpd="sng" algn="ctr">
+                      <a:solidFill>
+                        <a:schemeClr val="tx1"/>
+                      </a:solidFill>
+                      <a:prstDash val="solid"/>
+                      <a:round/>
+                      <a:headEnd type="none" w="med" len="med"/>
+                      <a:tailEnd type="none" w="med" len="med"/>
+                    </a:lnB>
+                    <a:solidFill>
+                      <a:srgbClr val="007742"/>
+                    </a:solidFill>
+                  </a:tcPr>
+                </a:tc>
+                <a:tc>
+                  <a:txBody>
+                    <a:bodyPr/>
+                    <a:lstStyle/>
+                    <a:p>
+                      <a:endParaRPr lang="en-US" dirty="0"/>
+                    </a:p>
+                  </a:txBody>
+                  <a:tcPr>
+                    <a:lnL w="12700" cap="flat" cmpd="sng" algn="ctr">
+                      <a:solidFill>
+                        <a:schemeClr val="tx1"/>
+                      </a:solidFill>
+                      <a:prstDash val="solid"/>
+                      <a:round/>
+                      <a:headEnd type="none" w="med" len="med"/>
+                      <a:tailEnd type="none" w="med" len="med"/>
+                    </a:lnL>
+                    <a:lnR w="12700" cap="flat" cmpd="sng" algn="ctr">
+                      <a:solidFill>
+                        <a:schemeClr val="tx1"/>
+                      </a:solidFill>
+                      <a:prstDash val="solid"/>
+                      <a:round/>
+                      <a:headEnd type="none" w="med" len="med"/>
+                      <a:tailEnd type="none" w="med" len="med"/>
+                    </a:lnR>
+                    <a:lnT w="12700" cap="flat" cmpd="sng" algn="ctr">
+                      <a:solidFill>
+                        <a:schemeClr val="tx1"/>
+                      </a:solidFill>
+                      <a:prstDash val="solid"/>
+                      <a:round/>
+                      <a:headEnd type="none" w="med" len="med"/>
+                      <a:tailEnd type="none" w="med" len="med"/>
+                    </a:lnT>
+                    <a:lnB w="12700" cap="flat" cmpd="sng" algn="ctr">
+                      <a:solidFill>
+                        <a:schemeClr val="tx1"/>
+                      </a:solidFill>
+                      <a:prstDash val="solid"/>
+                      <a:round/>
+                      <a:headEnd type="none" w="med" len="med"/>
+                      <a:tailEnd type="none" w="med" len="med"/>
+                    </a:lnB>
+                    <a:solidFill>
+                      <a:srgbClr val="FF80A9"/>
+                    </a:solidFill>
+                  </a:tcPr>
+                </a:tc>
+                <a:tc>
+                  <a:txBody>
+                    <a:bodyPr/>
+                    <a:lstStyle/>
+                    <a:p>
+                      <a:endParaRPr lang="en-US" dirty="0"/>
+                    </a:p>
+                  </a:txBody>
+                  <a:tcPr>
+                    <a:lnL w="12700" cap="flat" cmpd="sng" algn="ctr">
+                      <a:solidFill>
+                        <a:schemeClr val="tx1"/>
+                      </a:solidFill>
+                      <a:prstDash val="solid"/>
+                      <a:round/>
+                      <a:headEnd type="none" w="med" len="med"/>
+                      <a:tailEnd type="none" w="med" len="med"/>
+                    </a:lnL>
+                    <a:lnR w="12700" cap="flat" cmpd="sng" algn="ctr">
+                      <a:solidFill>
+                        <a:schemeClr val="tx1"/>
+                      </a:solidFill>
+                      <a:prstDash val="solid"/>
+                      <a:round/>
+                      <a:headEnd type="none" w="med" len="med"/>
+                      <a:tailEnd type="none" w="med" len="med"/>
+                    </a:lnR>
+                    <a:lnT w="12700" cap="flat" cmpd="sng" algn="ctr">
+                      <a:solidFill>
+                        <a:schemeClr val="tx1"/>
+                      </a:solidFill>
+                      <a:prstDash val="solid"/>
+                      <a:round/>
+                      <a:headEnd type="none" w="med" len="med"/>
+                      <a:tailEnd type="none" w="med" len="med"/>
+                    </a:lnT>
+                    <a:lnB w="12700" cap="flat" cmpd="sng" algn="ctr">
+                      <a:solidFill>
+                        <a:schemeClr val="tx1"/>
+                      </a:solidFill>
+                      <a:prstDash val="solid"/>
+                      <a:round/>
+                      <a:headEnd type="none" w="med" len="med"/>
+                      <a:tailEnd type="none" w="med" len="med"/>
+                    </a:lnB>
+                    <a:noFill/>
+                  </a:tcPr>
+                </a:tc>
+                <a:extLst>
+                  <a:ext uri="{0D108BD9-81ED-4DB2-BD59-A6C34878D82A}">
+                    <a16:rowId xmlns:a16="http://schemas.microsoft.com/office/drawing/2014/main" val="1818234571"/>
+                  </a:ext>
+                </a:extLst>
+              </a:tr>
+            </a:tbl>
+          </a:graphicData>
+        </a:graphic>
+      </p:graphicFrame>
+      <p:sp>
+        <p:nvSpPr>
+          <p:cNvPr id="14" name="TextBox 13">
+            <a:extLst>
+              <a:ext uri="{FF2B5EF4-FFF2-40B4-BE49-F238E27FC236}">
+                <a16:creationId xmlns:a16="http://schemas.microsoft.com/office/drawing/2014/main" id="{A8EC2DFE-D2A0-3D46-9C68-6E6B03E7DDEA}"/>
+              </a:ext>
+            </a:extLst>
+          </p:cNvPr>
+          <p:cNvSpPr txBox="1"/>
+          <p:nvPr/>
+        </p:nvSpPr>
+        <p:spPr>
+          <a:xfrm>
+            <a:off x="796737" y="4032010"/>
+            <a:ext cx="1340432" cy="307777"/>
+          </a:xfrm>
+          <a:prstGeom prst="rect">
+            <a:avLst/>
+          </a:prstGeom>
+          <a:noFill/>
+        </p:spPr>
+        <p:txBody>
+          <a:bodyPr wrap="none" rtlCol="0">
+            <a:spAutoFit/>
+          </a:bodyPr>
+          <a:lstStyle/>
+          <a:p>
+            <a:r>
+              <a:rPr lang="en-US" sz="1400" b="1" dirty="0">
+                <a:latin typeface="Arial" panose="020B0604020202020204" pitchFamily="34" charset="0"/>
+                <a:cs typeface="Arial" panose="020B0604020202020204" pitchFamily="34" charset="0"/>
+              </a:rPr>
+              <a:t>Respirometry</a:t>
+            </a:r>
+          </a:p>
+        </p:txBody>
+      </p:sp>
+      <p:sp>
+        <p:nvSpPr>
+          <p:cNvPr id="15" name="TextBox 14">
+            <a:extLst>
+              <a:ext uri="{FF2B5EF4-FFF2-40B4-BE49-F238E27FC236}">
+                <a16:creationId xmlns:a16="http://schemas.microsoft.com/office/drawing/2014/main" id="{D5475845-A410-BE42-9D88-64417577F237}"/>
+              </a:ext>
+            </a:extLst>
+          </p:cNvPr>
+          <p:cNvSpPr txBox="1"/>
+          <p:nvPr/>
+        </p:nvSpPr>
+        <p:spPr>
+          <a:xfrm>
+            <a:off x="920307" y="4431545"/>
+            <a:ext cx="1208985" cy="307777"/>
+          </a:xfrm>
+          <a:prstGeom prst="rect">
+            <a:avLst/>
+          </a:prstGeom>
+          <a:noFill/>
+        </p:spPr>
+        <p:txBody>
+          <a:bodyPr wrap="none" rtlCol="0">
+            <a:spAutoFit/>
+          </a:bodyPr>
+          <a:lstStyle/>
+          <a:p>
+            <a:r>
+              <a:rPr lang="en-US" sz="1400" b="1" dirty="0">
+                <a:latin typeface="Arial" panose="020B0604020202020204" pitchFamily="34" charset="0"/>
+                <a:cs typeface="Arial" panose="020B0604020202020204" pitchFamily="34" charset="0"/>
+              </a:rPr>
+              <a:t>Cell Density</a:t>
+            </a:r>
+          </a:p>
+        </p:txBody>
+      </p:sp>
+      <p:sp>
+        <p:nvSpPr>
+          <p:cNvPr id="16" name="TextBox 15">
+            <a:extLst>
+              <a:ext uri="{FF2B5EF4-FFF2-40B4-BE49-F238E27FC236}">
+                <a16:creationId xmlns:a16="http://schemas.microsoft.com/office/drawing/2014/main" id="{CC7C92BE-B4BC-7E43-B7B4-17C51FA43D63}"/>
+              </a:ext>
+            </a:extLst>
+          </p:cNvPr>
+          <p:cNvSpPr txBox="1"/>
+          <p:nvPr/>
+        </p:nvSpPr>
+        <p:spPr>
+          <a:xfrm>
+            <a:off x="1556953" y="4831080"/>
+            <a:ext cx="543739" cy="307777"/>
+          </a:xfrm>
+          <a:prstGeom prst="rect">
+            <a:avLst/>
+          </a:prstGeom>
+          <a:noFill/>
+        </p:spPr>
+        <p:txBody>
+          <a:bodyPr wrap="none" rtlCol="0">
+            <a:spAutoFit/>
+          </a:bodyPr>
+          <a:lstStyle/>
+          <a:p>
+            <a:r>
+              <a:rPr lang="en-US" sz="1400" b="1" dirty="0">
+                <a:latin typeface="Arial" panose="020B0604020202020204" pitchFamily="34" charset="0"/>
+                <a:cs typeface="Arial" panose="020B0604020202020204" pitchFamily="34" charset="0"/>
+              </a:rPr>
+              <a:t>Size</a:t>
+            </a:r>
+          </a:p>
+        </p:txBody>
+      </p:sp>
+      <p:sp>
+        <p:nvSpPr>
+          <p:cNvPr id="17" name="TextBox 16">
+            <a:extLst>
+              <a:ext uri="{FF2B5EF4-FFF2-40B4-BE49-F238E27FC236}">
+                <a16:creationId xmlns:a16="http://schemas.microsoft.com/office/drawing/2014/main" id="{4FD4D4A9-8867-5E4E-AE98-91D166FB9BD3}"/>
+              </a:ext>
+            </a:extLst>
+          </p:cNvPr>
+          <p:cNvSpPr txBox="1"/>
+          <p:nvPr/>
+        </p:nvSpPr>
+        <p:spPr>
+          <a:xfrm>
+            <a:off x="759869" y="5158281"/>
+            <a:ext cx="1377300" cy="307777"/>
+          </a:xfrm>
+          <a:prstGeom prst="rect">
+            <a:avLst/>
+          </a:prstGeom>
+          <a:noFill/>
+        </p:spPr>
+        <p:txBody>
+          <a:bodyPr wrap="none" rtlCol="0">
+            <a:spAutoFit/>
+          </a:bodyPr>
+          <a:lstStyle/>
+          <a:p>
+            <a:r>
+              <a:rPr lang="en-US" sz="1400" b="1" dirty="0">
+                <a:latin typeface="Arial" panose="020B0604020202020204" pitchFamily="34" charset="0"/>
+                <a:cs typeface="Arial" panose="020B0604020202020204" pitchFamily="34" charset="0"/>
+              </a:rPr>
+              <a:t>Metabolomics</a:t>
+            </a:r>
+          </a:p>
+        </p:txBody>
+      </p:sp>
+      <p:sp>
+        <p:nvSpPr>
+          <p:cNvPr id="18" name="TextBox 17">
+            <a:extLst>
+              <a:ext uri="{FF2B5EF4-FFF2-40B4-BE49-F238E27FC236}">
+                <a16:creationId xmlns:a16="http://schemas.microsoft.com/office/drawing/2014/main" id="{125C9A3E-C54A-0546-8A1C-477DB8862A7A}"/>
+              </a:ext>
+            </a:extLst>
+          </p:cNvPr>
+          <p:cNvSpPr txBox="1"/>
+          <p:nvPr/>
+        </p:nvSpPr>
+        <p:spPr>
+          <a:xfrm>
+            <a:off x="504796" y="5521331"/>
+            <a:ext cx="1646605" cy="307777"/>
+          </a:xfrm>
+          <a:prstGeom prst="rect">
+            <a:avLst/>
+          </a:prstGeom>
+          <a:noFill/>
+        </p:spPr>
+        <p:txBody>
+          <a:bodyPr wrap="none" rtlCol="0">
+            <a:spAutoFit/>
+          </a:bodyPr>
+          <a:lstStyle/>
+          <a:p>
+            <a:r>
+              <a:rPr lang="en-US" sz="1400" b="1" dirty="0">
+                <a:latin typeface="Arial" panose="020B0604020202020204" pitchFamily="34" charset="0"/>
+                <a:cs typeface="Arial" panose="020B0604020202020204" pitchFamily="34" charset="0"/>
+              </a:rPr>
+              <a:t>Gene Expression</a:t>
+            </a:r>
+          </a:p>
+        </p:txBody>
+      </p:sp>
+      <p:sp>
+        <p:nvSpPr>
+          <p:cNvPr id="20" name="TextBox 19">
+            <a:extLst>
+              <a:ext uri="{FF2B5EF4-FFF2-40B4-BE49-F238E27FC236}">
+                <a16:creationId xmlns:a16="http://schemas.microsoft.com/office/drawing/2014/main" id="{22D8B6BF-F941-6D44-A573-68D4B317EB5D}"/>
+              </a:ext>
+            </a:extLst>
+          </p:cNvPr>
+          <p:cNvSpPr txBox="1"/>
+          <p:nvPr/>
+        </p:nvSpPr>
+        <p:spPr>
+          <a:xfrm>
+            <a:off x="102941" y="5900735"/>
+            <a:ext cx="2074607" cy="307777"/>
+          </a:xfrm>
+          <a:prstGeom prst="rect">
+            <a:avLst/>
+          </a:prstGeom>
+          <a:noFill/>
+        </p:spPr>
+        <p:txBody>
+          <a:bodyPr wrap="none" rtlCol="0">
+            <a:spAutoFit/>
+          </a:bodyPr>
+          <a:lstStyle/>
+          <a:p>
+            <a:r>
+              <a:rPr lang="en-US" sz="1400" b="1" dirty="0">
+                <a:latin typeface="Arial" panose="020B0604020202020204" pitchFamily="34" charset="0"/>
+                <a:cs typeface="Arial" panose="020B0604020202020204" pitchFamily="34" charset="0"/>
+              </a:rPr>
+              <a:t>Symbiodiniaceae ITS2</a:t>
+            </a:r>
+          </a:p>
+        </p:txBody>
+      </p:sp>
+      <p:sp>
+        <p:nvSpPr>
+          <p:cNvPr id="21" name="TextBox 20">
+            <a:extLst>
+              <a:ext uri="{FF2B5EF4-FFF2-40B4-BE49-F238E27FC236}">
+                <a16:creationId xmlns:a16="http://schemas.microsoft.com/office/drawing/2014/main" id="{AB23E2F9-D317-CF49-8A77-EE5268DF0402}"/>
+              </a:ext>
+            </a:extLst>
+          </p:cNvPr>
+          <p:cNvSpPr txBox="1"/>
+          <p:nvPr/>
+        </p:nvSpPr>
+        <p:spPr>
+          <a:xfrm>
+            <a:off x="445116" y="3473648"/>
+            <a:ext cx="1902666" cy="523220"/>
+          </a:xfrm>
+          <a:prstGeom prst="rect">
+            <a:avLst/>
+          </a:prstGeom>
+          <a:noFill/>
+        </p:spPr>
+        <p:txBody>
+          <a:bodyPr wrap="square" rtlCol="0">
+            <a:spAutoFit/>
+          </a:bodyPr>
+          <a:lstStyle/>
+          <a:p>
+            <a:pPr algn="ctr"/>
+            <a:r>
+              <a:rPr lang="en-US" sz="1400" i="1" dirty="0">
+                <a:latin typeface="Arial" panose="020B0604020202020204" pitchFamily="34" charset="0"/>
+                <a:cs typeface="Arial" panose="020B0604020202020204" pitchFamily="34" charset="0"/>
+              </a:rPr>
+              <a:t>Hours Post-Fertilization (hpf)</a:t>
+            </a:r>
+          </a:p>
+        </p:txBody>
+      </p:sp>
+      <p:sp>
+        <p:nvSpPr>
+          <p:cNvPr id="22" name="TextBox 21">
+            <a:extLst>
+              <a:ext uri="{FF2B5EF4-FFF2-40B4-BE49-F238E27FC236}">
+                <a16:creationId xmlns:a16="http://schemas.microsoft.com/office/drawing/2014/main" id="{D6E43B4C-EBCE-E941-BAD1-842049C8EC5B}"/>
+              </a:ext>
+            </a:extLst>
+          </p:cNvPr>
+          <p:cNvSpPr txBox="1"/>
+          <p:nvPr/>
+        </p:nvSpPr>
+        <p:spPr>
+          <a:xfrm>
+            <a:off x="2177548" y="3699658"/>
+            <a:ext cx="642551" cy="314781"/>
+          </a:xfrm>
+          <a:prstGeom prst="rect">
+            <a:avLst/>
+          </a:prstGeom>
+          <a:noFill/>
+        </p:spPr>
+        <p:txBody>
+          <a:bodyPr wrap="square" rtlCol="0">
+            <a:spAutoFit/>
+          </a:bodyPr>
+          <a:lstStyle/>
+          <a:p>
+            <a:pPr algn="ctr"/>
+            <a:r>
+              <a:rPr lang="en-US" sz="1400" i="1" dirty="0">
+                <a:latin typeface="Arial" panose="020B0604020202020204" pitchFamily="34" charset="0"/>
+                <a:cs typeface="Arial" panose="020B0604020202020204" pitchFamily="34" charset="0"/>
+              </a:rPr>
+              <a:t>1</a:t>
+            </a:r>
+          </a:p>
+        </p:txBody>
+      </p:sp>
+      <p:sp>
+        <p:nvSpPr>
+          <p:cNvPr id="23" name="TextBox 22">
+            <a:extLst>
+              <a:ext uri="{FF2B5EF4-FFF2-40B4-BE49-F238E27FC236}">
+                <a16:creationId xmlns:a16="http://schemas.microsoft.com/office/drawing/2014/main" id="{E67078D4-3145-0A43-AD3F-3BA530CB5C3A}"/>
+              </a:ext>
+            </a:extLst>
+          </p:cNvPr>
+          <p:cNvSpPr txBox="1"/>
+          <p:nvPr/>
+        </p:nvSpPr>
+        <p:spPr>
+          <a:xfrm>
+            <a:off x="2910012" y="3703758"/>
+            <a:ext cx="642551" cy="314781"/>
+          </a:xfrm>
+          <a:prstGeom prst="rect">
+            <a:avLst/>
+          </a:prstGeom>
+          <a:noFill/>
+        </p:spPr>
+        <p:txBody>
+          <a:bodyPr wrap="square" rtlCol="0">
+            <a:spAutoFit/>
+          </a:bodyPr>
+          <a:lstStyle/>
+          <a:p>
+            <a:pPr algn="ctr"/>
+            <a:r>
+              <a:rPr lang="en-US" sz="1400" i="1" dirty="0">
+                <a:latin typeface="Arial" panose="020B0604020202020204" pitchFamily="34" charset="0"/>
+                <a:cs typeface="Arial" panose="020B0604020202020204" pitchFamily="34" charset="0"/>
+              </a:rPr>
+              <a:t>5</a:t>
+            </a:r>
+          </a:p>
+        </p:txBody>
+      </p:sp>
+      <p:sp>
+        <p:nvSpPr>
+          <p:cNvPr id="24" name="TextBox 23">
+            <a:extLst>
+              <a:ext uri="{FF2B5EF4-FFF2-40B4-BE49-F238E27FC236}">
+                <a16:creationId xmlns:a16="http://schemas.microsoft.com/office/drawing/2014/main" id="{41A886C2-F289-6349-A4B7-C7B753F387E4}"/>
+              </a:ext>
+            </a:extLst>
+          </p:cNvPr>
+          <p:cNvSpPr txBox="1"/>
+          <p:nvPr/>
+        </p:nvSpPr>
+        <p:spPr>
+          <a:xfrm>
+            <a:off x="3642476" y="3703757"/>
+            <a:ext cx="642551" cy="314781"/>
+          </a:xfrm>
+          <a:prstGeom prst="rect">
+            <a:avLst/>
+          </a:prstGeom>
+          <a:noFill/>
+        </p:spPr>
+        <p:txBody>
+          <a:bodyPr wrap="square" rtlCol="0">
+            <a:spAutoFit/>
+          </a:bodyPr>
+          <a:lstStyle/>
+          <a:p>
+            <a:pPr algn="ctr"/>
+            <a:r>
+              <a:rPr lang="en-US" sz="1400" i="1" dirty="0">
+                <a:latin typeface="Arial" panose="020B0604020202020204" pitchFamily="34" charset="0"/>
+                <a:cs typeface="Arial" panose="020B0604020202020204" pitchFamily="34" charset="0"/>
+              </a:rPr>
+              <a:t>38</a:t>
+            </a:r>
+          </a:p>
+        </p:txBody>
+      </p:sp>
+      <p:sp>
+        <p:nvSpPr>
+          <p:cNvPr id="25" name="TextBox 24">
+            <a:extLst>
+              <a:ext uri="{FF2B5EF4-FFF2-40B4-BE49-F238E27FC236}">
+                <a16:creationId xmlns:a16="http://schemas.microsoft.com/office/drawing/2014/main" id="{3498EE81-B3F3-2546-8DBE-34ABD4CB0808}"/>
+              </a:ext>
+            </a:extLst>
+          </p:cNvPr>
+          <p:cNvSpPr txBox="1"/>
+          <p:nvPr/>
+        </p:nvSpPr>
+        <p:spPr>
+          <a:xfrm>
+            <a:off x="4408588" y="3698136"/>
+            <a:ext cx="642551" cy="314781"/>
+          </a:xfrm>
+          <a:prstGeom prst="rect">
+            <a:avLst/>
+          </a:prstGeom>
+          <a:noFill/>
+        </p:spPr>
+        <p:txBody>
+          <a:bodyPr wrap="square" rtlCol="0">
+            <a:spAutoFit/>
+          </a:bodyPr>
+          <a:lstStyle/>
+          <a:p>
+            <a:pPr algn="ctr"/>
+            <a:r>
+              <a:rPr lang="en-US" sz="1400" i="1" dirty="0">
+                <a:latin typeface="Arial" panose="020B0604020202020204" pitchFamily="34" charset="0"/>
+                <a:cs typeface="Arial" panose="020B0604020202020204" pitchFamily="34" charset="0"/>
+              </a:rPr>
+              <a:t>65</a:t>
+            </a:r>
+          </a:p>
+        </p:txBody>
+      </p:sp>
+      <p:sp>
+        <p:nvSpPr>
+          <p:cNvPr id="26" name="TextBox 25">
+            <a:extLst>
+              <a:ext uri="{FF2B5EF4-FFF2-40B4-BE49-F238E27FC236}">
+                <a16:creationId xmlns:a16="http://schemas.microsoft.com/office/drawing/2014/main" id="{D3EADE58-E110-BF47-8BC9-39D50ED08208}"/>
+              </a:ext>
+            </a:extLst>
+          </p:cNvPr>
+          <p:cNvSpPr txBox="1"/>
+          <p:nvPr/>
+        </p:nvSpPr>
+        <p:spPr>
+          <a:xfrm>
+            <a:off x="5174700" y="3701829"/>
+            <a:ext cx="642551" cy="314781"/>
+          </a:xfrm>
+          <a:prstGeom prst="rect">
+            <a:avLst/>
+          </a:prstGeom>
+          <a:noFill/>
+        </p:spPr>
+        <p:txBody>
+          <a:bodyPr wrap="square" rtlCol="0">
+            <a:spAutoFit/>
+          </a:bodyPr>
+          <a:lstStyle/>
+          <a:p>
+            <a:pPr algn="ctr"/>
+            <a:r>
+              <a:rPr lang="en-US" sz="1400" i="1" dirty="0">
+                <a:latin typeface="Arial" panose="020B0604020202020204" pitchFamily="34" charset="0"/>
+                <a:cs typeface="Arial" panose="020B0604020202020204" pitchFamily="34" charset="0"/>
+              </a:rPr>
+              <a:t>93</a:t>
+            </a:r>
+          </a:p>
+        </p:txBody>
+      </p:sp>
+      <p:sp>
+        <p:nvSpPr>
+          <p:cNvPr id="27" name="TextBox 26">
+            <a:extLst>
+              <a:ext uri="{FF2B5EF4-FFF2-40B4-BE49-F238E27FC236}">
+                <a16:creationId xmlns:a16="http://schemas.microsoft.com/office/drawing/2014/main" id="{B2B83E72-95AF-F348-8A6E-0C757065E3A2}"/>
+              </a:ext>
+            </a:extLst>
+          </p:cNvPr>
+          <p:cNvSpPr txBox="1"/>
+          <p:nvPr/>
+        </p:nvSpPr>
+        <p:spPr>
+          <a:xfrm>
+            <a:off x="5863896" y="3701829"/>
+            <a:ext cx="642551" cy="314781"/>
+          </a:xfrm>
+          <a:prstGeom prst="rect">
+            <a:avLst/>
+          </a:prstGeom>
+          <a:noFill/>
+        </p:spPr>
+        <p:txBody>
+          <a:bodyPr wrap="square" rtlCol="0">
+            <a:spAutoFit/>
+          </a:bodyPr>
+          <a:lstStyle/>
+          <a:p>
+            <a:pPr algn="ctr"/>
+            <a:r>
+              <a:rPr lang="en-US" sz="1400" i="1" dirty="0">
+                <a:latin typeface="Arial" panose="020B0604020202020204" pitchFamily="34" charset="0"/>
+                <a:cs typeface="Arial" panose="020B0604020202020204" pitchFamily="34" charset="0"/>
+              </a:rPr>
+              <a:t>163</a:t>
+            </a:r>
+          </a:p>
+        </p:txBody>
+      </p:sp>
+      <p:sp>
+        <p:nvSpPr>
+          <p:cNvPr id="28" name="TextBox 27">
+            <a:extLst>
+              <a:ext uri="{FF2B5EF4-FFF2-40B4-BE49-F238E27FC236}">
+                <a16:creationId xmlns:a16="http://schemas.microsoft.com/office/drawing/2014/main" id="{3EA25D89-887D-1C4A-A02A-6682F1DAE421}"/>
+              </a:ext>
+            </a:extLst>
+          </p:cNvPr>
+          <p:cNvSpPr txBox="1"/>
+          <p:nvPr/>
+        </p:nvSpPr>
+        <p:spPr>
+          <a:xfrm>
+            <a:off x="7341154" y="3701829"/>
+            <a:ext cx="642551" cy="314781"/>
+          </a:xfrm>
+          <a:prstGeom prst="rect">
+            <a:avLst/>
+          </a:prstGeom>
+          <a:noFill/>
+        </p:spPr>
+        <p:txBody>
+          <a:bodyPr wrap="square" rtlCol="0">
+            <a:spAutoFit/>
+          </a:bodyPr>
+          <a:lstStyle/>
+          <a:p>
+            <a:pPr algn="ctr"/>
+            <a:r>
+              <a:rPr lang="en-US" sz="1400" i="1" dirty="0">
+                <a:latin typeface="Arial" panose="020B0604020202020204" pitchFamily="34" charset="0"/>
+                <a:cs typeface="Arial" panose="020B0604020202020204" pitchFamily="34" charset="0"/>
+              </a:rPr>
+              <a:t>183</a:t>
+            </a:r>
+          </a:p>
+        </p:txBody>
+      </p:sp>
+      <p:sp>
+        <p:nvSpPr>
+          <p:cNvPr id="29" name="TextBox 28">
+            <a:extLst>
+              <a:ext uri="{FF2B5EF4-FFF2-40B4-BE49-F238E27FC236}">
+                <a16:creationId xmlns:a16="http://schemas.microsoft.com/office/drawing/2014/main" id="{1F68F9E8-B0E5-1348-8C1B-CCDF9938778F}"/>
+              </a:ext>
+            </a:extLst>
+          </p:cNvPr>
+          <p:cNvSpPr txBox="1"/>
+          <p:nvPr/>
+        </p:nvSpPr>
+        <p:spPr>
+          <a:xfrm>
+            <a:off x="9532419" y="3694444"/>
+            <a:ext cx="642551" cy="314781"/>
+          </a:xfrm>
+          <a:prstGeom prst="rect">
+            <a:avLst/>
+          </a:prstGeom>
+          <a:noFill/>
+        </p:spPr>
+        <p:txBody>
+          <a:bodyPr wrap="square" rtlCol="0">
+            <a:spAutoFit/>
+          </a:bodyPr>
+          <a:lstStyle/>
+          <a:p>
+            <a:pPr algn="ctr"/>
+            <a:r>
+              <a:rPr lang="en-US" sz="1400" i="1" dirty="0">
+                <a:latin typeface="Arial" panose="020B0604020202020204" pitchFamily="34" charset="0"/>
+                <a:cs typeface="Arial" panose="020B0604020202020204" pitchFamily="34" charset="0"/>
+              </a:rPr>
+              <a:t>231</a:t>
+            </a:r>
+          </a:p>
+        </p:txBody>
+      </p:sp>
+      <p:sp>
+        <p:nvSpPr>
+          <p:cNvPr id="30" name="TextBox 29">
+            <a:extLst>
+              <a:ext uri="{FF2B5EF4-FFF2-40B4-BE49-F238E27FC236}">
+                <a16:creationId xmlns:a16="http://schemas.microsoft.com/office/drawing/2014/main" id="{BC65350C-686D-2143-9D9E-B052A860D74C}"/>
+              </a:ext>
+            </a:extLst>
+          </p:cNvPr>
+          <p:cNvSpPr txBox="1"/>
+          <p:nvPr/>
+        </p:nvSpPr>
+        <p:spPr>
+          <a:xfrm>
+            <a:off x="11009677" y="3694443"/>
+            <a:ext cx="642551" cy="314781"/>
+          </a:xfrm>
+          <a:prstGeom prst="rect">
+            <a:avLst/>
+          </a:prstGeom>
+          <a:noFill/>
+        </p:spPr>
+        <p:txBody>
+          <a:bodyPr wrap="square" rtlCol="0">
+            <a:spAutoFit/>
+          </a:bodyPr>
+          <a:lstStyle/>
+          <a:p>
+            <a:pPr algn="ctr"/>
+            <a:r>
+              <a:rPr lang="en-US" sz="1400" i="1" dirty="0">
+                <a:latin typeface="Arial" panose="020B0604020202020204" pitchFamily="34" charset="0"/>
+                <a:cs typeface="Arial" panose="020B0604020202020204" pitchFamily="34" charset="0"/>
+              </a:rPr>
+              <a:t>255</a:t>
+            </a:r>
+          </a:p>
+        </p:txBody>
+      </p:sp>
+      <p:cxnSp>
+        <p:nvCxnSpPr>
+          <p:cNvPr id="32" name="Straight Connector 31">
+            <a:extLst>
+              <a:ext uri="{FF2B5EF4-FFF2-40B4-BE49-F238E27FC236}">
+                <a16:creationId xmlns:a16="http://schemas.microsoft.com/office/drawing/2014/main" id="{0284C998-D5E7-FA40-8DD4-31EE985B5852}"/>
+              </a:ext>
+            </a:extLst>
+          </p:cNvPr>
+          <p:cNvCxnSpPr/>
+          <p:nvPr/>
+        </p:nvCxnSpPr>
+        <p:spPr>
+          <a:xfrm>
+            <a:off x="6697362" y="3657602"/>
+            <a:ext cx="1977081" cy="0"/>
+          </a:xfrm>
+          <a:prstGeom prst="line">
+            <a:avLst/>
+          </a:prstGeom>
+          <a:ln w="19050">
+            <a:solidFill>
+              <a:schemeClr val="tx1"/>
+            </a:solidFill>
+          </a:ln>
+        </p:spPr>
+        <p:style>
+          <a:lnRef idx="1">
+            <a:schemeClr val="accent1"/>
+          </a:lnRef>
+          <a:fillRef idx="0">
+            <a:schemeClr val="accent1"/>
+          </a:fillRef>
+          <a:effectRef idx="0">
+            <a:schemeClr val="accent1"/>
+          </a:effectRef>
+          <a:fontRef idx="minor">
+            <a:schemeClr val="tx1"/>
+          </a:fontRef>
+        </p:style>
+      </p:cxnSp>
+      <p:cxnSp>
+        <p:nvCxnSpPr>
+          <p:cNvPr id="33" name="Straight Connector 32">
+            <a:extLst>
+              <a:ext uri="{FF2B5EF4-FFF2-40B4-BE49-F238E27FC236}">
+                <a16:creationId xmlns:a16="http://schemas.microsoft.com/office/drawing/2014/main" id="{236F4FB2-27E5-8D42-B772-89951CDE12DA}"/>
+              </a:ext>
+            </a:extLst>
+          </p:cNvPr>
+          <p:cNvCxnSpPr/>
+          <p:nvPr/>
+        </p:nvCxnSpPr>
+        <p:spPr>
+          <a:xfrm>
+            <a:off x="8902224" y="3649366"/>
+            <a:ext cx="1977081" cy="0"/>
+          </a:xfrm>
+          <a:prstGeom prst="line">
+            <a:avLst/>
+          </a:prstGeom>
+          <a:ln w="19050">
+            <a:solidFill>
+              <a:schemeClr val="tx1"/>
+            </a:solidFill>
+          </a:ln>
+        </p:spPr>
+        <p:style>
+          <a:lnRef idx="1">
+            <a:schemeClr val="accent1"/>
+          </a:lnRef>
+          <a:fillRef idx="0">
+            <a:schemeClr val="accent1"/>
+          </a:fillRef>
+          <a:effectRef idx="0">
+            <a:schemeClr val="accent1"/>
+          </a:effectRef>
+          <a:fontRef idx="minor">
+            <a:schemeClr val="tx1"/>
+          </a:fontRef>
+        </p:style>
+      </p:cxnSp>
+      <p:pic>
+        <p:nvPicPr>
+          <p:cNvPr id="34" name="Picture 33">
+            <a:extLst>
+              <a:ext uri="{FF2B5EF4-FFF2-40B4-BE49-F238E27FC236}">
+                <a16:creationId xmlns:a16="http://schemas.microsoft.com/office/drawing/2014/main" id="{960D67E3-F3A9-6347-8757-27F05B8F19DF}"/>
+              </a:ext>
+            </a:extLst>
+          </p:cNvPr>
+          <p:cNvPicPr>
+            <a:picLocks noChangeAspect="1"/>
+          </p:cNvPicPr>
+          <p:nvPr/>
+        </p:nvPicPr>
+        <p:blipFill rotWithShape="1">
+          <a:blip r:embed="rId3"/>
+          <a:srcRect l="43688" t="30811" r="48097" b="57478"/>
+          <a:stretch/>
+        </p:blipFill>
+        <p:spPr>
+          <a:xfrm rot="5400000">
+            <a:off x="5917651" y="1939257"/>
+            <a:ext cx="583237" cy="642550"/>
+          </a:xfrm>
+          <a:prstGeom prst="rect">
+            <a:avLst/>
+          </a:prstGeom>
+        </p:spPr>
+      </p:pic>
+      <p:pic>
+        <p:nvPicPr>
+          <p:cNvPr id="35" name="Picture 34">
+            <a:extLst>
+              <a:ext uri="{FF2B5EF4-FFF2-40B4-BE49-F238E27FC236}">
+                <a16:creationId xmlns:a16="http://schemas.microsoft.com/office/drawing/2014/main" id="{D9B1CAB9-B0F9-3847-8F0D-7EFCD64F4E0F}"/>
+              </a:ext>
+            </a:extLst>
+          </p:cNvPr>
+          <p:cNvPicPr>
+            <a:picLocks noChangeAspect="1"/>
+          </p:cNvPicPr>
+          <p:nvPr/>
+        </p:nvPicPr>
+        <p:blipFill rotWithShape="1">
+          <a:blip r:embed="rId3"/>
+          <a:srcRect l="58307" t="29369" r="33339" b="56397"/>
+          <a:stretch/>
+        </p:blipFill>
+        <p:spPr>
+          <a:xfrm rot="4515135">
+            <a:off x="8940413" y="2952138"/>
+            <a:ext cx="465770" cy="613264"/>
+          </a:xfrm>
+          <a:prstGeom prst="rect">
+            <a:avLst/>
+          </a:prstGeom>
+        </p:spPr>
+      </p:pic>
+      <p:pic>
+        <p:nvPicPr>
+          <p:cNvPr id="36" name="Picture 35">
+            <a:extLst>
+              <a:ext uri="{FF2B5EF4-FFF2-40B4-BE49-F238E27FC236}">
+                <a16:creationId xmlns:a16="http://schemas.microsoft.com/office/drawing/2014/main" id="{CE9B534D-C3B4-424A-8FD2-05C32DFD76A4}"/>
+              </a:ext>
+            </a:extLst>
+          </p:cNvPr>
+          <p:cNvPicPr>
+            <a:picLocks noChangeAspect="1"/>
+          </p:cNvPicPr>
+          <p:nvPr/>
+        </p:nvPicPr>
+        <p:blipFill rotWithShape="1">
+          <a:blip r:embed="rId3"/>
+          <a:srcRect l="70699" t="30991" r="18719" b="59279"/>
+          <a:stretch/>
+        </p:blipFill>
+        <p:spPr>
+          <a:xfrm>
+            <a:off x="9488513" y="3150227"/>
+            <a:ext cx="686457" cy="487746"/>
+          </a:xfrm>
+          <a:prstGeom prst="rect">
+            <a:avLst/>
+          </a:prstGeom>
+        </p:spPr>
+      </p:pic>
+      <p:pic>
+        <p:nvPicPr>
+          <p:cNvPr id="37" name="Picture 36">
+            <a:extLst>
+              <a:ext uri="{FF2B5EF4-FFF2-40B4-BE49-F238E27FC236}">
+                <a16:creationId xmlns:a16="http://schemas.microsoft.com/office/drawing/2014/main" id="{FAFD8770-282B-C94D-A934-39EADCF674C2}"/>
+              </a:ext>
+            </a:extLst>
+          </p:cNvPr>
+          <p:cNvPicPr>
+            <a:picLocks noChangeAspect="1"/>
+          </p:cNvPicPr>
+          <p:nvPr/>
+        </p:nvPicPr>
+        <p:blipFill rotWithShape="1">
+          <a:blip r:embed="rId3"/>
+          <a:srcRect l="86710" t="30270" r="1733" b="58378"/>
+          <a:stretch/>
+        </p:blipFill>
+        <p:spPr>
+          <a:xfrm>
+            <a:off x="10245190" y="3155526"/>
+            <a:ext cx="618998" cy="469842"/>
+          </a:xfrm>
+          <a:prstGeom prst="rect">
+            <a:avLst/>
+          </a:prstGeom>
+        </p:spPr>
+      </p:pic>
+      <p:pic>
+        <p:nvPicPr>
+          <p:cNvPr id="38" name="Picture 37">
+            <a:extLst>
+              <a:ext uri="{FF2B5EF4-FFF2-40B4-BE49-F238E27FC236}">
+                <a16:creationId xmlns:a16="http://schemas.microsoft.com/office/drawing/2014/main" id="{E19C97CA-CD72-E244-970B-E2E61C7DCCFA}"/>
+              </a:ext>
+            </a:extLst>
+          </p:cNvPr>
+          <p:cNvPicPr>
+            <a:picLocks noChangeAspect="1"/>
+          </p:cNvPicPr>
+          <p:nvPr/>
+        </p:nvPicPr>
+        <p:blipFill rotWithShape="1">
+          <a:blip r:embed="rId3"/>
+          <a:srcRect l="86710" t="30270" r="1733" b="58378"/>
+          <a:stretch/>
+        </p:blipFill>
+        <p:spPr>
+          <a:xfrm>
+            <a:off x="11051447" y="3170697"/>
+            <a:ext cx="618998" cy="469842"/>
+          </a:xfrm>
+          <a:prstGeom prst="rect">
+            <a:avLst/>
+          </a:prstGeom>
+        </p:spPr>
+      </p:pic>
+      <p:sp>
+        <p:nvSpPr>
+          <p:cNvPr id="39" name="TextBox 38">
+            <a:extLst>
+              <a:ext uri="{FF2B5EF4-FFF2-40B4-BE49-F238E27FC236}">
+                <a16:creationId xmlns:a16="http://schemas.microsoft.com/office/drawing/2014/main" id="{C8B501A2-B9EC-A34F-8AFE-5EA703331489}"/>
+              </a:ext>
+            </a:extLst>
+          </p:cNvPr>
+          <p:cNvSpPr txBox="1"/>
+          <p:nvPr/>
+        </p:nvSpPr>
+        <p:spPr>
+          <a:xfrm>
+            <a:off x="1962401" y="1047270"/>
+            <a:ext cx="851515" cy="369332"/>
+          </a:xfrm>
+          <a:prstGeom prst="rect">
+            <a:avLst/>
+          </a:prstGeom>
+          <a:noFill/>
+        </p:spPr>
+        <p:txBody>
+          <a:bodyPr wrap="none" rtlCol="0">
+            <a:spAutoFit/>
+          </a:bodyPr>
+          <a:lstStyle/>
+          <a:p>
+            <a:r>
+              <a:rPr lang="en-US" b="1" dirty="0">
+                <a:solidFill>
+                  <a:srgbClr val="945200"/>
+                </a:solidFill>
+                <a:latin typeface="Arial" panose="020B0604020202020204" pitchFamily="34" charset="0"/>
+                <a:cs typeface="Arial" panose="020B0604020202020204" pitchFamily="34" charset="0"/>
+              </a:rPr>
+              <a:t>EGGS</a:t>
+            </a:r>
+          </a:p>
+        </p:txBody>
+      </p:sp>
+      <p:sp>
+        <p:nvSpPr>
+          <p:cNvPr id="40" name="TextBox 39">
+            <a:extLst>
+              <a:ext uri="{FF2B5EF4-FFF2-40B4-BE49-F238E27FC236}">
+                <a16:creationId xmlns:a16="http://schemas.microsoft.com/office/drawing/2014/main" id="{29ADB495-D22B-9C4D-B3B4-68A8D521ED6C}"/>
+              </a:ext>
+            </a:extLst>
+          </p:cNvPr>
+          <p:cNvSpPr txBox="1"/>
+          <p:nvPr/>
+        </p:nvSpPr>
+        <p:spPr>
+          <a:xfrm>
+            <a:off x="3246652" y="1039729"/>
+            <a:ext cx="1343060" cy="369332"/>
+          </a:xfrm>
+          <a:prstGeom prst="rect">
+            <a:avLst/>
+          </a:prstGeom>
+          <a:noFill/>
+        </p:spPr>
+        <p:txBody>
+          <a:bodyPr wrap="none" rtlCol="0">
+            <a:spAutoFit/>
+          </a:bodyPr>
+          <a:lstStyle/>
+          <a:p>
+            <a:r>
+              <a:rPr lang="en-US" b="1" dirty="0">
+                <a:solidFill>
+                  <a:srgbClr val="FFC000"/>
+                </a:solidFill>
+                <a:latin typeface="Arial" panose="020B0604020202020204" pitchFamily="34" charset="0"/>
+                <a:cs typeface="Arial" panose="020B0604020202020204" pitchFamily="34" charset="0"/>
+              </a:rPr>
+              <a:t>EMBRYOS</a:t>
+            </a:r>
+          </a:p>
+        </p:txBody>
+      </p:sp>
+      <p:sp>
+        <p:nvSpPr>
+          <p:cNvPr id="41" name="TextBox 40">
+            <a:extLst>
+              <a:ext uri="{FF2B5EF4-FFF2-40B4-BE49-F238E27FC236}">
+                <a16:creationId xmlns:a16="http://schemas.microsoft.com/office/drawing/2014/main" id="{540ED6E2-9703-E54D-A7BF-14F1E14CD590}"/>
+              </a:ext>
+            </a:extLst>
+          </p:cNvPr>
+          <p:cNvSpPr txBox="1"/>
+          <p:nvPr/>
+        </p:nvSpPr>
+        <p:spPr>
+          <a:xfrm>
+            <a:off x="5653091" y="1047658"/>
+            <a:ext cx="1112356" cy="369332"/>
+          </a:xfrm>
+          <a:prstGeom prst="rect">
+            <a:avLst/>
+          </a:prstGeom>
+          <a:noFill/>
+        </p:spPr>
+        <p:txBody>
+          <a:bodyPr wrap="none" rtlCol="0">
+            <a:spAutoFit/>
+          </a:bodyPr>
+          <a:lstStyle/>
+          <a:p>
+            <a:r>
+              <a:rPr lang="en-US" b="1" dirty="0">
+                <a:solidFill>
+                  <a:srgbClr val="00D3AA"/>
+                </a:solidFill>
+                <a:latin typeface="Arial" panose="020B0604020202020204" pitchFamily="34" charset="0"/>
+                <a:cs typeface="Arial" panose="020B0604020202020204" pitchFamily="34" charset="0"/>
+              </a:rPr>
+              <a:t>LARVAE</a:t>
+            </a:r>
+          </a:p>
+        </p:txBody>
+      </p:sp>
+      <p:sp>
+        <p:nvSpPr>
+          <p:cNvPr id="42" name="TextBox 41">
+            <a:extLst>
+              <a:ext uri="{FF2B5EF4-FFF2-40B4-BE49-F238E27FC236}">
+                <a16:creationId xmlns:a16="http://schemas.microsoft.com/office/drawing/2014/main" id="{21C12BE3-4793-9349-9F84-D47D43EA2095}"/>
+              </a:ext>
+            </a:extLst>
+          </p:cNvPr>
+          <p:cNvSpPr txBox="1"/>
+          <p:nvPr/>
+        </p:nvSpPr>
+        <p:spPr>
+          <a:xfrm>
+            <a:off x="7429027" y="915317"/>
+            <a:ext cx="2490831" cy="646331"/>
+          </a:xfrm>
+          <a:prstGeom prst="rect">
+            <a:avLst/>
+          </a:prstGeom>
+          <a:noFill/>
+        </p:spPr>
+        <p:txBody>
+          <a:bodyPr wrap="square" rtlCol="0">
+            <a:spAutoFit/>
+          </a:bodyPr>
+          <a:lstStyle/>
+          <a:p>
+            <a:pPr algn="ctr"/>
+            <a:r>
+              <a:rPr lang="en-US" b="1" dirty="0">
+                <a:solidFill>
+                  <a:srgbClr val="007742"/>
+                </a:solidFill>
+                <a:latin typeface="Arial" panose="020B0604020202020204" pitchFamily="34" charset="0"/>
+                <a:cs typeface="Arial" panose="020B0604020202020204" pitchFamily="34" charset="0"/>
+              </a:rPr>
+              <a:t>METAMORPHOSED POLPYS</a:t>
+            </a:r>
+          </a:p>
+        </p:txBody>
+      </p:sp>
+      <p:sp>
+        <p:nvSpPr>
+          <p:cNvPr id="43" name="TextBox 42">
+            <a:extLst>
+              <a:ext uri="{FF2B5EF4-FFF2-40B4-BE49-F238E27FC236}">
+                <a16:creationId xmlns:a16="http://schemas.microsoft.com/office/drawing/2014/main" id="{6610F7C6-A4B4-3644-AD9A-30372C01CF75}"/>
+              </a:ext>
+            </a:extLst>
+          </p:cNvPr>
+          <p:cNvSpPr txBox="1"/>
+          <p:nvPr/>
+        </p:nvSpPr>
+        <p:spPr>
+          <a:xfrm>
+            <a:off x="9764261" y="908770"/>
+            <a:ext cx="2490831" cy="646331"/>
+          </a:xfrm>
+          <a:prstGeom prst="rect">
+            <a:avLst/>
+          </a:prstGeom>
+          <a:noFill/>
+        </p:spPr>
+        <p:txBody>
+          <a:bodyPr wrap="square" rtlCol="0">
+            <a:spAutoFit/>
+          </a:bodyPr>
+          <a:lstStyle/>
+          <a:p>
+            <a:pPr algn="ctr"/>
+            <a:r>
+              <a:rPr lang="en-US" b="1" dirty="0">
+                <a:solidFill>
+                  <a:srgbClr val="FF80A9"/>
+                </a:solidFill>
+                <a:latin typeface="Arial" panose="020B0604020202020204" pitchFamily="34" charset="0"/>
+                <a:cs typeface="Arial" panose="020B0604020202020204" pitchFamily="34" charset="0"/>
+              </a:rPr>
+              <a:t>ATTACHED RECRUITS</a:t>
+            </a:r>
+          </a:p>
+        </p:txBody>
+      </p:sp>
+      <p:pic>
+        <p:nvPicPr>
+          <p:cNvPr id="44" name="Picture 43">
+            <a:extLst>
+              <a:ext uri="{FF2B5EF4-FFF2-40B4-BE49-F238E27FC236}">
+                <a16:creationId xmlns:a16="http://schemas.microsoft.com/office/drawing/2014/main" id="{AFB52297-C610-344F-96B1-C7CE0CA8B338}"/>
+              </a:ext>
+            </a:extLst>
+          </p:cNvPr>
+          <p:cNvPicPr>
+            <a:picLocks noChangeAspect="1"/>
+          </p:cNvPicPr>
+          <p:nvPr/>
+        </p:nvPicPr>
+        <p:blipFill rotWithShape="1">
+          <a:blip r:embed="rId3"/>
+          <a:srcRect l="32410" t="30090" r="60350" b="58739"/>
+          <a:stretch/>
+        </p:blipFill>
+        <p:spPr>
+          <a:xfrm rot="331140">
+            <a:off x="3700085" y="2376664"/>
+            <a:ext cx="436193" cy="520076"/>
+          </a:xfrm>
+          <a:prstGeom prst="rect">
+            <a:avLst/>
+          </a:prstGeom>
+        </p:spPr>
+      </p:pic>
+    </p:spTree>
+    <p:extLst>
+      <p:ext uri="{BB962C8B-B14F-4D97-AF65-F5344CB8AC3E}">
+        <p14:creationId xmlns:p14="http://schemas.microsoft.com/office/powerpoint/2010/main" val="92985254"/>
+      </p:ext>
+    </p:extLst>
+  </p:cSld>
+  <p:clrMapOvr>
+    <a:masterClrMapping/>
+  </p:clrMapOvr>
+</p:sld>
+</file>
+
+<file path=ppt/slides/slide2.xml><?xml version="1.0" encoding="utf-8"?>
+<p:sld xmlns:a="http://schemas.openxmlformats.org/drawingml/2006/main" xmlns:r="http://schemas.openxmlformats.org/officeDocument/2006/relationships" xmlns:p="http://schemas.openxmlformats.org/presentationml/2006/main">
+  <p:cSld>
+    <p:spTree>
+      <p:nvGrpSpPr>
+        <p:cNvPr id="1" name=""/>
+        <p:cNvGrpSpPr/>
+        <p:nvPr/>
+      </p:nvGrpSpPr>
+      <p:grpSpPr>
+        <a:xfrm>
+          <a:off x="0" y="0"/>
+          <a:ext cx="0" cy="0"/>
+          <a:chOff x="0" y="0"/>
+          <a:chExt cx="0" cy="0"/>
+        </a:xfrm>
+      </p:grpSpPr>
+      <p:pic>
+        <p:nvPicPr>
+          <p:cNvPr id="5" name="Picture 4">
+            <a:extLst>
+              <a:ext uri="{FF2B5EF4-FFF2-40B4-BE49-F238E27FC236}">
+                <a16:creationId xmlns:a16="http://schemas.microsoft.com/office/drawing/2014/main" id="{9D148C47-E5CC-044A-BB45-A9352DD4C595}"/>
+              </a:ext>
+            </a:extLst>
+          </p:cNvPr>
+          <p:cNvPicPr>
+            <a:picLocks noChangeAspect="1"/>
+          </p:cNvPicPr>
+          <p:nvPr/>
+        </p:nvPicPr>
+        <p:blipFill rotWithShape="1">
+          <a:blip r:embed="rId3"/>
+          <a:srcRect l="3590" t="31892" r="89449" b="58199"/>
+          <a:stretch/>
+        </p:blipFill>
+        <p:spPr>
+          <a:xfrm>
+            <a:off x="2233522" y="3063433"/>
+            <a:ext cx="475654" cy="523220"/>
+          </a:xfrm>
+          <a:prstGeom prst="rect">
+            <a:avLst/>
+          </a:prstGeom>
+        </p:spPr>
+      </p:pic>
+      <p:pic>
+        <p:nvPicPr>
+          <p:cNvPr id="6" name="Picture 5">
+            <a:extLst>
+              <a:ext uri="{FF2B5EF4-FFF2-40B4-BE49-F238E27FC236}">
+                <a16:creationId xmlns:a16="http://schemas.microsoft.com/office/drawing/2014/main" id="{246486F4-E7BE-0743-88EC-756A5CA90B3F}"/>
+              </a:ext>
+            </a:extLst>
+          </p:cNvPr>
+          <p:cNvPicPr>
+            <a:picLocks noChangeAspect="1"/>
+          </p:cNvPicPr>
+          <p:nvPr/>
+        </p:nvPicPr>
+        <p:blipFill rotWithShape="1">
+          <a:blip r:embed="rId3"/>
+          <a:srcRect l="11943" t="31892" r="83044" b="59099"/>
+          <a:stretch/>
+        </p:blipFill>
+        <p:spPr>
+          <a:xfrm>
+            <a:off x="3008865" y="2801823"/>
+            <a:ext cx="376718" cy="523220"/>
           </a:xfrm>
           <a:prstGeom prst="rect">
             <a:avLst/>
@@ -4014,13 +9429,7 @@
           <p:cNvGraphicFramePr>
             <a:graphicFrameLocks noGrp="1"/>
           </p:cNvGraphicFramePr>
-          <p:nvPr>
-            <p:extLst>
-              <p:ext uri="{D42A27DB-BD31-4B8C-83A1-F6EECF244321}">
-                <p14:modId xmlns:p14="http://schemas.microsoft.com/office/powerpoint/2010/main" val="2513027247"/>
-              </p:ext>
-            </p:extLst>
-          </p:nvPr>
+          <p:nvPr/>
         </p:nvGraphicFramePr>
         <p:xfrm>
           <a:off x="2177548" y="4032010"/>
@@ -9726,15 +15135,22 @@
           <a:p>
             <a:pPr algn="ctr"/>
             <a:r>
-              <a:rPr lang="en-US" b="1" dirty="0">
+              <a:rPr lang="en-US" b="1">
                 <a:solidFill>
                   <a:srgbClr val="007742"/>
                 </a:solidFill>
                 <a:latin typeface="Arial" panose="020B0604020202020204" pitchFamily="34" charset="0"/>
                 <a:cs typeface="Arial" panose="020B0604020202020204" pitchFamily="34" charset="0"/>
               </a:rPr>
-              <a:t>METAMORPHOSED RECRUITS</a:t>
+              <a:t>METAMORPHOSED POLYPS</a:t>
             </a:r>
+            <a:endParaRPr lang="en-US" b="1" dirty="0">
+              <a:solidFill>
+                <a:srgbClr val="007742"/>
+              </a:solidFill>
+              <a:latin typeface="Arial" panose="020B0604020202020204" pitchFamily="34" charset="0"/>
+              <a:cs typeface="Arial" panose="020B0604020202020204" pitchFamily="34" charset="0"/>
+            </a:endParaRPr>
           </a:p>
         </p:txBody>
       </p:sp>
@@ -9780,10 +15196,39 @@
           </a:p>
         </p:txBody>
       </p:sp>
+      <p:pic>
+        <p:nvPicPr>
+          <p:cNvPr id="44" name="Picture 43">
+            <a:extLst>
+              <a:ext uri="{FF2B5EF4-FFF2-40B4-BE49-F238E27FC236}">
+                <a16:creationId xmlns:a16="http://schemas.microsoft.com/office/drawing/2014/main" id="{AFB52297-C610-344F-96B1-C7CE0CA8B338}"/>
+              </a:ext>
+            </a:extLst>
+          </p:cNvPr>
+          <p:cNvPicPr>
+            <a:picLocks noChangeAspect="1"/>
+          </p:cNvPicPr>
+          <p:nvPr/>
+        </p:nvPicPr>
+        <p:blipFill rotWithShape="1">
+          <a:blip r:embed="rId3"/>
+          <a:srcRect l="32410" t="30090" r="60350" b="58739"/>
+          <a:stretch/>
+        </p:blipFill>
+        <p:spPr>
+          <a:xfrm rot="331140">
+            <a:off x="3700085" y="2376664"/>
+            <a:ext cx="436193" cy="520076"/>
+          </a:xfrm>
+          <a:prstGeom prst="rect">
+            <a:avLst/>
+          </a:prstGeom>
+        </p:spPr>
+      </p:pic>
     </p:spTree>
     <p:extLst>
       <p:ext uri="{BB962C8B-B14F-4D97-AF65-F5344CB8AC3E}">
-        <p14:creationId xmlns:p14="http://schemas.microsoft.com/office/powerpoint/2010/main" val="92985254"/>
+        <p14:creationId xmlns:p14="http://schemas.microsoft.com/office/powerpoint/2010/main" val="3402196338"/>
       </p:ext>
     </p:extLst>
   </p:cSld>

--- a/Mcap2020/PPT_files/Mcap_2020_figs.pptx
+++ b/Mcap2020/PPT_files/Mcap_2020_figs.pptx
@@ -5,11 +5,12 @@
     <p:sldMasterId id="2147483648" r:id="rId1"/>
   </p:sldMasterIdLst>
   <p:notesMasterIdLst>
-    <p:notesMasterId r:id="rId4"/>
+    <p:notesMasterId r:id="rId5"/>
   </p:notesMasterIdLst>
   <p:sldIdLst>
     <p:sldId id="256" r:id="rId2"/>
     <p:sldId id="257" r:id="rId3"/>
+    <p:sldId id="258" r:id="rId4"/>
   </p:sldIdLst>
   <p:sldSz cx="12192000" cy="6858000"/>
   <p:notesSz cx="6858000" cy="9144000"/>
@@ -198,7 +199,7 @@
           <a:p>
             <a:fld id="{3A432A35-74DD-234F-BDFF-97E970113162}" type="datetimeFigureOut">
               <a:rPr lang="en-US" smtClean="0"/>
-              <a:t>6/23/22</a:t>
+              <a:t>12/6/22</a:t>
             </a:fld>
             <a:endParaRPr lang="en-US"/>
           </a:p>
@@ -796,7 +797,7 @@
           <a:p>
             <a:fld id="{BE0BD201-9EAE-174B-AC7F-E17FC5DCF497}" type="datetimeFigureOut">
               <a:rPr lang="en-US" smtClean="0"/>
-              <a:t>6/23/22</a:t>
+              <a:t>12/6/22</a:t>
             </a:fld>
             <a:endParaRPr lang="en-US"/>
           </a:p>
@@ -994,7 +995,7 @@
           <a:p>
             <a:fld id="{BE0BD201-9EAE-174B-AC7F-E17FC5DCF497}" type="datetimeFigureOut">
               <a:rPr lang="en-US" smtClean="0"/>
-              <a:t>6/23/22</a:t>
+              <a:t>12/6/22</a:t>
             </a:fld>
             <a:endParaRPr lang="en-US"/>
           </a:p>
@@ -1202,7 +1203,7 @@
           <a:p>
             <a:fld id="{BE0BD201-9EAE-174B-AC7F-E17FC5DCF497}" type="datetimeFigureOut">
               <a:rPr lang="en-US" smtClean="0"/>
-              <a:t>6/23/22</a:t>
+              <a:t>12/6/22</a:t>
             </a:fld>
             <a:endParaRPr lang="en-US"/>
           </a:p>
@@ -1400,7 +1401,7 @@
           <a:p>
             <a:fld id="{BE0BD201-9EAE-174B-AC7F-E17FC5DCF497}" type="datetimeFigureOut">
               <a:rPr lang="en-US" smtClean="0"/>
-              <a:t>6/23/22</a:t>
+              <a:t>12/6/22</a:t>
             </a:fld>
             <a:endParaRPr lang="en-US"/>
           </a:p>
@@ -1675,7 +1676,7 @@
           <a:p>
             <a:fld id="{BE0BD201-9EAE-174B-AC7F-E17FC5DCF497}" type="datetimeFigureOut">
               <a:rPr lang="en-US" smtClean="0"/>
-              <a:t>6/23/22</a:t>
+              <a:t>12/6/22</a:t>
             </a:fld>
             <a:endParaRPr lang="en-US"/>
           </a:p>
@@ -1940,7 +1941,7 @@
           <a:p>
             <a:fld id="{BE0BD201-9EAE-174B-AC7F-E17FC5DCF497}" type="datetimeFigureOut">
               <a:rPr lang="en-US" smtClean="0"/>
-              <a:t>6/23/22</a:t>
+              <a:t>12/6/22</a:t>
             </a:fld>
             <a:endParaRPr lang="en-US"/>
           </a:p>
@@ -2352,7 +2353,7 @@
           <a:p>
             <a:fld id="{BE0BD201-9EAE-174B-AC7F-E17FC5DCF497}" type="datetimeFigureOut">
               <a:rPr lang="en-US" smtClean="0"/>
-              <a:t>6/23/22</a:t>
+              <a:t>12/6/22</a:t>
             </a:fld>
             <a:endParaRPr lang="en-US"/>
           </a:p>
@@ -2493,7 +2494,7 @@
           <a:p>
             <a:fld id="{BE0BD201-9EAE-174B-AC7F-E17FC5DCF497}" type="datetimeFigureOut">
               <a:rPr lang="en-US" smtClean="0"/>
-              <a:t>6/23/22</a:t>
+              <a:t>12/6/22</a:t>
             </a:fld>
             <a:endParaRPr lang="en-US"/>
           </a:p>
@@ -2606,7 +2607,7 @@
           <a:p>
             <a:fld id="{BE0BD201-9EAE-174B-AC7F-E17FC5DCF497}" type="datetimeFigureOut">
               <a:rPr lang="en-US" smtClean="0"/>
-              <a:t>6/23/22</a:t>
+              <a:t>12/6/22</a:t>
             </a:fld>
             <a:endParaRPr lang="en-US"/>
           </a:p>
@@ -2917,7 +2918,7 @@
           <a:p>
             <a:fld id="{BE0BD201-9EAE-174B-AC7F-E17FC5DCF497}" type="datetimeFigureOut">
               <a:rPr lang="en-US" smtClean="0"/>
-              <a:t>6/23/22</a:t>
+              <a:t>12/6/22</a:t>
             </a:fld>
             <a:endParaRPr lang="en-US"/>
           </a:p>
@@ -3205,7 +3206,7 @@
           <a:p>
             <a:fld id="{BE0BD201-9EAE-174B-AC7F-E17FC5DCF497}" type="datetimeFigureOut">
               <a:rPr lang="en-US" smtClean="0"/>
-              <a:t>6/23/22</a:t>
+              <a:t>12/6/22</a:t>
             </a:fld>
             <a:endParaRPr lang="en-US"/>
           </a:p>
@@ -3446,7 +3447,7 @@
           <a:p>
             <a:fld id="{BE0BD201-9EAE-174B-AC7F-E17FC5DCF497}" type="datetimeFigureOut">
               <a:rPr lang="en-US" smtClean="0"/>
-              <a:t>6/23/22</a:t>
+              <a:t>12/6/22</a:t>
             </a:fld>
             <a:endParaRPr lang="en-US"/>
           </a:p>
@@ -15229,6 +15230,3368 @@
     <p:extLst>
       <p:ext uri="{BB962C8B-B14F-4D97-AF65-F5344CB8AC3E}">
         <p14:creationId xmlns:p14="http://schemas.microsoft.com/office/powerpoint/2010/main" val="3402196338"/>
+      </p:ext>
+    </p:extLst>
+  </p:cSld>
+  <p:clrMapOvr>
+    <a:masterClrMapping/>
+  </p:clrMapOvr>
+</p:sld>
+</file>
+
+<file path=ppt/slides/slide3.xml><?xml version="1.0" encoding="utf-8"?>
+<p:sld xmlns:a="http://schemas.openxmlformats.org/drawingml/2006/main" xmlns:r="http://schemas.openxmlformats.org/officeDocument/2006/relationships" xmlns:p="http://schemas.openxmlformats.org/presentationml/2006/main">
+  <p:cSld>
+    <p:spTree>
+      <p:nvGrpSpPr>
+        <p:cNvPr id="1" name=""/>
+        <p:cNvGrpSpPr/>
+        <p:nvPr/>
+      </p:nvGrpSpPr>
+      <p:grpSpPr>
+        <a:xfrm>
+          <a:off x="0" y="0"/>
+          <a:ext cx="0" cy="0"/>
+          <a:chOff x="0" y="0"/>
+          <a:chExt cx="0" cy="0"/>
+        </a:xfrm>
+      </p:grpSpPr>
+      <p:pic>
+        <p:nvPicPr>
+          <p:cNvPr id="1098" name="Google Shape;402;ga6aa591836_0_205">
+            <a:extLst>
+              <a:ext uri="{FF2B5EF4-FFF2-40B4-BE49-F238E27FC236}">
+                <a16:creationId xmlns:a16="http://schemas.microsoft.com/office/drawing/2014/main" id="{D2CE3364-EC82-6E3D-6586-C61CD5776FBC}"/>
+              </a:ext>
+            </a:extLst>
+          </p:cNvPr>
+          <p:cNvPicPr preferRelativeResize="0"/>
+          <p:nvPr/>
+        </p:nvPicPr>
+        <p:blipFill rotWithShape="1">
+          <a:blip r:embed="rId2">
+            <a:alphaModFix/>
+          </a:blip>
+          <a:srcRect/>
+          <a:stretch/>
+        </p:blipFill>
+        <p:spPr>
+          <a:xfrm>
+            <a:off x="8898705" y="1689271"/>
+            <a:ext cx="467369" cy="640281"/>
+          </a:xfrm>
+          <a:prstGeom prst="rect">
+            <a:avLst/>
+          </a:prstGeom>
+          <a:noFill/>
+          <a:ln>
+            <a:noFill/>
+          </a:ln>
+        </p:spPr>
+      </p:pic>
+      <p:pic>
+        <p:nvPicPr>
+          <p:cNvPr id="4" name="Picture 3">
+            <a:extLst>
+              <a:ext uri="{FF2B5EF4-FFF2-40B4-BE49-F238E27FC236}">
+                <a16:creationId xmlns:a16="http://schemas.microsoft.com/office/drawing/2014/main" id="{35FB6463-663B-B76E-9C49-D355327C0EAB}"/>
+              </a:ext>
+            </a:extLst>
+          </p:cNvPr>
+          <p:cNvPicPr>
+            <a:picLocks noChangeAspect="1"/>
+          </p:cNvPicPr>
+          <p:nvPr/>
+        </p:nvPicPr>
+        <p:blipFill rotWithShape="1">
+          <a:blip r:embed="rId3">
+            <a:biLevel thresh="75000"/>
+          </a:blip>
+          <a:srcRect l="58307" t="29369" r="33339" b="56397"/>
+          <a:stretch/>
+        </p:blipFill>
+        <p:spPr>
+          <a:xfrm rot="4795619">
+            <a:off x="2364938" y="864356"/>
+            <a:ext cx="2733400" cy="3598979"/>
+          </a:xfrm>
+          <a:prstGeom prst="rect">
+            <a:avLst/>
+          </a:prstGeom>
+        </p:spPr>
+      </p:pic>
+      <p:pic>
+        <p:nvPicPr>
+          <p:cNvPr id="6" name="Picture 5">
+            <a:extLst>
+              <a:ext uri="{FF2B5EF4-FFF2-40B4-BE49-F238E27FC236}">
+                <a16:creationId xmlns:a16="http://schemas.microsoft.com/office/drawing/2014/main" id="{E1BE45D9-2CD9-3C5E-C86D-AA5526FCF32B}"/>
+              </a:ext>
+            </a:extLst>
+          </p:cNvPr>
+          <p:cNvPicPr>
+            <a:picLocks noChangeAspect="1"/>
+          </p:cNvPicPr>
+          <p:nvPr/>
+        </p:nvPicPr>
+        <p:blipFill rotWithShape="1">
+          <a:blip r:embed="rId3">
+            <a:biLevel thresh="75000"/>
+          </a:blip>
+          <a:srcRect l="11943" t="31892" r="83044" b="59099"/>
+          <a:stretch/>
+        </p:blipFill>
+        <p:spPr>
+          <a:xfrm>
+            <a:off x="1451991" y="3760878"/>
+            <a:ext cx="597527" cy="829899"/>
+          </a:xfrm>
+          <a:prstGeom prst="rect">
+            <a:avLst/>
+          </a:prstGeom>
+        </p:spPr>
+      </p:pic>
+      <p:pic>
+        <p:nvPicPr>
+          <p:cNvPr id="7" name="Picture 6">
+            <a:extLst>
+              <a:ext uri="{FF2B5EF4-FFF2-40B4-BE49-F238E27FC236}">
+                <a16:creationId xmlns:a16="http://schemas.microsoft.com/office/drawing/2014/main" id="{AA91D0C1-7DEA-85A0-43B7-FEFBD2AD0298}"/>
+              </a:ext>
+            </a:extLst>
+          </p:cNvPr>
+          <p:cNvPicPr>
+            <a:picLocks noChangeAspect="1"/>
+          </p:cNvPicPr>
+          <p:nvPr/>
+        </p:nvPicPr>
+        <p:blipFill rotWithShape="1">
+          <a:blip r:embed="rId3">
+            <a:biLevel thresh="75000"/>
+          </a:blip>
+          <a:srcRect l="32410" t="30090" r="60350" b="58739"/>
+          <a:stretch/>
+        </p:blipFill>
+        <p:spPr>
+          <a:xfrm rot="1915630">
+            <a:off x="2167381" y="3658092"/>
+            <a:ext cx="611686" cy="729318"/>
+          </a:xfrm>
+          <a:prstGeom prst="rect">
+            <a:avLst/>
+          </a:prstGeom>
+        </p:spPr>
+      </p:pic>
+      <p:pic>
+        <p:nvPicPr>
+          <p:cNvPr id="1026" name="Picture 2">
+            <a:extLst>
+              <a:ext uri="{FF2B5EF4-FFF2-40B4-BE49-F238E27FC236}">
+                <a16:creationId xmlns:a16="http://schemas.microsoft.com/office/drawing/2014/main" id="{6E5188C3-ECF1-7E93-6432-8B7558C806D3}"/>
+              </a:ext>
+            </a:extLst>
+          </p:cNvPr>
+          <p:cNvPicPr>
+            <a:picLocks noChangeAspect="1" noChangeArrowheads="1"/>
+          </p:cNvPicPr>
+          <p:nvPr/>
+        </p:nvPicPr>
+        <p:blipFill rotWithShape="1">
+          <a:blip r:embed="rId4">
+            <a:extLst>
+              <a:ext uri="{28A0092B-C50C-407E-A947-70E740481C1C}">
+                <a14:useLocalDpi xmlns:a14="http://schemas.microsoft.com/office/drawing/2010/main" val="0"/>
+              </a:ext>
+            </a:extLst>
+          </a:blip>
+          <a:srcRect r="76238" b="47270"/>
+          <a:stretch/>
+        </p:blipFill>
+        <p:spPr bwMode="auto">
+          <a:xfrm>
+            <a:off x="-374401" y="4225709"/>
+            <a:ext cx="2024960" cy="2759076"/>
+          </a:xfrm>
+          <a:prstGeom prst="rect">
+            <a:avLst/>
+          </a:prstGeom>
+          <a:noFill/>
+          <a:extLst>
+            <a:ext uri="{909E8E84-426E-40DD-AFC4-6F175D3DCCD1}">
+              <a14:hiddenFill xmlns:a14="http://schemas.microsoft.com/office/drawing/2010/main">
+                <a:solidFill>
+                  <a:srgbClr val="FFFFFF"/>
+                </a:solidFill>
+              </a14:hiddenFill>
+            </a:ext>
+          </a:extLst>
+        </p:spPr>
+      </p:pic>
+      <p:pic>
+        <p:nvPicPr>
+          <p:cNvPr id="15" name="Picture 14">
+            <a:extLst>
+              <a:ext uri="{FF2B5EF4-FFF2-40B4-BE49-F238E27FC236}">
+                <a16:creationId xmlns:a16="http://schemas.microsoft.com/office/drawing/2014/main" id="{815BB168-C394-490D-6A07-7B8D9999E37C}"/>
+              </a:ext>
+            </a:extLst>
+          </p:cNvPr>
+          <p:cNvPicPr>
+            <a:picLocks noChangeAspect="1"/>
+          </p:cNvPicPr>
+          <p:nvPr/>
+        </p:nvPicPr>
+        <p:blipFill rotWithShape="1">
+          <a:blip r:embed="rId5">
+            <a:biLevel thresh="25000"/>
+            <a:extLst>
+              <a:ext uri="{BEBA8EAE-BF5A-486C-A8C5-ECC9F3942E4B}">
+                <a14:imgProps xmlns:a14="http://schemas.microsoft.com/office/drawing/2010/main">
+                  <a14:imgLayer r:embed="rId6">
+                    <a14:imgEffect>
+                      <a14:colorTemperature colorTemp="7200"/>
+                    </a14:imgEffect>
+                    <a14:imgEffect>
+                      <a14:saturation sat="200000"/>
+                    </a14:imgEffect>
+                  </a14:imgLayer>
+                </a14:imgProps>
+              </a:ext>
+            </a:extLst>
+          </a:blip>
+          <a:srcRect l="70699" t="30991" r="18719" b="59279"/>
+          <a:stretch/>
+        </p:blipFill>
+        <p:spPr>
+          <a:xfrm>
+            <a:off x="3937931" y="5906993"/>
+            <a:ext cx="879614" cy="624989"/>
+          </a:xfrm>
+          <a:prstGeom prst="rect">
+            <a:avLst/>
+          </a:prstGeom>
+        </p:spPr>
+      </p:pic>
+      <p:pic>
+        <p:nvPicPr>
+          <p:cNvPr id="16" name="Picture 15">
+            <a:extLst>
+              <a:ext uri="{FF2B5EF4-FFF2-40B4-BE49-F238E27FC236}">
+                <a16:creationId xmlns:a16="http://schemas.microsoft.com/office/drawing/2014/main" id="{23D06F43-1A2F-2884-B22F-B5CDED550C12}"/>
+              </a:ext>
+            </a:extLst>
+          </p:cNvPr>
+          <p:cNvPicPr>
+            <a:picLocks noChangeAspect="1"/>
+          </p:cNvPicPr>
+          <p:nvPr/>
+        </p:nvPicPr>
+        <p:blipFill rotWithShape="1">
+          <a:blip r:embed="rId3">
+            <a:biLevel thresh="50000"/>
+          </a:blip>
+          <a:srcRect l="86710" t="30270" r="1733" b="58378"/>
+          <a:stretch/>
+        </p:blipFill>
+        <p:spPr>
+          <a:xfrm>
+            <a:off x="4865618" y="6176817"/>
+            <a:ext cx="879614" cy="667659"/>
+          </a:xfrm>
+          <a:prstGeom prst="rect">
+            <a:avLst/>
+          </a:prstGeom>
+        </p:spPr>
+      </p:pic>
+      <p:pic>
+        <p:nvPicPr>
+          <p:cNvPr id="17" name="Picture 16">
+            <a:extLst>
+              <a:ext uri="{FF2B5EF4-FFF2-40B4-BE49-F238E27FC236}">
+                <a16:creationId xmlns:a16="http://schemas.microsoft.com/office/drawing/2014/main" id="{50252A7C-DE09-A7DD-41A9-9429325BB22B}"/>
+              </a:ext>
+            </a:extLst>
+          </p:cNvPr>
+          <p:cNvPicPr>
+            <a:picLocks noChangeAspect="1"/>
+          </p:cNvPicPr>
+          <p:nvPr/>
+        </p:nvPicPr>
+        <p:blipFill rotWithShape="1">
+          <a:blip r:embed="rId3">
+            <a:biLevel thresh="75000"/>
+          </a:blip>
+          <a:srcRect l="43688" t="30811" r="48097" b="57478"/>
+          <a:stretch/>
+        </p:blipFill>
+        <p:spPr>
+          <a:xfrm rot="6462810">
+            <a:off x="2846635" y="3823263"/>
+            <a:ext cx="670472" cy="738657"/>
+          </a:xfrm>
+          <a:prstGeom prst="rect">
+            <a:avLst/>
+          </a:prstGeom>
+        </p:spPr>
+      </p:pic>
+      <p:pic>
+        <p:nvPicPr>
+          <p:cNvPr id="14" name="Picture 13">
+            <a:extLst>
+              <a:ext uri="{FF2B5EF4-FFF2-40B4-BE49-F238E27FC236}">
+                <a16:creationId xmlns:a16="http://schemas.microsoft.com/office/drawing/2014/main" id="{BCDC6513-6F12-B5D2-F16E-3A047010EB6B}"/>
+              </a:ext>
+            </a:extLst>
+          </p:cNvPr>
+          <p:cNvPicPr>
+            <a:picLocks noChangeAspect="1"/>
+          </p:cNvPicPr>
+          <p:nvPr/>
+        </p:nvPicPr>
+        <p:blipFill rotWithShape="1">
+          <a:blip r:embed="rId3">
+            <a:biLevel thresh="75000"/>
+          </a:blip>
+          <a:srcRect l="58307" t="29369" r="33339" b="56397"/>
+          <a:stretch/>
+        </p:blipFill>
+        <p:spPr>
+          <a:xfrm rot="4389534">
+            <a:off x="3314826" y="4501617"/>
+            <a:ext cx="696458" cy="917004"/>
+          </a:xfrm>
+          <a:prstGeom prst="rect">
+            <a:avLst/>
+          </a:prstGeom>
+        </p:spPr>
+      </p:pic>
+      <p:pic>
+        <p:nvPicPr>
+          <p:cNvPr id="18" name="Picture 17">
+            <a:extLst>
+              <a:ext uri="{FF2B5EF4-FFF2-40B4-BE49-F238E27FC236}">
+                <a16:creationId xmlns:a16="http://schemas.microsoft.com/office/drawing/2014/main" id="{21E46E1E-8364-B566-D3DA-C8ACD23C800E}"/>
+              </a:ext>
+            </a:extLst>
+          </p:cNvPr>
+          <p:cNvPicPr>
+            <a:picLocks noChangeAspect="1"/>
+          </p:cNvPicPr>
+          <p:nvPr/>
+        </p:nvPicPr>
+        <p:blipFill rotWithShape="1">
+          <a:blip r:embed="rId3">
+            <a:biLevel thresh="75000"/>
+          </a:blip>
+          <a:srcRect l="58307" t="29369" r="33339" b="56397"/>
+          <a:stretch/>
+        </p:blipFill>
+        <p:spPr>
+          <a:xfrm rot="11268575">
+            <a:off x="3287459" y="5216748"/>
+            <a:ext cx="696458" cy="917004"/>
+          </a:xfrm>
+          <a:prstGeom prst="rect">
+            <a:avLst/>
+          </a:prstGeom>
+        </p:spPr>
+      </p:pic>
+      <p:sp>
+        <p:nvSpPr>
+          <p:cNvPr id="19" name="TextBox 18">
+            <a:extLst>
+              <a:ext uri="{FF2B5EF4-FFF2-40B4-BE49-F238E27FC236}">
+                <a16:creationId xmlns:a16="http://schemas.microsoft.com/office/drawing/2014/main" id="{B051683E-E9DB-CC0E-22EC-CAF3D7F9310F}"/>
+              </a:ext>
+            </a:extLst>
+          </p:cNvPr>
+          <p:cNvSpPr txBox="1"/>
+          <p:nvPr/>
+        </p:nvSpPr>
+        <p:spPr>
+          <a:xfrm>
+            <a:off x="13096" y="3258540"/>
+            <a:ext cx="2954655" cy="369332"/>
+          </a:xfrm>
+          <a:prstGeom prst="rect">
+            <a:avLst/>
+          </a:prstGeom>
+          <a:noFill/>
+          <a:ln>
+            <a:noFill/>
+          </a:ln>
+        </p:spPr>
+        <p:txBody>
+          <a:bodyPr wrap="none" rtlCol="0">
+            <a:spAutoFit/>
+          </a:bodyPr>
+          <a:lstStyle/>
+          <a:p>
+            <a:r>
+              <a:rPr lang="en-US" b="1" u="sng" dirty="0">
+                <a:latin typeface="FUTURA MEDIUM" panose="020B0602020204020303" pitchFamily="34" charset="-79"/>
+                <a:cs typeface="FUTURA MEDIUM" panose="020B0602020204020303" pitchFamily="34" charset="-79"/>
+              </a:rPr>
+              <a:t>Symbiont Acquisition	</a:t>
+            </a:r>
+            <a:endParaRPr lang="en-US" b="1" u="sng" dirty="0">
+              <a:latin typeface="Futura Medium" panose="020B0602020204020303" pitchFamily="34" charset="-79"/>
+              <a:cs typeface="Futura Medium" panose="020B0602020204020303" pitchFamily="34" charset="-79"/>
+            </a:endParaRPr>
+          </a:p>
+        </p:txBody>
+      </p:sp>
+      <p:sp>
+        <p:nvSpPr>
+          <p:cNvPr id="33" name="TextBox 32">
+            <a:extLst>
+              <a:ext uri="{FF2B5EF4-FFF2-40B4-BE49-F238E27FC236}">
+                <a16:creationId xmlns:a16="http://schemas.microsoft.com/office/drawing/2014/main" id="{5CCA1A61-CCC1-17D2-3CA5-3E562E56D3A9}"/>
+              </a:ext>
+            </a:extLst>
+          </p:cNvPr>
+          <p:cNvSpPr txBox="1"/>
+          <p:nvPr/>
+        </p:nvSpPr>
+        <p:spPr>
+          <a:xfrm>
+            <a:off x="1750754" y="302455"/>
+            <a:ext cx="3877985" cy="1200329"/>
+          </a:xfrm>
+          <a:prstGeom prst="rect">
+            <a:avLst/>
+          </a:prstGeom>
+          <a:noFill/>
+        </p:spPr>
+        <p:txBody>
+          <a:bodyPr wrap="none" rtlCol="0">
+            <a:spAutoFit/>
+          </a:bodyPr>
+          <a:lstStyle/>
+          <a:p>
+            <a:r>
+              <a:rPr lang="en-US" b="1" u="sng" dirty="0">
+                <a:latin typeface="Futura Medium" panose="020B0602020204020303" pitchFamily="34" charset="-79"/>
+                <a:cs typeface="Futura Medium" panose="020B0602020204020303" pitchFamily="34" charset="-79"/>
+              </a:rPr>
+              <a:t>Capacity for Autotrophy		</a:t>
+            </a:r>
+            <a:endParaRPr lang="en-US" dirty="0">
+              <a:latin typeface="Futura Medium" panose="020B0602020204020303" pitchFamily="34" charset="-79"/>
+              <a:cs typeface="Futura Medium" panose="020B0602020204020303" pitchFamily="34" charset="-79"/>
+            </a:endParaRPr>
+          </a:p>
+          <a:p>
+            <a:r>
+              <a:rPr lang="en-US" dirty="0">
+                <a:latin typeface="Futura Medium" panose="020B0602020204020303" pitchFamily="34" charset="-79"/>
+                <a:cs typeface="Futura Medium" panose="020B0602020204020303" pitchFamily="34" charset="-79"/>
+              </a:rPr>
+              <a:t>Symbiont population growth</a:t>
+            </a:r>
+          </a:p>
+          <a:p>
+            <a:r>
+              <a:rPr lang="en-US" dirty="0">
+                <a:latin typeface="Futura Medium" panose="020B0602020204020303" pitchFamily="34" charset="-79"/>
+                <a:cs typeface="Futura Medium" panose="020B0602020204020303" pitchFamily="34" charset="-79"/>
+              </a:rPr>
+              <a:t>Photosynthetic rates</a:t>
+            </a:r>
+          </a:p>
+          <a:p>
+            <a:r>
+              <a:rPr lang="en-US" dirty="0">
+                <a:latin typeface="Futura Medium" panose="020B0602020204020303" pitchFamily="34" charset="-79"/>
+                <a:cs typeface="Futura Medium" panose="020B0602020204020303" pitchFamily="34" charset="-79"/>
+              </a:rPr>
+              <a:t>Nitrogen cycling</a:t>
+            </a:r>
+          </a:p>
+        </p:txBody>
+      </p:sp>
+      <p:sp>
+        <p:nvSpPr>
+          <p:cNvPr id="34" name="Rectangle 33">
+            <a:extLst>
+              <a:ext uri="{FF2B5EF4-FFF2-40B4-BE49-F238E27FC236}">
+                <a16:creationId xmlns:a16="http://schemas.microsoft.com/office/drawing/2014/main" id="{BEABD1C3-4F1C-A2FE-7917-50AB53638823}"/>
+              </a:ext>
+            </a:extLst>
+          </p:cNvPr>
+          <p:cNvSpPr/>
+          <p:nvPr/>
+        </p:nvSpPr>
+        <p:spPr>
+          <a:xfrm>
+            <a:off x="4377738" y="2108421"/>
+            <a:ext cx="539975" cy="305844"/>
+          </a:xfrm>
+          <a:prstGeom prst="rect">
+            <a:avLst/>
+          </a:prstGeom>
+          <a:noFill/>
+          <a:ln w="28575">
+            <a:solidFill>
+              <a:schemeClr val="tx1"/>
+            </a:solidFill>
+          </a:ln>
+        </p:spPr>
+        <p:style>
+          <a:lnRef idx="2">
+            <a:schemeClr val="accent1">
+              <a:shade val="50000"/>
+            </a:schemeClr>
+          </a:lnRef>
+          <a:fillRef idx="1">
+            <a:schemeClr val="accent1"/>
+          </a:fillRef>
+          <a:effectRef idx="0">
+            <a:schemeClr val="accent1"/>
+          </a:effectRef>
+          <a:fontRef idx="minor">
+            <a:schemeClr val="lt1"/>
+          </a:fontRef>
+        </p:style>
+        <p:txBody>
+          <a:bodyPr rtlCol="0" anchor="ctr"/>
+          <a:lstStyle/>
+          <a:p>
+            <a:pPr algn="ctr"/>
+            <a:endParaRPr lang="en-US">
+              <a:solidFill>
+                <a:schemeClr val="tx1"/>
+              </a:solidFill>
+            </a:endParaRPr>
+          </a:p>
+        </p:txBody>
+      </p:sp>
+      <p:sp>
+        <p:nvSpPr>
+          <p:cNvPr id="39" name="TextBox 38">
+            <a:extLst>
+              <a:ext uri="{FF2B5EF4-FFF2-40B4-BE49-F238E27FC236}">
+                <a16:creationId xmlns:a16="http://schemas.microsoft.com/office/drawing/2014/main" id="{08E3EF3A-96CF-EF27-E40B-4E0626E7868A}"/>
+              </a:ext>
+            </a:extLst>
+          </p:cNvPr>
+          <p:cNvSpPr txBox="1"/>
+          <p:nvPr/>
+        </p:nvSpPr>
+        <p:spPr>
+          <a:xfrm>
+            <a:off x="4668007" y="4232640"/>
+            <a:ext cx="4578388" cy="1754326"/>
+          </a:xfrm>
+          <a:prstGeom prst="rect">
+            <a:avLst/>
+          </a:prstGeom>
+          <a:noFill/>
+        </p:spPr>
+        <p:txBody>
+          <a:bodyPr wrap="square" rtlCol="0">
+            <a:spAutoFit/>
+          </a:bodyPr>
+          <a:lstStyle/>
+          <a:p>
+            <a:r>
+              <a:rPr lang="en-US" b="1" u="sng" dirty="0">
+                <a:latin typeface="Futura Medium" panose="020B0602020204020303" pitchFamily="34" charset="-79"/>
+                <a:cs typeface="Futura Medium" panose="020B0602020204020303" pitchFamily="34" charset="-79"/>
+              </a:rPr>
+              <a:t>Demand for Autotrophy		</a:t>
+            </a:r>
+            <a:endParaRPr lang="en-US" dirty="0">
+              <a:latin typeface="Futura Medium" panose="020B0602020204020303" pitchFamily="34" charset="-79"/>
+              <a:cs typeface="Futura Medium" panose="020B0602020204020303" pitchFamily="34" charset="-79"/>
+            </a:endParaRPr>
+          </a:p>
+          <a:p>
+            <a:r>
+              <a:rPr lang="en-US" dirty="0">
+                <a:latin typeface="Futura Medium" panose="020B0602020204020303" pitchFamily="34" charset="-79"/>
+                <a:cs typeface="Futura Medium" panose="020B0602020204020303" pitchFamily="34" charset="-79"/>
+              </a:rPr>
+              <a:t>Development, growth &amp; calcification</a:t>
+            </a:r>
+          </a:p>
+          <a:p>
+            <a:r>
+              <a:rPr lang="en-US" dirty="0">
+                <a:latin typeface="Futura Medium" panose="020B0602020204020303" pitchFamily="34" charset="-79"/>
+                <a:cs typeface="Futura Medium" panose="020B0602020204020303" pitchFamily="34" charset="-79"/>
+              </a:rPr>
+              <a:t>Host respiratory demand</a:t>
+            </a:r>
+          </a:p>
+          <a:p>
+            <a:r>
+              <a:rPr lang="en-US" dirty="0">
+                <a:latin typeface="Futura Medium" panose="020B0602020204020303" pitchFamily="34" charset="-79"/>
+                <a:cs typeface="Futura Medium" panose="020B0602020204020303" pitchFamily="34" charset="-79"/>
+              </a:rPr>
+              <a:t>Depletion of energy reserves</a:t>
+            </a:r>
+          </a:p>
+          <a:p>
+            <a:r>
+              <a:rPr lang="en-US" dirty="0">
+                <a:latin typeface="Futura Medium" panose="020B0602020204020303" pitchFamily="34" charset="-79"/>
+                <a:cs typeface="Futura Medium" panose="020B0602020204020303" pitchFamily="34" charset="-79"/>
+              </a:rPr>
+              <a:t>Metabolism of photosynthates</a:t>
+            </a:r>
+          </a:p>
+          <a:p>
+            <a:endParaRPr lang="en-US" u="sng" dirty="0">
+              <a:latin typeface="Futura Medium" panose="020B0602020204020303" pitchFamily="34" charset="-79"/>
+              <a:cs typeface="Futura Medium" panose="020B0602020204020303" pitchFamily="34" charset="-79"/>
+            </a:endParaRPr>
+          </a:p>
+        </p:txBody>
+      </p:sp>
+      <p:sp>
+        <p:nvSpPr>
+          <p:cNvPr id="41" name="TextBox 40">
+            <a:extLst>
+              <a:ext uri="{FF2B5EF4-FFF2-40B4-BE49-F238E27FC236}">
+                <a16:creationId xmlns:a16="http://schemas.microsoft.com/office/drawing/2014/main" id="{456EAD89-D162-4EF6-D412-EBAE5003CE46}"/>
+              </a:ext>
+            </a:extLst>
+          </p:cNvPr>
+          <p:cNvSpPr txBox="1"/>
+          <p:nvPr/>
+        </p:nvSpPr>
+        <p:spPr>
+          <a:xfrm>
+            <a:off x="8386411" y="2601988"/>
+            <a:ext cx="3877985" cy="1477328"/>
+          </a:xfrm>
+          <a:prstGeom prst="rect">
+            <a:avLst/>
+          </a:prstGeom>
+          <a:noFill/>
+        </p:spPr>
+        <p:txBody>
+          <a:bodyPr wrap="none" rtlCol="0">
+            <a:spAutoFit/>
+          </a:bodyPr>
+          <a:lstStyle/>
+          <a:p>
+            <a:r>
+              <a:rPr lang="en-US" b="1" u="sng" dirty="0">
+                <a:latin typeface="Futura Medium" panose="020B0602020204020303" pitchFamily="34" charset="-79"/>
+                <a:cs typeface="Futura Medium" panose="020B0602020204020303" pitchFamily="34" charset="-79"/>
+              </a:rPr>
+              <a:t>Nutritional Exchange 		</a:t>
+            </a:r>
+          </a:p>
+          <a:p>
+            <a:r>
+              <a:rPr lang="en-US" dirty="0">
+                <a:latin typeface="Futura Medium" panose="020B0602020204020303" pitchFamily="34" charset="-79"/>
+                <a:cs typeface="Futura Medium" panose="020B0602020204020303" pitchFamily="34" charset="-79"/>
+              </a:rPr>
+              <a:t>Membrane transport</a:t>
+            </a:r>
+          </a:p>
+          <a:p>
+            <a:r>
+              <a:rPr lang="en-US" dirty="0">
+                <a:latin typeface="Futura Medium" panose="020B0602020204020303" pitchFamily="34" charset="-79"/>
+                <a:cs typeface="Futura Medium" panose="020B0602020204020303" pitchFamily="34" charset="-79"/>
+              </a:rPr>
+              <a:t>Cell signaling &amp; communication</a:t>
+            </a:r>
+          </a:p>
+          <a:p>
+            <a:r>
+              <a:rPr lang="en-US" dirty="0">
+                <a:latin typeface="Futura Medium" panose="020B0602020204020303" pitchFamily="34" charset="-79"/>
+                <a:cs typeface="Futura Medium" panose="020B0602020204020303" pitchFamily="34" charset="-79"/>
+              </a:rPr>
+              <a:t>Regulation of cell density </a:t>
+            </a:r>
+          </a:p>
+          <a:p>
+            <a:r>
+              <a:rPr lang="en-US" dirty="0">
+                <a:latin typeface="Futura Medium" panose="020B0602020204020303" pitchFamily="34" charset="-79"/>
+                <a:cs typeface="Futura Medium" panose="020B0602020204020303" pitchFamily="34" charset="-79"/>
+              </a:rPr>
+              <a:t>Ion transport</a:t>
+            </a:r>
+          </a:p>
+        </p:txBody>
+      </p:sp>
+      <p:sp>
+        <p:nvSpPr>
+          <p:cNvPr id="1028" name="Freeform 1027">
+            <a:extLst>
+              <a:ext uri="{FF2B5EF4-FFF2-40B4-BE49-F238E27FC236}">
+                <a16:creationId xmlns:a16="http://schemas.microsoft.com/office/drawing/2014/main" id="{A8F979D1-3A4E-B6FD-77B6-E9F20BF89DC3}"/>
+              </a:ext>
+            </a:extLst>
+          </p:cNvPr>
+          <p:cNvSpPr/>
+          <p:nvPr/>
+        </p:nvSpPr>
+        <p:spPr>
+          <a:xfrm>
+            <a:off x="359229" y="4392386"/>
+            <a:ext cx="734785" cy="1404257"/>
+          </a:xfrm>
+          <a:custGeom>
+            <a:avLst/>
+            <a:gdLst>
+              <a:gd name="connsiteX0" fmla="*/ 0 w 734785"/>
+              <a:gd name="connsiteY0" fmla="*/ 1404257 h 1404257"/>
+              <a:gd name="connsiteX1" fmla="*/ 130628 w 734785"/>
+              <a:gd name="connsiteY1" fmla="*/ 653143 h 1404257"/>
+              <a:gd name="connsiteX2" fmla="*/ 734785 w 734785"/>
+              <a:gd name="connsiteY2" fmla="*/ 0 h 1404257"/>
+            </a:gdLst>
+            <a:ahLst/>
+            <a:cxnLst>
+              <a:cxn ang="0">
+                <a:pos x="connsiteX0" y="connsiteY0"/>
+              </a:cxn>
+              <a:cxn ang="0">
+                <a:pos x="connsiteX1" y="connsiteY1"/>
+              </a:cxn>
+              <a:cxn ang="0">
+                <a:pos x="connsiteX2" y="connsiteY2"/>
+              </a:cxn>
+            </a:cxnLst>
+            <a:rect l="l" t="t" r="r" b="b"/>
+            <a:pathLst>
+              <a:path w="734785" h="1404257">
+                <a:moveTo>
+                  <a:pt x="0" y="1404257"/>
+                </a:moveTo>
+                <a:cubicBezTo>
+                  <a:pt x="4082" y="1145721"/>
+                  <a:pt x="8164" y="887186"/>
+                  <a:pt x="130628" y="653143"/>
+                </a:cubicBezTo>
+                <a:cubicBezTo>
+                  <a:pt x="253092" y="419100"/>
+                  <a:pt x="585106" y="152400"/>
+                  <a:pt x="734785" y="0"/>
+                </a:cubicBezTo>
+              </a:path>
+            </a:pathLst>
+          </a:custGeom>
+          <a:noFill/>
+          <a:ln w="28575">
+            <a:solidFill>
+              <a:schemeClr val="bg2">
+                <a:lumMod val="50000"/>
+              </a:schemeClr>
+            </a:solidFill>
+            <a:tailEnd type="arrow"/>
+          </a:ln>
+        </p:spPr>
+        <p:style>
+          <a:lnRef idx="2">
+            <a:schemeClr val="accent1">
+              <a:shade val="50000"/>
+            </a:schemeClr>
+          </a:lnRef>
+          <a:fillRef idx="1">
+            <a:schemeClr val="accent1"/>
+          </a:fillRef>
+          <a:effectRef idx="0">
+            <a:schemeClr val="accent1"/>
+          </a:effectRef>
+          <a:fontRef idx="minor">
+            <a:schemeClr val="lt1"/>
+          </a:fontRef>
+        </p:style>
+        <p:txBody>
+          <a:bodyPr rtlCol="0" anchor="ctr"/>
+          <a:lstStyle/>
+          <a:p>
+            <a:pPr algn="ctr"/>
+            <a:endParaRPr lang="en-US">
+              <a:solidFill>
+                <a:schemeClr val="tx1"/>
+              </a:solidFill>
+            </a:endParaRPr>
+          </a:p>
+        </p:txBody>
+      </p:sp>
+      <p:sp>
+        <p:nvSpPr>
+          <p:cNvPr id="1031" name="Freeform 1030">
+            <a:extLst>
+              <a:ext uri="{FF2B5EF4-FFF2-40B4-BE49-F238E27FC236}">
+                <a16:creationId xmlns:a16="http://schemas.microsoft.com/office/drawing/2014/main" id="{C7289380-335C-39C3-9019-994565D89DBA}"/>
+              </a:ext>
+            </a:extLst>
+          </p:cNvPr>
+          <p:cNvSpPr/>
+          <p:nvPr/>
+        </p:nvSpPr>
+        <p:spPr>
+          <a:xfrm>
+            <a:off x="4143442" y="4784271"/>
+            <a:ext cx="1359287" cy="1110343"/>
+          </a:xfrm>
+          <a:custGeom>
+            <a:avLst/>
+            <a:gdLst>
+              <a:gd name="connsiteX0" fmla="*/ 36672 w 1359287"/>
+              <a:gd name="connsiteY0" fmla="*/ 0 h 1110343"/>
+              <a:gd name="connsiteX1" fmla="*/ 20344 w 1359287"/>
+              <a:gd name="connsiteY1" fmla="*/ 522515 h 1110343"/>
+              <a:gd name="connsiteX2" fmla="*/ 281601 w 1359287"/>
+              <a:gd name="connsiteY2" fmla="*/ 881743 h 1110343"/>
+              <a:gd name="connsiteX3" fmla="*/ 755129 w 1359287"/>
+              <a:gd name="connsiteY3" fmla="*/ 1028700 h 1110343"/>
+              <a:gd name="connsiteX4" fmla="*/ 1359287 w 1359287"/>
+              <a:gd name="connsiteY4" fmla="*/ 1110343 h 1110343"/>
+            </a:gdLst>
+            <a:ahLst/>
+            <a:cxnLst>
+              <a:cxn ang="0">
+                <a:pos x="connsiteX0" y="connsiteY0"/>
+              </a:cxn>
+              <a:cxn ang="0">
+                <a:pos x="connsiteX1" y="connsiteY1"/>
+              </a:cxn>
+              <a:cxn ang="0">
+                <a:pos x="connsiteX2" y="connsiteY2"/>
+              </a:cxn>
+              <a:cxn ang="0">
+                <a:pos x="connsiteX3" y="connsiteY3"/>
+              </a:cxn>
+              <a:cxn ang="0">
+                <a:pos x="connsiteX4" y="connsiteY4"/>
+              </a:cxn>
+            </a:cxnLst>
+            <a:rect l="l" t="t" r="r" b="b"/>
+            <a:pathLst>
+              <a:path w="1359287" h="1110343">
+                <a:moveTo>
+                  <a:pt x="36672" y="0"/>
+                </a:moveTo>
+                <a:cubicBezTo>
+                  <a:pt x="8097" y="187779"/>
+                  <a:pt x="-20478" y="375558"/>
+                  <a:pt x="20344" y="522515"/>
+                </a:cubicBezTo>
+                <a:cubicBezTo>
+                  <a:pt x="61166" y="669472"/>
+                  <a:pt x="159137" y="797379"/>
+                  <a:pt x="281601" y="881743"/>
+                </a:cubicBezTo>
+                <a:cubicBezTo>
+                  <a:pt x="404065" y="966107"/>
+                  <a:pt x="575515" y="990600"/>
+                  <a:pt x="755129" y="1028700"/>
+                </a:cubicBezTo>
+                <a:cubicBezTo>
+                  <a:pt x="934743" y="1066800"/>
+                  <a:pt x="1147015" y="1088571"/>
+                  <a:pt x="1359287" y="1110343"/>
+                </a:cubicBezTo>
+              </a:path>
+            </a:pathLst>
+          </a:custGeom>
+          <a:noFill/>
+          <a:ln w="28575">
+            <a:solidFill>
+              <a:schemeClr val="tx1"/>
+            </a:solidFill>
+            <a:tailEnd type="arrow"/>
+          </a:ln>
+        </p:spPr>
+        <p:style>
+          <a:lnRef idx="2">
+            <a:schemeClr val="accent1">
+              <a:shade val="50000"/>
+            </a:schemeClr>
+          </a:lnRef>
+          <a:fillRef idx="1">
+            <a:schemeClr val="accent1"/>
+          </a:fillRef>
+          <a:effectRef idx="0">
+            <a:schemeClr val="accent1"/>
+          </a:effectRef>
+          <a:fontRef idx="minor">
+            <a:schemeClr val="lt1"/>
+          </a:fontRef>
+        </p:style>
+        <p:txBody>
+          <a:bodyPr rtlCol="0" anchor="ctr"/>
+          <a:lstStyle/>
+          <a:p>
+            <a:pPr algn="ctr"/>
+            <a:endParaRPr lang="en-US">
+              <a:solidFill>
+                <a:schemeClr val="tx1"/>
+              </a:solidFill>
+            </a:endParaRPr>
+          </a:p>
+        </p:txBody>
+      </p:sp>
+      <p:sp>
+        <p:nvSpPr>
+          <p:cNvPr id="1032" name="Freeform 1031">
+            <a:extLst>
+              <a:ext uri="{FF2B5EF4-FFF2-40B4-BE49-F238E27FC236}">
+                <a16:creationId xmlns:a16="http://schemas.microsoft.com/office/drawing/2014/main" id="{6C4F9A92-B272-3511-73E2-8C6A15F9D49D}"/>
+              </a:ext>
+            </a:extLst>
+          </p:cNvPr>
+          <p:cNvSpPr/>
+          <p:nvPr/>
+        </p:nvSpPr>
+        <p:spPr>
+          <a:xfrm>
+            <a:off x="2384189" y="4973139"/>
+            <a:ext cx="930728" cy="265033"/>
+          </a:xfrm>
+          <a:custGeom>
+            <a:avLst/>
+            <a:gdLst>
+              <a:gd name="connsiteX0" fmla="*/ 0 w 930728"/>
+              <a:gd name="connsiteY0" fmla="*/ 0 h 265033"/>
+              <a:gd name="connsiteX1" fmla="*/ 408214 w 930728"/>
+              <a:gd name="connsiteY1" fmla="*/ 261258 h 265033"/>
+              <a:gd name="connsiteX2" fmla="*/ 930728 w 930728"/>
+              <a:gd name="connsiteY2" fmla="*/ 130629 h 265033"/>
+            </a:gdLst>
+            <a:ahLst/>
+            <a:cxnLst>
+              <a:cxn ang="0">
+                <a:pos x="connsiteX0" y="connsiteY0"/>
+              </a:cxn>
+              <a:cxn ang="0">
+                <a:pos x="connsiteX1" y="connsiteY1"/>
+              </a:cxn>
+              <a:cxn ang="0">
+                <a:pos x="connsiteX2" y="connsiteY2"/>
+              </a:cxn>
+            </a:cxnLst>
+            <a:rect l="l" t="t" r="r" b="b"/>
+            <a:pathLst>
+              <a:path w="930728" h="265033">
+                <a:moveTo>
+                  <a:pt x="0" y="0"/>
+                </a:moveTo>
+                <a:cubicBezTo>
+                  <a:pt x="126546" y="119743"/>
+                  <a:pt x="253093" y="239487"/>
+                  <a:pt x="408214" y="261258"/>
+                </a:cubicBezTo>
+                <a:cubicBezTo>
+                  <a:pt x="563335" y="283029"/>
+                  <a:pt x="747031" y="206829"/>
+                  <a:pt x="930728" y="130629"/>
+                </a:cubicBezTo>
+              </a:path>
+            </a:pathLst>
+          </a:custGeom>
+          <a:noFill/>
+          <a:ln w="28575">
+            <a:solidFill>
+              <a:schemeClr val="bg2">
+                <a:lumMod val="50000"/>
+              </a:schemeClr>
+            </a:solidFill>
+            <a:tailEnd type="arrow"/>
+          </a:ln>
+        </p:spPr>
+        <p:style>
+          <a:lnRef idx="2">
+            <a:schemeClr val="accent1">
+              <a:shade val="50000"/>
+            </a:schemeClr>
+          </a:lnRef>
+          <a:fillRef idx="1">
+            <a:schemeClr val="accent1"/>
+          </a:fillRef>
+          <a:effectRef idx="0">
+            <a:schemeClr val="accent1"/>
+          </a:effectRef>
+          <a:fontRef idx="minor">
+            <a:schemeClr val="lt1"/>
+          </a:fontRef>
+        </p:style>
+        <p:txBody>
+          <a:bodyPr rtlCol="0" anchor="ctr"/>
+          <a:lstStyle/>
+          <a:p>
+            <a:pPr algn="ctr"/>
+            <a:endParaRPr lang="en-US">
+              <a:solidFill>
+                <a:schemeClr val="tx1"/>
+              </a:solidFill>
+            </a:endParaRPr>
+          </a:p>
+        </p:txBody>
+      </p:sp>
+      <p:sp>
+        <p:nvSpPr>
+          <p:cNvPr id="1050" name="TextBox 1049">
+            <a:extLst>
+              <a:ext uri="{FF2B5EF4-FFF2-40B4-BE49-F238E27FC236}">
+                <a16:creationId xmlns:a16="http://schemas.microsoft.com/office/drawing/2014/main" id="{734EEB4A-E1A8-D52D-72D7-D84A3352BE13}"/>
+              </a:ext>
+            </a:extLst>
+          </p:cNvPr>
+          <p:cNvSpPr txBox="1"/>
+          <p:nvPr/>
+        </p:nvSpPr>
+        <p:spPr>
+          <a:xfrm>
+            <a:off x="6000486" y="2478376"/>
+            <a:ext cx="1121782" cy="276999"/>
+          </a:xfrm>
+          <a:prstGeom prst="rect">
+            <a:avLst/>
+          </a:prstGeom>
+          <a:noFill/>
+        </p:spPr>
+        <p:txBody>
+          <a:bodyPr wrap="none" rtlCol="0">
+            <a:spAutoFit/>
+          </a:bodyPr>
+          <a:lstStyle/>
+          <a:p>
+            <a:r>
+              <a:rPr lang="en-US" sz="1200" dirty="0">
+                <a:latin typeface="Futura Medium" panose="020B0602020204020303" pitchFamily="34" charset="-79"/>
+                <a:cs typeface="Futura Medium" panose="020B0602020204020303" pitchFamily="34" charset="-79"/>
+              </a:rPr>
+              <a:t>Gastrodermis</a:t>
+            </a:r>
+          </a:p>
+        </p:txBody>
+      </p:sp>
+      <p:pic>
+        <p:nvPicPr>
+          <p:cNvPr id="1052" name="Picture 4" descr="Symbiodinium - Wikiwand">
+            <a:extLst>
+              <a:ext uri="{FF2B5EF4-FFF2-40B4-BE49-F238E27FC236}">
+                <a16:creationId xmlns:a16="http://schemas.microsoft.com/office/drawing/2014/main" id="{B1A99BE4-3DDD-BC3F-0DCE-AD493EB3D756}"/>
+              </a:ext>
+            </a:extLst>
+          </p:cNvPr>
+          <p:cNvPicPr>
+            <a:picLocks noChangeAspect="1" noChangeArrowheads="1"/>
+          </p:cNvPicPr>
+          <p:nvPr/>
+        </p:nvPicPr>
+        <p:blipFill rotWithShape="1">
+          <a:blip r:embed="rId7">
+            <a:grayscl/>
+            <a:extLst>
+              <a:ext uri="{BEBA8EAE-BF5A-486C-A8C5-ECC9F3942E4B}">
+                <a14:imgProps xmlns:a14="http://schemas.microsoft.com/office/drawing/2010/main">
+                  <a14:imgLayer r:embed="rId8">
+                    <a14:imgEffect>
+                      <a14:backgroundRemoval t="69797" b="79949" l="64242" r="70000">
+                        <a14:foregroundMark x1="70000" y1="76650" x2="70000" y2="76650"/>
+                        <a14:foregroundMark x1="67121" y1="79949" x2="67121" y2="79949"/>
+                      </a14:backgroundRemoval>
+                    </a14:imgEffect>
+                  </a14:imgLayer>
+                </a14:imgProps>
+              </a:ext>
+              <a:ext uri="{28A0092B-C50C-407E-A947-70E740481C1C}">
+                <a14:useLocalDpi xmlns:a14="http://schemas.microsoft.com/office/drawing/2010/main" val="0"/>
+              </a:ext>
+            </a:extLst>
+          </a:blip>
+          <a:srcRect l="63633" t="68793" r="29170" b="19069"/>
+          <a:stretch/>
+        </p:blipFill>
+        <p:spPr bwMode="auto">
+          <a:xfrm>
+            <a:off x="6147410" y="2209421"/>
+            <a:ext cx="272550" cy="274388"/>
+          </a:xfrm>
+          <a:prstGeom prst="rect">
+            <a:avLst/>
+          </a:prstGeom>
+          <a:noFill/>
+          <a:extLst>
+            <a:ext uri="{909E8E84-426E-40DD-AFC4-6F175D3DCCD1}">
+              <a14:hiddenFill xmlns:a14="http://schemas.microsoft.com/office/drawing/2010/main">
+                <a:solidFill>
+                  <a:srgbClr val="FFFFFF"/>
+                </a:solidFill>
+              </a14:hiddenFill>
+            </a:ext>
+          </a:extLst>
+        </p:spPr>
+      </p:pic>
+      <p:sp>
+        <p:nvSpPr>
+          <p:cNvPr id="1053" name="Google Shape;370;ga6aa591836_0_205">
+            <a:extLst>
+              <a:ext uri="{FF2B5EF4-FFF2-40B4-BE49-F238E27FC236}">
+                <a16:creationId xmlns:a16="http://schemas.microsoft.com/office/drawing/2014/main" id="{B226CA13-3FA9-1282-374E-0431FE029E28}"/>
+              </a:ext>
+            </a:extLst>
+          </p:cNvPr>
+          <p:cNvSpPr/>
+          <p:nvPr/>
+        </p:nvSpPr>
+        <p:spPr>
+          <a:xfrm>
+            <a:off x="5746746" y="2160283"/>
+            <a:ext cx="347566" cy="392828"/>
+          </a:xfrm>
+          <a:prstGeom prst="roundRect">
+            <a:avLst>
+              <a:gd name="adj" fmla="val 16667"/>
+            </a:avLst>
+          </a:prstGeom>
+          <a:noFill/>
+          <a:ln w="38100" cap="flat" cmpd="sng">
+            <a:solidFill>
+              <a:schemeClr val="dk1"/>
+            </a:solidFill>
+            <a:prstDash val="solid"/>
+            <a:miter lim="800000"/>
+            <a:headEnd type="none" w="sm" len="sm"/>
+            <a:tailEnd type="none" w="sm" len="sm"/>
+          </a:ln>
+        </p:spPr>
+        <p:txBody>
+          <a:bodyPr spcFirstLastPara="1" wrap="square" lIns="91425" tIns="45700" rIns="91425" bIns="45700" anchor="ctr" anchorCtr="0">
+            <a:noAutofit/>
+          </a:bodyPr>
+          <a:lstStyle/>
+          <a:p>
+            <a:pPr marL="0" marR="0" lvl="0" indent="0" algn="ctr" rtl="0">
+              <a:spcBef>
+                <a:spcPts val="0"/>
+              </a:spcBef>
+              <a:spcAft>
+                <a:spcPts val="0"/>
+              </a:spcAft>
+              <a:buNone/>
+            </a:pPr>
+            <a:endParaRPr sz="1000">
+              <a:latin typeface="Calibri"/>
+              <a:ea typeface="Calibri"/>
+              <a:cs typeface="Calibri"/>
+              <a:sym typeface="Calibri"/>
+            </a:endParaRPr>
+          </a:p>
+        </p:txBody>
+      </p:sp>
+      <p:sp>
+        <p:nvSpPr>
+          <p:cNvPr id="1054" name="Google Shape;370;ga6aa591836_0_205">
+            <a:extLst>
+              <a:ext uri="{FF2B5EF4-FFF2-40B4-BE49-F238E27FC236}">
+                <a16:creationId xmlns:a16="http://schemas.microsoft.com/office/drawing/2014/main" id="{3D3C149C-DC33-E3A6-DEC5-17EAABE65F90}"/>
+              </a:ext>
+            </a:extLst>
+          </p:cNvPr>
+          <p:cNvSpPr/>
+          <p:nvPr/>
+        </p:nvSpPr>
+        <p:spPr>
+          <a:xfrm>
+            <a:off x="6094312" y="2154862"/>
+            <a:ext cx="347566" cy="392828"/>
+          </a:xfrm>
+          <a:prstGeom prst="roundRect">
+            <a:avLst>
+              <a:gd name="adj" fmla="val 16667"/>
+            </a:avLst>
+          </a:prstGeom>
+          <a:noFill/>
+          <a:ln w="38100" cap="flat" cmpd="sng">
+            <a:solidFill>
+              <a:schemeClr val="dk1"/>
+            </a:solidFill>
+            <a:prstDash val="solid"/>
+            <a:miter lim="800000"/>
+            <a:headEnd type="none" w="sm" len="sm"/>
+            <a:tailEnd type="none" w="sm" len="sm"/>
+          </a:ln>
+        </p:spPr>
+        <p:txBody>
+          <a:bodyPr spcFirstLastPara="1" wrap="square" lIns="91425" tIns="45700" rIns="91425" bIns="45700" anchor="ctr" anchorCtr="0">
+            <a:noAutofit/>
+          </a:bodyPr>
+          <a:lstStyle/>
+          <a:p>
+            <a:pPr marL="0" marR="0" lvl="0" indent="0" algn="ctr" rtl="0">
+              <a:spcBef>
+                <a:spcPts val="0"/>
+              </a:spcBef>
+              <a:spcAft>
+                <a:spcPts val="0"/>
+              </a:spcAft>
+              <a:buNone/>
+            </a:pPr>
+            <a:endParaRPr sz="1000">
+              <a:latin typeface="Calibri"/>
+              <a:ea typeface="Calibri"/>
+              <a:cs typeface="Calibri"/>
+              <a:sym typeface="Calibri"/>
+            </a:endParaRPr>
+          </a:p>
+        </p:txBody>
+      </p:sp>
+      <p:sp>
+        <p:nvSpPr>
+          <p:cNvPr id="1055" name="Google Shape;370;ga6aa591836_0_205">
+            <a:extLst>
+              <a:ext uri="{FF2B5EF4-FFF2-40B4-BE49-F238E27FC236}">
+                <a16:creationId xmlns:a16="http://schemas.microsoft.com/office/drawing/2014/main" id="{02725ACE-65F9-3A33-631F-6B6FF411E01F}"/>
+              </a:ext>
+            </a:extLst>
+          </p:cNvPr>
+          <p:cNvSpPr/>
+          <p:nvPr/>
+        </p:nvSpPr>
+        <p:spPr>
+          <a:xfrm>
+            <a:off x="6442100" y="2142486"/>
+            <a:ext cx="347566" cy="392828"/>
+          </a:xfrm>
+          <a:prstGeom prst="roundRect">
+            <a:avLst>
+              <a:gd name="adj" fmla="val 16667"/>
+            </a:avLst>
+          </a:prstGeom>
+          <a:noFill/>
+          <a:ln w="38100" cap="flat" cmpd="sng">
+            <a:solidFill>
+              <a:schemeClr val="dk1"/>
+            </a:solidFill>
+            <a:prstDash val="solid"/>
+            <a:miter lim="800000"/>
+            <a:headEnd type="none" w="sm" len="sm"/>
+            <a:tailEnd type="none" w="sm" len="sm"/>
+          </a:ln>
+        </p:spPr>
+        <p:txBody>
+          <a:bodyPr spcFirstLastPara="1" wrap="square" lIns="91425" tIns="45700" rIns="91425" bIns="45700" anchor="ctr" anchorCtr="0">
+            <a:noAutofit/>
+          </a:bodyPr>
+          <a:lstStyle/>
+          <a:p>
+            <a:pPr marL="0" marR="0" lvl="0" indent="0" algn="ctr" rtl="0">
+              <a:spcBef>
+                <a:spcPts val="0"/>
+              </a:spcBef>
+              <a:spcAft>
+                <a:spcPts val="0"/>
+              </a:spcAft>
+              <a:buNone/>
+            </a:pPr>
+            <a:endParaRPr sz="1000">
+              <a:latin typeface="Calibri"/>
+              <a:ea typeface="Calibri"/>
+              <a:cs typeface="Calibri"/>
+              <a:sym typeface="Calibri"/>
+            </a:endParaRPr>
+          </a:p>
+        </p:txBody>
+      </p:sp>
+      <p:sp>
+        <p:nvSpPr>
+          <p:cNvPr id="1056" name="Google Shape;370;ga6aa591836_0_205">
+            <a:extLst>
+              <a:ext uri="{FF2B5EF4-FFF2-40B4-BE49-F238E27FC236}">
+                <a16:creationId xmlns:a16="http://schemas.microsoft.com/office/drawing/2014/main" id="{AFF1C397-C7E3-8A8F-1073-FD801920D08B}"/>
+              </a:ext>
+            </a:extLst>
+          </p:cNvPr>
+          <p:cNvSpPr/>
+          <p:nvPr/>
+        </p:nvSpPr>
+        <p:spPr>
+          <a:xfrm>
+            <a:off x="6789888" y="2171157"/>
+            <a:ext cx="347566" cy="392828"/>
+          </a:xfrm>
+          <a:prstGeom prst="roundRect">
+            <a:avLst>
+              <a:gd name="adj" fmla="val 16667"/>
+            </a:avLst>
+          </a:prstGeom>
+          <a:noFill/>
+          <a:ln w="38100" cap="flat" cmpd="sng">
+            <a:solidFill>
+              <a:schemeClr val="dk1"/>
+            </a:solidFill>
+            <a:prstDash val="solid"/>
+            <a:miter lim="800000"/>
+            <a:headEnd type="none" w="sm" len="sm"/>
+            <a:tailEnd type="none" w="sm" len="sm"/>
+          </a:ln>
+        </p:spPr>
+        <p:txBody>
+          <a:bodyPr spcFirstLastPara="1" wrap="square" lIns="91425" tIns="45700" rIns="91425" bIns="45700" anchor="ctr" anchorCtr="0">
+            <a:noAutofit/>
+          </a:bodyPr>
+          <a:lstStyle/>
+          <a:p>
+            <a:pPr marL="0" marR="0" lvl="0" indent="0" algn="ctr" rtl="0">
+              <a:spcBef>
+                <a:spcPts val="0"/>
+              </a:spcBef>
+              <a:spcAft>
+                <a:spcPts val="0"/>
+              </a:spcAft>
+              <a:buNone/>
+            </a:pPr>
+            <a:endParaRPr sz="1000">
+              <a:latin typeface="Calibri"/>
+              <a:ea typeface="Calibri"/>
+              <a:cs typeface="Calibri"/>
+              <a:sym typeface="Calibri"/>
+            </a:endParaRPr>
+          </a:p>
+        </p:txBody>
+      </p:sp>
+      <p:sp>
+        <p:nvSpPr>
+          <p:cNvPr id="1057" name="Google Shape;370;ga6aa591836_0_205">
+            <a:extLst>
+              <a:ext uri="{FF2B5EF4-FFF2-40B4-BE49-F238E27FC236}">
+                <a16:creationId xmlns:a16="http://schemas.microsoft.com/office/drawing/2014/main" id="{05E66AB3-BE39-2631-3398-E8BE86CCE45A}"/>
+              </a:ext>
+            </a:extLst>
+          </p:cNvPr>
+          <p:cNvSpPr/>
+          <p:nvPr/>
+        </p:nvSpPr>
+        <p:spPr>
+          <a:xfrm>
+            <a:off x="7137898" y="2163750"/>
+            <a:ext cx="347566" cy="392828"/>
+          </a:xfrm>
+          <a:prstGeom prst="roundRect">
+            <a:avLst>
+              <a:gd name="adj" fmla="val 16667"/>
+            </a:avLst>
+          </a:prstGeom>
+          <a:noFill/>
+          <a:ln w="38100" cap="flat" cmpd="sng">
+            <a:solidFill>
+              <a:schemeClr val="dk1"/>
+            </a:solidFill>
+            <a:prstDash val="solid"/>
+            <a:miter lim="800000"/>
+            <a:headEnd type="none" w="sm" len="sm"/>
+            <a:tailEnd type="none" w="sm" len="sm"/>
+          </a:ln>
+        </p:spPr>
+        <p:txBody>
+          <a:bodyPr spcFirstLastPara="1" wrap="square" lIns="91425" tIns="45700" rIns="91425" bIns="45700" anchor="ctr" anchorCtr="0">
+            <a:noAutofit/>
+          </a:bodyPr>
+          <a:lstStyle/>
+          <a:p>
+            <a:pPr marL="0" marR="0" lvl="0" indent="0" algn="ctr" rtl="0">
+              <a:spcBef>
+                <a:spcPts val="0"/>
+              </a:spcBef>
+              <a:spcAft>
+                <a:spcPts val="0"/>
+              </a:spcAft>
+              <a:buNone/>
+            </a:pPr>
+            <a:endParaRPr sz="1000">
+              <a:latin typeface="Calibri"/>
+              <a:ea typeface="Calibri"/>
+              <a:cs typeface="Calibri"/>
+              <a:sym typeface="Calibri"/>
+            </a:endParaRPr>
+          </a:p>
+        </p:txBody>
+      </p:sp>
+      <p:pic>
+        <p:nvPicPr>
+          <p:cNvPr id="1058" name="Picture 4" descr="Symbiodinium - Wikiwand">
+            <a:extLst>
+              <a:ext uri="{FF2B5EF4-FFF2-40B4-BE49-F238E27FC236}">
+                <a16:creationId xmlns:a16="http://schemas.microsoft.com/office/drawing/2014/main" id="{09369693-CD76-62C9-A5AB-707522E57F5A}"/>
+              </a:ext>
+            </a:extLst>
+          </p:cNvPr>
+          <p:cNvPicPr>
+            <a:picLocks noChangeAspect="1" noChangeArrowheads="1"/>
+          </p:cNvPicPr>
+          <p:nvPr/>
+        </p:nvPicPr>
+        <p:blipFill rotWithShape="1">
+          <a:blip r:embed="rId7">
+            <a:grayscl/>
+            <a:extLst>
+              <a:ext uri="{BEBA8EAE-BF5A-486C-A8C5-ECC9F3942E4B}">
+                <a14:imgProps xmlns:a14="http://schemas.microsoft.com/office/drawing/2010/main">
+                  <a14:imgLayer r:embed="rId9">
+                    <a14:imgEffect>
+                      <a14:backgroundRemoval t="69797" b="79949" l="64242" r="70000">
+                        <a14:foregroundMark x1="70000" y1="76650" x2="70000" y2="76650"/>
+                        <a14:foregroundMark x1="67121" y1="79949" x2="67121" y2="79949"/>
+                      </a14:backgroundRemoval>
+                    </a14:imgEffect>
+                  </a14:imgLayer>
+                </a14:imgProps>
+              </a:ext>
+              <a:ext uri="{28A0092B-C50C-407E-A947-70E740481C1C}">
+                <a14:useLocalDpi xmlns:a14="http://schemas.microsoft.com/office/drawing/2010/main" val="0"/>
+              </a:ext>
+            </a:extLst>
+          </a:blip>
+          <a:srcRect l="63633" t="68793" r="29170" b="19069"/>
+          <a:stretch/>
+        </p:blipFill>
+        <p:spPr bwMode="auto">
+          <a:xfrm>
+            <a:off x="6820926" y="2261957"/>
+            <a:ext cx="272550" cy="274388"/>
+          </a:xfrm>
+          <a:prstGeom prst="rect">
+            <a:avLst/>
+          </a:prstGeom>
+          <a:noFill/>
+          <a:extLst>
+            <a:ext uri="{909E8E84-426E-40DD-AFC4-6F175D3DCCD1}">
+              <a14:hiddenFill xmlns:a14="http://schemas.microsoft.com/office/drawing/2010/main">
+                <a:solidFill>
+                  <a:srgbClr val="FFFFFF"/>
+                </a:solidFill>
+              </a14:hiddenFill>
+            </a:ext>
+          </a:extLst>
+        </p:spPr>
+      </p:pic>
+      <p:pic>
+        <p:nvPicPr>
+          <p:cNvPr id="1060" name="Picture 4" descr="Symbiodinium - Wikiwand">
+            <a:extLst>
+              <a:ext uri="{FF2B5EF4-FFF2-40B4-BE49-F238E27FC236}">
+                <a16:creationId xmlns:a16="http://schemas.microsoft.com/office/drawing/2014/main" id="{1AB638AC-2F30-278A-CA22-D7B4F480E67A}"/>
+              </a:ext>
+            </a:extLst>
+          </p:cNvPr>
+          <p:cNvPicPr>
+            <a:picLocks noChangeAspect="1" noChangeArrowheads="1"/>
+          </p:cNvPicPr>
+          <p:nvPr/>
+        </p:nvPicPr>
+        <p:blipFill rotWithShape="1">
+          <a:blip r:embed="rId7">
+            <a:grayscl/>
+            <a:extLst>
+              <a:ext uri="{BEBA8EAE-BF5A-486C-A8C5-ECC9F3942E4B}">
+                <a14:imgProps xmlns:a14="http://schemas.microsoft.com/office/drawing/2010/main">
+                  <a14:imgLayer r:embed="rId10">
+                    <a14:imgEffect>
+                      <a14:backgroundRemoval t="69797" b="79949" l="64242" r="70000">
+                        <a14:foregroundMark x1="70000" y1="76650" x2="70000" y2="76650"/>
+                        <a14:foregroundMark x1="67121" y1="79949" x2="67121" y2="79949"/>
+                      </a14:backgroundRemoval>
+                    </a14:imgEffect>
+                  </a14:imgLayer>
+                </a14:imgProps>
+              </a:ext>
+              <a:ext uri="{28A0092B-C50C-407E-A947-70E740481C1C}">
+                <a14:useLocalDpi xmlns:a14="http://schemas.microsoft.com/office/drawing/2010/main" val="0"/>
+              </a:ext>
+            </a:extLst>
+          </a:blip>
+          <a:srcRect l="63633" t="68793" r="29170" b="19069"/>
+          <a:stretch/>
+        </p:blipFill>
+        <p:spPr bwMode="auto">
+          <a:xfrm>
+            <a:off x="5760302" y="2213818"/>
+            <a:ext cx="272550" cy="274388"/>
+          </a:xfrm>
+          <a:prstGeom prst="rect">
+            <a:avLst/>
+          </a:prstGeom>
+          <a:noFill/>
+          <a:extLst>
+            <a:ext uri="{909E8E84-426E-40DD-AFC4-6F175D3DCCD1}">
+              <a14:hiddenFill xmlns:a14="http://schemas.microsoft.com/office/drawing/2010/main">
+                <a:solidFill>
+                  <a:srgbClr val="FFFFFF"/>
+                </a:solidFill>
+              </a14:hiddenFill>
+            </a:ext>
+          </a:extLst>
+        </p:spPr>
+      </p:pic>
+      <p:pic>
+        <p:nvPicPr>
+          <p:cNvPr id="1061" name="Picture 4" descr="Symbiodinium - Wikiwand">
+            <a:extLst>
+              <a:ext uri="{FF2B5EF4-FFF2-40B4-BE49-F238E27FC236}">
+                <a16:creationId xmlns:a16="http://schemas.microsoft.com/office/drawing/2014/main" id="{EA95FF3E-D94B-12FE-57C6-CE0867F1713E}"/>
+              </a:ext>
+            </a:extLst>
+          </p:cNvPr>
+          <p:cNvPicPr>
+            <a:picLocks noChangeAspect="1" noChangeArrowheads="1"/>
+          </p:cNvPicPr>
+          <p:nvPr/>
+        </p:nvPicPr>
+        <p:blipFill rotWithShape="1">
+          <a:blip r:embed="rId7">
+            <a:grayscl/>
+            <a:extLst>
+              <a:ext uri="{BEBA8EAE-BF5A-486C-A8C5-ECC9F3942E4B}">
+                <a14:imgProps xmlns:a14="http://schemas.microsoft.com/office/drawing/2010/main">
+                  <a14:imgLayer r:embed="rId11">
+                    <a14:imgEffect>
+                      <a14:backgroundRemoval t="69797" b="79949" l="64242" r="70000">
+                        <a14:foregroundMark x1="70000" y1="76650" x2="70000" y2="76650"/>
+                        <a14:foregroundMark x1="67121" y1="79949" x2="67121" y2="79949"/>
+                      </a14:backgroundRemoval>
+                    </a14:imgEffect>
+                  </a14:imgLayer>
+                </a14:imgProps>
+              </a:ext>
+              <a:ext uri="{28A0092B-C50C-407E-A947-70E740481C1C}">
+                <a14:useLocalDpi xmlns:a14="http://schemas.microsoft.com/office/drawing/2010/main" val="0"/>
+              </a:ext>
+            </a:extLst>
+          </a:blip>
+          <a:srcRect l="63633" t="68793" r="29170" b="19069"/>
+          <a:stretch/>
+        </p:blipFill>
+        <p:spPr bwMode="auto">
+          <a:xfrm>
+            <a:off x="6453148" y="2236803"/>
+            <a:ext cx="272550" cy="274388"/>
+          </a:xfrm>
+          <a:prstGeom prst="rect">
+            <a:avLst/>
+          </a:prstGeom>
+          <a:noFill/>
+          <a:extLst>
+            <a:ext uri="{909E8E84-426E-40DD-AFC4-6F175D3DCCD1}">
+              <a14:hiddenFill xmlns:a14="http://schemas.microsoft.com/office/drawing/2010/main">
+                <a:solidFill>
+                  <a:srgbClr val="FFFFFF"/>
+                </a:solidFill>
+              </a14:hiddenFill>
+            </a:ext>
+          </a:extLst>
+        </p:spPr>
+      </p:pic>
+      <p:pic>
+        <p:nvPicPr>
+          <p:cNvPr id="1062" name="Picture 4" descr="Symbiodinium - Wikiwand">
+            <a:extLst>
+              <a:ext uri="{FF2B5EF4-FFF2-40B4-BE49-F238E27FC236}">
+                <a16:creationId xmlns:a16="http://schemas.microsoft.com/office/drawing/2014/main" id="{7D27CC66-532D-1555-2459-0660683DC0B7}"/>
+              </a:ext>
+            </a:extLst>
+          </p:cNvPr>
+          <p:cNvPicPr>
+            <a:picLocks noChangeAspect="1" noChangeArrowheads="1"/>
+          </p:cNvPicPr>
+          <p:nvPr/>
+        </p:nvPicPr>
+        <p:blipFill rotWithShape="1">
+          <a:blip r:embed="rId7">
+            <a:grayscl/>
+            <a:extLst>
+              <a:ext uri="{BEBA8EAE-BF5A-486C-A8C5-ECC9F3942E4B}">
+                <a14:imgProps xmlns:a14="http://schemas.microsoft.com/office/drawing/2010/main">
+                  <a14:imgLayer r:embed="rId12">
+                    <a14:imgEffect>
+                      <a14:backgroundRemoval t="69797" b="79949" l="64242" r="70000">
+                        <a14:foregroundMark x1="70000" y1="76650" x2="70000" y2="76650"/>
+                        <a14:foregroundMark x1="67121" y1="79949" x2="67121" y2="79949"/>
+                      </a14:backgroundRemoval>
+                    </a14:imgEffect>
+                  </a14:imgLayer>
+                </a14:imgProps>
+              </a:ext>
+              <a:ext uri="{28A0092B-C50C-407E-A947-70E740481C1C}">
+                <a14:useLocalDpi xmlns:a14="http://schemas.microsoft.com/office/drawing/2010/main" val="0"/>
+              </a:ext>
+            </a:extLst>
+          </a:blip>
+          <a:srcRect l="63633" t="68793" r="29170" b="19069"/>
+          <a:stretch/>
+        </p:blipFill>
+        <p:spPr bwMode="auto">
+          <a:xfrm>
+            <a:off x="7169158" y="2190157"/>
+            <a:ext cx="272550" cy="274388"/>
+          </a:xfrm>
+          <a:prstGeom prst="rect">
+            <a:avLst/>
+          </a:prstGeom>
+          <a:noFill/>
+          <a:extLst>
+            <a:ext uri="{909E8E84-426E-40DD-AFC4-6F175D3DCCD1}">
+              <a14:hiddenFill xmlns:a14="http://schemas.microsoft.com/office/drawing/2010/main">
+                <a:solidFill>
+                  <a:srgbClr val="FFFFFF"/>
+                </a:solidFill>
+              </a14:hiddenFill>
+            </a:ext>
+          </a:extLst>
+        </p:spPr>
+      </p:pic>
+      <p:cxnSp>
+        <p:nvCxnSpPr>
+          <p:cNvPr id="1064" name="Straight Arrow Connector 1063">
+            <a:extLst>
+              <a:ext uri="{FF2B5EF4-FFF2-40B4-BE49-F238E27FC236}">
+                <a16:creationId xmlns:a16="http://schemas.microsoft.com/office/drawing/2014/main" id="{34FB8921-8375-158F-BF1D-F2F8CBA29B4E}"/>
+              </a:ext>
+            </a:extLst>
+          </p:cNvPr>
+          <p:cNvCxnSpPr>
+            <a:cxnSpLocks/>
+          </p:cNvCxnSpPr>
+          <p:nvPr/>
+        </p:nvCxnSpPr>
+        <p:spPr>
+          <a:xfrm flipH="1" flipV="1">
+            <a:off x="5724401" y="2765358"/>
+            <a:ext cx="8886" cy="420924"/>
+          </a:xfrm>
+          <a:prstGeom prst="straightConnector1">
+            <a:avLst/>
+          </a:prstGeom>
+          <a:ln w="28575">
+            <a:solidFill>
+              <a:schemeClr val="tx1"/>
+            </a:solidFill>
+            <a:tailEnd type="triangle"/>
+          </a:ln>
+        </p:spPr>
+        <p:style>
+          <a:lnRef idx="1">
+            <a:schemeClr val="accent1"/>
+          </a:lnRef>
+          <a:fillRef idx="0">
+            <a:schemeClr val="accent1"/>
+          </a:fillRef>
+          <a:effectRef idx="0">
+            <a:schemeClr val="accent1"/>
+          </a:effectRef>
+          <a:fontRef idx="minor">
+            <a:schemeClr val="tx1"/>
+          </a:fontRef>
+        </p:style>
+      </p:cxnSp>
+      <p:grpSp>
+        <p:nvGrpSpPr>
+          <p:cNvPr id="1070" name="Group 1069">
+            <a:extLst>
+              <a:ext uri="{FF2B5EF4-FFF2-40B4-BE49-F238E27FC236}">
+                <a16:creationId xmlns:a16="http://schemas.microsoft.com/office/drawing/2014/main" id="{14BFED19-BE53-FE39-739F-618117B01C52}"/>
+              </a:ext>
+            </a:extLst>
+          </p:cNvPr>
+          <p:cNvGrpSpPr/>
+          <p:nvPr/>
+        </p:nvGrpSpPr>
+        <p:grpSpPr>
+          <a:xfrm>
+            <a:off x="1887539" y="4670319"/>
+            <a:ext cx="420327" cy="326649"/>
+            <a:chOff x="8125793" y="5914633"/>
+            <a:chExt cx="730973" cy="605925"/>
+          </a:xfrm>
+        </p:grpSpPr>
+        <p:pic>
+          <p:nvPicPr>
+            <p:cNvPr id="1066" name="Picture 4" descr="Symbiodinium - Wikiwand">
+              <a:extLst>
+                <a:ext uri="{FF2B5EF4-FFF2-40B4-BE49-F238E27FC236}">
+                  <a16:creationId xmlns:a16="http://schemas.microsoft.com/office/drawing/2014/main" id="{38902CA1-B7E2-A094-40D0-710D6E912C40}"/>
+                </a:ext>
+              </a:extLst>
+            </p:cNvPr>
+            <p:cNvPicPr>
+              <a:picLocks noChangeAspect="1" noChangeArrowheads="1"/>
+            </p:cNvPicPr>
+            <p:nvPr/>
+          </p:nvPicPr>
+          <p:blipFill rotWithShape="1">
+            <a:blip r:embed="rId7">
+              <a:grayscl/>
+              <a:extLst>
+                <a:ext uri="{BEBA8EAE-BF5A-486C-A8C5-ECC9F3942E4B}">
+                  <a14:imgProps xmlns:a14="http://schemas.microsoft.com/office/drawing/2010/main">
+                    <a14:imgLayer r:embed="rId13">
+                      <a14:imgEffect>
+                        <a14:backgroundRemoval t="69797" b="79949" l="64242" r="70000">
+                          <a14:foregroundMark x1="70000" y1="76650" x2="70000" y2="76650"/>
+                          <a14:foregroundMark x1="67121" y1="79949" x2="67121" y2="79949"/>
+                        </a14:backgroundRemoval>
+                      </a14:imgEffect>
+                    </a14:imgLayer>
+                  </a14:imgProps>
+                </a:ext>
+                <a:ext uri="{28A0092B-C50C-407E-A947-70E740481C1C}">
+                  <a14:useLocalDpi xmlns:a14="http://schemas.microsoft.com/office/drawing/2010/main" val="0"/>
+                </a:ext>
+              </a:extLst>
+            </a:blip>
+            <a:srcRect l="63633" t="68793" r="29170" b="19069"/>
+            <a:stretch/>
+          </p:blipFill>
+          <p:spPr bwMode="auto">
+            <a:xfrm>
+              <a:off x="8125793" y="5942673"/>
+              <a:ext cx="272550" cy="274388"/>
+            </a:xfrm>
+            <a:prstGeom prst="rect">
+              <a:avLst/>
+            </a:prstGeom>
+            <a:noFill/>
+            <a:extLst>
+              <a:ext uri="{909E8E84-426E-40DD-AFC4-6F175D3DCCD1}">
+                <a14:hiddenFill xmlns:a14="http://schemas.microsoft.com/office/drawing/2010/main">
+                  <a:solidFill>
+                    <a:srgbClr val="FFFFFF"/>
+                  </a:solidFill>
+                </a14:hiddenFill>
+              </a:ext>
+            </a:extLst>
+          </p:spPr>
+        </p:pic>
+        <p:pic>
+          <p:nvPicPr>
+            <p:cNvPr id="1067" name="Picture 4" descr="Symbiodinium - Wikiwand">
+              <a:extLst>
+                <a:ext uri="{FF2B5EF4-FFF2-40B4-BE49-F238E27FC236}">
+                  <a16:creationId xmlns:a16="http://schemas.microsoft.com/office/drawing/2014/main" id="{096349F8-932D-3C78-EA18-E84B498D0C1E}"/>
+                </a:ext>
+              </a:extLst>
+            </p:cNvPr>
+            <p:cNvPicPr>
+              <a:picLocks noChangeAspect="1" noChangeArrowheads="1"/>
+            </p:cNvPicPr>
+            <p:nvPr/>
+          </p:nvPicPr>
+          <p:blipFill rotWithShape="1">
+            <a:blip r:embed="rId7">
+              <a:grayscl/>
+              <a:extLst>
+                <a:ext uri="{BEBA8EAE-BF5A-486C-A8C5-ECC9F3942E4B}">
+                  <a14:imgProps xmlns:a14="http://schemas.microsoft.com/office/drawing/2010/main">
+                    <a14:imgLayer r:embed="rId14">
+                      <a14:imgEffect>
+                        <a14:backgroundRemoval t="69797" b="79949" l="64242" r="70000">
+                          <a14:foregroundMark x1="70000" y1="76650" x2="70000" y2="76650"/>
+                          <a14:foregroundMark x1="67121" y1="79949" x2="67121" y2="79949"/>
+                        </a14:backgroundRemoval>
+                      </a14:imgEffect>
+                    </a14:imgLayer>
+                  </a14:imgProps>
+                </a:ext>
+                <a:ext uri="{28A0092B-C50C-407E-A947-70E740481C1C}">
+                  <a14:useLocalDpi xmlns:a14="http://schemas.microsoft.com/office/drawing/2010/main" val="0"/>
+                </a:ext>
+              </a:extLst>
+            </a:blip>
+            <a:srcRect l="63633" t="68793" r="29170" b="19069"/>
+            <a:stretch/>
+          </p:blipFill>
+          <p:spPr bwMode="auto">
+            <a:xfrm>
+              <a:off x="8421970" y="5914633"/>
+              <a:ext cx="272550" cy="274388"/>
+            </a:xfrm>
+            <a:prstGeom prst="rect">
+              <a:avLst/>
+            </a:prstGeom>
+            <a:noFill/>
+            <a:extLst>
+              <a:ext uri="{909E8E84-426E-40DD-AFC4-6F175D3DCCD1}">
+                <a14:hiddenFill xmlns:a14="http://schemas.microsoft.com/office/drawing/2010/main">
+                  <a:solidFill>
+                    <a:srgbClr val="FFFFFF"/>
+                  </a:solidFill>
+                </a14:hiddenFill>
+              </a:ext>
+            </a:extLst>
+          </p:spPr>
+        </p:pic>
+        <p:pic>
+          <p:nvPicPr>
+            <p:cNvPr id="1068" name="Picture 4" descr="Symbiodinium - Wikiwand">
+              <a:extLst>
+                <a:ext uri="{FF2B5EF4-FFF2-40B4-BE49-F238E27FC236}">
+                  <a16:creationId xmlns:a16="http://schemas.microsoft.com/office/drawing/2014/main" id="{C5405584-2998-7599-5509-14046CAC0A25}"/>
+                </a:ext>
+              </a:extLst>
+            </p:cNvPr>
+            <p:cNvPicPr>
+              <a:picLocks noChangeAspect="1" noChangeArrowheads="1"/>
+            </p:cNvPicPr>
+            <p:nvPr/>
+          </p:nvPicPr>
+          <p:blipFill rotWithShape="1">
+            <a:blip r:embed="rId7">
+              <a:grayscl/>
+              <a:extLst>
+                <a:ext uri="{BEBA8EAE-BF5A-486C-A8C5-ECC9F3942E4B}">
+                  <a14:imgProps xmlns:a14="http://schemas.microsoft.com/office/drawing/2010/main">
+                    <a14:imgLayer r:embed="rId15">
+                      <a14:imgEffect>
+                        <a14:backgroundRemoval t="69797" b="79949" l="64242" r="70000">
+                          <a14:foregroundMark x1="70000" y1="76650" x2="70000" y2="76650"/>
+                          <a14:foregroundMark x1="67121" y1="79949" x2="67121" y2="79949"/>
+                        </a14:backgroundRemoval>
+                      </a14:imgEffect>
+                    </a14:imgLayer>
+                  </a14:imgProps>
+                </a:ext>
+                <a:ext uri="{28A0092B-C50C-407E-A947-70E740481C1C}">
+                  <a14:useLocalDpi xmlns:a14="http://schemas.microsoft.com/office/drawing/2010/main" val="0"/>
+                </a:ext>
+              </a:extLst>
+            </a:blip>
+            <a:srcRect l="63633" t="68793" r="29170" b="19069"/>
+            <a:stretch/>
+          </p:blipFill>
+          <p:spPr bwMode="auto">
+            <a:xfrm>
+              <a:off x="8285695" y="6246170"/>
+              <a:ext cx="272550" cy="274388"/>
+            </a:xfrm>
+            <a:prstGeom prst="rect">
+              <a:avLst/>
+            </a:prstGeom>
+            <a:noFill/>
+            <a:extLst>
+              <a:ext uri="{909E8E84-426E-40DD-AFC4-6F175D3DCCD1}">
+                <a14:hiddenFill xmlns:a14="http://schemas.microsoft.com/office/drawing/2010/main">
+                  <a:solidFill>
+                    <a:srgbClr val="FFFFFF"/>
+                  </a:solidFill>
+                </a14:hiddenFill>
+              </a:ext>
+            </a:extLst>
+          </p:spPr>
+        </p:pic>
+        <p:pic>
+          <p:nvPicPr>
+            <p:cNvPr id="1069" name="Picture 4" descr="Symbiodinium - Wikiwand">
+              <a:extLst>
+                <a:ext uri="{FF2B5EF4-FFF2-40B4-BE49-F238E27FC236}">
+                  <a16:creationId xmlns:a16="http://schemas.microsoft.com/office/drawing/2014/main" id="{AB536F5E-2E2F-69F2-654C-2794F9CE7A3B}"/>
+                </a:ext>
+              </a:extLst>
+            </p:cNvPr>
+            <p:cNvPicPr>
+              <a:picLocks noChangeAspect="1" noChangeArrowheads="1"/>
+            </p:cNvPicPr>
+            <p:nvPr/>
+          </p:nvPicPr>
+          <p:blipFill rotWithShape="1">
+            <a:blip r:embed="rId7">
+              <a:grayscl/>
+              <a:extLst>
+                <a:ext uri="{BEBA8EAE-BF5A-486C-A8C5-ECC9F3942E4B}">
+                  <a14:imgProps xmlns:a14="http://schemas.microsoft.com/office/drawing/2010/main">
+                    <a14:imgLayer r:embed="rId16">
+                      <a14:imgEffect>
+                        <a14:backgroundRemoval t="69797" b="79949" l="64242" r="70000">
+                          <a14:foregroundMark x1="70000" y1="76650" x2="70000" y2="76650"/>
+                          <a14:foregroundMark x1="67121" y1="79949" x2="67121" y2="79949"/>
+                        </a14:backgroundRemoval>
+                      </a14:imgEffect>
+                    </a14:imgLayer>
+                  </a14:imgProps>
+                </a:ext>
+                <a:ext uri="{28A0092B-C50C-407E-A947-70E740481C1C}">
+                  <a14:useLocalDpi xmlns:a14="http://schemas.microsoft.com/office/drawing/2010/main" val="0"/>
+                </a:ext>
+              </a:extLst>
+            </a:blip>
+            <a:srcRect l="63633" t="68793" r="29170" b="19069"/>
+            <a:stretch/>
+          </p:blipFill>
+          <p:spPr bwMode="auto">
+            <a:xfrm>
+              <a:off x="8584216" y="6176817"/>
+              <a:ext cx="272550" cy="274388"/>
+            </a:xfrm>
+            <a:prstGeom prst="rect">
+              <a:avLst/>
+            </a:prstGeom>
+            <a:noFill/>
+            <a:extLst>
+              <a:ext uri="{909E8E84-426E-40DD-AFC4-6F175D3DCCD1}">
+                <a14:hiddenFill xmlns:a14="http://schemas.microsoft.com/office/drawing/2010/main">
+                  <a:solidFill>
+                    <a:srgbClr val="FFFFFF"/>
+                  </a:solidFill>
+                </a14:hiddenFill>
+              </a:ext>
+            </a:extLst>
+          </p:spPr>
+        </p:pic>
+      </p:grpSp>
+      <p:sp>
+        <p:nvSpPr>
+          <p:cNvPr id="1071" name="TextBox 1070">
+            <a:extLst>
+              <a:ext uri="{FF2B5EF4-FFF2-40B4-BE49-F238E27FC236}">
+                <a16:creationId xmlns:a16="http://schemas.microsoft.com/office/drawing/2014/main" id="{23E0CB35-D1D5-3403-5D0E-DD5D2DAE726D}"/>
+              </a:ext>
+            </a:extLst>
+          </p:cNvPr>
+          <p:cNvSpPr txBox="1"/>
+          <p:nvPr/>
+        </p:nvSpPr>
+        <p:spPr>
+          <a:xfrm rot="1100599">
+            <a:off x="2193071" y="5236330"/>
+            <a:ext cx="1052019" cy="461665"/>
+          </a:xfrm>
+          <a:prstGeom prst="rect">
+            <a:avLst/>
+          </a:prstGeom>
+          <a:noFill/>
+        </p:spPr>
+        <p:txBody>
+          <a:bodyPr wrap="none" rtlCol="0">
+            <a:spAutoFit/>
+          </a:bodyPr>
+          <a:lstStyle/>
+          <a:p>
+            <a:pPr algn="ctr"/>
+            <a:r>
+              <a:rPr lang="en-US" sz="1200" dirty="0">
+                <a:latin typeface="Futura Medium" panose="020B0602020204020303" pitchFamily="34" charset="-79"/>
+                <a:cs typeface="Futura Medium" panose="020B0602020204020303" pitchFamily="34" charset="-79"/>
+              </a:rPr>
+              <a:t>Horizontal </a:t>
+            </a:r>
+          </a:p>
+          <a:p>
+            <a:pPr algn="ctr"/>
+            <a:r>
+              <a:rPr lang="en-US" sz="1200" dirty="0">
+                <a:latin typeface="Futura Medium" panose="020B0602020204020303" pitchFamily="34" charset="-79"/>
+                <a:cs typeface="Futura Medium" panose="020B0602020204020303" pitchFamily="34" charset="-79"/>
+              </a:rPr>
+              <a:t>Transmission</a:t>
+            </a:r>
+          </a:p>
+        </p:txBody>
+      </p:sp>
+      <p:sp>
+        <p:nvSpPr>
+          <p:cNvPr id="1072" name="TextBox 1071">
+            <a:extLst>
+              <a:ext uri="{FF2B5EF4-FFF2-40B4-BE49-F238E27FC236}">
+                <a16:creationId xmlns:a16="http://schemas.microsoft.com/office/drawing/2014/main" id="{A8E00898-947E-7236-5FAD-7F15A6CAA8CB}"/>
+              </a:ext>
+            </a:extLst>
+          </p:cNvPr>
+          <p:cNvSpPr txBox="1"/>
+          <p:nvPr/>
+        </p:nvSpPr>
+        <p:spPr>
+          <a:xfrm rot="18386545">
+            <a:off x="-123760" y="4454602"/>
+            <a:ext cx="1052019" cy="461665"/>
+          </a:xfrm>
+          <a:prstGeom prst="rect">
+            <a:avLst/>
+          </a:prstGeom>
+          <a:noFill/>
+        </p:spPr>
+        <p:txBody>
+          <a:bodyPr wrap="none" rtlCol="0">
+            <a:spAutoFit/>
+          </a:bodyPr>
+          <a:lstStyle/>
+          <a:p>
+            <a:pPr algn="ctr"/>
+            <a:r>
+              <a:rPr lang="en-US" sz="1200" dirty="0">
+                <a:latin typeface="Futura Medium" panose="020B0602020204020303" pitchFamily="34" charset="-79"/>
+                <a:cs typeface="Futura Medium" panose="020B0602020204020303" pitchFamily="34" charset="-79"/>
+              </a:rPr>
+              <a:t>Vertical </a:t>
+            </a:r>
+          </a:p>
+          <a:p>
+            <a:pPr algn="ctr"/>
+            <a:r>
+              <a:rPr lang="en-US" sz="1200" dirty="0">
+                <a:latin typeface="Futura Medium" panose="020B0602020204020303" pitchFamily="34" charset="-79"/>
+                <a:cs typeface="Futura Medium" panose="020B0602020204020303" pitchFamily="34" charset="-79"/>
+              </a:rPr>
+              <a:t>Transmission</a:t>
+            </a:r>
+          </a:p>
+        </p:txBody>
+      </p:sp>
+      <p:grpSp>
+        <p:nvGrpSpPr>
+          <p:cNvPr id="1073" name="Group 1072">
+            <a:extLst>
+              <a:ext uri="{FF2B5EF4-FFF2-40B4-BE49-F238E27FC236}">
+                <a16:creationId xmlns:a16="http://schemas.microsoft.com/office/drawing/2014/main" id="{ED033C3B-03DC-249E-7F7C-08170D5BC927}"/>
+              </a:ext>
+            </a:extLst>
+          </p:cNvPr>
+          <p:cNvGrpSpPr/>
+          <p:nvPr/>
+        </p:nvGrpSpPr>
+        <p:grpSpPr>
+          <a:xfrm>
+            <a:off x="575681" y="5346246"/>
+            <a:ext cx="420327" cy="326649"/>
+            <a:chOff x="8125793" y="5914633"/>
+            <a:chExt cx="730973" cy="605925"/>
+          </a:xfrm>
+        </p:grpSpPr>
+        <p:pic>
+          <p:nvPicPr>
+            <p:cNvPr id="1074" name="Picture 4" descr="Symbiodinium - Wikiwand">
+              <a:extLst>
+                <a:ext uri="{FF2B5EF4-FFF2-40B4-BE49-F238E27FC236}">
+                  <a16:creationId xmlns:a16="http://schemas.microsoft.com/office/drawing/2014/main" id="{E4FA40D1-FCF6-4D79-D567-EBBAA68A9C2E}"/>
+                </a:ext>
+              </a:extLst>
+            </p:cNvPr>
+            <p:cNvPicPr>
+              <a:picLocks noChangeAspect="1" noChangeArrowheads="1"/>
+            </p:cNvPicPr>
+            <p:nvPr/>
+          </p:nvPicPr>
+          <p:blipFill rotWithShape="1">
+            <a:blip r:embed="rId7">
+              <a:grayscl/>
+              <a:extLst>
+                <a:ext uri="{BEBA8EAE-BF5A-486C-A8C5-ECC9F3942E4B}">
+                  <a14:imgProps xmlns:a14="http://schemas.microsoft.com/office/drawing/2010/main">
+                    <a14:imgLayer r:embed="rId17">
+                      <a14:imgEffect>
+                        <a14:backgroundRemoval t="69797" b="79949" l="64242" r="70000">
+                          <a14:foregroundMark x1="70000" y1="76650" x2="70000" y2="76650"/>
+                          <a14:foregroundMark x1="67121" y1="79949" x2="67121" y2="79949"/>
+                        </a14:backgroundRemoval>
+                      </a14:imgEffect>
+                    </a14:imgLayer>
+                  </a14:imgProps>
+                </a:ext>
+                <a:ext uri="{28A0092B-C50C-407E-A947-70E740481C1C}">
+                  <a14:useLocalDpi xmlns:a14="http://schemas.microsoft.com/office/drawing/2010/main" val="0"/>
+                </a:ext>
+              </a:extLst>
+            </a:blip>
+            <a:srcRect l="63633" t="68793" r="29170" b="19069"/>
+            <a:stretch/>
+          </p:blipFill>
+          <p:spPr bwMode="auto">
+            <a:xfrm>
+              <a:off x="8125793" y="5942673"/>
+              <a:ext cx="272550" cy="274388"/>
+            </a:xfrm>
+            <a:prstGeom prst="rect">
+              <a:avLst/>
+            </a:prstGeom>
+            <a:noFill/>
+            <a:extLst>
+              <a:ext uri="{909E8E84-426E-40DD-AFC4-6F175D3DCCD1}">
+                <a14:hiddenFill xmlns:a14="http://schemas.microsoft.com/office/drawing/2010/main">
+                  <a:solidFill>
+                    <a:srgbClr val="FFFFFF"/>
+                  </a:solidFill>
+                </a14:hiddenFill>
+              </a:ext>
+            </a:extLst>
+          </p:spPr>
+        </p:pic>
+        <p:pic>
+          <p:nvPicPr>
+            <p:cNvPr id="1075" name="Picture 4" descr="Symbiodinium - Wikiwand">
+              <a:extLst>
+                <a:ext uri="{FF2B5EF4-FFF2-40B4-BE49-F238E27FC236}">
+                  <a16:creationId xmlns:a16="http://schemas.microsoft.com/office/drawing/2014/main" id="{C1082CE6-755A-36C7-C7B8-DDAA92FDA442}"/>
+                </a:ext>
+              </a:extLst>
+            </p:cNvPr>
+            <p:cNvPicPr>
+              <a:picLocks noChangeAspect="1" noChangeArrowheads="1"/>
+            </p:cNvPicPr>
+            <p:nvPr/>
+          </p:nvPicPr>
+          <p:blipFill rotWithShape="1">
+            <a:blip r:embed="rId7">
+              <a:grayscl/>
+              <a:extLst>
+                <a:ext uri="{BEBA8EAE-BF5A-486C-A8C5-ECC9F3942E4B}">
+                  <a14:imgProps xmlns:a14="http://schemas.microsoft.com/office/drawing/2010/main">
+                    <a14:imgLayer r:embed="rId18">
+                      <a14:imgEffect>
+                        <a14:backgroundRemoval t="69797" b="79949" l="64242" r="70000">
+                          <a14:foregroundMark x1="70000" y1="76650" x2="70000" y2="76650"/>
+                          <a14:foregroundMark x1="67121" y1="79949" x2="67121" y2="79949"/>
+                        </a14:backgroundRemoval>
+                      </a14:imgEffect>
+                    </a14:imgLayer>
+                  </a14:imgProps>
+                </a:ext>
+                <a:ext uri="{28A0092B-C50C-407E-A947-70E740481C1C}">
+                  <a14:useLocalDpi xmlns:a14="http://schemas.microsoft.com/office/drawing/2010/main" val="0"/>
+                </a:ext>
+              </a:extLst>
+            </a:blip>
+            <a:srcRect l="63633" t="68793" r="29170" b="19069"/>
+            <a:stretch/>
+          </p:blipFill>
+          <p:spPr bwMode="auto">
+            <a:xfrm>
+              <a:off x="8421970" y="5914633"/>
+              <a:ext cx="272550" cy="274388"/>
+            </a:xfrm>
+            <a:prstGeom prst="rect">
+              <a:avLst/>
+            </a:prstGeom>
+            <a:noFill/>
+            <a:extLst>
+              <a:ext uri="{909E8E84-426E-40DD-AFC4-6F175D3DCCD1}">
+                <a14:hiddenFill xmlns:a14="http://schemas.microsoft.com/office/drawing/2010/main">
+                  <a:solidFill>
+                    <a:srgbClr val="FFFFFF"/>
+                  </a:solidFill>
+                </a14:hiddenFill>
+              </a:ext>
+            </a:extLst>
+          </p:spPr>
+        </p:pic>
+        <p:pic>
+          <p:nvPicPr>
+            <p:cNvPr id="1076" name="Picture 4" descr="Symbiodinium - Wikiwand">
+              <a:extLst>
+                <a:ext uri="{FF2B5EF4-FFF2-40B4-BE49-F238E27FC236}">
+                  <a16:creationId xmlns:a16="http://schemas.microsoft.com/office/drawing/2014/main" id="{C5F7EA54-C82B-D411-0B4C-419776A48B31}"/>
+                </a:ext>
+              </a:extLst>
+            </p:cNvPr>
+            <p:cNvPicPr>
+              <a:picLocks noChangeAspect="1" noChangeArrowheads="1"/>
+            </p:cNvPicPr>
+            <p:nvPr/>
+          </p:nvPicPr>
+          <p:blipFill rotWithShape="1">
+            <a:blip r:embed="rId7">
+              <a:grayscl/>
+              <a:extLst>
+                <a:ext uri="{BEBA8EAE-BF5A-486C-A8C5-ECC9F3942E4B}">
+                  <a14:imgProps xmlns:a14="http://schemas.microsoft.com/office/drawing/2010/main">
+                    <a14:imgLayer r:embed="rId19">
+                      <a14:imgEffect>
+                        <a14:backgroundRemoval t="69797" b="79949" l="64242" r="70000">
+                          <a14:foregroundMark x1="70000" y1="76650" x2="70000" y2="76650"/>
+                          <a14:foregroundMark x1="67121" y1="79949" x2="67121" y2="79949"/>
+                        </a14:backgroundRemoval>
+                      </a14:imgEffect>
+                    </a14:imgLayer>
+                  </a14:imgProps>
+                </a:ext>
+                <a:ext uri="{28A0092B-C50C-407E-A947-70E740481C1C}">
+                  <a14:useLocalDpi xmlns:a14="http://schemas.microsoft.com/office/drawing/2010/main" val="0"/>
+                </a:ext>
+              </a:extLst>
+            </a:blip>
+            <a:srcRect l="63633" t="68793" r="29170" b="19069"/>
+            <a:stretch/>
+          </p:blipFill>
+          <p:spPr bwMode="auto">
+            <a:xfrm>
+              <a:off x="8285695" y="6246170"/>
+              <a:ext cx="272550" cy="274388"/>
+            </a:xfrm>
+            <a:prstGeom prst="rect">
+              <a:avLst/>
+            </a:prstGeom>
+            <a:noFill/>
+            <a:extLst>
+              <a:ext uri="{909E8E84-426E-40DD-AFC4-6F175D3DCCD1}">
+                <a14:hiddenFill xmlns:a14="http://schemas.microsoft.com/office/drawing/2010/main">
+                  <a:solidFill>
+                    <a:srgbClr val="FFFFFF"/>
+                  </a:solidFill>
+                </a14:hiddenFill>
+              </a:ext>
+            </a:extLst>
+          </p:spPr>
+        </p:pic>
+        <p:pic>
+          <p:nvPicPr>
+            <p:cNvPr id="1077" name="Picture 4" descr="Symbiodinium - Wikiwand">
+              <a:extLst>
+                <a:ext uri="{FF2B5EF4-FFF2-40B4-BE49-F238E27FC236}">
+                  <a16:creationId xmlns:a16="http://schemas.microsoft.com/office/drawing/2014/main" id="{0C8E9F25-8DBF-CB7C-994C-41141D5C0360}"/>
+                </a:ext>
+              </a:extLst>
+            </p:cNvPr>
+            <p:cNvPicPr>
+              <a:picLocks noChangeAspect="1" noChangeArrowheads="1"/>
+            </p:cNvPicPr>
+            <p:nvPr/>
+          </p:nvPicPr>
+          <p:blipFill rotWithShape="1">
+            <a:blip r:embed="rId7">
+              <a:grayscl/>
+              <a:extLst>
+                <a:ext uri="{BEBA8EAE-BF5A-486C-A8C5-ECC9F3942E4B}">
+                  <a14:imgProps xmlns:a14="http://schemas.microsoft.com/office/drawing/2010/main">
+                    <a14:imgLayer r:embed="rId17">
+                      <a14:imgEffect>
+                        <a14:backgroundRemoval t="69797" b="79949" l="64242" r="70000">
+                          <a14:foregroundMark x1="70000" y1="76650" x2="70000" y2="76650"/>
+                          <a14:foregroundMark x1="67121" y1="79949" x2="67121" y2="79949"/>
+                        </a14:backgroundRemoval>
+                      </a14:imgEffect>
+                    </a14:imgLayer>
+                  </a14:imgProps>
+                </a:ext>
+                <a:ext uri="{28A0092B-C50C-407E-A947-70E740481C1C}">
+                  <a14:useLocalDpi xmlns:a14="http://schemas.microsoft.com/office/drawing/2010/main" val="0"/>
+                </a:ext>
+              </a:extLst>
+            </a:blip>
+            <a:srcRect l="63633" t="68793" r="29170" b="19069"/>
+            <a:stretch/>
+          </p:blipFill>
+          <p:spPr bwMode="auto">
+            <a:xfrm>
+              <a:off x="8584216" y="6176817"/>
+              <a:ext cx="272550" cy="274388"/>
+            </a:xfrm>
+            <a:prstGeom prst="rect">
+              <a:avLst/>
+            </a:prstGeom>
+            <a:noFill/>
+            <a:extLst>
+              <a:ext uri="{909E8E84-426E-40DD-AFC4-6F175D3DCCD1}">
+                <a14:hiddenFill xmlns:a14="http://schemas.microsoft.com/office/drawing/2010/main">
+                  <a:solidFill>
+                    <a:srgbClr val="FFFFFF"/>
+                  </a:solidFill>
+                </a14:hiddenFill>
+              </a:ext>
+            </a:extLst>
+          </p:spPr>
+        </p:pic>
+      </p:grpSp>
+      <p:sp>
+        <p:nvSpPr>
+          <p:cNvPr id="1078" name="Google Shape;370;ga6aa591836_0_205">
+            <a:extLst>
+              <a:ext uri="{FF2B5EF4-FFF2-40B4-BE49-F238E27FC236}">
+                <a16:creationId xmlns:a16="http://schemas.microsoft.com/office/drawing/2014/main" id="{7F9ECBE8-0B6D-148A-FDB0-4CC6EAA7593D}"/>
+              </a:ext>
+            </a:extLst>
+          </p:cNvPr>
+          <p:cNvSpPr/>
+          <p:nvPr/>
+        </p:nvSpPr>
+        <p:spPr>
+          <a:xfrm>
+            <a:off x="5546996" y="1368575"/>
+            <a:ext cx="2084741" cy="1942354"/>
+          </a:xfrm>
+          <a:prstGeom prst="roundRect">
+            <a:avLst>
+              <a:gd name="adj" fmla="val 16667"/>
+            </a:avLst>
+          </a:prstGeom>
+          <a:noFill/>
+          <a:ln w="38100" cap="flat" cmpd="sng">
+            <a:solidFill>
+              <a:schemeClr val="dk1"/>
+            </a:solidFill>
+            <a:prstDash val="solid"/>
+            <a:miter lim="800000"/>
+            <a:headEnd type="none" w="sm" len="sm"/>
+            <a:tailEnd type="none" w="sm" len="sm"/>
+          </a:ln>
+        </p:spPr>
+        <p:txBody>
+          <a:bodyPr spcFirstLastPara="1" wrap="square" lIns="91425" tIns="45700" rIns="91425" bIns="45700" anchor="ctr" anchorCtr="0">
+            <a:noAutofit/>
+          </a:bodyPr>
+          <a:lstStyle/>
+          <a:p>
+            <a:pPr marL="0" marR="0" lvl="0" indent="0" algn="ctr" rtl="0">
+              <a:spcBef>
+                <a:spcPts val="0"/>
+              </a:spcBef>
+              <a:spcAft>
+                <a:spcPts val="0"/>
+              </a:spcAft>
+              <a:buNone/>
+            </a:pPr>
+            <a:endParaRPr sz="1000">
+              <a:latin typeface="Calibri"/>
+              <a:ea typeface="Calibri"/>
+              <a:cs typeface="Calibri"/>
+              <a:sym typeface="Calibri"/>
+            </a:endParaRPr>
+          </a:p>
+        </p:txBody>
+      </p:sp>
+      <p:cxnSp>
+        <p:nvCxnSpPr>
+          <p:cNvPr id="1080" name="Straight Connector 1079">
+            <a:extLst>
+              <a:ext uri="{FF2B5EF4-FFF2-40B4-BE49-F238E27FC236}">
+                <a16:creationId xmlns:a16="http://schemas.microsoft.com/office/drawing/2014/main" id="{7C527EAD-DDF6-492D-B57C-740FE95414F2}"/>
+              </a:ext>
+            </a:extLst>
+          </p:cNvPr>
+          <p:cNvCxnSpPr>
+            <a:cxnSpLocks/>
+          </p:cNvCxnSpPr>
+          <p:nvPr/>
+        </p:nvCxnSpPr>
+        <p:spPr>
+          <a:xfrm flipV="1">
+            <a:off x="4377738" y="1460463"/>
+            <a:ext cx="1301427" cy="629595"/>
+          </a:xfrm>
+          <a:prstGeom prst="line">
+            <a:avLst/>
+          </a:prstGeom>
+          <a:ln w="28575">
+            <a:solidFill>
+              <a:schemeClr val="tx1"/>
+            </a:solidFill>
+          </a:ln>
+        </p:spPr>
+        <p:style>
+          <a:lnRef idx="1">
+            <a:schemeClr val="accent1"/>
+          </a:lnRef>
+          <a:fillRef idx="0">
+            <a:schemeClr val="accent1"/>
+          </a:fillRef>
+          <a:effectRef idx="0">
+            <a:schemeClr val="accent1"/>
+          </a:effectRef>
+          <a:fontRef idx="minor">
+            <a:schemeClr val="tx1"/>
+          </a:fontRef>
+        </p:style>
+      </p:cxnSp>
+      <p:cxnSp>
+        <p:nvCxnSpPr>
+          <p:cNvPr id="1081" name="Straight Connector 1080">
+            <a:extLst>
+              <a:ext uri="{FF2B5EF4-FFF2-40B4-BE49-F238E27FC236}">
+                <a16:creationId xmlns:a16="http://schemas.microsoft.com/office/drawing/2014/main" id="{D7891DD7-7E5B-7F42-7BF9-D69078A57347}"/>
+              </a:ext>
+            </a:extLst>
+          </p:cNvPr>
+          <p:cNvCxnSpPr>
+            <a:cxnSpLocks/>
+          </p:cNvCxnSpPr>
+          <p:nvPr/>
+        </p:nvCxnSpPr>
+        <p:spPr>
+          <a:xfrm>
+            <a:off x="4357294" y="2402099"/>
+            <a:ext cx="1277257" cy="784183"/>
+          </a:xfrm>
+          <a:prstGeom prst="line">
+            <a:avLst/>
+          </a:prstGeom>
+          <a:ln w="28575">
+            <a:solidFill>
+              <a:schemeClr val="tx1"/>
+            </a:solidFill>
+          </a:ln>
+        </p:spPr>
+        <p:style>
+          <a:lnRef idx="1">
+            <a:schemeClr val="accent1"/>
+          </a:lnRef>
+          <a:fillRef idx="0">
+            <a:schemeClr val="accent1"/>
+          </a:fillRef>
+          <a:effectRef idx="0">
+            <a:schemeClr val="accent1"/>
+          </a:effectRef>
+          <a:fontRef idx="minor">
+            <a:schemeClr val="tx1"/>
+          </a:fontRef>
+        </p:style>
+      </p:cxnSp>
+      <p:cxnSp>
+        <p:nvCxnSpPr>
+          <p:cNvPr id="1086" name="Straight Connector 1085">
+            <a:extLst>
+              <a:ext uri="{FF2B5EF4-FFF2-40B4-BE49-F238E27FC236}">
+                <a16:creationId xmlns:a16="http://schemas.microsoft.com/office/drawing/2014/main" id="{C5EDD976-804E-603B-32DD-EDCE821E6C6A}"/>
+              </a:ext>
+            </a:extLst>
+          </p:cNvPr>
+          <p:cNvCxnSpPr>
+            <a:cxnSpLocks/>
+          </p:cNvCxnSpPr>
+          <p:nvPr/>
+        </p:nvCxnSpPr>
+        <p:spPr>
+          <a:xfrm flipV="1">
+            <a:off x="7433112" y="753935"/>
+            <a:ext cx="1425820" cy="1415367"/>
+          </a:xfrm>
+          <a:prstGeom prst="line">
+            <a:avLst/>
+          </a:prstGeom>
+          <a:ln w="28575">
+            <a:solidFill>
+              <a:schemeClr val="tx1"/>
+            </a:solidFill>
+          </a:ln>
+        </p:spPr>
+        <p:style>
+          <a:lnRef idx="1">
+            <a:schemeClr val="accent1"/>
+          </a:lnRef>
+          <a:fillRef idx="0">
+            <a:schemeClr val="accent1"/>
+          </a:fillRef>
+          <a:effectRef idx="0">
+            <a:schemeClr val="accent1"/>
+          </a:effectRef>
+          <a:fontRef idx="minor">
+            <a:schemeClr val="tx1"/>
+          </a:fontRef>
+        </p:style>
+      </p:cxnSp>
+      <p:cxnSp>
+        <p:nvCxnSpPr>
+          <p:cNvPr id="1087" name="Straight Connector 1086">
+            <a:extLst>
+              <a:ext uri="{FF2B5EF4-FFF2-40B4-BE49-F238E27FC236}">
+                <a16:creationId xmlns:a16="http://schemas.microsoft.com/office/drawing/2014/main" id="{8ABD2C19-9DEC-EEC9-385C-E6FED81700BD}"/>
+              </a:ext>
+            </a:extLst>
+          </p:cNvPr>
+          <p:cNvCxnSpPr>
+            <a:cxnSpLocks/>
+          </p:cNvCxnSpPr>
+          <p:nvPr/>
+        </p:nvCxnSpPr>
+        <p:spPr>
+          <a:xfrm flipV="1">
+            <a:off x="7457282" y="2446633"/>
+            <a:ext cx="1535784" cy="83145"/>
+          </a:xfrm>
+          <a:prstGeom prst="line">
+            <a:avLst/>
+          </a:prstGeom>
+          <a:ln w="28575">
+            <a:solidFill>
+              <a:schemeClr val="tx1"/>
+            </a:solidFill>
+          </a:ln>
+        </p:spPr>
+        <p:style>
+          <a:lnRef idx="1">
+            <a:schemeClr val="accent1"/>
+          </a:lnRef>
+          <a:fillRef idx="0">
+            <a:schemeClr val="accent1"/>
+          </a:fillRef>
+          <a:effectRef idx="0">
+            <a:schemeClr val="accent1"/>
+          </a:effectRef>
+          <a:fontRef idx="minor">
+            <a:schemeClr val="tx1"/>
+          </a:fontRef>
+        </p:style>
+      </p:cxnSp>
+      <p:sp>
+        <p:nvSpPr>
+          <p:cNvPr id="1089" name="Google Shape;370;ga6aa591836_0_205">
+            <a:extLst>
+              <a:ext uri="{FF2B5EF4-FFF2-40B4-BE49-F238E27FC236}">
+                <a16:creationId xmlns:a16="http://schemas.microsoft.com/office/drawing/2014/main" id="{D7BA81FB-1A31-153B-5457-B91E0E94FBCE}"/>
+              </a:ext>
+            </a:extLst>
+          </p:cNvPr>
+          <p:cNvSpPr/>
+          <p:nvPr/>
+        </p:nvSpPr>
+        <p:spPr>
+          <a:xfrm>
+            <a:off x="8730183" y="648696"/>
+            <a:ext cx="2424354" cy="1817202"/>
+          </a:xfrm>
+          <a:prstGeom prst="roundRect">
+            <a:avLst>
+              <a:gd name="adj" fmla="val 16667"/>
+            </a:avLst>
+          </a:prstGeom>
+          <a:noFill/>
+          <a:ln w="38100" cap="flat" cmpd="sng">
+            <a:solidFill>
+              <a:schemeClr val="dk1"/>
+            </a:solidFill>
+            <a:prstDash val="solid"/>
+            <a:miter lim="800000"/>
+            <a:headEnd type="none" w="sm" len="sm"/>
+            <a:tailEnd type="none" w="sm" len="sm"/>
+          </a:ln>
+        </p:spPr>
+        <p:txBody>
+          <a:bodyPr spcFirstLastPara="1" wrap="square" lIns="91425" tIns="45700" rIns="91425" bIns="45700" anchor="ctr" anchorCtr="0">
+            <a:noAutofit/>
+          </a:bodyPr>
+          <a:lstStyle/>
+          <a:p>
+            <a:pPr marL="0" marR="0" lvl="0" indent="0" algn="ctr" rtl="0">
+              <a:spcBef>
+                <a:spcPts val="0"/>
+              </a:spcBef>
+              <a:spcAft>
+                <a:spcPts val="0"/>
+              </a:spcAft>
+              <a:buNone/>
+            </a:pPr>
+            <a:endParaRPr sz="1000">
+              <a:latin typeface="Calibri"/>
+              <a:ea typeface="Calibri"/>
+              <a:cs typeface="Calibri"/>
+              <a:sym typeface="Calibri"/>
+            </a:endParaRPr>
+          </a:p>
+        </p:txBody>
+      </p:sp>
+      <p:grpSp>
+        <p:nvGrpSpPr>
+          <p:cNvPr id="1104" name="Group 1103">
+            <a:extLst>
+              <a:ext uri="{FF2B5EF4-FFF2-40B4-BE49-F238E27FC236}">
+                <a16:creationId xmlns:a16="http://schemas.microsoft.com/office/drawing/2014/main" id="{F04CE67D-C93C-0367-9765-73B186C31B9D}"/>
+              </a:ext>
+            </a:extLst>
+          </p:cNvPr>
+          <p:cNvGrpSpPr/>
+          <p:nvPr/>
+        </p:nvGrpSpPr>
+        <p:grpSpPr>
+          <a:xfrm>
+            <a:off x="8916273" y="717238"/>
+            <a:ext cx="961802" cy="1044197"/>
+            <a:chOff x="8947548" y="1600718"/>
+            <a:chExt cx="590599" cy="640281"/>
+          </a:xfrm>
+        </p:grpSpPr>
+        <p:pic>
+          <p:nvPicPr>
+            <p:cNvPr id="1090" name="Picture 4" descr="Symbiodinium - Wikiwand">
+              <a:extLst>
+                <a:ext uri="{FF2B5EF4-FFF2-40B4-BE49-F238E27FC236}">
+                  <a16:creationId xmlns:a16="http://schemas.microsoft.com/office/drawing/2014/main" id="{AE422073-07AD-7DBF-3D51-4DB4533EA127}"/>
+                </a:ext>
+              </a:extLst>
+            </p:cNvPr>
+            <p:cNvPicPr>
+              <a:picLocks noChangeAspect="1" noChangeArrowheads="1"/>
+            </p:cNvPicPr>
+            <p:nvPr/>
+          </p:nvPicPr>
+          <p:blipFill rotWithShape="1">
+            <a:blip r:embed="rId7">
+              <a:grayscl/>
+              <a:extLst>
+                <a:ext uri="{BEBA8EAE-BF5A-486C-A8C5-ECC9F3942E4B}">
+                  <a14:imgProps xmlns:a14="http://schemas.microsoft.com/office/drawing/2010/main">
+                    <a14:imgLayer r:embed="rId20">
+                      <a14:imgEffect>
+                        <a14:backgroundRemoval t="69797" b="79949" l="64242" r="70000">
+                          <a14:foregroundMark x1="70000" y1="76650" x2="70000" y2="76650"/>
+                          <a14:foregroundMark x1="67121" y1="79949" x2="67121" y2="79949"/>
+                        </a14:backgroundRemoval>
+                      </a14:imgEffect>
+                    </a14:imgLayer>
+                  </a14:imgProps>
+                </a:ext>
+                <a:ext uri="{28A0092B-C50C-407E-A947-70E740481C1C}">
+                  <a14:useLocalDpi xmlns:a14="http://schemas.microsoft.com/office/drawing/2010/main" val="0"/>
+                </a:ext>
+              </a:extLst>
+            </a:blip>
+            <a:srcRect l="63633" t="68793" r="29170" b="19069"/>
+            <a:stretch/>
+          </p:blipFill>
+          <p:spPr bwMode="auto">
+            <a:xfrm>
+              <a:off x="8990597" y="1665492"/>
+              <a:ext cx="503097" cy="506489"/>
+            </a:xfrm>
+            <a:prstGeom prst="rect">
+              <a:avLst/>
+            </a:prstGeom>
+            <a:noFill/>
+            <a:extLst>
+              <a:ext uri="{909E8E84-426E-40DD-AFC4-6F175D3DCCD1}">
+                <a14:hiddenFill xmlns:a14="http://schemas.microsoft.com/office/drawing/2010/main">
+                  <a:solidFill>
+                    <a:srgbClr val="FFFFFF"/>
+                  </a:solidFill>
+                </a14:hiddenFill>
+              </a:ext>
+            </a:extLst>
+          </p:spPr>
+        </p:pic>
+        <p:sp>
+          <p:nvSpPr>
+            <p:cNvPr id="1092" name="Google Shape;396;ga6aa591836_0_205">
+              <a:extLst>
+                <a:ext uri="{FF2B5EF4-FFF2-40B4-BE49-F238E27FC236}">
+                  <a16:creationId xmlns:a16="http://schemas.microsoft.com/office/drawing/2014/main" id="{955F362B-7399-F654-F198-DDDC1DE5675D}"/>
+                </a:ext>
+              </a:extLst>
+            </p:cNvPr>
+            <p:cNvSpPr/>
+            <p:nvPr/>
+          </p:nvSpPr>
+          <p:spPr>
+            <a:xfrm>
+              <a:off x="8947548" y="1600718"/>
+              <a:ext cx="590599" cy="640281"/>
+            </a:xfrm>
+            <a:prstGeom prst="ellipse">
+              <a:avLst/>
+            </a:prstGeom>
+            <a:noFill/>
+            <a:ln w="28575" cap="flat" cmpd="sng">
+              <a:solidFill>
+                <a:schemeClr val="dk1"/>
+              </a:solidFill>
+              <a:prstDash val="solid"/>
+              <a:miter lim="800000"/>
+              <a:headEnd type="none" w="sm" len="sm"/>
+              <a:tailEnd type="none" w="sm" len="sm"/>
+            </a:ln>
+          </p:spPr>
+          <p:txBody>
+            <a:bodyPr spcFirstLastPara="1" wrap="square" lIns="91425" tIns="45700" rIns="91425" bIns="45700" anchor="ctr" anchorCtr="0">
+              <a:noAutofit/>
+            </a:bodyPr>
+            <a:lstStyle/>
+            <a:p>
+              <a:pPr marL="0" marR="0" lvl="0" indent="0" algn="ctr" rtl="0">
+                <a:spcBef>
+                  <a:spcPts val="0"/>
+                </a:spcBef>
+                <a:spcAft>
+                  <a:spcPts val="0"/>
+                </a:spcAft>
+                <a:buNone/>
+              </a:pPr>
+              <a:endParaRPr sz="1000">
+                <a:latin typeface="Calibri"/>
+                <a:ea typeface="Calibri"/>
+                <a:cs typeface="Calibri"/>
+                <a:sym typeface="Calibri"/>
+              </a:endParaRPr>
+            </a:p>
+          </p:txBody>
+        </p:sp>
+      </p:grpSp>
+      <p:sp>
+        <p:nvSpPr>
+          <p:cNvPr id="1099" name="TextBox 1098">
+            <a:extLst>
+              <a:ext uri="{FF2B5EF4-FFF2-40B4-BE49-F238E27FC236}">
+                <a16:creationId xmlns:a16="http://schemas.microsoft.com/office/drawing/2014/main" id="{6032AA3C-1238-A88D-0A3C-40D2702F2DD9}"/>
+              </a:ext>
+            </a:extLst>
+          </p:cNvPr>
+          <p:cNvSpPr txBox="1"/>
+          <p:nvPr/>
+        </p:nvSpPr>
+        <p:spPr>
+          <a:xfrm>
+            <a:off x="8872189" y="2165837"/>
+            <a:ext cx="2142702" cy="276999"/>
+          </a:xfrm>
+          <a:prstGeom prst="rect">
+            <a:avLst/>
+          </a:prstGeom>
+          <a:noFill/>
+        </p:spPr>
+        <p:txBody>
+          <a:bodyPr wrap="none" rtlCol="0">
+            <a:spAutoFit/>
+          </a:bodyPr>
+          <a:lstStyle/>
+          <a:p>
+            <a:r>
+              <a:rPr lang="en-US" sz="1200" dirty="0">
+                <a:latin typeface="Futura Medium" panose="020B0602020204020303" pitchFamily="34" charset="-79"/>
+                <a:cs typeface="Futura Medium" panose="020B0602020204020303" pitchFamily="34" charset="-79"/>
+              </a:rPr>
+              <a:t>Respiration &amp; C Metabolism</a:t>
+            </a:r>
+          </a:p>
+        </p:txBody>
+      </p:sp>
+      <p:sp>
+        <p:nvSpPr>
+          <p:cNvPr id="1105" name="TextBox 1104">
+            <a:extLst>
+              <a:ext uri="{FF2B5EF4-FFF2-40B4-BE49-F238E27FC236}">
+                <a16:creationId xmlns:a16="http://schemas.microsoft.com/office/drawing/2014/main" id="{A4F6E549-02F3-50FD-DD13-3E46EB5CB8E3}"/>
+              </a:ext>
+            </a:extLst>
+          </p:cNvPr>
+          <p:cNvSpPr txBox="1"/>
+          <p:nvPr/>
+        </p:nvSpPr>
+        <p:spPr>
+          <a:xfrm>
+            <a:off x="5707236" y="2845840"/>
+            <a:ext cx="1924501" cy="276999"/>
+          </a:xfrm>
+          <a:prstGeom prst="rect">
+            <a:avLst/>
+          </a:prstGeom>
+          <a:noFill/>
+        </p:spPr>
+        <p:txBody>
+          <a:bodyPr wrap="none" rtlCol="0">
+            <a:spAutoFit/>
+          </a:bodyPr>
+          <a:lstStyle/>
+          <a:p>
+            <a:r>
+              <a:rPr lang="en-US" sz="1200" dirty="0">
+                <a:latin typeface="Futura Medium" panose="020B0602020204020303" pitchFamily="34" charset="-79"/>
+                <a:cs typeface="Futura Medium" panose="020B0602020204020303" pitchFamily="34" charset="-79"/>
+              </a:rPr>
+              <a:t>Growth &amp; Photosynthesis</a:t>
+            </a:r>
+          </a:p>
+        </p:txBody>
+      </p:sp>
+      <p:sp>
+        <p:nvSpPr>
+          <p:cNvPr id="1109" name="Google Shape;370;ga6aa591836_0_205">
+            <a:extLst>
+              <a:ext uri="{FF2B5EF4-FFF2-40B4-BE49-F238E27FC236}">
+                <a16:creationId xmlns:a16="http://schemas.microsoft.com/office/drawing/2014/main" id="{B63DBB1D-B8B5-E545-977C-A0CE5C22CA2F}"/>
+              </a:ext>
+            </a:extLst>
+          </p:cNvPr>
+          <p:cNvSpPr/>
+          <p:nvPr/>
+        </p:nvSpPr>
+        <p:spPr>
+          <a:xfrm>
+            <a:off x="5736374" y="1562464"/>
+            <a:ext cx="367309" cy="537040"/>
+          </a:xfrm>
+          <a:prstGeom prst="roundRect">
+            <a:avLst>
+              <a:gd name="adj" fmla="val 16667"/>
+            </a:avLst>
+          </a:prstGeom>
+          <a:noFill/>
+          <a:ln w="38100" cap="flat" cmpd="sng">
+            <a:solidFill>
+              <a:schemeClr val="dk1"/>
+            </a:solidFill>
+            <a:prstDash val="solid"/>
+            <a:miter lim="800000"/>
+            <a:headEnd type="none" w="sm" len="sm"/>
+            <a:tailEnd type="none" w="sm" len="sm"/>
+          </a:ln>
+        </p:spPr>
+        <p:txBody>
+          <a:bodyPr spcFirstLastPara="1" wrap="square" lIns="91425" tIns="45700" rIns="91425" bIns="45700" anchor="ctr" anchorCtr="0">
+            <a:noAutofit/>
+          </a:bodyPr>
+          <a:lstStyle/>
+          <a:p>
+            <a:pPr marL="0" marR="0" lvl="0" indent="0" algn="ctr" rtl="0">
+              <a:spcBef>
+                <a:spcPts val="0"/>
+              </a:spcBef>
+              <a:spcAft>
+                <a:spcPts val="0"/>
+              </a:spcAft>
+              <a:buNone/>
+            </a:pPr>
+            <a:endParaRPr sz="1000">
+              <a:latin typeface="Calibri"/>
+              <a:ea typeface="Calibri"/>
+              <a:cs typeface="Calibri"/>
+              <a:sym typeface="Calibri"/>
+            </a:endParaRPr>
+          </a:p>
+        </p:txBody>
+      </p:sp>
+      <p:sp>
+        <p:nvSpPr>
+          <p:cNvPr id="1110" name="Google Shape;370;ga6aa591836_0_205">
+            <a:extLst>
+              <a:ext uri="{FF2B5EF4-FFF2-40B4-BE49-F238E27FC236}">
+                <a16:creationId xmlns:a16="http://schemas.microsoft.com/office/drawing/2014/main" id="{470521D3-6A7F-1F5B-9192-37720905AB6F}"/>
+              </a:ext>
+            </a:extLst>
+          </p:cNvPr>
+          <p:cNvSpPr/>
+          <p:nvPr/>
+        </p:nvSpPr>
+        <p:spPr>
+          <a:xfrm>
+            <a:off x="6103683" y="1550151"/>
+            <a:ext cx="367309" cy="537040"/>
+          </a:xfrm>
+          <a:prstGeom prst="roundRect">
+            <a:avLst>
+              <a:gd name="adj" fmla="val 16667"/>
+            </a:avLst>
+          </a:prstGeom>
+          <a:noFill/>
+          <a:ln w="38100" cap="flat" cmpd="sng">
+            <a:solidFill>
+              <a:schemeClr val="dk1"/>
+            </a:solidFill>
+            <a:prstDash val="solid"/>
+            <a:miter lim="800000"/>
+            <a:headEnd type="none" w="sm" len="sm"/>
+            <a:tailEnd type="none" w="sm" len="sm"/>
+          </a:ln>
+        </p:spPr>
+        <p:txBody>
+          <a:bodyPr spcFirstLastPara="1" wrap="square" lIns="91425" tIns="45700" rIns="91425" bIns="45700" anchor="ctr" anchorCtr="0">
+            <a:noAutofit/>
+          </a:bodyPr>
+          <a:lstStyle/>
+          <a:p>
+            <a:pPr marL="0" marR="0" lvl="0" indent="0" algn="ctr" rtl="0">
+              <a:spcBef>
+                <a:spcPts val="0"/>
+              </a:spcBef>
+              <a:spcAft>
+                <a:spcPts val="0"/>
+              </a:spcAft>
+              <a:buNone/>
+            </a:pPr>
+            <a:endParaRPr sz="1000">
+              <a:latin typeface="Calibri"/>
+              <a:ea typeface="Calibri"/>
+              <a:cs typeface="Calibri"/>
+              <a:sym typeface="Calibri"/>
+            </a:endParaRPr>
+          </a:p>
+        </p:txBody>
+      </p:sp>
+      <p:sp>
+        <p:nvSpPr>
+          <p:cNvPr id="1111" name="Google Shape;370;ga6aa591836_0_205">
+            <a:extLst>
+              <a:ext uri="{FF2B5EF4-FFF2-40B4-BE49-F238E27FC236}">
+                <a16:creationId xmlns:a16="http://schemas.microsoft.com/office/drawing/2014/main" id="{9D0630BA-D418-F9D4-4115-27104796014E}"/>
+              </a:ext>
+            </a:extLst>
+          </p:cNvPr>
+          <p:cNvSpPr/>
+          <p:nvPr/>
+        </p:nvSpPr>
+        <p:spPr>
+          <a:xfrm>
+            <a:off x="6466677" y="1575879"/>
+            <a:ext cx="367309" cy="537040"/>
+          </a:xfrm>
+          <a:prstGeom prst="roundRect">
+            <a:avLst>
+              <a:gd name="adj" fmla="val 16667"/>
+            </a:avLst>
+          </a:prstGeom>
+          <a:noFill/>
+          <a:ln w="38100" cap="flat" cmpd="sng">
+            <a:solidFill>
+              <a:schemeClr val="dk1"/>
+            </a:solidFill>
+            <a:prstDash val="solid"/>
+            <a:miter lim="800000"/>
+            <a:headEnd type="none" w="sm" len="sm"/>
+            <a:tailEnd type="none" w="sm" len="sm"/>
+          </a:ln>
+        </p:spPr>
+        <p:txBody>
+          <a:bodyPr spcFirstLastPara="1" wrap="square" lIns="91425" tIns="45700" rIns="91425" bIns="45700" anchor="ctr" anchorCtr="0">
+            <a:noAutofit/>
+          </a:bodyPr>
+          <a:lstStyle/>
+          <a:p>
+            <a:pPr marL="0" marR="0" lvl="0" indent="0" algn="ctr" rtl="0">
+              <a:spcBef>
+                <a:spcPts val="0"/>
+              </a:spcBef>
+              <a:spcAft>
+                <a:spcPts val="0"/>
+              </a:spcAft>
+              <a:buNone/>
+            </a:pPr>
+            <a:endParaRPr sz="1000">
+              <a:latin typeface="Calibri"/>
+              <a:ea typeface="Calibri"/>
+              <a:cs typeface="Calibri"/>
+              <a:sym typeface="Calibri"/>
+            </a:endParaRPr>
+          </a:p>
+        </p:txBody>
+      </p:sp>
+      <p:sp>
+        <p:nvSpPr>
+          <p:cNvPr id="1112" name="Google Shape;370;ga6aa591836_0_205">
+            <a:extLst>
+              <a:ext uri="{FF2B5EF4-FFF2-40B4-BE49-F238E27FC236}">
+                <a16:creationId xmlns:a16="http://schemas.microsoft.com/office/drawing/2014/main" id="{67C7E6B9-15CF-05A6-DFEC-E5E9493E7D18}"/>
+              </a:ext>
+            </a:extLst>
+          </p:cNvPr>
+          <p:cNvSpPr/>
+          <p:nvPr/>
+        </p:nvSpPr>
+        <p:spPr>
+          <a:xfrm>
+            <a:off x="6832245" y="1549904"/>
+            <a:ext cx="367309" cy="537040"/>
+          </a:xfrm>
+          <a:prstGeom prst="roundRect">
+            <a:avLst>
+              <a:gd name="adj" fmla="val 16667"/>
+            </a:avLst>
+          </a:prstGeom>
+          <a:noFill/>
+          <a:ln w="38100" cap="flat" cmpd="sng">
+            <a:solidFill>
+              <a:schemeClr val="dk1"/>
+            </a:solidFill>
+            <a:prstDash val="solid"/>
+            <a:miter lim="800000"/>
+            <a:headEnd type="none" w="sm" len="sm"/>
+            <a:tailEnd type="none" w="sm" len="sm"/>
+          </a:ln>
+        </p:spPr>
+        <p:txBody>
+          <a:bodyPr spcFirstLastPara="1" wrap="square" lIns="91425" tIns="45700" rIns="91425" bIns="45700" anchor="ctr" anchorCtr="0">
+            <a:noAutofit/>
+          </a:bodyPr>
+          <a:lstStyle/>
+          <a:p>
+            <a:pPr marL="0" marR="0" lvl="0" indent="0" algn="ctr" rtl="0">
+              <a:spcBef>
+                <a:spcPts val="0"/>
+              </a:spcBef>
+              <a:spcAft>
+                <a:spcPts val="0"/>
+              </a:spcAft>
+              <a:buNone/>
+            </a:pPr>
+            <a:endParaRPr sz="1000">
+              <a:latin typeface="Calibri"/>
+              <a:ea typeface="Calibri"/>
+              <a:cs typeface="Calibri"/>
+              <a:sym typeface="Calibri"/>
+            </a:endParaRPr>
+          </a:p>
+        </p:txBody>
+      </p:sp>
+      <p:sp>
+        <p:nvSpPr>
+          <p:cNvPr id="1113" name="Google Shape;370;ga6aa591836_0_205">
+            <a:extLst>
+              <a:ext uri="{FF2B5EF4-FFF2-40B4-BE49-F238E27FC236}">
+                <a16:creationId xmlns:a16="http://schemas.microsoft.com/office/drawing/2014/main" id="{90D6A28D-8F40-C069-CD64-C8678722BDF5}"/>
+              </a:ext>
+            </a:extLst>
+          </p:cNvPr>
+          <p:cNvSpPr/>
+          <p:nvPr/>
+        </p:nvSpPr>
+        <p:spPr>
+          <a:xfrm>
+            <a:off x="7183055" y="1571352"/>
+            <a:ext cx="367309" cy="537040"/>
+          </a:xfrm>
+          <a:prstGeom prst="roundRect">
+            <a:avLst>
+              <a:gd name="adj" fmla="val 16667"/>
+            </a:avLst>
+          </a:prstGeom>
+          <a:noFill/>
+          <a:ln w="38100" cap="flat" cmpd="sng">
+            <a:solidFill>
+              <a:schemeClr val="dk1"/>
+            </a:solidFill>
+            <a:prstDash val="solid"/>
+            <a:miter lim="800000"/>
+            <a:headEnd type="none" w="sm" len="sm"/>
+            <a:tailEnd type="none" w="sm" len="sm"/>
+          </a:ln>
+        </p:spPr>
+        <p:txBody>
+          <a:bodyPr spcFirstLastPara="1" wrap="square" lIns="91425" tIns="45700" rIns="91425" bIns="45700" anchor="ctr" anchorCtr="0">
+            <a:noAutofit/>
+          </a:bodyPr>
+          <a:lstStyle/>
+          <a:p>
+            <a:pPr marL="0" marR="0" lvl="0" indent="0" algn="ctr" rtl="0">
+              <a:spcBef>
+                <a:spcPts val="0"/>
+              </a:spcBef>
+              <a:spcAft>
+                <a:spcPts val="0"/>
+              </a:spcAft>
+              <a:buNone/>
+            </a:pPr>
+            <a:endParaRPr sz="1000">
+              <a:latin typeface="Calibri"/>
+              <a:ea typeface="Calibri"/>
+              <a:cs typeface="Calibri"/>
+              <a:sym typeface="Calibri"/>
+            </a:endParaRPr>
+          </a:p>
+        </p:txBody>
+      </p:sp>
+      <p:sp>
+        <p:nvSpPr>
+          <p:cNvPr id="1114" name="TextBox 1113">
+            <a:extLst>
+              <a:ext uri="{FF2B5EF4-FFF2-40B4-BE49-F238E27FC236}">
+                <a16:creationId xmlns:a16="http://schemas.microsoft.com/office/drawing/2014/main" id="{182EB094-789C-80E9-2CE0-D9E659CECF8B}"/>
+              </a:ext>
+            </a:extLst>
+          </p:cNvPr>
+          <p:cNvSpPr txBox="1"/>
+          <p:nvPr/>
+        </p:nvSpPr>
+        <p:spPr>
+          <a:xfrm>
+            <a:off x="6037535" y="1306812"/>
+            <a:ext cx="863441" cy="276999"/>
+          </a:xfrm>
+          <a:prstGeom prst="rect">
+            <a:avLst/>
+          </a:prstGeom>
+          <a:noFill/>
+        </p:spPr>
+        <p:txBody>
+          <a:bodyPr wrap="none" rtlCol="0">
+            <a:spAutoFit/>
+          </a:bodyPr>
+          <a:lstStyle/>
+          <a:p>
+            <a:r>
+              <a:rPr lang="en-US" sz="1200" dirty="0">
+                <a:latin typeface="Futura Medium" panose="020B0602020204020303" pitchFamily="34" charset="-79"/>
+                <a:cs typeface="Futura Medium" panose="020B0602020204020303" pitchFamily="34" charset="-79"/>
+              </a:rPr>
+              <a:t>Epidermis</a:t>
+            </a:r>
+          </a:p>
+        </p:txBody>
+      </p:sp>
+      <p:sp>
+        <p:nvSpPr>
+          <p:cNvPr id="1117" name="Circular Arrow 1116">
+            <a:extLst>
+              <a:ext uri="{FF2B5EF4-FFF2-40B4-BE49-F238E27FC236}">
+                <a16:creationId xmlns:a16="http://schemas.microsoft.com/office/drawing/2014/main" id="{7DA5DC0B-B346-C387-A5A1-9FE7BFCD40FB}"/>
+              </a:ext>
+            </a:extLst>
+          </p:cNvPr>
+          <p:cNvSpPr/>
+          <p:nvPr/>
+        </p:nvSpPr>
+        <p:spPr>
+          <a:xfrm>
+            <a:off x="9674830" y="797777"/>
+            <a:ext cx="372102" cy="461563"/>
+          </a:xfrm>
+          <a:prstGeom prst="circularArrow">
+            <a:avLst/>
+          </a:prstGeom>
+          <a:solidFill>
+            <a:schemeClr val="tx1"/>
+          </a:solidFill>
+          <a:ln w="6350">
+            <a:solidFill>
+              <a:schemeClr val="tx1"/>
+            </a:solidFill>
+          </a:ln>
+        </p:spPr>
+        <p:style>
+          <a:lnRef idx="2">
+            <a:schemeClr val="accent1">
+              <a:shade val="50000"/>
+            </a:schemeClr>
+          </a:lnRef>
+          <a:fillRef idx="1">
+            <a:schemeClr val="accent1"/>
+          </a:fillRef>
+          <a:effectRef idx="0">
+            <a:schemeClr val="accent1"/>
+          </a:effectRef>
+          <a:fontRef idx="minor">
+            <a:schemeClr val="lt1"/>
+          </a:fontRef>
+        </p:style>
+        <p:txBody>
+          <a:bodyPr rtlCol="0" anchor="ctr"/>
+          <a:lstStyle/>
+          <a:p>
+            <a:pPr algn="ctr"/>
+            <a:endParaRPr lang="en-US">
+              <a:solidFill>
+                <a:schemeClr val="tx1"/>
+              </a:solidFill>
+            </a:endParaRPr>
+          </a:p>
+        </p:txBody>
+      </p:sp>
+      <p:sp>
+        <p:nvSpPr>
+          <p:cNvPr id="1118" name="Circular Arrow 1117">
+            <a:extLst>
+              <a:ext uri="{FF2B5EF4-FFF2-40B4-BE49-F238E27FC236}">
+                <a16:creationId xmlns:a16="http://schemas.microsoft.com/office/drawing/2014/main" id="{67C95CD8-D661-D119-DEC6-6EE6D7C63C59}"/>
+              </a:ext>
+            </a:extLst>
+          </p:cNvPr>
+          <p:cNvSpPr/>
+          <p:nvPr/>
+        </p:nvSpPr>
+        <p:spPr>
+          <a:xfrm rot="10800000">
+            <a:off x="9661174" y="1014873"/>
+            <a:ext cx="372102" cy="461563"/>
+          </a:xfrm>
+          <a:prstGeom prst="circularArrow">
+            <a:avLst/>
+          </a:prstGeom>
+          <a:solidFill>
+            <a:schemeClr val="tx1"/>
+          </a:solidFill>
+          <a:ln w="6350">
+            <a:solidFill>
+              <a:schemeClr val="tx1"/>
+            </a:solidFill>
+          </a:ln>
+        </p:spPr>
+        <p:style>
+          <a:lnRef idx="2">
+            <a:schemeClr val="accent1">
+              <a:shade val="50000"/>
+            </a:schemeClr>
+          </a:lnRef>
+          <a:fillRef idx="1">
+            <a:schemeClr val="accent1"/>
+          </a:fillRef>
+          <a:effectRef idx="0">
+            <a:schemeClr val="accent1"/>
+          </a:effectRef>
+          <a:fontRef idx="minor">
+            <a:schemeClr val="lt1"/>
+          </a:fontRef>
+        </p:style>
+        <p:txBody>
+          <a:bodyPr rtlCol="0" anchor="ctr"/>
+          <a:lstStyle/>
+          <a:p>
+            <a:pPr algn="ctr"/>
+            <a:endParaRPr lang="en-US">
+              <a:solidFill>
+                <a:schemeClr val="tx1"/>
+              </a:solidFill>
+            </a:endParaRPr>
+          </a:p>
+        </p:txBody>
+      </p:sp>
+      <p:sp>
+        <p:nvSpPr>
+          <p:cNvPr id="1119" name="TextBox 1118">
+            <a:extLst>
+              <a:ext uri="{FF2B5EF4-FFF2-40B4-BE49-F238E27FC236}">
+                <a16:creationId xmlns:a16="http://schemas.microsoft.com/office/drawing/2014/main" id="{C54E7C07-6EED-682A-E370-369B7AEDCA10}"/>
+              </a:ext>
+            </a:extLst>
+          </p:cNvPr>
+          <p:cNvSpPr txBox="1"/>
+          <p:nvPr/>
+        </p:nvSpPr>
+        <p:spPr>
+          <a:xfrm>
+            <a:off x="9970188" y="717624"/>
+            <a:ext cx="1107419" cy="276999"/>
+          </a:xfrm>
+          <a:prstGeom prst="rect">
+            <a:avLst/>
+          </a:prstGeom>
+          <a:noFill/>
+        </p:spPr>
+        <p:txBody>
+          <a:bodyPr wrap="none" rtlCol="0">
+            <a:spAutoFit/>
+          </a:bodyPr>
+          <a:lstStyle/>
+          <a:p>
+            <a:r>
+              <a:rPr lang="en-US" sz="1200" dirty="0">
+                <a:latin typeface="Futura Medium" panose="020B0602020204020303" pitchFamily="34" charset="-79"/>
+                <a:cs typeface="Futura Medium" panose="020B0602020204020303" pitchFamily="34" charset="-79"/>
+              </a:rPr>
+              <a:t>Fixed carbon</a:t>
+            </a:r>
+          </a:p>
+        </p:txBody>
+      </p:sp>
+      <p:sp>
+        <p:nvSpPr>
+          <p:cNvPr id="1120" name="TextBox 1119">
+            <a:extLst>
+              <a:ext uri="{FF2B5EF4-FFF2-40B4-BE49-F238E27FC236}">
+                <a16:creationId xmlns:a16="http://schemas.microsoft.com/office/drawing/2014/main" id="{DDE25E23-7BC1-FE04-429A-F515EC5BBAA8}"/>
+              </a:ext>
+            </a:extLst>
+          </p:cNvPr>
+          <p:cNvSpPr txBox="1"/>
+          <p:nvPr/>
+        </p:nvSpPr>
+        <p:spPr>
+          <a:xfrm>
+            <a:off x="9960495" y="1130074"/>
+            <a:ext cx="1280479" cy="276999"/>
+          </a:xfrm>
+          <a:prstGeom prst="rect">
+            <a:avLst/>
+          </a:prstGeom>
+          <a:noFill/>
+        </p:spPr>
+        <p:txBody>
+          <a:bodyPr wrap="none" rtlCol="0">
+            <a:spAutoFit/>
+          </a:bodyPr>
+          <a:lstStyle/>
+          <a:p>
+            <a:r>
+              <a:rPr lang="en-US" sz="1200" dirty="0">
+                <a:latin typeface="Futura Medium" panose="020B0602020204020303" pitchFamily="34" charset="-79"/>
+                <a:cs typeface="Futura Medium" panose="020B0602020204020303" pitchFamily="34" charset="-79"/>
+              </a:rPr>
+              <a:t>Nutrient cycling</a:t>
+            </a:r>
+          </a:p>
+        </p:txBody>
+      </p:sp>
+      <p:sp>
+        <p:nvSpPr>
+          <p:cNvPr id="1121" name="TextBox 1120">
+            <a:extLst>
+              <a:ext uri="{FF2B5EF4-FFF2-40B4-BE49-F238E27FC236}">
+                <a16:creationId xmlns:a16="http://schemas.microsoft.com/office/drawing/2014/main" id="{EA29F61C-C6EF-02F3-CC3D-7906C12539D9}"/>
+              </a:ext>
+            </a:extLst>
+          </p:cNvPr>
+          <p:cNvSpPr txBox="1"/>
+          <p:nvPr/>
+        </p:nvSpPr>
+        <p:spPr>
+          <a:xfrm>
+            <a:off x="9876948" y="1599144"/>
+            <a:ext cx="1384119" cy="461665"/>
+          </a:xfrm>
+          <a:prstGeom prst="rect">
+            <a:avLst/>
+          </a:prstGeom>
+          <a:noFill/>
+        </p:spPr>
+        <p:txBody>
+          <a:bodyPr wrap="square" rtlCol="0">
+            <a:spAutoFit/>
+          </a:bodyPr>
+          <a:lstStyle/>
+          <a:p>
+            <a:r>
+              <a:rPr lang="en-US" sz="1200" dirty="0">
+                <a:latin typeface="Futura Medium" panose="020B0602020204020303" pitchFamily="34" charset="-79"/>
+                <a:cs typeface="Futura Medium" panose="020B0602020204020303" pitchFamily="34" charset="-79"/>
+              </a:rPr>
+              <a:t>Transport &amp; signaling</a:t>
+            </a:r>
+          </a:p>
+        </p:txBody>
+      </p:sp>
+      <p:cxnSp>
+        <p:nvCxnSpPr>
+          <p:cNvPr id="1123" name="Straight Arrow Connector 1122">
+            <a:extLst>
+              <a:ext uri="{FF2B5EF4-FFF2-40B4-BE49-F238E27FC236}">
+                <a16:creationId xmlns:a16="http://schemas.microsoft.com/office/drawing/2014/main" id="{E65AEFDC-80DD-F653-E75C-AFD058617518}"/>
+              </a:ext>
+            </a:extLst>
+          </p:cNvPr>
+          <p:cNvCxnSpPr>
+            <a:cxnSpLocks/>
+          </p:cNvCxnSpPr>
+          <p:nvPr/>
+        </p:nvCxnSpPr>
+        <p:spPr>
+          <a:xfrm>
+            <a:off x="9421568" y="1371495"/>
+            <a:ext cx="474075" cy="424735"/>
+          </a:xfrm>
+          <a:prstGeom prst="straightConnector1">
+            <a:avLst/>
+          </a:prstGeom>
+          <a:ln w="28575">
+            <a:solidFill>
+              <a:schemeClr val="tx1"/>
+            </a:solidFill>
+            <a:headEnd type="triangle"/>
+            <a:tailEnd type="triangle"/>
+          </a:ln>
+        </p:spPr>
+        <p:style>
+          <a:lnRef idx="1">
+            <a:schemeClr val="accent1"/>
+          </a:lnRef>
+          <a:fillRef idx="0">
+            <a:schemeClr val="accent1"/>
+          </a:fillRef>
+          <a:effectRef idx="0">
+            <a:schemeClr val="accent1"/>
+          </a:effectRef>
+          <a:fontRef idx="minor">
+            <a:schemeClr val="tx1"/>
+          </a:fontRef>
+        </p:style>
+      </p:cxnSp>
+    </p:spTree>
+    <p:extLst>
+      <p:ext uri="{BB962C8B-B14F-4D97-AF65-F5344CB8AC3E}">
+        <p14:creationId xmlns:p14="http://schemas.microsoft.com/office/powerpoint/2010/main" val="2472368072"/>
       </p:ext>
     </p:extLst>
   </p:cSld>

--- a/Mcap2020/PPT_files/Mcap_2020_figs.pptx
+++ b/Mcap2020/PPT_files/Mcap_2020_figs.pptx
@@ -5,12 +5,13 @@
     <p:sldMasterId id="2147483648" r:id="rId1"/>
   </p:sldMasterIdLst>
   <p:notesMasterIdLst>
-    <p:notesMasterId r:id="rId5"/>
+    <p:notesMasterId r:id="rId6"/>
   </p:notesMasterIdLst>
   <p:sldIdLst>
     <p:sldId id="256" r:id="rId2"/>
     <p:sldId id="257" r:id="rId3"/>
     <p:sldId id="258" r:id="rId4"/>
+    <p:sldId id="259" r:id="rId5"/>
   </p:sldIdLst>
   <p:sldSz cx="12192000" cy="6858000"/>
   <p:notesSz cx="6858000" cy="9144000"/>
@@ -199,7 +200,7 @@
           <a:p>
             <a:fld id="{3A432A35-74DD-234F-BDFF-97E970113162}" type="datetimeFigureOut">
               <a:rPr lang="en-US" smtClean="0"/>
-              <a:t>12/6/22</a:t>
+              <a:t>1/4/23</a:t>
             </a:fld>
             <a:endParaRPr lang="en-US"/>
           </a:p>
@@ -797,7 +798,7 @@
           <a:p>
             <a:fld id="{BE0BD201-9EAE-174B-AC7F-E17FC5DCF497}" type="datetimeFigureOut">
               <a:rPr lang="en-US" smtClean="0"/>
-              <a:t>12/6/22</a:t>
+              <a:t>1/4/23</a:t>
             </a:fld>
             <a:endParaRPr lang="en-US"/>
           </a:p>
@@ -995,7 +996,7 @@
           <a:p>
             <a:fld id="{BE0BD201-9EAE-174B-AC7F-E17FC5DCF497}" type="datetimeFigureOut">
               <a:rPr lang="en-US" smtClean="0"/>
-              <a:t>12/6/22</a:t>
+              <a:t>1/4/23</a:t>
             </a:fld>
             <a:endParaRPr lang="en-US"/>
           </a:p>
@@ -1203,7 +1204,7 @@
           <a:p>
             <a:fld id="{BE0BD201-9EAE-174B-AC7F-E17FC5DCF497}" type="datetimeFigureOut">
               <a:rPr lang="en-US" smtClean="0"/>
-              <a:t>12/6/22</a:t>
+              <a:t>1/4/23</a:t>
             </a:fld>
             <a:endParaRPr lang="en-US"/>
           </a:p>
@@ -1401,7 +1402,7 @@
           <a:p>
             <a:fld id="{BE0BD201-9EAE-174B-AC7F-E17FC5DCF497}" type="datetimeFigureOut">
               <a:rPr lang="en-US" smtClean="0"/>
-              <a:t>12/6/22</a:t>
+              <a:t>1/4/23</a:t>
             </a:fld>
             <a:endParaRPr lang="en-US"/>
           </a:p>
@@ -1676,7 +1677,7 @@
           <a:p>
             <a:fld id="{BE0BD201-9EAE-174B-AC7F-E17FC5DCF497}" type="datetimeFigureOut">
               <a:rPr lang="en-US" smtClean="0"/>
-              <a:t>12/6/22</a:t>
+              <a:t>1/4/23</a:t>
             </a:fld>
             <a:endParaRPr lang="en-US"/>
           </a:p>
@@ -1941,7 +1942,7 @@
           <a:p>
             <a:fld id="{BE0BD201-9EAE-174B-AC7F-E17FC5DCF497}" type="datetimeFigureOut">
               <a:rPr lang="en-US" smtClean="0"/>
-              <a:t>12/6/22</a:t>
+              <a:t>1/4/23</a:t>
             </a:fld>
             <a:endParaRPr lang="en-US"/>
           </a:p>
@@ -2353,7 +2354,7 @@
           <a:p>
             <a:fld id="{BE0BD201-9EAE-174B-AC7F-E17FC5DCF497}" type="datetimeFigureOut">
               <a:rPr lang="en-US" smtClean="0"/>
-              <a:t>12/6/22</a:t>
+              <a:t>1/4/23</a:t>
             </a:fld>
             <a:endParaRPr lang="en-US"/>
           </a:p>
@@ -2494,7 +2495,7 @@
           <a:p>
             <a:fld id="{BE0BD201-9EAE-174B-AC7F-E17FC5DCF497}" type="datetimeFigureOut">
               <a:rPr lang="en-US" smtClean="0"/>
-              <a:t>12/6/22</a:t>
+              <a:t>1/4/23</a:t>
             </a:fld>
             <a:endParaRPr lang="en-US"/>
           </a:p>
@@ -2607,7 +2608,7 @@
           <a:p>
             <a:fld id="{BE0BD201-9EAE-174B-AC7F-E17FC5DCF497}" type="datetimeFigureOut">
               <a:rPr lang="en-US" smtClean="0"/>
-              <a:t>12/6/22</a:t>
+              <a:t>1/4/23</a:t>
             </a:fld>
             <a:endParaRPr lang="en-US"/>
           </a:p>
@@ -2918,7 +2919,7 @@
           <a:p>
             <a:fld id="{BE0BD201-9EAE-174B-AC7F-E17FC5DCF497}" type="datetimeFigureOut">
               <a:rPr lang="en-US" smtClean="0"/>
-              <a:t>12/6/22</a:t>
+              <a:t>1/4/23</a:t>
             </a:fld>
             <a:endParaRPr lang="en-US"/>
           </a:p>
@@ -3206,7 +3207,7 @@
           <a:p>
             <a:fld id="{BE0BD201-9EAE-174B-AC7F-E17FC5DCF497}" type="datetimeFigureOut">
               <a:rPr lang="en-US" smtClean="0"/>
-              <a:t>12/6/22</a:t>
+              <a:t>1/4/23</a:t>
             </a:fld>
             <a:endParaRPr lang="en-US"/>
           </a:p>
@@ -3447,7 +3448,7 @@
           <a:p>
             <a:fld id="{BE0BD201-9EAE-174B-AC7F-E17FC5DCF497}" type="datetimeFigureOut">
               <a:rPr lang="en-US" smtClean="0"/>
-              <a:t>12/6/22</a:t>
+              <a:t>1/4/23</a:t>
             </a:fld>
             <a:endParaRPr lang="en-US"/>
           </a:p>
@@ -9430,7 +9431,13 @@
           <p:cNvGraphicFramePr>
             <a:graphicFrameLocks noGrp="1"/>
           </p:cNvGraphicFramePr>
-          <p:nvPr/>
+          <p:nvPr>
+            <p:extLst>
+              <p:ext uri="{D42A27DB-BD31-4B8C-83A1-F6EECF244321}">
+                <p14:modId xmlns:p14="http://schemas.microsoft.com/office/powerpoint/2010/main" val="907708876"/>
+              </p:ext>
+            </p:extLst>
+          </p:nvPr>
         </p:nvGraphicFramePr>
         <p:xfrm>
           <a:off x="2177548" y="4032010"/>
@@ -9589,7 +9596,7 @@
                     <a:bodyPr/>
                     <a:lstStyle/>
                     <a:p>
-                      <a:endParaRPr lang="en-US"/>
+                      <a:endParaRPr lang="en-US" dirty="0"/>
                     </a:p>
                   </a:txBody>
                   <a:tcPr>
@@ -12841,7 +12848,7 @@
                       <a:tailEnd type="none" w="med" len="med"/>
                     </a:lnB>
                     <a:solidFill>
-                      <a:srgbClr val="945200"/>
+                      <a:schemeClr val="bg1"/>
                     </a:solidFill>
                   </a:tcPr>
                 </a:tc>
@@ -12891,7 +12898,7 @@
                       <a:tailEnd type="none" w="med" len="med"/>
                     </a:lnB>
                     <a:solidFill>
-                      <a:srgbClr val="FFD579"/>
+                      <a:schemeClr val="bg1"/>
                     </a:solidFill>
                   </a:tcPr>
                 </a:tc>
@@ -18592,6 +18599,938 @@
     <p:extLst>
       <p:ext uri="{BB962C8B-B14F-4D97-AF65-F5344CB8AC3E}">
         <p14:creationId xmlns:p14="http://schemas.microsoft.com/office/powerpoint/2010/main" val="2472368072"/>
+      </p:ext>
+    </p:extLst>
+  </p:cSld>
+  <p:clrMapOvr>
+    <a:masterClrMapping/>
+  </p:clrMapOvr>
+</p:sld>
+</file>
+
+<file path=ppt/slides/slide4.xml><?xml version="1.0" encoding="utf-8"?>
+<p:sld xmlns:a="http://schemas.openxmlformats.org/drawingml/2006/main" xmlns:r="http://schemas.openxmlformats.org/officeDocument/2006/relationships" xmlns:p="http://schemas.openxmlformats.org/presentationml/2006/main">
+  <p:cSld>
+    <p:spTree>
+      <p:nvGrpSpPr>
+        <p:cNvPr id="1" name=""/>
+        <p:cNvGrpSpPr/>
+        <p:nvPr/>
+      </p:nvGrpSpPr>
+      <p:grpSpPr>
+        <a:xfrm>
+          <a:off x="0" y="0"/>
+          <a:ext cx="0" cy="0"/>
+          <a:chOff x="0" y="0"/>
+          <a:chExt cx="0" cy="0"/>
+        </a:xfrm>
+      </p:grpSpPr>
+      <p:pic>
+        <p:nvPicPr>
+          <p:cNvPr id="6" name="Picture 5">
+            <a:extLst>
+              <a:ext uri="{FF2B5EF4-FFF2-40B4-BE49-F238E27FC236}">
+                <a16:creationId xmlns:a16="http://schemas.microsoft.com/office/drawing/2014/main" id="{E1BE45D9-2CD9-3C5E-C86D-AA5526FCF32B}"/>
+              </a:ext>
+            </a:extLst>
+          </p:cNvPr>
+          <p:cNvPicPr>
+            <a:picLocks noChangeAspect="1"/>
+          </p:cNvPicPr>
+          <p:nvPr/>
+        </p:nvPicPr>
+        <p:blipFill rotWithShape="1">
+          <a:blip r:embed="rId2">
+            <a:biLevel thresh="75000"/>
+          </a:blip>
+          <a:srcRect l="11943" t="31892" r="83044" b="59099"/>
+          <a:stretch/>
+        </p:blipFill>
+        <p:spPr>
+          <a:xfrm>
+            <a:off x="3035862" y="832443"/>
+            <a:ext cx="597527" cy="829899"/>
+          </a:xfrm>
+          <a:prstGeom prst="rect">
+            <a:avLst/>
+          </a:prstGeom>
+        </p:spPr>
+      </p:pic>
+      <p:pic>
+        <p:nvPicPr>
+          <p:cNvPr id="7" name="Picture 6">
+            <a:extLst>
+              <a:ext uri="{FF2B5EF4-FFF2-40B4-BE49-F238E27FC236}">
+                <a16:creationId xmlns:a16="http://schemas.microsoft.com/office/drawing/2014/main" id="{AA91D0C1-7DEA-85A0-43B7-FEFBD2AD0298}"/>
+              </a:ext>
+            </a:extLst>
+          </p:cNvPr>
+          <p:cNvPicPr>
+            <a:picLocks noChangeAspect="1"/>
+          </p:cNvPicPr>
+          <p:nvPr/>
+        </p:nvPicPr>
+        <p:blipFill rotWithShape="1">
+          <a:blip r:embed="rId2">
+            <a:biLevel thresh="75000"/>
+          </a:blip>
+          <a:srcRect l="32410" t="30090" r="60350" b="58739"/>
+          <a:stretch/>
+        </p:blipFill>
+        <p:spPr>
+          <a:xfrm rot="1915630">
+            <a:off x="3751252" y="729657"/>
+            <a:ext cx="611686" cy="729318"/>
+          </a:xfrm>
+          <a:prstGeom prst="rect">
+            <a:avLst/>
+          </a:prstGeom>
+        </p:spPr>
+      </p:pic>
+      <p:pic>
+        <p:nvPicPr>
+          <p:cNvPr id="1026" name="Picture 2">
+            <a:extLst>
+              <a:ext uri="{FF2B5EF4-FFF2-40B4-BE49-F238E27FC236}">
+                <a16:creationId xmlns:a16="http://schemas.microsoft.com/office/drawing/2014/main" id="{6E5188C3-ECF1-7E93-6432-8B7558C806D3}"/>
+              </a:ext>
+            </a:extLst>
+          </p:cNvPr>
+          <p:cNvPicPr>
+            <a:picLocks noChangeAspect="1" noChangeArrowheads="1"/>
+          </p:cNvPicPr>
+          <p:nvPr/>
+        </p:nvPicPr>
+        <p:blipFill rotWithShape="1">
+          <a:blip r:embed="rId3">
+            <a:extLst>
+              <a:ext uri="{28A0092B-C50C-407E-A947-70E740481C1C}">
+                <a14:useLocalDpi xmlns:a14="http://schemas.microsoft.com/office/drawing/2010/main" val="0"/>
+              </a:ext>
+            </a:extLst>
+          </a:blip>
+          <a:srcRect r="76238" b="47270"/>
+          <a:stretch/>
+        </p:blipFill>
+        <p:spPr bwMode="auto">
+          <a:xfrm>
+            <a:off x="1209470" y="1297274"/>
+            <a:ext cx="2024960" cy="2759076"/>
+          </a:xfrm>
+          <a:prstGeom prst="rect">
+            <a:avLst/>
+          </a:prstGeom>
+          <a:noFill/>
+          <a:extLst>
+            <a:ext uri="{909E8E84-426E-40DD-AFC4-6F175D3DCCD1}">
+              <a14:hiddenFill xmlns:a14="http://schemas.microsoft.com/office/drawing/2010/main">
+                <a:solidFill>
+                  <a:srgbClr val="FFFFFF"/>
+                </a:solidFill>
+              </a14:hiddenFill>
+            </a:ext>
+          </a:extLst>
+        </p:spPr>
+      </p:pic>
+      <p:pic>
+        <p:nvPicPr>
+          <p:cNvPr id="15" name="Picture 14">
+            <a:extLst>
+              <a:ext uri="{FF2B5EF4-FFF2-40B4-BE49-F238E27FC236}">
+                <a16:creationId xmlns:a16="http://schemas.microsoft.com/office/drawing/2014/main" id="{815BB168-C394-490D-6A07-7B8D9999E37C}"/>
+              </a:ext>
+            </a:extLst>
+          </p:cNvPr>
+          <p:cNvPicPr>
+            <a:picLocks noChangeAspect="1"/>
+          </p:cNvPicPr>
+          <p:nvPr/>
+        </p:nvPicPr>
+        <p:blipFill rotWithShape="1">
+          <a:blip r:embed="rId4">
+            <a:biLevel thresh="25000"/>
+            <a:extLst>
+              <a:ext uri="{BEBA8EAE-BF5A-486C-A8C5-ECC9F3942E4B}">
+                <a14:imgProps xmlns:a14="http://schemas.microsoft.com/office/drawing/2010/main">
+                  <a14:imgLayer r:embed="rId5">
+                    <a14:imgEffect>
+                      <a14:colorTemperature colorTemp="7200"/>
+                    </a14:imgEffect>
+                    <a14:imgEffect>
+                      <a14:saturation sat="200000"/>
+                    </a14:imgEffect>
+                  </a14:imgLayer>
+                </a14:imgProps>
+              </a:ext>
+            </a:extLst>
+          </a:blip>
+          <a:srcRect l="70699" t="30991" r="18719" b="59279"/>
+          <a:stretch/>
+        </p:blipFill>
+        <p:spPr>
+          <a:xfrm>
+            <a:off x="5521802" y="2978558"/>
+            <a:ext cx="879614" cy="624989"/>
+          </a:xfrm>
+          <a:prstGeom prst="rect">
+            <a:avLst/>
+          </a:prstGeom>
+        </p:spPr>
+      </p:pic>
+      <p:pic>
+        <p:nvPicPr>
+          <p:cNvPr id="16" name="Picture 15">
+            <a:extLst>
+              <a:ext uri="{FF2B5EF4-FFF2-40B4-BE49-F238E27FC236}">
+                <a16:creationId xmlns:a16="http://schemas.microsoft.com/office/drawing/2014/main" id="{23D06F43-1A2F-2884-B22F-B5CDED550C12}"/>
+              </a:ext>
+            </a:extLst>
+          </p:cNvPr>
+          <p:cNvPicPr>
+            <a:picLocks noChangeAspect="1"/>
+          </p:cNvPicPr>
+          <p:nvPr/>
+        </p:nvPicPr>
+        <p:blipFill rotWithShape="1">
+          <a:blip r:embed="rId2">
+            <a:biLevel thresh="50000"/>
+          </a:blip>
+          <a:srcRect l="86710" t="30270" r="1733" b="58378"/>
+          <a:stretch/>
+        </p:blipFill>
+        <p:spPr>
+          <a:xfrm>
+            <a:off x="6449489" y="3248382"/>
+            <a:ext cx="879614" cy="667659"/>
+          </a:xfrm>
+          <a:prstGeom prst="rect">
+            <a:avLst/>
+          </a:prstGeom>
+        </p:spPr>
+      </p:pic>
+      <p:pic>
+        <p:nvPicPr>
+          <p:cNvPr id="17" name="Picture 16">
+            <a:extLst>
+              <a:ext uri="{FF2B5EF4-FFF2-40B4-BE49-F238E27FC236}">
+                <a16:creationId xmlns:a16="http://schemas.microsoft.com/office/drawing/2014/main" id="{50252A7C-DE09-A7DD-41A9-9429325BB22B}"/>
+              </a:ext>
+            </a:extLst>
+          </p:cNvPr>
+          <p:cNvPicPr>
+            <a:picLocks noChangeAspect="1"/>
+          </p:cNvPicPr>
+          <p:nvPr/>
+        </p:nvPicPr>
+        <p:blipFill rotWithShape="1">
+          <a:blip r:embed="rId2">
+            <a:biLevel thresh="75000"/>
+          </a:blip>
+          <a:srcRect l="43688" t="30811" r="48097" b="57478"/>
+          <a:stretch/>
+        </p:blipFill>
+        <p:spPr>
+          <a:xfrm rot="6462810">
+            <a:off x="4430506" y="894828"/>
+            <a:ext cx="670472" cy="738657"/>
+          </a:xfrm>
+          <a:prstGeom prst="rect">
+            <a:avLst/>
+          </a:prstGeom>
+        </p:spPr>
+      </p:pic>
+      <p:pic>
+        <p:nvPicPr>
+          <p:cNvPr id="14" name="Picture 13">
+            <a:extLst>
+              <a:ext uri="{FF2B5EF4-FFF2-40B4-BE49-F238E27FC236}">
+                <a16:creationId xmlns:a16="http://schemas.microsoft.com/office/drawing/2014/main" id="{BCDC6513-6F12-B5D2-F16E-3A047010EB6B}"/>
+              </a:ext>
+            </a:extLst>
+          </p:cNvPr>
+          <p:cNvPicPr>
+            <a:picLocks noChangeAspect="1"/>
+          </p:cNvPicPr>
+          <p:nvPr/>
+        </p:nvPicPr>
+        <p:blipFill rotWithShape="1">
+          <a:blip r:embed="rId2">
+            <a:biLevel thresh="75000"/>
+          </a:blip>
+          <a:srcRect l="58307" t="29369" r="33339" b="56397"/>
+          <a:stretch/>
+        </p:blipFill>
+        <p:spPr>
+          <a:xfrm rot="4389534">
+            <a:off x="4898697" y="1573182"/>
+            <a:ext cx="696458" cy="917004"/>
+          </a:xfrm>
+          <a:prstGeom prst="rect">
+            <a:avLst/>
+          </a:prstGeom>
+        </p:spPr>
+      </p:pic>
+      <p:pic>
+        <p:nvPicPr>
+          <p:cNvPr id="18" name="Picture 17">
+            <a:extLst>
+              <a:ext uri="{FF2B5EF4-FFF2-40B4-BE49-F238E27FC236}">
+                <a16:creationId xmlns:a16="http://schemas.microsoft.com/office/drawing/2014/main" id="{21E46E1E-8364-B566-D3DA-C8ACD23C800E}"/>
+              </a:ext>
+            </a:extLst>
+          </p:cNvPr>
+          <p:cNvPicPr>
+            <a:picLocks noChangeAspect="1"/>
+          </p:cNvPicPr>
+          <p:nvPr/>
+        </p:nvPicPr>
+        <p:blipFill rotWithShape="1">
+          <a:blip r:embed="rId2">
+            <a:biLevel thresh="75000"/>
+          </a:blip>
+          <a:srcRect l="58307" t="29369" r="33339" b="56397"/>
+          <a:stretch/>
+        </p:blipFill>
+        <p:spPr>
+          <a:xfrm rot="11268575">
+            <a:off x="4871330" y="2288313"/>
+            <a:ext cx="696458" cy="917004"/>
+          </a:xfrm>
+          <a:prstGeom prst="rect">
+            <a:avLst/>
+          </a:prstGeom>
+        </p:spPr>
+      </p:pic>
+      <p:sp>
+        <p:nvSpPr>
+          <p:cNvPr id="33" name="TextBox 32">
+            <a:extLst>
+              <a:ext uri="{FF2B5EF4-FFF2-40B4-BE49-F238E27FC236}">
+                <a16:creationId xmlns:a16="http://schemas.microsoft.com/office/drawing/2014/main" id="{5CCA1A61-CCC1-17D2-3CA5-3E562E56D3A9}"/>
+              </a:ext>
+            </a:extLst>
+          </p:cNvPr>
+          <p:cNvSpPr txBox="1"/>
+          <p:nvPr/>
+        </p:nvSpPr>
+        <p:spPr>
+          <a:xfrm>
+            <a:off x="8605169" y="2070335"/>
+            <a:ext cx="3877985" cy="1200329"/>
+          </a:xfrm>
+          <a:prstGeom prst="rect">
+            <a:avLst/>
+          </a:prstGeom>
+          <a:noFill/>
+        </p:spPr>
+        <p:txBody>
+          <a:bodyPr wrap="none" rtlCol="0">
+            <a:spAutoFit/>
+          </a:bodyPr>
+          <a:lstStyle/>
+          <a:p>
+            <a:r>
+              <a:rPr lang="en-US" b="1" u="sng" dirty="0">
+                <a:latin typeface="Futura Medium" panose="020B0602020204020303" pitchFamily="34" charset="-79"/>
+                <a:cs typeface="Futura Medium" panose="020B0602020204020303" pitchFamily="34" charset="-79"/>
+              </a:rPr>
+              <a:t>Capacity for Autotrophy		</a:t>
+            </a:r>
+            <a:endParaRPr lang="en-US" dirty="0">
+              <a:latin typeface="Futura Medium" panose="020B0602020204020303" pitchFamily="34" charset="-79"/>
+              <a:cs typeface="Futura Medium" panose="020B0602020204020303" pitchFamily="34" charset="-79"/>
+            </a:endParaRPr>
+          </a:p>
+          <a:p>
+            <a:r>
+              <a:rPr lang="en-US" dirty="0">
+                <a:latin typeface="Futura Medium" panose="020B0602020204020303" pitchFamily="34" charset="-79"/>
+                <a:cs typeface="Futura Medium" panose="020B0602020204020303" pitchFamily="34" charset="-79"/>
+              </a:rPr>
+              <a:t>Symbiont population growth</a:t>
+            </a:r>
+          </a:p>
+          <a:p>
+            <a:r>
+              <a:rPr lang="en-US" dirty="0">
+                <a:latin typeface="Futura Medium" panose="020B0602020204020303" pitchFamily="34" charset="-79"/>
+                <a:cs typeface="Futura Medium" panose="020B0602020204020303" pitchFamily="34" charset="-79"/>
+              </a:rPr>
+              <a:t>Photosynthetic rates</a:t>
+            </a:r>
+          </a:p>
+          <a:p>
+            <a:r>
+              <a:rPr lang="en-US" dirty="0">
+                <a:latin typeface="Futura Medium" panose="020B0602020204020303" pitchFamily="34" charset="-79"/>
+                <a:cs typeface="Futura Medium" panose="020B0602020204020303" pitchFamily="34" charset="-79"/>
+              </a:rPr>
+              <a:t>Nitrogen cycling</a:t>
+            </a:r>
+          </a:p>
+        </p:txBody>
+      </p:sp>
+      <p:sp>
+        <p:nvSpPr>
+          <p:cNvPr id="39" name="TextBox 38">
+            <a:extLst>
+              <a:ext uri="{FF2B5EF4-FFF2-40B4-BE49-F238E27FC236}">
+                <a16:creationId xmlns:a16="http://schemas.microsoft.com/office/drawing/2014/main" id="{08E3EF3A-96CF-EF27-E40B-4E0626E7868A}"/>
+              </a:ext>
+            </a:extLst>
+          </p:cNvPr>
+          <p:cNvSpPr txBox="1"/>
+          <p:nvPr/>
+        </p:nvSpPr>
+        <p:spPr>
+          <a:xfrm>
+            <a:off x="8693336" y="3439708"/>
+            <a:ext cx="4578388" cy="1754326"/>
+          </a:xfrm>
+          <a:prstGeom prst="rect">
+            <a:avLst/>
+          </a:prstGeom>
+          <a:noFill/>
+        </p:spPr>
+        <p:txBody>
+          <a:bodyPr wrap="square" rtlCol="0">
+            <a:spAutoFit/>
+          </a:bodyPr>
+          <a:lstStyle/>
+          <a:p>
+            <a:r>
+              <a:rPr lang="en-US" b="1" u="sng" dirty="0">
+                <a:latin typeface="Futura Medium" panose="020B0602020204020303" pitchFamily="34" charset="-79"/>
+                <a:cs typeface="Futura Medium" panose="020B0602020204020303" pitchFamily="34" charset="-79"/>
+              </a:rPr>
+              <a:t>Demand for Autotrophy		</a:t>
+            </a:r>
+            <a:endParaRPr lang="en-US" dirty="0">
+              <a:latin typeface="Futura Medium" panose="020B0602020204020303" pitchFamily="34" charset="-79"/>
+              <a:cs typeface="Futura Medium" panose="020B0602020204020303" pitchFamily="34" charset="-79"/>
+            </a:endParaRPr>
+          </a:p>
+          <a:p>
+            <a:r>
+              <a:rPr lang="en-US" dirty="0">
+                <a:latin typeface="Futura Medium" panose="020B0602020204020303" pitchFamily="34" charset="-79"/>
+                <a:cs typeface="Futura Medium" panose="020B0602020204020303" pitchFamily="34" charset="-79"/>
+              </a:rPr>
+              <a:t>Development, growth &amp; calcification</a:t>
+            </a:r>
+          </a:p>
+          <a:p>
+            <a:r>
+              <a:rPr lang="en-US" dirty="0">
+                <a:latin typeface="Futura Medium" panose="020B0602020204020303" pitchFamily="34" charset="-79"/>
+                <a:cs typeface="Futura Medium" panose="020B0602020204020303" pitchFamily="34" charset="-79"/>
+              </a:rPr>
+              <a:t>Host respiratory demand</a:t>
+            </a:r>
+          </a:p>
+          <a:p>
+            <a:r>
+              <a:rPr lang="en-US" dirty="0">
+                <a:latin typeface="Futura Medium" panose="020B0602020204020303" pitchFamily="34" charset="-79"/>
+                <a:cs typeface="Futura Medium" panose="020B0602020204020303" pitchFamily="34" charset="-79"/>
+              </a:rPr>
+              <a:t>Depletion of energy reserves</a:t>
+            </a:r>
+          </a:p>
+          <a:p>
+            <a:r>
+              <a:rPr lang="en-US" dirty="0">
+                <a:latin typeface="Futura Medium" panose="020B0602020204020303" pitchFamily="34" charset="-79"/>
+                <a:cs typeface="Futura Medium" panose="020B0602020204020303" pitchFamily="34" charset="-79"/>
+              </a:rPr>
+              <a:t>Metabolism of photosynthates</a:t>
+            </a:r>
+          </a:p>
+          <a:p>
+            <a:endParaRPr lang="en-US" u="sng" dirty="0">
+              <a:latin typeface="Futura Medium" panose="020B0602020204020303" pitchFamily="34" charset="-79"/>
+              <a:cs typeface="Futura Medium" panose="020B0602020204020303" pitchFamily="34" charset="-79"/>
+            </a:endParaRPr>
+          </a:p>
+        </p:txBody>
+      </p:sp>
+      <p:sp>
+        <p:nvSpPr>
+          <p:cNvPr id="41" name="TextBox 40">
+            <a:extLst>
+              <a:ext uri="{FF2B5EF4-FFF2-40B4-BE49-F238E27FC236}">
+                <a16:creationId xmlns:a16="http://schemas.microsoft.com/office/drawing/2014/main" id="{456EAD89-D162-4EF6-D412-EBAE5003CE46}"/>
+              </a:ext>
+            </a:extLst>
+          </p:cNvPr>
+          <p:cNvSpPr txBox="1"/>
+          <p:nvPr/>
+        </p:nvSpPr>
+        <p:spPr>
+          <a:xfrm>
+            <a:off x="8674107" y="5054439"/>
+            <a:ext cx="3877985" cy="1477328"/>
+          </a:xfrm>
+          <a:prstGeom prst="rect">
+            <a:avLst/>
+          </a:prstGeom>
+          <a:noFill/>
+        </p:spPr>
+        <p:txBody>
+          <a:bodyPr wrap="none" rtlCol="0">
+            <a:spAutoFit/>
+          </a:bodyPr>
+          <a:lstStyle/>
+          <a:p>
+            <a:r>
+              <a:rPr lang="en-US" b="1" u="sng" dirty="0">
+                <a:latin typeface="Futura Medium" panose="020B0602020204020303" pitchFamily="34" charset="-79"/>
+                <a:cs typeface="Futura Medium" panose="020B0602020204020303" pitchFamily="34" charset="-79"/>
+              </a:rPr>
+              <a:t>Nutritional Exchange 		</a:t>
+            </a:r>
+          </a:p>
+          <a:p>
+            <a:r>
+              <a:rPr lang="en-US" dirty="0">
+                <a:latin typeface="Futura Medium" panose="020B0602020204020303" pitchFamily="34" charset="-79"/>
+                <a:cs typeface="Futura Medium" panose="020B0602020204020303" pitchFamily="34" charset="-79"/>
+              </a:rPr>
+              <a:t>Membrane transport</a:t>
+            </a:r>
+          </a:p>
+          <a:p>
+            <a:r>
+              <a:rPr lang="en-US" dirty="0">
+                <a:latin typeface="Futura Medium" panose="020B0602020204020303" pitchFamily="34" charset="-79"/>
+                <a:cs typeface="Futura Medium" panose="020B0602020204020303" pitchFamily="34" charset="-79"/>
+              </a:rPr>
+              <a:t>Cell signaling &amp; communication</a:t>
+            </a:r>
+          </a:p>
+          <a:p>
+            <a:r>
+              <a:rPr lang="en-US" dirty="0">
+                <a:latin typeface="Futura Medium" panose="020B0602020204020303" pitchFamily="34" charset="-79"/>
+                <a:cs typeface="Futura Medium" panose="020B0602020204020303" pitchFamily="34" charset="-79"/>
+              </a:rPr>
+              <a:t>Regulation of cell density </a:t>
+            </a:r>
+          </a:p>
+          <a:p>
+            <a:r>
+              <a:rPr lang="en-US" dirty="0">
+                <a:latin typeface="Futura Medium" panose="020B0602020204020303" pitchFamily="34" charset="-79"/>
+                <a:cs typeface="Futura Medium" panose="020B0602020204020303" pitchFamily="34" charset="-79"/>
+              </a:rPr>
+              <a:t>Ion transport</a:t>
+            </a:r>
+          </a:p>
+        </p:txBody>
+      </p:sp>
+      <p:sp>
+        <p:nvSpPr>
+          <p:cNvPr id="1028" name="Freeform 1027">
+            <a:extLst>
+              <a:ext uri="{FF2B5EF4-FFF2-40B4-BE49-F238E27FC236}">
+                <a16:creationId xmlns:a16="http://schemas.microsoft.com/office/drawing/2014/main" id="{A8F979D1-3A4E-B6FD-77B6-E9F20BF89DC3}"/>
+              </a:ext>
+            </a:extLst>
+          </p:cNvPr>
+          <p:cNvSpPr/>
+          <p:nvPr/>
+        </p:nvSpPr>
+        <p:spPr>
+          <a:xfrm>
+            <a:off x="1943100" y="1463951"/>
+            <a:ext cx="734785" cy="1404257"/>
+          </a:xfrm>
+          <a:custGeom>
+            <a:avLst/>
+            <a:gdLst>
+              <a:gd name="connsiteX0" fmla="*/ 0 w 734785"/>
+              <a:gd name="connsiteY0" fmla="*/ 1404257 h 1404257"/>
+              <a:gd name="connsiteX1" fmla="*/ 130628 w 734785"/>
+              <a:gd name="connsiteY1" fmla="*/ 653143 h 1404257"/>
+              <a:gd name="connsiteX2" fmla="*/ 734785 w 734785"/>
+              <a:gd name="connsiteY2" fmla="*/ 0 h 1404257"/>
+            </a:gdLst>
+            <a:ahLst/>
+            <a:cxnLst>
+              <a:cxn ang="0">
+                <a:pos x="connsiteX0" y="connsiteY0"/>
+              </a:cxn>
+              <a:cxn ang="0">
+                <a:pos x="connsiteX1" y="connsiteY1"/>
+              </a:cxn>
+              <a:cxn ang="0">
+                <a:pos x="connsiteX2" y="connsiteY2"/>
+              </a:cxn>
+            </a:cxnLst>
+            <a:rect l="l" t="t" r="r" b="b"/>
+            <a:pathLst>
+              <a:path w="734785" h="1404257">
+                <a:moveTo>
+                  <a:pt x="0" y="1404257"/>
+                </a:moveTo>
+                <a:cubicBezTo>
+                  <a:pt x="4082" y="1145721"/>
+                  <a:pt x="8164" y="887186"/>
+                  <a:pt x="130628" y="653143"/>
+                </a:cubicBezTo>
+                <a:cubicBezTo>
+                  <a:pt x="253092" y="419100"/>
+                  <a:pt x="585106" y="152400"/>
+                  <a:pt x="734785" y="0"/>
+                </a:cubicBezTo>
+              </a:path>
+            </a:pathLst>
+          </a:custGeom>
+          <a:noFill/>
+          <a:ln w="28575">
+            <a:solidFill>
+              <a:schemeClr val="bg2">
+                <a:lumMod val="50000"/>
+              </a:schemeClr>
+            </a:solidFill>
+            <a:tailEnd type="arrow"/>
+          </a:ln>
+        </p:spPr>
+        <p:style>
+          <a:lnRef idx="2">
+            <a:schemeClr val="accent1">
+              <a:shade val="50000"/>
+            </a:schemeClr>
+          </a:lnRef>
+          <a:fillRef idx="1">
+            <a:schemeClr val="accent1"/>
+          </a:fillRef>
+          <a:effectRef idx="0">
+            <a:schemeClr val="accent1"/>
+          </a:effectRef>
+          <a:fontRef idx="minor">
+            <a:schemeClr val="lt1"/>
+          </a:fontRef>
+        </p:style>
+        <p:txBody>
+          <a:bodyPr rtlCol="0" anchor="ctr"/>
+          <a:lstStyle/>
+          <a:p>
+            <a:pPr algn="ctr"/>
+            <a:endParaRPr lang="en-US">
+              <a:solidFill>
+                <a:schemeClr val="tx1"/>
+              </a:solidFill>
+            </a:endParaRPr>
+          </a:p>
+        </p:txBody>
+      </p:sp>
+      <p:sp>
+        <p:nvSpPr>
+          <p:cNvPr id="1072" name="TextBox 1071">
+            <a:extLst>
+              <a:ext uri="{FF2B5EF4-FFF2-40B4-BE49-F238E27FC236}">
+                <a16:creationId xmlns:a16="http://schemas.microsoft.com/office/drawing/2014/main" id="{A8E00898-947E-7236-5FAD-7F15A6CAA8CB}"/>
+              </a:ext>
+            </a:extLst>
+          </p:cNvPr>
+          <p:cNvSpPr txBox="1"/>
+          <p:nvPr/>
+        </p:nvSpPr>
+        <p:spPr>
+          <a:xfrm rot="18386545">
+            <a:off x="1460111" y="1526167"/>
+            <a:ext cx="1052019" cy="461665"/>
+          </a:xfrm>
+          <a:prstGeom prst="rect">
+            <a:avLst/>
+          </a:prstGeom>
+          <a:noFill/>
+        </p:spPr>
+        <p:txBody>
+          <a:bodyPr wrap="none" rtlCol="0">
+            <a:spAutoFit/>
+          </a:bodyPr>
+          <a:lstStyle/>
+          <a:p>
+            <a:pPr algn="ctr"/>
+            <a:r>
+              <a:rPr lang="en-US" sz="1200" dirty="0">
+                <a:latin typeface="Futura Medium" panose="020B0602020204020303" pitchFamily="34" charset="-79"/>
+                <a:cs typeface="Futura Medium" panose="020B0602020204020303" pitchFamily="34" charset="-79"/>
+              </a:rPr>
+              <a:t>Vertical </a:t>
+            </a:r>
+          </a:p>
+          <a:p>
+            <a:pPr algn="ctr"/>
+            <a:r>
+              <a:rPr lang="en-US" sz="1200" dirty="0">
+                <a:latin typeface="Futura Medium" panose="020B0602020204020303" pitchFamily="34" charset="-79"/>
+                <a:cs typeface="Futura Medium" panose="020B0602020204020303" pitchFamily="34" charset="-79"/>
+              </a:rPr>
+              <a:t>Transmission</a:t>
+            </a:r>
+          </a:p>
+        </p:txBody>
+      </p:sp>
+      <p:grpSp>
+        <p:nvGrpSpPr>
+          <p:cNvPr id="1073" name="Group 1072">
+            <a:extLst>
+              <a:ext uri="{FF2B5EF4-FFF2-40B4-BE49-F238E27FC236}">
+                <a16:creationId xmlns:a16="http://schemas.microsoft.com/office/drawing/2014/main" id="{ED033C3B-03DC-249E-7F7C-08170D5BC927}"/>
+              </a:ext>
+            </a:extLst>
+          </p:cNvPr>
+          <p:cNvGrpSpPr/>
+          <p:nvPr/>
+        </p:nvGrpSpPr>
+        <p:grpSpPr>
+          <a:xfrm>
+            <a:off x="2159552" y="2417811"/>
+            <a:ext cx="420327" cy="326649"/>
+            <a:chOff x="8125793" y="5914633"/>
+            <a:chExt cx="730973" cy="605925"/>
+          </a:xfrm>
+        </p:grpSpPr>
+        <p:pic>
+          <p:nvPicPr>
+            <p:cNvPr id="1074" name="Picture 4" descr="Symbiodinium - Wikiwand">
+              <a:extLst>
+                <a:ext uri="{FF2B5EF4-FFF2-40B4-BE49-F238E27FC236}">
+                  <a16:creationId xmlns:a16="http://schemas.microsoft.com/office/drawing/2014/main" id="{E4FA40D1-FCF6-4D79-D567-EBBAA68A9C2E}"/>
+                </a:ext>
+              </a:extLst>
+            </p:cNvPr>
+            <p:cNvPicPr>
+              <a:picLocks noChangeAspect="1" noChangeArrowheads="1"/>
+            </p:cNvPicPr>
+            <p:nvPr/>
+          </p:nvPicPr>
+          <p:blipFill rotWithShape="1">
+            <a:blip r:embed="rId6">
+              <a:grayscl/>
+              <a:extLst>
+                <a:ext uri="{BEBA8EAE-BF5A-486C-A8C5-ECC9F3942E4B}">
+                  <a14:imgProps xmlns:a14="http://schemas.microsoft.com/office/drawing/2010/main">
+                    <a14:imgLayer r:embed="rId7">
+                      <a14:imgEffect>
+                        <a14:backgroundRemoval t="69797" b="79949" l="64242" r="70000">
+                          <a14:foregroundMark x1="70000" y1="76650" x2="70000" y2="76650"/>
+                          <a14:foregroundMark x1="67121" y1="79949" x2="67121" y2="79949"/>
+                        </a14:backgroundRemoval>
+                      </a14:imgEffect>
+                    </a14:imgLayer>
+                  </a14:imgProps>
+                </a:ext>
+                <a:ext uri="{28A0092B-C50C-407E-A947-70E740481C1C}">
+                  <a14:useLocalDpi xmlns:a14="http://schemas.microsoft.com/office/drawing/2010/main" val="0"/>
+                </a:ext>
+              </a:extLst>
+            </a:blip>
+            <a:srcRect l="63633" t="68793" r="29170" b="19069"/>
+            <a:stretch/>
+          </p:blipFill>
+          <p:spPr bwMode="auto">
+            <a:xfrm>
+              <a:off x="8125793" y="5942673"/>
+              <a:ext cx="272550" cy="274388"/>
+            </a:xfrm>
+            <a:prstGeom prst="rect">
+              <a:avLst/>
+            </a:prstGeom>
+            <a:noFill/>
+            <a:extLst>
+              <a:ext uri="{909E8E84-426E-40DD-AFC4-6F175D3DCCD1}">
+                <a14:hiddenFill xmlns:a14="http://schemas.microsoft.com/office/drawing/2010/main">
+                  <a:solidFill>
+                    <a:srgbClr val="FFFFFF"/>
+                  </a:solidFill>
+                </a14:hiddenFill>
+              </a:ext>
+            </a:extLst>
+          </p:spPr>
+        </p:pic>
+        <p:pic>
+          <p:nvPicPr>
+            <p:cNvPr id="1075" name="Picture 4" descr="Symbiodinium - Wikiwand">
+              <a:extLst>
+                <a:ext uri="{FF2B5EF4-FFF2-40B4-BE49-F238E27FC236}">
+                  <a16:creationId xmlns:a16="http://schemas.microsoft.com/office/drawing/2014/main" id="{C1082CE6-755A-36C7-C7B8-DDAA92FDA442}"/>
+                </a:ext>
+              </a:extLst>
+            </p:cNvPr>
+            <p:cNvPicPr>
+              <a:picLocks noChangeAspect="1" noChangeArrowheads="1"/>
+            </p:cNvPicPr>
+            <p:nvPr/>
+          </p:nvPicPr>
+          <p:blipFill rotWithShape="1">
+            <a:blip r:embed="rId6">
+              <a:grayscl/>
+              <a:extLst>
+                <a:ext uri="{BEBA8EAE-BF5A-486C-A8C5-ECC9F3942E4B}">
+                  <a14:imgProps xmlns:a14="http://schemas.microsoft.com/office/drawing/2010/main">
+                    <a14:imgLayer r:embed="rId8">
+                      <a14:imgEffect>
+                        <a14:backgroundRemoval t="69797" b="79949" l="64242" r="70000">
+                          <a14:foregroundMark x1="70000" y1="76650" x2="70000" y2="76650"/>
+                          <a14:foregroundMark x1="67121" y1="79949" x2="67121" y2="79949"/>
+                        </a14:backgroundRemoval>
+                      </a14:imgEffect>
+                    </a14:imgLayer>
+                  </a14:imgProps>
+                </a:ext>
+                <a:ext uri="{28A0092B-C50C-407E-A947-70E740481C1C}">
+                  <a14:useLocalDpi xmlns:a14="http://schemas.microsoft.com/office/drawing/2010/main" val="0"/>
+                </a:ext>
+              </a:extLst>
+            </a:blip>
+            <a:srcRect l="63633" t="68793" r="29170" b="19069"/>
+            <a:stretch/>
+          </p:blipFill>
+          <p:spPr bwMode="auto">
+            <a:xfrm>
+              <a:off x="8421970" y="5914633"/>
+              <a:ext cx="272550" cy="274388"/>
+            </a:xfrm>
+            <a:prstGeom prst="rect">
+              <a:avLst/>
+            </a:prstGeom>
+            <a:noFill/>
+            <a:extLst>
+              <a:ext uri="{909E8E84-426E-40DD-AFC4-6F175D3DCCD1}">
+                <a14:hiddenFill xmlns:a14="http://schemas.microsoft.com/office/drawing/2010/main">
+                  <a:solidFill>
+                    <a:srgbClr val="FFFFFF"/>
+                  </a:solidFill>
+                </a14:hiddenFill>
+              </a:ext>
+            </a:extLst>
+          </p:spPr>
+        </p:pic>
+        <p:pic>
+          <p:nvPicPr>
+            <p:cNvPr id="1076" name="Picture 4" descr="Symbiodinium - Wikiwand">
+              <a:extLst>
+                <a:ext uri="{FF2B5EF4-FFF2-40B4-BE49-F238E27FC236}">
+                  <a16:creationId xmlns:a16="http://schemas.microsoft.com/office/drawing/2014/main" id="{C5F7EA54-C82B-D411-0B4C-419776A48B31}"/>
+                </a:ext>
+              </a:extLst>
+            </p:cNvPr>
+            <p:cNvPicPr>
+              <a:picLocks noChangeAspect="1" noChangeArrowheads="1"/>
+            </p:cNvPicPr>
+            <p:nvPr/>
+          </p:nvPicPr>
+          <p:blipFill rotWithShape="1">
+            <a:blip r:embed="rId6">
+              <a:grayscl/>
+              <a:extLst>
+                <a:ext uri="{BEBA8EAE-BF5A-486C-A8C5-ECC9F3942E4B}">
+                  <a14:imgProps xmlns:a14="http://schemas.microsoft.com/office/drawing/2010/main">
+                    <a14:imgLayer r:embed="rId9">
+                      <a14:imgEffect>
+                        <a14:backgroundRemoval t="69797" b="79949" l="64242" r="70000">
+                          <a14:foregroundMark x1="70000" y1="76650" x2="70000" y2="76650"/>
+                          <a14:foregroundMark x1="67121" y1="79949" x2="67121" y2="79949"/>
+                        </a14:backgroundRemoval>
+                      </a14:imgEffect>
+                    </a14:imgLayer>
+                  </a14:imgProps>
+                </a:ext>
+                <a:ext uri="{28A0092B-C50C-407E-A947-70E740481C1C}">
+                  <a14:useLocalDpi xmlns:a14="http://schemas.microsoft.com/office/drawing/2010/main" val="0"/>
+                </a:ext>
+              </a:extLst>
+            </a:blip>
+            <a:srcRect l="63633" t="68793" r="29170" b="19069"/>
+            <a:stretch/>
+          </p:blipFill>
+          <p:spPr bwMode="auto">
+            <a:xfrm>
+              <a:off x="8285695" y="6246170"/>
+              <a:ext cx="272550" cy="274388"/>
+            </a:xfrm>
+            <a:prstGeom prst="rect">
+              <a:avLst/>
+            </a:prstGeom>
+            <a:noFill/>
+            <a:extLst>
+              <a:ext uri="{909E8E84-426E-40DD-AFC4-6F175D3DCCD1}">
+                <a14:hiddenFill xmlns:a14="http://schemas.microsoft.com/office/drawing/2010/main">
+                  <a:solidFill>
+                    <a:srgbClr val="FFFFFF"/>
+                  </a:solidFill>
+                </a14:hiddenFill>
+              </a:ext>
+            </a:extLst>
+          </p:spPr>
+        </p:pic>
+        <p:pic>
+          <p:nvPicPr>
+            <p:cNvPr id="1077" name="Picture 4" descr="Symbiodinium - Wikiwand">
+              <a:extLst>
+                <a:ext uri="{FF2B5EF4-FFF2-40B4-BE49-F238E27FC236}">
+                  <a16:creationId xmlns:a16="http://schemas.microsoft.com/office/drawing/2014/main" id="{0C8E9F25-8DBF-CB7C-994C-41141D5C0360}"/>
+                </a:ext>
+              </a:extLst>
+            </p:cNvPr>
+            <p:cNvPicPr>
+              <a:picLocks noChangeAspect="1" noChangeArrowheads="1"/>
+            </p:cNvPicPr>
+            <p:nvPr/>
+          </p:nvPicPr>
+          <p:blipFill rotWithShape="1">
+            <a:blip r:embed="rId6">
+              <a:grayscl/>
+              <a:extLst>
+                <a:ext uri="{BEBA8EAE-BF5A-486C-A8C5-ECC9F3942E4B}">
+                  <a14:imgProps xmlns:a14="http://schemas.microsoft.com/office/drawing/2010/main">
+                    <a14:imgLayer r:embed="rId7">
+                      <a14:imgEffect>
+                        <a14:backgroundRemoval t="69797" b="79949" l="64242" r="70000">
+                          <a14:foregroundMark x1="70000" y1="76650" x2="70000" y2="76650"/>
+                          <a14:foregroundMark x1="67121" y1="79949" x2="67121" y2="79949"/>
+                        </a14:backgroundRemoval>
+                      </a14:imgEffect>
+                    </a14:imgLayer>
+                  </a14:imgProps>
+                </a:ext>
+                <a:ext uri="{28A0092B-C50C-407E-A947-70E740481C1C}">
+                  <a14:useLocalDpi xmlns:a14="http://schemas.microsoft.com/office/drawing/2010/main" val="0"/>
+                </a:ext>
+              </a:extLst>
+            </a:blip>
+            <a:srcRect l="63633" t="68793" r="29170" b="19069"/>
+            <a:stretch/>
+          </p:blipFill>
+          <p:spPr bwMode="auto">
+            <a:xfrm>
+              <a:off x="8584216" y="6176817"/>
+              <a:ext cx="272550" cy="274388"/>
+            </a:xfrm>
+            <a:prstGeom prst="rect">
+              <a:avLst/>
+            </a:prstGeom>
+            <a:noFill/>
+            <a:extLst>
+              <a:ext uri="{909E8E84-426E-40DD-AFC4-6F175D3DCCD1}">
+                <a14:hiddenFill xmlns:a14="http://schemas.microsoft.com/office/drawing/2010/main">
+                  <a:solidFill>
+                    <a:srgbClr val="FFFFFF"/>
+                  </a:solidFill>
+                </a14:hiddenFill>
+              </a:ext>
+            </a:extLst>
+          </p:spPr>
+        </p:pic>
+      </p:grpSp>
+    </p:spTree>
+    <p:extLst>
+      <p:ext uri="{BB962C8B-B14F-4D97-AF65-F5344CB8AC3E}">
+        <p14:creationId xmlns:p14="http://schemas.microsoft.com/office/powerpoint/2010/main" val="772170732"/>
       </p:ext>
     </p:extLst>
   </p:cSld>

--- a/Mcap2020/PPT_files/Mcap_2020_figs.pptx
+++ b/Mcap2020/PPT_files/Mcap_2020_figs.pptx
@@ -5,12 +5,13 @@
     <p:sldMasterId id="2147483660" r:id="rId1"/>
   </p:sldMasterIdLst>
   <p:notesMasterIdLst>
-    <p:notesMasterId r:id="rId5"/>
+    <p:notesMasterId r:id="rId6"/>
   </p:notesMasterIdLst>
   <p:sldIdLst>
     <p:sldId id="257" r:id="rId2"/>
     <p:sldId id="258" r:id="rId3"/>
     <p:sldId id="259" r:id="rId4"/>
+    <p:sldId id="260" r:id="rId5"/>
   </p:sldIdLst>
   <p:sldSz cx="12192000" cy="9144000"/>
   <p:notesSz cx="6858000" cy="9144000"/>
@@ -13853,7 +13854,7 @@
         </p:nvSpPr>
         <p:spPr>
           <a:xfrm>
-            <a:off x="6889296" y="1618114"/>
+            <a:off x="7773216" y="4357099"/>
             <a:ext cx="4874027" cy="369332"/>
           </a:xfrm>
           <a:prstGeom prst="rect">
@@ -13878,6 +13879,324 @@
     <p:extLst>
       <p:ext uri="{BB962C8B-B14F-4D97-AF65-F5344CB8AC3E}">
         <p14:creationId xmlns:p14="http://schemas.microsoft.com/office/powerpoint/2010/main" val="772170732"/>
+      </p:ext>
+    </p:extLst>
+  </p:cSld>
+  <p:clrMapOvr>
+    <a:masterClrMapping/>
+  </p:clrMapOvr>
+</p:sld>
+</file>
+
+<file path=ppt/slides/slide4.xml><?xml version="1.0" encoding="utf-8"?>
+<p:sld xmlns:a="http://schemas.openxmlformats.org/drawingml/2006/main" xmlns:r="http://schemas.openxmlformats.org/officeDocument/2006/relationships" xmlns:p="http://schemas.openxmlformats.org/presentationml/2006/main">
+  <p:cSld>
+    <p:spTree>
+      <p:nvGrpSpPr>
+        <p:cNvPr id="1" name=""/>
+        <p:cNvGrpSpPr/>
+        <p:nvPr/>
+      </p:nvGrpSpPr>
+      <p:grpSpPr>
+        <a:xfrm>
+          <a:off x="0" y="0"/>
+          <a:ext cx="0" cy="0"/>
+          <a:chOff x="0" y="0"/>
+          <a:chExt cx="0" cy="0"/>
+        </a:xfrm>
+      </p:grpSpPr>
+      <p:pic>
+        <p:nvPicPr>
+          <p:cNvPr id="6" name="Picture 5">
+            <a:extLst>
+              <a:ext uri="{FF2B5EF4-FFF2-40B4-BE49-F238E27FC236}">
+                <a16:creationId xmlns:a16="http://schemas.microsoft.com/office/drawing/2014/main" id="{E1BE45D9-2CD9-3C5E-C86D-AA5526FCF32B}"/>
+              </a:ext>
+            </a:extLst>
+          </p:cNvPr>
+          <p:cNvPicPr>
+            <a:picLocks noChangeAspect="1"/>
+          </p:cNvPicPr>
+          <p:nvPr/>
+        </p:nvPicPr>
+        <p:blipFill rotWithShape="1">
+          <a:blip r:embed="rId2"/>
+          <a:srcRect l="11943" t="31892" r="83044" b="59099"/>
+          <a:stretch/>
+        </p:blipFill>
+        <p:spPr>
+          <a:xfrm>
+            <a:off x="3292416" y="953845"/>
+            <a:ext cx="597527" cy="829899"/>
+          </a:xfrm>
+          <a:prstGeom prst="rect">
+            <a:avLst/>
+          </a:prstGeom>
+        </p:spPr>
+      </p:pic>
+      <p:pic>
+        <p:nvPicPr>
+          <p:cNvPr id="7" name="Picture 6">
+            <a:extLst>
+              <a:ext uri="{FF2B5EF4-FFF2-40B4-BE49-F238E27FC236}">
+                <a16:creationId xmlns:a16="http://schemas.microsoft.com/office/drawing/2014/main" id="{AA91D0C1-7DEA-85A0-43B7-FEFBD2AD0298}"/>
+              </a:ext>
+            </a:extLst>
+          </p:cNvPr>
+          <p:cNvPicPr>
+            <a:picLocks noChangeAspect="1"/>
+          </p:cNvPicPr>
+          <p:nvPr/>
+        </p:nvPicPr>
+        <p:blipFill rotWithShape="1">
+          <a:blip r:embed="rId2"/>
+          <a:srcRect l="32410" t="30090" r="60350" b="58739"/>
+          <a:stretch/>
+        </p:blipFill>
+        <p:spPr>
+          <a:xfrm rot="1915630">
+            <a:off x="3990517" y="1011965"/>
+            <a:ext cx="611686" cy="729318"/>
+          </a:xfrm>
+          <a:prstGeom prst="rect">
+            <a:avLst/>
+          </a:prstGeom>
+        </p:spPr>
+      </p:pic>
+      <p:pic>
+        <p:nvPicPr>
+          <p:cNvPr id="1026" name="Picture 2">
+            <a:extLst>
+              <a:ext uri="{FF2B5EF4-FFF2-40B4-BE49-F238E27FC236}">
+                <a16:creationId xmlns:a16="http://schemas.microsoft.com/office/drawing/2014/main" id="{6E5188C3-ECF1-7E93-6432-8B7558C806D3}"/>
+              </a:ext>
+            </a:extLst>
+          </p:cNvPr>
+          <p:cNvPicPr>
+            <a:picLocks noChangeAspect="1" noChangeArrowheads="1"/>
+          </p:cNvPicPr>
+          <p:nvPr/>
+        </p:nvPicPr>
+        <p:blipFill rotWithShape="1">
+          <a:blip r:embed="rId3">
+            <a:extLst>
+              <a:ext uri="{28A0092B-C50C-407E-A947-70E740481C1C}">
+                <a14:useLocalDpi xmlns:a14="http://schemas.microsoft.com/office/drawing/2010/main" val="0"/>
+              </a:ext>
+            </a:extLst>
+          </a:blip>
+          <a:srcRect r="76238" b="47270"/>
+          <a:stretch/>
+        </p:blipFill>
+        <p:spPr bwMode="auto">
+          <a:xfrm>
+            <a:off x="901586" y="905388"/>
+            <a:ext cx="2024960" cy="2759076"/>
+          </a:xfrm>
+          <a:prstGeom prst="rect">
+            <a:avLst/>
+          </a:prstGeom>
+          <a:noFill/>
+          <a:extLst>
+            <a:ext uri="{909E8E84-426E-40DD-AFC4-6F175D3DCCD1}">
+              <a14:hiddenFill xmlns:a14="http://schemas.microsoft.com/office/drawing/2010/main">
+                <a:solidFill>
+                  <a:srgbClr val="FFFFFF"/>
+                </a:solidFill>
+              </a14:hiddenFill>
+            </a:ext>
+          </a:extLst>
+        </p:spPr>
+      </p:pic>
+      <p:pic>
+        <p:nvPicPr>
+          <p:cNvPr id="15" name="Picture 14">
+            <a:extLst>
+              <a:ext uri="{FF2B5EF4-FFF2-40B4-BE49-F238E27FC236}">
+                <a16:creationId xmlns:a16="http://schemas.microsoft.com/office/drawing/2014/main" id="{815BB168-C394-490D-6A07-7B8D9999E37C}"/>
+              </a:ext>
+            </a:extLst>
+          </p:cNvPr>
+          <p:cNvPicPr>
+            <a:picLocks noChangeAspect="1"/>
+          </p:cNvPicPr>
+          <p:nvPr/>
+        </p:nvPicPr>
+        <p:blipFill rotWithShape="1">
+          <a:blip r:embed="rId4">
+            <a:extLst>
+              <a:ext uri="{BEBA8EAE-BF5A-486C-A8C5-ECC9F3942E4B}">
+                <a14:imgProps xmlns:a14="http://schemas.microsoft.com/office/drawing/2010/main">
+                  <a14:imgLayer r:embed="rId5">
+                    <a14:imgEffect>
+                      <a14:colorTemperature colorTemp="7200"/>
+                    </a14:imgEffect>
+                    <a14:imgEffect>
+                      <a14:saturation sat="200000"/>
+                    </a14:imgEffect>
+                  </a14:imgLayer>
+                </a14:imgProps>
+              </a:ext>
+            </a:extLst>
+          </a:blip>
+          <a:srcRect l="70699" t="30991" r="18719" b="59279"/>
+          <a:stretch/>
+        </p:blipFill>
+        <p:spPr>
+          <a:xfrm>
+            <a:off x="5755734" y="2681018"/>
+            <a:ext cx="879614" cy="624989"/>
+          </a:xfrm>
+          <a:prstGeom prst="rect">
+            <a:avLst/>
+          </a:prstGeom>
+        </p:spPr>
+      </p:pic>
+      <p:pic>
+        <p:nvPicPr>
+          <p:cNvPr id="16" name="Picture 15">
+            <a:extLst>
+              <a:ext uri="{FF2B5EF4-FFF2-40B4-BE49-F238E27FC236}">
+                <a16:creationId xmlns:a16="http://schemas.microsoft.com/office/drawing/2014/main" id="{23D06F43-1A2F-2884-B22F-B5CDED550C12}"/>
+              </a:ext>
+            </a:extLst>
+          </p:cNvPr>
+          <p:cNvPicPr>
+            <a:picLocks noChangeAspect="1"/>
+          </p:cNvPicPr>
+          <p:nvPr/>
+        </p:nvPicPr>
+        <p:blipFill rotWithShape="1">
+          <a:blip r:embed="rId2"/>
+          <a:srcRect l="86710" t="30270" r="1733" b="58378"/>
+          <a:stretch/>
+        </p:blipFill>
+        <p:spPr>
+          <a:xfrm>
+            <a:off x="6635348" y="2912868"/>
+            <a:ext cx="879614" cy="667659"/>
+          </a:xfrm>
+          <a:prstGeom prst="rect">
+            <a:avLst/>
+          </a:prstGeom>
+        </p:spPr>
+      </p:pic>
+      <p:pic>
+        <p:nvPicPr>
+          <p:cNvPr id="17" name="Picture 16">
+            <a:extLst>
+              <a:ext uri="{FF2B5EF4-FFF2-40B4-BE49-F238E27FC236}">
+                <a16:creationId xmlns:a16="http://schemas.microsoft.com/office/drawing/2014/main" id="{50252A7C-DE09-A7DD-41A9-9429325BB22B}"/>
+              </a:ext>
+            </a:extLst>
+          </p:cNvPr>
+          <p:cNvPicPr>
+            <a:picLocks noChangeAspect="1"/>
+          </p:cNvPicPr>
+          <p:nvPr/>
+        </p:nvPicPr>
+        <p:blipFill rotWithShape="1">
+          <a:blip r:embed="rId2"/>
+          <a:srcRect l="43688" t="30811" r="48097" b="57478"/>
+          <a:stretch/>
+        </p:blipFill>
+        <p:spPr>
+          <a:xfrm rot="6462810">
+            <a:off x="4761081" y="1344627"/>
+            <a:ext cx="797164" cy="878233"/>
+          </a:xfrm>
+          <a:prstGeom prst="rect">
+            <a:avLst/>
+          </a:prstGeom>
+        </p:spPr>
+      </p:pic>
+      <p:pic>
+        <p:nvPicPr>
+          <p:cNvPr id="14" name="Picture 13">
+            <a:extLst>
+              <a:ext uri="{FF2B5EF4-FFF2-40B4-BE49-F238E27FC236}">
+                <a16:creationId xmlns:a16="http://schemas.microsoft.com/office/drawing/2014/main" id="{BCDC6513-6F12-B5D2-F16E-3A047010EB6B}"/>
+              </a:ext>
+            </a:extLst>
+          </p:cNvPr>
+          <p:cNvPicPr>
+            <a:picLocks noChangeAspect="1"/>
+          </p:cNvPicPr>
+          <p:nvPr/>
+        </p:nvPicPr>
+        <p:blipFill rotWithShape="1">
+          <a:blip r:embed="rId2"/>
+          <a:srcRect l="58307" t="29369" r="33339" b="56397"/>
+          <a:stretch/>
+        </p:blipFill>
+        <p:spPr>
+          <a:xfrm rot="5805643">
+            <a:off x="5608042" y="1826423"/>
+            <a:ext cx="696458" cy="917004"/>
+          </a:xfrm>
+          <a:prstGeom prst="rect">
+            <a:avLst/>
+          </a:prstGeom>
+        </p:spPr>
+      </p:pic>
+      <p:sp>
+        <p:nvSpPr>
+          <p:cNvPr id="3" name="Oval 2">
+            <a:extLst>
+              <a:ext uri="{FF2B5EF4-FFF2-40B4-BE49-F238E27FC236}">
+                <a16:creationId xmlns:a16="http://schemas.microsoft.com/office/drawing/2014/main" id="{83018CC9-1AD0-5084-0FFF-F979E7D769C3}"/>
+              </a:ext>
+            </a:extLst>
+          </p:cNvPr>
+          <p:cNvSpPr/>
+          <p:nvPr/>
+        </p:nvSpPr>
+        <p:spPr>
+          <a:xfrm>
+            <a:off x="2819866" y="1088813"/>
+            <a:ext cx="365870" cy="372534"/>
+          </a:xfrm>
+          <a:prstGeom prst="ellipse">
+            <a:avLst/>
+          </a:prstGeom>
+          <a:solidFill>
+            <a:srgbClr val="945200"/>
+          </a:solidFill>
+          <a:ln>
+            <a:solidFill>
+              <a:schemeClr val="tx1"/>
+            </a:solidFill>
+          </a:ln>
+        </p:spPr>
+        <p:style>
+          <a:lnRef idx="2">
+            <a:schemeClr val="accent1">
+              <a:shade val="50000"/>
+            </a:schemeClr>
+          </a:lnRef>
+          <a:fillRef idx="1">
+            <a:schemeClr val="accent1"/>
+          </a:fillRef>
+          <a:effectRef idx="0">
+            <a:schemeClr val="accent1"/>
+          </a:effectRef>
+          <a:fontRef idx="minor">
+            <a:schemeClr val="lt1"/>
+          </a:fontRef>
+        </p:style>
+        <p:txBody>
+          <a:bodyPr rtlCol="0" anchor="ctr"/>
+          <a:lstStyle/>
+          <a:p>
+            <a:pPr algn="ctr"/>
+            <a:endParaRPr lang="en-US"/>
+          </a:p>
+        </p:txBody>
+      </p:sp>
+    </p:spTree>
+    <p:extLst>
+      <p:ext uri="{BB962C8B-B14F-4D97-AF65-F5344CB8AC3E}">
+        <p14:creationId xmlns:p14="http://schemas.microsoft.com/office/powerpoint/2010/main" val="84931049"/>
       </p:ext>
     </p:extLst>
   </p:cSld>
